--- a/companion-website/public/files/22. Is the New Testament Corrupted.pptx
+++ b/companion-website/public/files/22. Is the New Testament Corrupted.pptx
@@ -2889,7 +2889,7 @@
           <a:p>
             <a:fld id="{8F7EB338-8BB0-B64B-9F79-C87EA24D723F}" type="datetimeFigureOut">
               <a:rPr lang="en-US" smtClean="0"/>
-              <a:t>8/7/20</a:t>
+              <a:t>11/28/20</a:t>
             </a:fld>
             <a:endParaRPr lang="en-US"/>
           </a:p>
@@ -3844,7 +3844,7 @@
             <a:fld id="{DBE77699-C466-4996-ADED-71C8160E04A2}" type="datetimeFigureOut">
               <a:rPr lang="en-US" smtClean="0"/>
               <a:pPr/>
-              <a:t>8/7/20</a:t>
+              <a:t>11/28/20</a:t>
             </a:fld>
             <a:endParaRPr lang="en-US"/>
           </a:p>
@@ -4009,7 +4009,7 @@
             <a:fld id="{DBE77699-C466-4996-ADED-71C8160E04A2}" type="datetimeFigureOut">
               <a:rPr lang="en-US" smtClean="0"/>
               <a:pPr/>
-              <a:t>8/7/20</a:t>
+              <a:t>11/28/20</a:t>
             </a:fld>
             <a:endParaRPr lang="en-US"/>
           </a:p>
@@ -4184,7 +4184,7 @@
             <a:fld id="{DBE77699-C466-4996-ADED-71C8160E04A2}" type="datetimeFigureOut">
               <a:rPr lang="en-US" smtClean="0"/>
               <a:pPr/>
-              <a:t>8/7/20</a:t>
+              <a:t>11/28/20</a:t>
             </a:fld>
             <a:endParaRPr lang="en-US"/>
           </a:p>
@@ -4363,7 +4363,7 @@
             <a:fld id="{DBE77699-C466-4996-ADED-71C8160E04A2}" type="datetimeFigureOut">
               <a:rPr lang="en-US" smtClean="0"/>
               <a:pPr/>
-              <a:t>8/7/20</a:t>
+              <a:t>11/28/20</a:t>
             </a:fld>
             <a:endParaRPr lang="en-US"/>
           </a:p>
@@ -4526,7 +4526,7 @@
             <a:fld id="{DBE77699-C466-4996-ADED-71C8160E04A2}" type="datetimeFigureOut">
               <a:rPr lang="en-US" smtClean="0"/>
               <a:pPr/>
-              <a:t>8/7/20</a:t>
+              <a:t>11/28/20</a:t>
             </a:fld>
             <a:endParaRPr lang="en-US"/>
           </a:p>
@@ -4934,7 +4934,7 @@
             <a:fld id="{DBE77699-C466-4996-ADED-71C8160E04A2}" type="datetimeFigureOut">
               <a:rPr lang="en-US" smtClean="0"/>
               <a:pPr/>
-              <a:t>8/7/20</a:t>
+              <a:t>11/28/20</a:t>
             </a:fld>
             <a:endParaRPr lang="en-US"/>
           </a:p>
@@ -5176,7 +5176,7 @@
             <a:fld id="{DBE77699-C466-4996-ADED-71C8160E04A2}" type="datetimeFigureOut">
               <a:rPr lang="en-US" smtClean="0"/>
               <a:pPr/>
-              <a:t>8/7/20</a:t>
+              <a:t>11/28/20</a:t>
             </a:fld>
             <a:endParaRPr lang="en-US"/>
           </a:p>
@@ -5458,7 +5458,7 @@
             <a:fld id="{DBE77699-C466-4996-ADED-71C8160E04A2}" type="datetimeFigureOut">
               <a:rPr lang="en-US" smtClean="0"/>
               <a:pPr/>
-              <a:t>8/7/20</a:t>
+              <a:t>11/28/20</a:t>
             </a:fld>
             <a:endParaRPr lang="en-US"/>
           </a:p>
@@ -5874,7 +5874,7 @@
             <a:fld id="{DBE77699-C466-4996-ADED-71C8160E04A2}" type="datetimeFigureOut">
               <a:rPr lang="en-US" smtClean="0"/>
               <a:pPr/>
-              <a:t>8/7/20</a:t>
+              <a:t>11/28/20</a:t>
             </a:fld>
             <a:endParaRPr lang="en-US"/>
           </a:p>
@@ -5988,7 +5988,7 @@
             <a:fld id="{DBE77699-C466-4996-ADED-71C8160E04A2}" type="datetimeFigureOut">
               <a:rPr lang="en-US" smtClean="0"/>
               <a:pPr/>
-              <a:t>8/7/20</a:t>
+              <a:t>11/28/20</a:t>
             </a:fld>
             <a:endParaRPr lang="en-US"/>
           </a:p>
@@ -6080,7 +6080,7 @@
             <a:fld id="{DBE77699-C466-4996-ADED-71C8160E04A2}" type="datetimeFigureOut">
               <a:rPr lang="en-US" smtClean="0"/>
               <a:pPr/>
-              <a:t>8/7/20</a:t>
+              <a:t>11/28/20</a:t>
             </a:fld>
             <a:endParaRPr lang="en-US"/>
           </a:p>
@@ -6352,7 +6352,7 @@
             <a:fld id="{DBE77699-C466-4996-ADED-71C8160E04A2}" type="datetimeFigureOut">
               <a:rPr lang="en-US" smtClean="0"/>
               <a:pPr/>
-              <a:t>8/7/20</a:t>
+              <a:t>11/28/20</a:t>
             </a:fld>
             <a:endParaRPr lang="en-US"/>
           </a:p>
@@ -6601,7 +6601,7 @@
             <a:fld id="{DBE77699-C466-4996-ADED-71C8160E04A2}" type="datetimeFigureOut">
               <a:rPr lang="en-US" smtClean="0"/>
               <a:pPr/>
-              <a:t>8/7/20</a:t>
+              <a:t>11/28/20</a:t>
             </a:fld>
             <a:endParaRPr lang="en-US"/>
           </a:p>
@@ -6812,7 +6812,7 @@
             <a:fld id="{DBE77699-C466-4996-ADED-71C8160E04A2}" type="datetimeFigureOut">
               <a:rPr lang="en-US" smtClean="0"/>
               <a:pPr/>
-              <a:t>8/7/20</a:t>
+              <a:t>11/28/20</a:t>
             </a:fld>
             <a:endParaRPr lang="en-US"/>
           </a:p>
@@ -18472,7 +18472,7 @@
             <a:pPr algn="ctr"/>
             <a:r>
               <a:rPr lang="en-US" sz="7200" dirty="0"/>
-              <a:t>6,000+</a:t>
+              <a:t>5,500+</a:t>
             </a:r>
           </a:p>
         </p:txBody>
@@ -22963,14 +22963,6 @@
               <a:t>“If he and I were put in a room and asked to hammer out a consensus statement on what we think the original text of the New Testament probably looked like, there would be </a:t>
             </a:r>
             <a:r>
-              <a:rPr lang="en-US" sz="3600" dirty="0">
-                <a:highlight>
-                  <a:srgbClr val="C00002"/>
-                </a:highlight>
-              </a:rPr>
-              <a:t> </a:t>
-            </a:r>
-            <a:r>
               <a:rPr lang="en-US" sz="3600" b="1" dirty="0">
                 <a:highlight>
                   <a:srgbClr val="C00002"/>
@@ -23113,15 +23105,7 @@
             </a:pPr>
             <a:r>
               <a:rPr lang="en-US" sz="3600" dirty="0"/>
-              <a:t>“So, for anyone ... who is worried about how the textual variants of the New Testament might affect it, let me say it once again:</a:t>
-            </a:r>
-            <a:r>
-              <a:rPr lang="en-US" sz="3600" dirty="0">
-                <a:highlight>
-                  <a:srgbClr val="C00002"/>
-                </a:highlight>
-              </a:rPr>
-              <a:t> </a:t>
+              <a:t>“So, for anyone ... who is worried about how the textual variants of the New Testament might affect it, let me say it once again: </a:t>
             </a:r>
             <a:r>
               <a:rPr lang="en-US" sz="3600" b="1" dirty="0">
@@ -23129,7 +23113,7 @@
                   <a:srgbClr val="C00002"/>
                 </a:highlight>
               </a:rPr>
-              <a:t>none of your cherished doctrines appears to be in real danger </a:t>
+              <a:t>none of your cherished doctrines appears to be in real danger</a:t>
             </a:r>
             <a:r>
               <a:rPr lang="en-US" sz="3600" b="1" dirty="0"/>
@@ -23138,14 +23122,6 @@
             <a:r>
               <a:rPr lang="en-US" sz="3600" dirty="0"/>
               <a:t>because of variations in our surviving manuscripts (at least the variations that we know about). But </a:t>
-            </a:r>
-            <a:r>
-              <a:rPr lang="en-US" sz="3600" dirty="0">
-                <a:highlight>
-                  <a:srgbClr val="C00002"/>
-                </a:highlight>
-              </a:rPr>
-              <a:t> </a:t>
             </a:r>
             <a:r>
               <a:rPr lang="en-US" sz="3600" b="1" dirty="0">
@@ -23153,19 +23129,15 @@
                   <a:srgbClr val="C00002"/>
                 </a:highlight>
               </a:rPr>
-              <a:t>that is not my claim </a:t>
+              <a:t>that is not my claim</a:t>
+            </a:r>
+            <a:r>
+              <a:rPr lang="en-US" sz="3600" b="1" dirty="0"/>
+              <a:t> </a:t>
             </a:r>
             <a:r>
               <a:rPr lang="en-US" sz="3600" dirty="0"/>
-              <a:t>and</a:t>
-            </a:r>
-            <a:r>
-              <a:rPr lang="en-US" sz="3600" dirty="0">
-                <a:highlight>
-                  <a:srgbClr val="C00002"/>
-                </a:highlight>
-              </a:rPr>
-              <a:t> </a:t>
+              <a:t>and </a:t>
             </a:r>
             <a:r>
               <a:rPr lang="en-US" sz="3600" b="1" dirty="0">

--- a/companion-website/public/files/22. Is the New Testament Corrupted.pptx
+++ b/companion-website/public/files/22. Is the New Testament Corrupted.pptx
@@ -5,37 +5,38 @@
     <p:sldMasterId id="2147483648" r:id="rId1"/>
   </p:sldMasterIdLst>
   <p:notesMasterIdLst>
-    <p:notesMasterId r:id="rId30"/>
+    <p:notesMasterId r:id="rId31"/>
   </p:notesMasterIdLst>
   <p:sldIdLst>
     <p:sldId id="275" r:id="rId2"/>
     <p:sldId id="469" r:id="rId3"/>
     <p:sldId id="438" r:id="rId4"/>
-    <p:sldId id="449" r:id="rId5"/>
-    <p:sldId id="450" r:id="rId6"/>
-    <p:sldId id="468" r:id="rId7"/>
-    <p:sldId id="448" r:id="rId8"/>
-    <p:sldId id="471" r:id="rId9"/>
-    <p:sldId id="472" r:id="rId10"/>
-    <p:sldId id="261" r:id="rId11"/>
-    <p:sldId id="466" r:id="rId12"/>
-    <p:sldId id="467" r:id="rId13"/>
-    <p:sldId id="458" r:id="rId14"/>
-    <p:sldId id="459" r:id="rId15"/>
-    <p:sldId id="460" r:id="rId16"/>
-    <p:sldId id="259" r:id="rId17"/>
-    <p:sldId id="446" r:id="rId18"/>
-    <p:sldId id="435" r:id="rId19"/>
-    <p:sldId id="462" r:id="rId20"/>
-    <p:sldId id="456" r:id="rId21"/>
-    <p:sldId id="451" r:id="rId22"/>
-    <p:sldId id="455" r:id="rId23"/>
-    <p:sldId id="454" r:id="rId24"/>
-    <p:sldId id="463" r:id="rId25"/>
-    <p:sldId id="465" r:id="rId26"/>
-    <p:sldId id="439" r:id="rId27"/>
-    <p:sldId id="464" r:id="rId28"/>
-    <p:sldId id="473" r:id="rId29"/>
+    <p:sldId id="474" r:id="rId5"/>
+    <p:sldId id="449" r:id="rId6"/>
+    <p:sldId id="450" r:id="rId7"/>
+    <p:sldId id="468" r:id="rId8"/>
+    <p:sldId id="448" r:id="rId9"/>
+    <p:sldId id="471" r:id="rId10"/>
+    <p:sldId id="472" r:id="rId11"/>
+    <p:sldId id="261" r:id="rId12"/>
+    <p:sldId id="466" r:id="rId13"/>
+    <p:sldId id="467" r:id="rId14"/>
+    <p:sldId id="458" r:id="rId15"/>
+    <p:sldId id="459" r:id="rId16"/>
+    <p:sldId id="460" r:id="rId17"/>
+    <p:sldId id="259" r:id="rId18"/>
+    <p:sldId id="446" r:id="rId19"/>
+    <p:sldId id="435" r:id="rId20"/>
+    <p:sldId id="462" r:id="rId21"/>
+    <p:sldId id="456" r:id="rId22"/>
+    <p:sldId id="451" r:id="rId23"/>
+    <p:sldId id="455" r:id="rId24"/>
+    <p:sldId id="454" r:id="rId25"/>
+    <p:sldId id="463" r:id="rId26"/>
+    <p:sldId id="465" r:id="rId27"/>
+    <p:sldId id="439" r:id="rId28"/>
+    <p:sldId id="464" r:id="rId29"/>
+    <p:sldId id="473" r:id="rId30"/>
   </p:sldIdLst>
   <p:sldSz cx="9144000" cy="6858000" type="screen4x3"/>
   <p:notesSz cx="6858000" cy="9144000"/>
@@ -2889,7 +2890,7 @@
           <a:p>
             <a:fld id="{8F7EB338-8BB0-B64B-9F79-C87EA24D723F}" type="datetimeFigureOut">
               <a:rPr lang="en-US" smtClean="0"/>
-              <a:t>11/28/20</a:t>
+              <a:t>12/8/20</a:t>
             </a:fld>
             <a:endParaRPr lang="en-US"/>
           </a:p>
@@ -3221,7 +3222,7 @@
           <a:p>
             <a:fld id="{0A2C3B37-55FA-284F-9E83-751B4EA6E9B4}" type="slidenum">
               <a:rPr lang="en-US" smtClean="0"/>
-              <a:t>13</a:t>
+              <a:t>14</a:t>
             </a:fld>
             <a:endParaRPr lang="en-US"/>
           </a:p>
@@ -3305,7 +3306,7 @@
           <a:p>
             <a:fld id="{0A2C3B37-55FA-284F-9E83-751B4EA6E9B4}" type="slidenum">
               <a:rPr lang="en-US" smtClean="0"/>
-              <a:t>14</a:t>
+              <a:t>15</a:t>
             </a:fld>
             <a:endParaRPr lang="en-US"/>
           </a:p>
@@ -3389,7 +3390,7 @@
           <a:p>
             <a:fld id="{0A2C3B37-55FA-284F-9E83-751B4EA6E9B4}" type="slidenum">
               <a:rPr lang="en-US" smtClean="0"/>
-              <a:t>15</a:t>
+              <a:t>16</a:t>
             </a:fld>
             <a:endParaRPr lang="en-US"/>
           </a:p>
@@ -3473,7 +3474,7 @@
           <a:p>
             <a:fld id="{0A2C3B37-55FA-284F-9E83-751B4EA6E9B4}" type="slidenum">
               <a:rPr lang="en-US" smtClean="0"/>
-              <a:t>22</a:t>
+              <a:t>23</a:t>
             </a:fld>
             <a:endParaRPr lang="en-US"/>
           </a:p>
@@ -3557,7 +3558,7 @@
           <a:p>
             <a:fld id="{0A2C3B37-55FA-284F-9E83-751B4EA6E9B4}" type="slidenum">
               <a:rPr lang="en-US" smtClean="0"/>
-              <a:t>23</a:t>
+              <a:t>24</a:t>
             </a:fld>
             <a:endParaRPr lang="en-US"/>
           </a:p>
@@ -3641,7 +3642,7 @@
           <a:p>
             <a:fld id="{0A2C3B37-55FA-284F-9E83-751B4EA6E9B4}" type="slidenum">
               <a:rPr lang="en-US" smtClean="0"/>
-              <a:t>28</a:t>
+              <a:t>29</a:t>
             </a:fld>
             <a:endParaRPr lang="en-US"/>
           </a:p>
@@ -3844,7 +3845,7 @@
             <a:fld id="{DBE77699-C466-4996-ADED-71C8160E04A2}" type="datetimeFigureOut">
               <a:rPr lang="en-US" smtClean="0"/>
               <a:pPr/>
-              <a:t>11/28/20</a:t>
+              <a:t>12/8/20</a:t>
             </a:fld>
             <a:endParaRPr lang="en-US"/>
           </a:p>
@@ -4009,7 +4010,7 @@
             <a:fld id="{DBE77699-C466-4996-ADED-71C8160E04A2}" type="datetimeFigureOut">
               <a:rPr lang="en-US" smtClean="0"/>
               <a:pPr/>
-              <a:t>11/28/20</a:t>
+              <a:t>12/8/20</a:t>
             </a:fld>
             <a:endParaRPr lang="en-US"/>
           </a:p>
@@ -4184,7 +4185,7 @@
             <a:fld id="{DBE77699-C466-4996-ADED-71C8160E04A2}" type="datetimeFigureOut">
               <a:rPr lang="en-US" smtClean="0"/>
               <a:pPr/>
-              <a:t>11/28/20</a:t>
+              <a:t>12/8/20</a:t>
             </a:fld>
             <a:endParaRPr lang="en-US"/>
           </a:p>
@@ -4363,7 +4364,7 @@
             <a:fld id="{DBE77699-C466-4996-ADED-71C8160E04A2}" type="datetimeFigureOut">
               <a:rPr lang="en-US" smtClean="0"/>
               <a:pPr/>
-              <a:t>11/28/20</a:t>
+              <a:t>12/8/20</a:t>
             </a:fld>
             <a:endParaRPr lang="en-US"/>
           </a:p>
@@ -4526,7 +4527,7 @@
             <a:fld id="{DBE77699-C466-4996-ADED-71C8160E04A2}" type="datetimeFigureOut">
               <a:rPr lang="en-US" smtClean="0"/>
               <a:pPr/>
-              <a:t>11/28/20</a:t>
+              <a:t>12/8/20</a:t>
             </a:fld>
             <a:endParaRPr lang="en-US"/>
           </a:p>
@@ -4934,7 +4935,7 @@
             <a:fld id="{DBE77699-C466-4996-ADED-71C8160E04A2}" type="datetimeFigureOut">
               <a:rPr lang="en-US" smtClean="0"/>
               <a:pPr/>
-              <a:t>11/28/20</a:t>
+              <a:t>12/8/20</a:t>
             </a:fld>
             <a:endParaRPr lang="en-US"/>
           </a:p>
@@ -5176,7 +5177,7 @@
             <a:fld id="{DBE77699-C466-4996-ADED-71C8160E04A2}" type="datetimeFigureOut">
               <a:rPr lang="en-US" smtClean="0"/>
               <a:pPr/>
-              <a:t>11/28/20</a:t>
+              <a:t>12/8/20</a:t>
             </a:fld>
             <a:endParaRPr lang="en-US"/>
           </a:p>
@@ -5458,7 +5459,7 @@
             <a:fld id="{DBE77699-C466-4996-ADED-71C8160E04A2}" type="datetimeFigureOut">
               <a:rPr lang="en-US" smtClean="0"/>
               <a:pPr/>
-              <a:t>11/28/20</a:t>
+              <a:t>12/8/20</a:t>
             </a:fld>
             <a:endParaRPr lang="en-US"/>
           </a:p>
@@ -5874,7 +5875,7 @@
             <a:fld id="{DBE77699-C466-4996-ADED-71C8160E04A2}" type="datetimeFigureOut">
               <a:rPr lang="en-US" smtClean="0"/>
               <a:pPr/>
-              <a:t>11/28/20</a:t>
+              <a:t>12/8/20</a:t>
             </a:fld>
             <a:endParaRPr lang="en-US"/>
           </a:p>
@@ -5988,7 +5989,7 @@
             <a:fld id="{DBE77699-C466-4996-ADED-71C8160E04A2}" type="datetimeFigureOut">
               <a:rPr lang="en-US" smtClean="0"/>
               <a:pPr/>
-              <a:t>11/28/20</a:t>
+              <a:t>12/8/20</a:t>
             </a:fld>
             <a:endParaRPr lang="en-US"/>
           </a:p>
@@ -6080,7 +6081,7 @@
             <a:fld id="{DBE77699-C466-4996-ADED-71C8160E04A2}" type="datetimeFigureOut">
               <a:rPr lang="en-US" smtClean="0"/>
               <a:pPr/>
-              <a:t>11/28/20</a:t>
+              <a:t>12/8/20</a:t>
             </a:fld>
             <a:endParaRPr lang="en-US"/>
           </a:p>
@@ -6352,7 +6353,7 @@
             <a:fld id="{DBE77699-C466-4996-ADED-71C8160E04A2}" type="datetimeFigureOut">
               <a:rPr lang="en-US" smtClean="0"/>
               <a:pPr/>
-              <a:t>11/28/20</a:t>
+              <a:t>12/8/20</a:t>
             </a:fld>
             <a:endParaRPr lang="en-US"/>
           </a:p>
@@ -6601,7 +6602,7 @@
             <a:fld id="{DBE77699-C466-4996-ADED-71C8160E04A2}" type="datetimeFigureOut">
               <a:rPr lang="en-US" smtClean="0"/>
               <a:pPr/>
-              <a:t>11/28/20</a:t>
+              <a:t>12/8/20</a:t>
             </a:fld>
             <a:endParaRPr lang="en-US"/>
           </a:p>
@@ -6812,7 +6813,7 @@
             <a:fld id="{DBE77699-C466-4996-ADED-71C8160E04A2}" type="datetimeFigureOut">
               <a:rPr lang="en-US" smtClean="0"/>
               <a:pPr/>
-              <a:t>11/28/20</a:t>
+              <a:t>12/8/20</a:t>
             </a:fld>
             <a:endParaRPr lang="en-US"/>
           </a:p>
@@ -8011,6 +8012,1217 @@
 </file>
 
 <file path=ppt/slides/slide10.xml><?xml version="1.0" encoding="utf-8"?>
+<p:sld xmlns:a="http://schemas.openxmlformats.org/drawingml/2006/main" xmlns:r="http://schemas.openxmlformats.org/officeDocument/2006/relationships" xmlns:p="http://schemas.openxmlformats.org/presentationml/2006/main">
+  <p:cSld>
+    <p:spTree>
+      <p:nvGrpSpPr>
+        <p:cNvPr id="1" name=""/>
+        <p:cNvGrpSpPr/>
+        <p:nvPr/>
+      </p:nvGrpSpPr>
+      <p:grpSpPr>
+        <a:xfrm>
+          <a:off x="0" y="0"/>
+          <a:ext cx="0" cy="0"/>
+          <a:chOff x="0" y="0"/>
+          <a:chExt cx="0" cy="0"/>
+        </a:xfrm>
+      </p:grpSpPr>
+      <p:sp>
+        <p:nvSpPr>
+          <p:cNvPr id="5" name="TextBox 4">
+            <a:extLst>
+              <a:ext uri="{FF2B5EF4-FFF2-40B4-BE49-F238E27FC236}">
+                <a16:creationId xmlns:a16="http://schemas.microsoft.com/office/drawing/2014/main" id="{1C5E0DE4-2565-5B44-A349-D03376F41A2E}"/>
+              </a:ext>
+            </a:extLst>
+          </p:cNvPr>
+          <p:cNvSpPr txBox="1"/>
+          <p:nvPr/>
+        </p:nvSpPr>
+        <p:spPr>
+          <a:xfrm>
+            <a:off x="231852" y="295670"/>
+            <a:ext cx="7167108" cy="830997"/>
+          </a:xfrm>
+          <a:prstGeom prst="rect">
+            <a:avLst/>
+          </a:prstGeom>
+          <a:noFill/>
+        </p:spPr>
+        <p:txBody>
+          <a:bodyPr wrap="square" rtlCol="0">
+            <a:spAutoFit/>
+          </a:bodyPr>
+          <a:lstStyle/>
+          <a:p>
+            <a:r>
+              <a:rPr lang="en-US" sz="4800" dirty="0"/>
+              <a:t>I won a million dollars</a:t>
+            </a:r>
+          </a:p>
+        </p:txBody>
+      </p:sp>
+      <p:sp>
+        <p:nvSpPr>
+          <p:cNvPr id="6" name="TextBox 5">
+            <a:extLst>
+              <a:ext uri="{FF2B5EF4-FFF2-40B4-BE49-F238E27FC236}">
+                <a16:creationId xmlns:a16="http://schemas.microsoft.com/office/drawing/2014/main" id="{91372BE0-5DA4-684B-A7D8-07D728486018}"/>
+              </a:ext>
+            </a:extLst>
+          </p:cNvPr>
+          <p:cNvSpPr txBox="1"/>
+          <p:nvPr/>
+        </p:nvSpPr>
+        <p:spPr>
+          <a:xfrm>
+            <a:off x="231852" y="1227881"/>
+            <a:ext cx="7497327" cy="830997"/>
+          </a:xfrm>
+          <a:prstGeom prst="rect">
+            <a:avLst/>
+          </a:prstGeom>
+          <a:noFill/>
+        </p:spPr>
+        <p:txBody>
+          <a:bodyPr wrap="square" rtlCol="0">
+            <a:spAutoFit/>
+          </a:bodyPr>
+          <a:lstStyle/>
+          <a:p>
+            <a:r>
+              <a:rPr lang="en-US" sz="4800" dirty="0"/>
+              <a:t>I won </a:t>
+            </a:r>
+            <a:r>
+              <a:rPr lang="en-US" sz="4800" dirty="0">
+                <a:highlight>
+                  <a:srgbClr val="C00002"/>
+                </a:highlight>
+              </a:rPr>
+              <a:t>one</a:t>
+            </a:r>
+            <a:r>
+              <a:rPr lang="en-US" sz="4800" dirty="0"/>
+              <a:t> million dollars</a:t>
+            </a:r>
+          </a:p>
+        </p:txBody>
+      </p:sp>
+      <p:sp>
+        <p:nvSpPr>
+          <p:cNvPr id="7" name="TextBox 6">
+            <a:extLst>
+              <a:ext uri="{FF2B5EF4-FFF2-40B4-BE49-F238E27FC236}">
+                <a16:creationId xmlns:a16="http://schemas.microsoft.com/office/drawing/2014/main" id="{3A9B9D75-D582-E347-8489-DBBECAD1C509}"/>
+              </a:ext>
+            </a:extLst>
+          </p:cNvPr>
+          <p:cNvSpPr txBox="1"/>
+          <p:nvPr/>
+        </p:nvSpPr>
+        <p:spPr>
+          <a:xfrm>
+            <a:off x="231852" y="2354996"/>
+            <a:ext cx="7025692" cy="830997"/>
+          </a:xfrm>
+          <a:prstGeom prst="rect">
+            <a:avLst/>
+          </a:prstGeom>
+          <a:noFill/>
+        </p:spPr>
+        <p:txBody>
+          <a:bodyPr wrap="square" rtlCol="0">
+            <a:spAutoFit/>
+          </a:bodyPr>
+          <a:lstStyle/>
+          <a:p>
+            <a:r>
+              <a:rPr lang="en-US" sz="4800" dirty="0"/>
+              <a:t>I won </a:t>
+            </a:r>
+            <a:r>
+              <a:rPr lang="en-US" sz="4800" dirty="0">
+                <a:highlight>
+                  <a:srgbClr val="C00002"/>
+                </a:highlight>
+              </a:rPr>
+              <a:t>$1</a:t>
+            </a:r>
+            <a:r>
+              <a:rPr lang="en-US" sz="4800" dirty="0"/>
+              <a:t> million </a:t>
+            </a:r>
+            <a:r>
+              <a:rPr lang="en-US" sz="4800" dirty="0">
+                <a:highlight>
+                  <a:srgbClr val="C00002"/>
+                </a:highlight>
+              </a:rPr>
+              <a:t>_ </a:t>
+            </a:r>
+          </a:p>
+        </p:txBody>
+      </p:sp>
+      <p:sp>
+        <p:nvSpPr>
+          <p:cNvPr id="8" name="TextBox 7">
+            <a:extLst>
+              <a:ext uri="{FF2B5EF4-FFF2-40B4-BE49-F238E27FC236}">
+                <a16:creationId xmlns:a16="http://schemas.microsoft.com/office/drawing/2014/main" id="{E8538B19-3CD8-5249-B919-545F9EB7F256}"/>
+              </a:ext>
+            </a:extLst>
+          </p:cNvPr>
+          <p:cNvSpPr txBox="1"/>
+          <p:nvPr/>
+        </p:nvSpPr>
+        <p:spPr>
+          <a:xfrm>
+            <a:off x="231852" y="3479607"/>
+            <a:ext cx="6597053" cy="830997"/>
+          </a:xfrm>
+          <a:prstGeom prst="rect">
+            <a:avLst/>
+          </a:prstGeom>
+          <a:noFill/>
+        </p:spPr>
+        <p:txBody>
+          <a:bodyPr wrap="square" rtlCol="0">
+            <a:spAutoFit/>
+          </a:bodyPr>
+          <a:lstStyle/>
+          <a:p>
+            <a:r>
+              <a:rPr lang="en-US" sz="4800" dirty="0"/>
+              <a:t>I won </a:t>
+            </a:r>
+            <a:r>
+              <a:rPr lang="en-US" sz="4800" dirty="0">
+                <a:highlight>
+                  <a:srgbClr val="C00002"/>
+                </a:highlight>
+              </a:rPr>
+              <a:t>$1,000,000</a:t>
+            </a:r>
+          </a:p>
+        </p:txBody>
+      </p:sp>
+      <p:sp>
+        <p:nvSpPr>
+          <p:cNvPr id="9" name="TextBox 8">
+            <a:extLst>
+              <a:ext uri="{FF2B5EF4-FFF2-40B4-BE49-F238E27FC236}">
+                <a16:creationId xmlns:a16="http://schemas.microsoft.com/office/drawing/2014/main" id="{A4120390-DC72-DC43-A3A5-3868C33CFEAE}"/>
+              </a:ext>
+            </a:extLst>
+          </p:cNvPr>
+          <p:cNvSpPr txBox="1"/>
+          <p:nvPr/>
+        </p:nvSpPr>
+        <p:spPr>
+          <a:xfrm>
+            <a:off x="231852" y="4605470"/>
+            <a:ext cx="6463941" cy="830997"/>
+          </a:xfrm>
+          <a:prstGeom prst="rect">
+            <a:avLst/>
+          </a:prstGeom>
+          <a:noFill/>
+        </p:spPr>
+        <p:txBody>
+          <a:bodyPr wrap="square" rtlCol="0">
+            <a:spAutoFit/>
+          </a:bodyPr>
+          <a:lstStyle/>
+          <a:p>
+            <a:r>
+              <a:rPr lang="en-US" sz="4800" dirty="0"/>
+              <a:t>I </a:t>
+            </a:r>
+            <a:r>
+              <a:rPr lang="en-US" sz="4800" dirty="0">
+                <a:highlight>
+                  <a:srgbClr val="C00002"/>
+                </a:highlight>
+              </a:rPr>
+              <a:t>got</a:t>
+            </a:r>
+            <a:r>
+              <a:rPr lang="en-US" sz="4800" dirty="0"/>
+              <a:t> $1,000,000</a:t>
+            </a:r>
+          </a:p>
+        </p:txBody>
+      </p:sp>
+      <p:sp>
+        <p:nvSpPr>
+          <p:cNvPr id="10" name="TextBox 9">
+            <a:extLst>
+              <a:ext uri="{FF2B5EF4-FFF2-40B4-BE49-F238E27FC236}">
+                <a16:creationId xmlns:a16="http://schemas.microsoft.com/office/drawing/2014/main" id="{9A9C4489-66E0-384E-ABFB-9E7B42A37D20}"/>
+              </a:ext>
+            </a:extLst>
+          </p:cNvPr>
+          <p:cNvSpPr txBox="1"/>
+          <p:nvPr/>
+        </p:nvSpPr>
+        <p:spPr>
+          <a:xfrm>
+            <a:off x="231852" y="5731333"/>
+            <a:ext cx="7025692" cy="830997"/>
+          </a:xfrm>
+          <a:prstGeom prst="rect">
+            <a:avLst/>
+          </a:prstGeom>
+          <a:noFill/>
+        </p:spPr>
+        <p:txBody>
+          <a:bodyPr wrap="square" rtlCol="0">
+            <a:spAutoFit/>
+          </a:bodyPr>
+          <a:lstStyle/>
+          <a:p>
+            <a:r>
+              <a:rPr lang="en-US" sz="4800" dirty="0"/>
+              <a:t>I </a:t>
+            </a:r>
+            <a:r>
+              <a:rPr lang="en-US" sz="4800" dirty="0" err="1">
+                <a:highlight>
+                  <a:srgbClr val="C00002"/>
+                </a:highlight>
+              </a:rPr>
+              <a:t>wun</a:t>
+            </a:r>
+            <a:r>
+              <a:rPr lang="en-US" sz="4800" dirty="0"/>
+              <a:t> </a:t>
+            </a:r>
+            <a:r>
+              <a:rPr lang="en-US" sz="4800" dirty="0">
+                <a:highlight>
+                  <a:srgbClr val="C00002"/>
+                </a:highlight>
+              </a:rPr>
+              <a:t>1</a:t>
+            </a:r>
+            <a:r>
+              <a:rPr lang="en-US" sz="4800" dirty="0"/>
+              <a:t> million dollars</a:t>
+            </a:r>
+          </a:p>
+        </p:txBody>
+      </p:sp>
+      <p:sp>
+        <p:nvSpPr>
+          <p:cNvPr id="11" name="TextBox 10">
+            <a:extLst>
+              <a:ext uri="{FF2B5EF4-FFF2-40B4-BE49-F238E27FC236}">
+                <a16:creationId xmlns:a16="http://schemas.microsoft.com/office/drawing/2014/main" id="{9267356C-807D-084D-A5F7-D956B86F4B9C}"/>
+              </a:ext>
+            </a:extLst>
+          </p:cNvPr>
+          <p:cNvSpPr txBox="1"/>
+          <p:nvPr/>
+        </p:nvSpPr>
+        <p:spPr>
+          <a:xfrm>
+            <a:off x="8458200" y="295669"/>
+            <a:ext cx="469380" cy="830997"/>
+          </a:xfrm>
+          <a:prstGeom prst="rect">
+            <a:avLst/>
+          </a:prstGeom>
+          <a:noFill/>
+        </p:spPr>
+        <p:txBody>
+          <a:bodyPr wrap="square" rtlCol="0">
+            <a:spAutoFit/>
+          </a:bodyPr>
+          <a:lstStyle/>
+          <a:p>
+            <a:r>
+              <a:rPr lang="en-US" sz="4800" b="1" dirty="0"/>
+              <a:t>0</a:t>
+            </a:r>
+          </a:p>
+        </p:txBody>
+      </p:sp>
+      <p:sp>
+        <p:nvSpPr>
+          <p:cNvPr id="12" name="TextBox 11">
+            <a:extLst>
+              <a:ext uri="{FF2B5EF4-FFF2-40B4-BE49-F238E27FC236}">
+                <a16:creationId xmlns:a16="http://schemas.microsoft.com/office/drawing/2014/main" id="{2961EBEA-A3FB-CD44-A2C7-248C756925CD}"/>
+              </a:ext>
+            </a:extLst>
+          </p:cNvPr>
+          <p:cNvSpPr txBox="1"/>
+          <p:nvPr/>
+        </p:nvSpPr>
+        <p:spPr>
+          <a:xfrm>
+            <a:off x="6934200" y="1219199"/>
+            <a:ext cx="1993381" cy="830997"/>
+          </a:xfrm>
+          <a:prstGeom prst="rect">
+            <a:avLst/>
+          </a:prstGeom>
+          <a:noFill/>
+        </p:spPr>
+        <p:txBody>
+          <a:bodyPr wrap="square" rtlCol="0">
+            <a:spAutoFit/>
+          </a:bodyPr>
+          <a:lstStyle/>
+          <a:p>
+            <a:pPr algn="r"/>
+            <a:r>
+              <a:rPr lang="en-US" sz="4800" b="1" dirty="0"/>
+              <a:t>+1 = 1</a:t>
+            </a:r>
+          </a:p>
+        </p:txBody>
+      </p:sp>
+      <p:sp>
+        <p:nvSpPr>
+          <p:cNvPr id="13" name="TextBox 12">
+            <a:extLst>
+              <a:ext uri="{FF2B5EF4-FFF2-40B4-BE49-F238E27FC236}">
+                <a16:creationId xmlns:a16="http://schemas.microsoft.com/office/drawing/2014/main" id="{0866233C-5467-964F-919A-6EF8F9E12134}"/>
+              </a:ext>
+            </a:extLst>
+          </p:cNvPr>
+          <p:cNvSpPr txBox="1"/>
+          <p:nvPr/>
+        </p:nvSpPr>
+        <p:spPr>
+          <a:xfrm>
+            <a:off x="6907640" y="2345062"/>
+            <a:ext cx="1993381" cy="830997"/>
+          </a:xfrm>
+          <a:prstGeom prst="rect">
+            <a:avLst/>
+          </a:prstGeom>
+          <a:noFill/>
+        </p:spPr>
+        <p:txBody>
+          <a:bodyPr wrap="square" rtlCol="0">
+            <a:spAutoFit/>
+          </a:bodyPr>
+          <a:lstStyle/>
+          <a:p>
+            <a:pPr algn="r"/>
+            <a:r>
+              <a:rPr lang="en-US" sz="4800" b="1" dirty="0"/>
+              <a:t>+2 = 3</a:t>
+            </a:r>
+          </a:p>
+        </p:txBody>
+      </p:sp>
+      <p:sp>
+        <p:nvSpPr>
+          <p:cNvPr id="14" name="TextBox 13">
+            <a:extLst>
+              <a:ext uri="{FF2B5EF4-FFF2-40B4-BE49-F238E27FC236}">
+                <a16:creationId xmlns:a16="http://schemas.microsoft.com/office/drawing/2014/main" id="{78693E95-9E15-E041-ADDC-731A1463FA40}"/>
+              </a:ext>
+            </a:extLst>
+          </p:cNvPr>
+          <p:cNvSpPr txBox="1"/>
+          <p:nvPr/>
+        </p:nvSpPr>
+        <p:spPr>
+          <a:xfrm>
+            <a:off x="6907640" y="3479607"/>
+            <a:ext cx="1993381" cy="830997"/>
+          </a:xfrm>
+          <a:prstGeom prst="rect">
+            <a:avLst/>
+          </a:prstGeom>
+          <a:noFill/>
+        </p:spPr>
+        <p:txBody>
+          <a:bodyPr wrap="square" rtlCol="0">
+            <a:spAutoFit/>
+          </a:bodyPr>
+          <a:lstStyle/>
+          <a:p>
+            <a:pPr algn="r"/>
+            <a:r>
+              <a:rPr lang="en-US" sz="4800" b="1" dirty="0"/>
+              <a:t>+1 = 4</a:t>
+            </a:r>
+          </a:p>
+        </p:txBody>
+      </p:sp>
+      <p:sp>
+        <p:nvSpPr>
+          <p:cNvPr id="15" name="TextBox 14">
+            <a:extLst>
+              <a:ext uri="{FF2B5EF4-FFF2-40B4-BE49-F238E27FC236}">
+                <a16:creationId xmlns:a16="http://schemas.microsoft.com/office/drawing/2014/main" id="{EB63D4BA-43C6-D246-8F9A-5CD5C68AA7EE}"/>
+              </a:ext>
+            </a:extLst>
+          </p:cNvPr>
+          <p:cNvSpPr txBox="1"/>
+          <p:nvPr/>
+        </p:nvSpPr>
+        <p:spPr>
+          <a:xfrm>
+            <a:off x="6907639" y="4596788"/>
+            <a:ext cx="1993381" cy="830997"/>
+          </a:xfrm>
+          <a:prstGeom prst="rect">
+            <a:avLst/>
+          </a:prstGeom>
+          <a:noFill/>
+        </p:spPr>
+        <p:txBody>
+          <a:bodyPr wrap="square" rtlCol="0">
+            <a:spAutoFit/>
+          </a:bodyPr>
+          <a:lstStyle/>
+          <a:p>
+            <a:pPr algn="r"/>
+            <a:r>
+              <a:rPr lang="en-US" sz="4800" b="1" dirty="0"/>
+              <a:t>+1 = 5</a:t>
+            </a:r>
+          </a:p>
+        </p:txBody>
+      </p:sp>
+      <p:sp>
+        <p:nvSpPr>
+          <p:cNvPr id="16" name="TextBox 15">
+            <a:extLst>
+              <a:ext uri="{FF2B5EF4-FFF2-40B4-BE49-F238E27FC236}">
+                <a16:creationId xmlns:a16="http://schemas.microsoft.com/office/drawing/2014/main" id="{6E7279B6-68BE-A747-85BF-BDB8A913B48A}"/>
+              </a:ext>
+            </a:extLst>
+          </p:cNvPr>
+          <p:cNvSpPr txBox="1"/>
+          <p:nvPr/>
+        </p:nvSpPr>
+        <p:spPr>
+          <a:xfrm>
+            <a:off x="6828905" y="5713969"/>
+            <a:ext cx="2072115" cy="830997"/>
+          </a:xfrm>
+          <a:prstGeom prst="rect">
+            <a:avLst/>
+          </a:prstGeom>
+          <a:noFill/>
+        </p:spPr>
+        <p:txBody>
+          <a:bodyPr wrap="square" rtlCol="0">
+            <a:spAutoFit/>
+          </a:bodyPr>
+          <a:lstStyle/>
+          <a:p>
+            <a:pPr algn="r"/>
+            <a:r>
+              <a:rPr lang="en-US" sz="4800" b="1" dirty="0"/>
+              <a:t>+2 = 7</a:t>
+            </a:r>
+          </a:p>
+        </p:txBody>
+      </p:sp>
+    </p:spTree>
+    <p:extLst>
+      <p:ext uri="{BB962C8B-B14F-4D97-AF65-F5344CB8AC3E}">
+        <p14:creationId xmlns:p14="http://schemas.microsoft.com/office/powerpoint/2010/main" val="1369692982"/>
+      </p:ext>
+    </p:extLst>
+  </p:cSld>
+  <p:clrMapOvr>
+    <a:masterClrMapping/>
+  </p:clrMapOvr>
+  <p:timing>
+    <p:tnLst>
+      <p:par>
+        <p:cTn id="1" dur="indefinite" restart="never" nodeType="tmRoot">
+          <p:childTnLst>
+            <p:seq concurrent="1" nextAc="seek">
+              <p:cTn id="2" dur="indefinite" nodeType="mainSeq">
+                <p:childTnLst>
+                  <p:par>
+                    <p:cTn id="3" fill="hold">
+                      <p:stCondLst>
+                        <p:cond delay="indefinite"/>
+                      </p:stCondLst>
+                      <p:childTnLst>
+                        <p:par>
+                          <p:cTn id="4" fill="hold">
+                            <p:stCondLst>
+                              <p:cond delay="0"/>
+                            </p:stCondLst>
+                            <p:childTnLst>
+                              <p:par>
+                                <p:cTn id="5" presetID="10" presetClass="entr" presetSubtype="0" fill="hold" grpId="0" nodeType="clickEffect">
+                                  <p:stCondLst>
+                                    <p:cond delay="0"/>
+                                  </p:stCondLst>
+                                  <p:childTnLst>
+                                    <p:set>
+                                      <p:cBhvr>
+                                        <p:cTn id="6" dur="1" fill="hold">
+                                          <p:stCondLst>
+                                            <p:cond delay="0"/>
+                                          </p:stCondLst>
+                                        </p:cTn>
+                                        <p:tgtEl>
+                                          <p:spTgt spid="5"/>
+                                        </p:tgtEl>
+                                        <p:attrNameLst>
+                                          <p:attrName>style.visibility</p:attrName>
+                                        </p:attrNameLst>
+                                      </p:cBhvr>
+                                      <p:to>
+                                        <p:strVal val="visible"/>
+                                      </p:to>
+                                    </p:set>
+                                    <p:animEffect transition="in" filter="fade">
+                                      <p:cBhvr>
+                                        <p:cTn id="7" dur="250"/>
+                                        <p:tgtEl>
+                                          <p:spTgt spid="5"/>
+                                        </p:tgtEl>
+                                      </p:cBhvr>
+                                    </p:animEffect>
+                                  </p:childTnLst>
+                                </p:cTn>
+                              </p:par>
+                            </p:childTnLst>
+                          </p:cTn>
+                        </p:par>
+                      </p:childTnLst>
+                    </p:cTn>
+                  </p:par>
+                  <p:par>
+                    <p:cTn id="8" fill="hold">
+                      <p:stCondLst>
+                        <p:cond delay="indefinite"/>
+                      </p:stCondLst>
+                      <p:childTnLst>
+                        <p:par>
+                          <p:cTn id="9" fill="hold">
+                            <p:stCondLst>
+                              <p:cond delay="0"/>
+                            </p:stCondLst>
+                            <p:childTnLst>
+                              <p:par>
+                                <p:cTn id="10" presetID="10" presetClass="entr" presetSubtype="0" fill="hold" grpId="0" nodeType="clickEffect">
+                                  <p:stCondLst>
+                                    <p:cond delay="0"/>
+                                  </p:stCondLst>
+                                  <p:childTnLst>
+                                    <p:set>
+                                      <p:cBhvr>
+                                        <p:cTn id="11" dur="1" fill="hold">
+                                          <p:stCondLst>
+                                            <p:cond delay="0"/>
+                                          </p:stCondLst>
+                                        </p:cTn>
+                                        <p:tgtEl>
+                                          <p:spTgt spid="6"/>
+                                        </p:tgtEl>
+                                        <p:attrNameLst>
+                                          <p:attrName>style.visibility</p:attrName>
+                                        </p:attrNameLst>
+                                      </p:cBhvr>
+                                      <p:to>
+                                        <p:strVal val="visible"/>
+                                      </p:to>
+                                    </p:set>
+                                    <p:animEffect transition="in" filter="fade">
+                                      <p:cBhvr>
+                                        <p:cTn id="12" dur="250"/>
+                                        <p:tgtEl>
+                                          <p:spTgt spid="6"/>
+                                        </p:tgtEl>
+                                      </p:cBhvr>
+                                    </p:animEffect>
+                                  </p:childTnLst>
+                                </p:cTn>
+                              </p:par>
+                            </p:childTnLst>
+                          </p:cTn>
+                        </p:par>
+                      </p:childTnLst>
+                    </p:cTn>
+                  </p:par>
+                  <p:par>
+                    <p:cTn id="13" fill="hold">
+                      <p:stCondLst>
+                        <p:cond delay="indefinite"/>
+                      </p:stCondLst>
+                      <p:childTnLst>
+                        <p:par>
+                          <p:cTn id="14" fill="hold">
+                            <p:stCondLst>
+                              <p:cond delay="0"/>
+                            </p:stCondLst>
+                            <p:childTnLst>
+                              <p:par>
+                                <p:cTn id="15" presetID="10" presetClass="entr" presetSubtype="0" fill="hold" grpId="0" nodeType="clickEffect">
+                                  <p:stCondLst>
+                                    <p:cond delay="0"/>
+                                  </p:stCondLst>
+                                  <p:childTnLst>
+                                    <p:set>
+                                      <p:cBhvr>
+                                        <p:cTn id="16" dur="1" fill="hold">
+                                          <p:stCondLst>
+                                            <p:cond delay="0"/>
+                                          </p:stCondLst>
+                                        </p:cTn>
+                                        <p:tgtEl>
+                                          <p:spTgt spid="11"/>
+                                        </p:tgtEl>
+                                        <p:attrNameLst>
+                                          <p:attrName>style.visibility</p:attrName>
+                                        </p:attrNameLst>
+                                      </p:cBhvr>
+                                      <p:to>
+                                        <p:strVal val="visible"/>
+                                      </p:to>
+                                    </p:set>
+                                    <p:animEffect transition="in" filter="fade">
+                                      <p:cBhvr>
+                                        <p:cTn id="17" dur="250"/>
+                                        <p:tgtEl>
+                                          <p:spTgt spid="11"/>
+                                        </p:tgtEl>
+                                      </p:cBhvr>
+                                    </p:animEffect>
+                                  </p:childTnLst>
+                                </p:cTn>
+                              </p:par>
+                            </p:childTnLst>
+                          </p:cTn>
+                        </p:par>
+                      </p:childTnLst>
+                    </p:cTn>
+                  </p:par>
+                  <p:par>
+                    <p:cTn id="18" fill="hold">
+                      <p:stCondLst>
+                        <p:cond delay="indefinite"/>
+                      </p:stCondLst>
+                      <p:childTnLst>
+                        <p:par>
+                          <p:cTn id="19" fill="hold">
+                            <p:stCondLst>
+                              <p:cond delay="0"/>
+                            </p:stCondLst>
+                            <p:childTnLst>
+                              <p:par>
+                                <p:cTn id="20" presetID="10" presetClass="entr" presetSubtype="0" fill="hold" grpId="0" nodeType="clickEffect">
+                                  <p:stCondLst>
+                                    <p:cond delay="0"/>
+                                  </p:stCondLst>
+                                  <p:childTnLst>
+                                    <p:set>
+                                      <p:cBhvr>
+                                        <p:cTn id="21" dur="1" fill="hold">
+                                          <p:stCondLst>
+                                            <p:cond delay="0"/>
+                                          </p:stCondLst>
+                                        </p:cTn>
+                                        <p:tgtEl>
+                                          <p:spTgt spid="12"/>
+                                        </p:tgtEl>
+                                        <p:attrNameLst>
+                                          <p:attrName>style.visibility</p:attrName>
+                                        </p:attrNameLst>
+                                      </p:cBhvr>
+                                      <p:to>
+                                        <p:strVal val="visible"/>
+                                      </p:to>
+                                    </p:set>
+                                    <p:animEffect transition="in" filter="fade">
+                                      <p:cBhvr>
+                                        <p:cTn id="22" dur="250"/>
+                                        <p:tgtEl>
+                                          <p:spTgt spid="12"/>
+                                        </p:tgtEl>
+                                      </p:cBhvr>
+                                    </p:animEffect>
+                                  </p:childTnLst>
+                                </p:cTn>
+                              </p:par>
+                            </p:childTnLst>
+                          </p:cTn>
+                        </p:par>
+                      </p:childTnLst>
+                    </p:cTn>
+                  </p:par>
+                  <p:par>
+                    <p:cTn id="23" fill="hold">
+                      <p:stCondLst>
+                        <p:cond delay="indefinite"/>
+                      </p:stCondLst>
+                      <p:childTnLst>
+                        <p:par>
+                          <p:cTn id="24" fill="hold">
+                            <p:stCondLst>
+                              <p:cond delay="0"/>
+                            </p:stCondLst>
+                            <p:childTnLst>
+                              <p:par>
+                                <p:cTn id="25" presetID="10" presetClass="entr" presetSubtype="0" fill="hold" grpId="0" nodeType="clickEffect">
+                                  <p:stCondLst>
+                                    <p:cond delay="0"/>
+                                  </p:stCondLst>
+                                  <p:childTnLst>
+                                    <p:set>
+                                      <p:cBhvr>
+                                        <p:cTn id="26" dur="1" fill="hold">
+                                          <p:stCondLst>
+                                            <p:cond delay="0"/>
+                                          </p:stCondLst>
+                                        </p:cTn>
+                                        <p:tgtEl>
+                                          <p:spTgt spid="7"/>
+                                        </p:tgtEl>
+                                        <p:attrNameLst>
+                                          <p:attrName>style.visibility</p:attrName>
+                                        </p:attrNameLst>
+                                      </p:cBhvr>
+                                      <p:to>
+                                        <p:strVal val="visible"/>
+                                      </p:to>
+                                    </p:set>
+                                    <p:animEffect transition="in" filter="fade">
+                                      <p:cBhvr>
+                                        <p:cTn id="27" dur="250"/>
+                                        <p:tgtEl>
+                                          <p:spTgt spid="7"/>
+                                        </p:tgtEl>
+                                      </p:cBhvr>
+                                    </p:animEffect>
+                                  </p:childTnLst>
+                                </p:cTn>
+                              </p:par>
+                            </p:childTnLst>
+                          </p:cTn>
+                        </p:par>
+                      </p:childTnLst>
+                    </p:cTn>
+                  </p:par>
+                  <p:par>
+                    <p:cTn id="28" fill="hold">
+                      <p:stCondLst>
+                        <p:cond delay="indefinite"/>
+                      </p:stCondLst>
+                      <p:childTnLst>
+                        <p:par>
+                          <p:cTn id="29" fill="hold">
+                            <p:stCondLst>
+                              <p:cond delay="0"/>
+                            </p:stCondLst>
+                            <p:childTnLst>
+                              <p:par>
+                                <p:cTn id="30" presetID="10" presetClass="entr" presetSubtype="0" fill="hold" grpId="0" nodeType="clickEffect">
+                                  <p:stCondLst>
+                                    <p:cond delay="0"/>
+                                  </p:stCondLst>
+                                  <p:childTnLst>
+                                    <p:set>
+                                      <p:cBhvr>
+                                        <p:cTn id="31" dur="1" fill="hold">
+                                          <p:stCondLst>
+                                            <p:cond delay="0"/>
+                                          </p:stCondLst>
+                                        </p:cTn>
+                                        <p:tgtEl>
+                                          <p:spTgt spid="13"/>
+                                        </p:tgtEl>
+                                        <p:attrNameLst>
+                                          <p:attrName>style.visibility</p:attrName>
+                                        </p:attrNameLst>
+                                      </p:cBhvr>
+                                      <p:to>
+                                        <p:strVal val="visible"/>
+                                      </p:to>
+                                    </p:set>
+                                    <p:animEffect transition="in" filter="fade">
+                                      <p:cBhvr>
+                                        <p:cTn id="32" dur="250"/>
+                                        <p:tgtEl>
+                                          <p:spTgt spid="13"/>
+                                        </p:tgtEl>
+                                      </p:cBhvr>
+                                    </p:animEffect>
+                                  </p:childTnLst>
+                                </p:cTn>
+                              </p:par>
+                            </p:childTnLst>
+                          </p:cTn>
+                        </p:par>
+                      </p:childTnLst>
+                    </p:cTn>
+                  </p:par>
+                  <p:par>
+                    <p:cTn id="33" fill="hold">
+                      <p:stCondLst>
+                        <p:cond delay="indefinite"/>
+                      </p:stCondLst>
+                      <p:childTnLst>
+                        <p:par>
+                          <p:cTn id="34" fill="hold">
+                            <p:stCondLst>
+                              <p:cond delay="0"/>
+                            </p:stCondLst>
+                            <p:childTnLst>
+                              <p:par>
+                                <p:cTn id="35" presetID="10" presetClass="entr" presetSubtype="0" fill="hold" grpId="0" nodeType="clickEffect">
+                                  <p:stCondLst>
+                                    <p:cond delay="0"/>
+                                  </p:stCondLst>
+                                  <p:childTnLst>
+                                    <p:set>
+                                      <p:cBhvr>
+                                        <p:cTn id="36" dur="1" fill="hold">
+                                          <p:stCondLst>
+                                            <p:cond delay="0"/>
+                                          </p:stCondLst>
+                                        </p:cTn>
+                                        <p:tgtEl>
+                                          <p:spTgt spid="8"/>
+                                        </p:tgtEl>
+                                        <p:attrNameLst>
+                                          <p:attrName>style.visibility</p:attrName>
+                                        </p:attrNameLst>
+                                      </p:cBhvr>
+                                      <p:to>
+                                        <p:strVal val="visible"/>
+                                      </p:to>
+                                    </p:set>
+                                    <p:animEffect transition="in" filter="fade">
+                                      <p:cBhvr>
+                                        <p:cTn id="37" dur="250"/>
+                                        <p:tgtEl>
+                                          <p:spTgt spid="8"/>
+                                        </p:tgtEl>
+                                      </p:cBhvr>
+                                    </p:animEffect>
+                                  </p:childTnLst>
+                                </p:cTn>
+                              </p:par>
+                            </p:childTnLst>
+                          </p:cTn>
+                        </p:par>
+                      </p:childTnLst>
+                    </p:cTn>
+                  </p:par>
+                  <p:par>
+                    <p:cTn id="38" fill="hold">
+                      <p:stCondLst>
+                        <p:cond delay="indefinite"/>
+                      </p:stCondLst>
+                      <p:childTnLst>
+                        <p:par>
+                          <p:cTn id="39" fill="hold">
+                            <p:stCondLst>
+                              <p:cond delay="0"/>
+                            </p:stCondLst>
+                            <p:childTnLst>
+                              <p:par>
+                                <p:cTn id="40" presetID="10" presetClass="entr" presetSubtype="0" fill="hold" grpId="0" nodeType="clickEffect">
+                                  <p:stCondLst>
+                                    <p:cond delay="0"/>
+                                  </p:stCondLst>
+                                  <p:childTnLst>
+                                    <p:set>
+                                      <p:cBhvr>
+                                        <p:cTn id="41" dur="1" fill="hold">
+                                          <p:stCondLst>
+                                            <p:cond delay="0"/>
+                                          </p:stCondLst>
+                                        </p:cTn>
+                                        <p:tgtEl>
+                                          <p:spTgt spid="14"/>
+                                        </p:tgtEl>
+                                        <p:attrNameLst>
+                                          <p:attrName>style.visibility</p:attrName>
+                                        </p:attrNameLst>
+                                      </p:cBhvr>
+                                      <p:to>
+                                        <p:strVal val="visible"/>
+                                      </p:to>
+                                    </p:set>
+                                    <p:animEffect transition="in" filter="fade">
+                                      <p:cBhvr>
+                                        <p:cTn id="42" dur="250"/>
+                                        <p:tgtEl>
+                                          <p:spTgt spid="14"/>
+                                        </p:tgtEl>
+                                      </p:cBhvr>
+                                    </p:animEffect>
+                                  </p:childTnLst>
+                                </p:cTn>
+                              </p:par>
+                            </p:childTnLst>
+                          </p:cTn>
+                        </p:par>
+                      </p:childTnLst>
+                    </p:cTn>
+                  </p:par>
+                  <p:par>
+                    <p:cTn id="43" fill="hold">
+                      <p:stCondLst>
+                        <p:cond delay="indefinite"/>
+                      </p:stCondLst>
+                      <p:childTnLst>
+                        <p:par>
+                          <p:cTn id="44" fill="hold">
+                            <p:stCondLst>
+                              <p:cond delay="0"/>
+                            </p:stCondLst>
+                            <p:childTnLst>
+                              <p:par>
+                                <p:cTn id="45" presetID="10" presetClass="entr" presetSubtype="0" fill="hold" grpId="0" nodeType="clickEffect">
+                                  <p:stCondLst>
+                                    <p:cond delay="0"/>
+                                  </p:stCondLst>
+                                  <p:childTnLst>
+                                    <p:set>
+                                      <p:cBhvr>
+                                        <p:cTn id="46" dur="1" fill="hold">
+                                          <p:stCondLst>
+                                            <p:cond delay="0"/>
+                                          </p:stCondLst>
+                                        </p:cTn>
+                                        <p:tgtEl>
+                                          <p:spTgt spid="9"/>
+                                        </p:tgtEl>
+                                        <p:attrNameLst>
+                                          <p:attrName>style.visibility</p:attrName>
+                                        </p:attrNameLst>
+                                      </p:cBhvr>
+                                      <p:to>
+                                        <p:strVal val="visible"/>
+                                      </p:to>
+                                    </p:set>
+                                    <p:animEffect transition="in" filter="fade">
+                                      <p:cBhvr>
+                                        <p:cTn id="47" dur="250"/>
+                                        <p:tgtEl>
+                                          <p:spTgt spid="9"/>
+                                        </p:tgtEl>
+                                      </p:cBhvr>
+                                    </p:animEffect>
+                                  </p:childTnLst>
+                                </p:cTn>
+                              </p:par>
+                            </p:childTnLst>
+                          </p:cTn>
+                        </p:par>
+                      </p:childTnLst>
+                    </p:cTn>
+                  </p:par>
+                  <p:par>
+                    <p:cTn id="48" fill="hold">
+                      <p:stCondLst>
+                        <p:cond delay="indefinite"/>
+                      </p:stCondLst>
+                      <p:childTnLst>
+                        <p:par>
+                          <p:cTn id="49" fill="hold">
+                            <p:stCondLst>
+                              <p:cond delay="0"/>
+                            </p:stCondLst>
+                            <p:childTnLst>
+                              <p:par>
+                                <p:cTn id="50" presetID="10" presetClass="entr" presetSubtype="0" fill="hold" grpId="0" nodeType="clickEffect">
+                                  <p:stCondLst>
+                                    <p:cond delay="0"/>
+                                  </p:stCondLst>
+                                  <p:childTnLst>
+                                    <p:set>
+                                      <p:cBhvr>
+                                        <p:cTn id="51" dur="1" fill="hold">
+                                          <p:stCondLst>
+                                            <p:cond delay="0"/>
+                                          </p:stCondLst>
+                                        </p:cTn>
+                                        <p:tgtEl>
+                                          <p:spTgt spid="15"/>
+                                        </p:tgtEl>
+                                        <p:attrNameLst>
+                                          <p:attrName>style.visibility</p:attrName>
+                                        </p:attrNameLst>
+                                      </p:cBhvr>
+                                      <p:to>
+                                        <p:strVal val="visible"/>
+                                      </p:to>
+                                    </p:set>
+                                    <p:animEffect transition="in" filter="fade">
+                                      <p:cBhvr>
+                                        <p:cTn id="52" dur="250"/>
+                                        <p:tgtEl>
+                                          <p:spTgt spid="15"/>
+                                        </p:tgtEl>
+                                      </p:cBhvr>
+                                    </p:animEffect>
+                                  </p:childTnLst>
+                                </p:cTn>
+                              </p:par>
+                            </p:childTnLst>
+                          </p:cTn>
+                        </p:par>
+                      </p:childTnLst>
+                    </p:cTn>
+                  </p:par>
+                  <p:par>
+                    <p:cTn id="53" fill="hold">
+                      <p:stCondLst>
+                        <p:cond delay="indefinite"/>
+                      </p:stCondLst>
+                      <p:childTnLst>
+                        <p:par>
+                          <p:cTn id="54" fill="hold">
+                            <p:stCondLst>
+                              <p:cond delay="0"/>
+                            </p:stCondLst>
+                            <p:childTnLst>
+                              <p:par>
+                                <p:cTn id="55" presetID="10" presetClass="entr" presetSubtype="0" fill="hold" grpId="0" nodeType="clickEffect">
+                                  <p:stCondLst>
+                                    <p:cond delay="0"/>
+                                  </p:stCondLst>
+                                  <p:childTnLst>
+                                    <p:set>
+                                      <p:cBhvr>
+                                        <p:cTn id="56" dur="1" fill="hold">
+                                          <p:stCondLst>
+                                            <p:cond delay="0"/>
+                                          </p:stCondLst>
+                                        </p:cTn>
+                                        <p:tgtEl>
+                                          <p:spTgt spid="10"/>
+                                        </p:tgtEl>
+                                        <p:attrNameLst>
+                                          <p:attrName>style.visibility</p:attrName>
+                                        </p:attrNameLst>
+                                      </p:cBhvr>
+                                      <p:to>
+                                        <p:strVal val="visible"/>
+                                      </p:to>
+                                    </p:set>
+                                    <p:animEffect transition="in" filter="fade">
+                                      <p:cBhvr>
+                                        <p:cTn id="57" dur="250"/>
+                                        <p:tgtEl>
+                                          <p:spTgt spid="10"/>
+                                        </p:tgtEl>
+                                      </p:cBhvr>
+                                    </p:animEffect>
+                                  </p:childTnLst>
+                                </p:cTn>
+                              </p:par>
+                            </p:childTnLst>
+                          </p:cTn>
+                        </p:par>
+                      </p:childTnLst>
+                    </p:cTn>
+                  </p:par>
+                  <p:par>
+                    <p:cTn id="58" fill="hold">
+                      <p:stCondLst>
+                        <p:cond delay="indefinite"/>
+                      </p:stCondLst>
+                      <p:childTnLst>
+                        <p:par>
+                          <p:cTn id="59" fill="hold">
+                            <p:stCondLst>
+                              <p:cond delay="0"/>
+                            </p:stCondLst>
+                            <p:childTnLst>
+                              <p:par>
+                                <p:cTn id="60" presetID="10" presetClass="entr" presetSubtype="0" fill="hold" grpId="0" nodeType="clickEffect">
+                                  <p:stCondLst>
+                                    <p:cond delay="0"/>
+                                  </p:stCondLst>
+                                  <p:childTnLst>
+                                    <p:set>
+                                      <p:cBhvr>
+                                        <p:cTn id="61" dur="1" fill="hold">
+                                          <p:stCondLst>
+                                            <p:cond delay="0"/>
+                                          </p:stCondLst>
+                                        </p:cTn>
+                                        <p:tgtEl>
+                                          <p:spTgt spid="16"/>
+                                        </p:tgtEl>
+                                        <p:attrNameLst>
+                                          <p:attrName>style.visibility</p:attrName>
+                                        </p:attrNameLst>
+                                      </p:cBhvr>
+                                      <p:to>
+                                        <p:strVal val="visible"/>
+                                      </p:to>
+                                    </p:set>
+                                    <p:animEffect transition="in" filter="fade">
+                                      <p:cBhvr>
+                                        <p:cTn id="62" dur="250"/>
+                                        <p:tgtEl>
+                                          <p:spTgt spid="16"/>
+                                        </p:tgtEl>
+                                      </p:cBhvr>
+                                    </p:animEffect>
+                                  </p:childTnLst>
+                                </p:cTn>
+                              </p:par>
+                            </p:childTnLst>
+                          </p:cTn>
+                        </p:par>
+                      </p:childTnLst>
+                    </p:cTn>
+                  </p:par>
+                </p:childTnLst>
+              </p:cTn>
+              <p:prevCondLst>
+                <p:cond evt="onPrev" delay="0">
+                  <p:tgtEl>
+                    <p:sldTgt/>
+                  </p:tgtEl>
+                </p:cond>
+              </p:prevCondLst>
+              <p:nextCondLst>
+                <p:cond evt="onNext" delay="0">
+                  <p:tgtEl>
+                    <p:sldTgt/>
+                  </p:tgtEl>
+                </p:cond>
+              </p:nextCondLst>
+            </p:seq>
+          </p:childTnLst>
+        </p:cTn>
+      </p:par>
+    </p:tnLst>
+    <p:bldLst>
+      <p:bldP spid="5" grpId="0"/>
+      <p:bldP spid="6" grpId="0"/>
+      <p:bldP spid="7" grpId="0"/>
+      <p:bldP spid="8" grpId="0"/>
+      <p:bldP spid="9" grpId="0"/>
+      <p:bldP spid="10" grpId="0"/>
+      <p:bldP spid="11" grpId="0"/>
+      <p:bldP spid="12" grpId="0"/>
+      <p:bldP spid="13" grpId="0"/>
+      <p:bldP spid="14" grpId="0"/>
+      <p:bldP spid="15" grpId="0"/>
+      <p:bldP spid="16" grpId="0"/>
+    </p:bldLst>
+  </p:timing>
+</p:sld>
+</file>
+
+<file path=ppt/slides/slide11.xml><?xml version="1.0" encoding="utf-8"?>
 <p:sld xmlns:a="http://schemas.openxmlformats.org/drawingml/2006/main" xmlns:r="http://schemas.openxmlformats.org/officeDocument/2006/relationships" xmlns:p="http://schemas.openxmlformats.org/presentationml/2006/main" show="0">
   <p:cSld>
     <p:spTree>
@@ -8125,7 +9337,7 @@
 </p:sld>
 </file>
 
-<file path=ppt/slides/slide11.xml><?xml version="1.0" encoding="utf-8"?>
+<file path=ppt/slides/slide12.xml><?xml version="1.0" encoding="utf-8"?>
 <p:sld xmlns:a="http://schemas.openxmlformats.org/drawingml/2006/main" xmlns:r="http://schemas.openxmlformats.org/officeDocument/2006/relationships" xmlns:p="http://schemas.openxmlformats.org/presentationml/2006/main">
   <p:cSld>
     <p:spTree>
@@ -8260,7 +9472,7 @@
 </p:sld>
 </file>
 
-<file path=ppt/slides/slide12.xml><?xml version="1.0" encoding="utf-8"?>
+<file path=ppt/slides/slide13.xml><?xml version="1.0" encoding="utf-8"?>
 <p:sld xmlns:a="http://schemas.openxmlformats.org/drawingml/2006/main" xmlns:r="http://schemas.openxmlformats.org/officeDocument/2006/relationships" xmlns:p="http://schemas.openxmlformats.org/presentationml/2006/main">
   <p:cSld>
     <p:spTree>
@@ -8344,7 +9556,7 @@
 </p:sld>
 </file>
 
-<file path=ppt/slides/slide13.xml><?xml version="1.0" encoding="utf-8"?>
+<file path=ppt/slides/slide14.xml><?xml version="1.0" encoding="utf-8"?>
 <p:sld xmlns:a="http://schemas.openxmlformats.org/drawingml/2006/main" xmlns:r="http://schemas.openxmlformats.org/officeDocument/2006/relationships" xmlns:p="http://schemas.openxmlformats.org/presentationml/2006/main">
   <p:cSld>
     <p:spTree>
@@ -9887,7 +11099,7 @@
 </p:sld>
 </file>
 
-<file path=ppt/slides/slide14.xml><?xml version="1.0" encoding="utf-8"?>
+<file path=ppt/slides/slide15.xml><?xml version="1.0" encoding="utf-8"?>
 <p:sld xmlns:a="http://schemas.openxmlformats.org/drawingml/2006/main" xmlns:r="http://schemas.openxmlformats.org/officeDocument/2006/relationships" xmlns:p="http://schemas.openxmlformats.org/presentationml/2006/main">
   <p:cSld>
     <p:spTree>
@@ -13966,7 +15178,7 @@
 </p:sld>
 </file>
 
-<file path=ppt/slides/slide15.xml><?xml version="1.0" encoding="utf-8"?>
+<file path=ppt/slides/slide16.xml><?xml version="1.0" encoding="utf-8"?>
 <p:sld xmlns:a="http://schemas.openxmlformats.org/drawingml/2006/main" xmlns:r="http://schemas.openxmlformats.org/officeDocument/2006/relationships" xmlns:p="http://schemas.openxmlformats.org/presentationml/2006/main">
   <p:cSld>
     <p:spTree>
@@ -17620,7 +18832,7 @@
 </p:sld>
 </file>
 
-<file path=ppt/slides/slide16.xml><?xml version="1.0" encoding="utf-8"?>
+<file path=ppt/slides/slide17.xml><?xml version="1.0" encoding="utf-8"?>
 <p:sld xmlns:a="http://schemas.openxmlformats.org/drawingml/2006/main" xmlns:r="http://schemas.openxmlformats.org/officeDocument/2006/relationships" xmlns:p="http://schemas.openxmlformats.org/presentationml/2006/main">
   <p:cSld>
     <p:spTree>
@@ -18286,7 +19498,7 @@
 </p:sld>
 </file>
 
-<file path=ppt/slides/slide17.xml><?xml version="1.0" encoding="utf-8"?>
+<file path=ppt/slides/slide18.xml><?xml version="1.0" encoding="utf-8"?>
 <p:sld xmlns:a="http://schemas.openxmlformats.org/drawingml/2006/main" xmlns:r="http://schemas.openxmlformats.org/officeDocument/2006/relationships" xmlns:p="http://schemas.openxmlformats.org/presentationml/2006/main">
   <p:cSld>
     <p:spTree>
@@ -18736,7 +19948,7 @@
 </p:sld>
 </file>
 
-<file path=ppt/slides/slide18.xml><?xml version="1.0" encoding="utf-8"?>
+<file path=ppt/slides/slide19.xml><?xml version="1.0" encoding="utf-8"?>
 <p:sld xmlns:a="http://schemas.openxmlformats.org/drawingml/2006/main" xmlns:r="http://schemas.openxmlformats.org/officeDocument/2006/relationships" xmlns:p="http://schemas.openxmlformats.org/presentationml/2006/main">
   <p:cSld>
     <p:spTree>
@@ -19328,126 +20540,6 @@
 </p:sld>
 </file>
 
-<file path=ppt/slides/slide19.xml><?xml version="1.0" encoding="utf-8"?>
-<p:sld xmlns:a="http://schemas.openxmlformats.org/drawingml/2006/main" xmlns:r="http://schemas.openxmlformats.org/officeDocument/2006/relationships" xmlns:p="http://schemas.openxmlformats.org/presentationml/2006/main">
-  <p:cSld>
-    <p:spTree>
-      <p:nvGrpSpPr>
-        <p:cNvPr id="1" name=""/>
-        <p:cNvGrpSpPr/>
-        <p:nvPr/>
-      </p:nvGrpSpPr>
-      <p:grpSpPr>
-        <a:xfrm>
-          <a:off x="0" y="0"/>
-          <a:ext cx="0" cy="0"/>
-          <a:chOff x="0" y="0"/>
-          <a:chExt cx="0" cy="0"/>
-        </a:xfrm>
-      </p:grpSpPr>
-      <p:graphicFrame>
-        <p:nvGraphicFramePr>
-          <p:cNvPr id="4" name="Content Placeholder 3"/>
-          <p:cNvGraphicFramePr>
-            <a:graphicFrameLocks noGrp="1"/>
-          </p:cNvGraphicFramePr>
-          <p:nvPr>
-            <p:ph idx="1"/>
-            <p:extLst>
-              <p:ext uri="{D42A27DB-BD31-4B8C-83A1-F6EECF244321}">
-                <p14:modId xmlns:p14="http://schemas.microsoft.com/office/powerpoint/2010/main" val="1994369"/>
-              </p:ext>
-            </p:extLst>
-          </p:nvPr>
-        </p:nvGraphicFramePr>
-        <p:xfrm>
-          <a:off x="457200" y="1447800"/>
-          <a:ext cx="8229600" cy="5105400"/>
-        </p:xfrm>
-        <a:graphic>
-          <a:graphicData uri="http://schemas.openxmlformats.org/drawingml/2006/chart">
-            <c:chart xmlns:c="http://schemas.openxmlformats.org/drawingml/2006/chart" xmlns:r="http://schemas.openxmlformats.org/officeDocument/2006/relationships" r:id="rId2"/>
-          </a:graphicData>
-        </a:graphic>
-      </p:graphicFrame>
-      <p:sp>
-        <p:nvSpPr>
-          <p:cNvPr id="6" name="TextBox 5"/>
-          <p:cNvSpPr txBox="1"/>
-          <p:nvPr/>
-        </p:nvSpPr>
-        <p:spPr>
-          <a:xfrm>
-            <a:off x="228600" y="152400"/>
-            <a:ext cx="8610600" cy="769441"/>
-          </a:xfrm>
-          <a:prstGeom prst="rect">
-            <a:avLst/>
-          </a:prstGeom>
-          <a:noFill/>
-        </p:spPr>
-        <p:txBody>
-          <a:bodyPr wrap="square" rtlCol="0">
-            <a:spAutoFit/>
-          </a:bodyPr>
-          <a:lstStyle/>
-          <a:p>
-            <a:r>
-              <a:rPr lang="en-US" sz="4400" b="1" dirty="0"/>
-              <a:t>Number of variants (by certainty)</a:t>
-            </a:r>
-          </a:p>
-        </p:txBody>
-      </p:sp>
-      <p:sp>
-        <p:nvSpPr>
-          <p:cNvPr id="7" name="TextBox 6"/>
-          <p:cNvSpPr txBox="1"/>
-          <p:nvPr/>
-        </p:nvSpPr>
-        <p:spPr>
-          <a:xfrm>
-            <a:off x="228600" y="762000"/>
-            <a:ext cx="8610600" cy="461665"/>
-          </a:xfrm>
-          <a:prstGeom prst="rect">
-            <a:avLst/>
-          </a:prstGeom>
-          <a:noFill/>
-        </p:spPr>
-        <p:txBody>
-          <a:bodyPr wrap="square" rtlCol="0">
-            <a:spAutoFit/>
-          </a:bodyPr>
-          <a:lstStyle/>
-          <a:p>
-            <a:r>
-              <a:rPr lang="en-US" sz="2400" b="1" dirty="0">
-                <a:solidFill>
-                  <a:schemeClr val="bg1">
-                    <a:lumMod val="50000"/>
-                    <a:lumOff val="50000"/>
-                  </a:schemeClr>
-                </a:solidFill>
-              </a:rPr>
-              <a:t>From the United Bible Society</a:t>
-            </a:r>
-          </a:p>
-        </p:txBody>
-      </p:sp>
-    </p:spTree>
-    <p:extLst>
-      <p:ext uri="{BB962C8B-B14F-4D97-AF65-F5344CB8AC3E}">
-        <p14:creationId xmlns:p14="http://schemas.microsoft.com/office/powerpoint/2010/main" val="1524507923"/>
-      </p:ext>
-    </p:extLst>
-  </p:cSld>
-  <p:clrMapOvr>
-    <a:masterClrMapping/>
-  </p:clrMapOvr>
-</p:sld>
-</file>
-
 <file path=ppt/slides/slide2.xml><?xml version="1.0" encoding="utf-8"?>
 <p:sld xmlns:a="http://schemas.openxmlformats.org/drawingml/2006/main" xmlns:r="http://schemas.openxmlformats.org/officeDocument/2006/relationships" xmlns:p="http://schemas.openxmlformats.org/presentationml/2006/main">
   <p:cSld>
@@ -19709,6 +20801,126 @@
 </file>
 
 <file path=ppt/slides/slide20.xml><?xml version="1.0" encoding="utf-8"?>
+<p:sld xmlns:a="http://schemas.openxmlformats.org/drawingml/2006/main" xmlns:r="http://schemas.openxmlformats.org/officeDocument/2006/relationships" xmlns:p="http://schemas.openxmlformats.org/presentationml/2006/main">
+  <p:cSld>
+    <p:spTree>
+      <p:nvGrpSpPr>
+        <p:cNvPr id="1" name=""/>
+        <p:cNvGrpSpPr/>
+        <p:nvPr/>
+      </p:nvGrpSpPr>
+      <p:grpSpPr>
+        <a:xfrm>
+          <a:off x="0" y="0"/>
+          <a:ext cx="0" cy="0"/>
+          <a:chOff x="0" y="0"/>
+          <a:chExt cx="0" cy="0"/>
+        </a:xfrm>
+      </p:grpSpPr>
+      <p:graphicFrame>
+        <p:nvGraphicFramePr>
+          <p:cNvPr id="4" name="Content Placeholder 3"/>
+          <p:cNvGraphicFramePr>
+            <a:graphicFrameLocks noGrp="1"/>
+          </p:cNvGraphicFramePr>
+          <p:nvPr>
+            <p:ph idx="1"/>
+            <p:extLst>
+              <p:ext uri="{D42A27DB-BD31-4B8C-83A1-F6EECF244321}">
+                <p14:modId xmlns:p14="http://schemas.microsoft.com/office/powerpoint/2010/main" val="1994369"/>
+              </p:ext>
+            </p:extLst>
+          </p:nvPr>
+        </p:nvGraphicFramePr>
+        <p:xfrm>
+          <a:off x="457200" y="1447800"/>
+          <a:ext cx="8229600" cy="5105400"/>
+        </p:xfrm>
+        <a:graphic>
+          <a:graphicData uri="http://schemas.openxmlformats.org/drawingml/2006/chart">
+            <c:chart xmlns:c="http://schemas.openxmlformats.org/drawingml/2006/chart" xmlns:r="http://schemas.openxmlformats.org/officeDocument/2006/relationships" r:id="rId2"/>
+          </a:graphicData>
+        </a:graphic>
+      </p:graphicFrame>
+      <p:sp>
+        <p:nvSpPr>
+          <p:cNvPr id="6" name="TextBox 5"/>
+          <p:cNvSpPr txBox="1"/>
+          <p:nvPr/>
+        </p:nvSpPr>
+        <p:spPr>
+          <a:xfrm>
+            <a:off x="228600" y="152400"/>
+            <a:ext cx="8610600" cy="769441"/>
+          </a:xfrm>
+          <a:prstGeom prst="rect">
+            <a:avLst/>
+          </a:prstGeom>
+          <a:noFill/>
+        </p:spPr>
+        <p:txBody>
+          <a:bodyPr wrap="square" rtlCol="0">
+            <a:spAutoFit/>
+          </a:bodyPr>
+          <a:lstStyle/>
+          <a:p>
+            <a:r>
+              <a:rPr lang="en-US" sz="4400" b="1" dirty="0"/>
+              <a:t>Number of variants (by certainty)</a:t>
+            </a:r>
+          </a:p>
+        </p:txBody>
+      </p:sp>
+      <p:sp>
+        <p:nvSpPr>
+          <p:cNvPr id="7" name="TextBox 6"/>
+          <p:cNvSpPr txBox="1"/>
+          <p:nvPr/>
+        </p:nvSpPr>
+        <p:spPr>
+          <a:xfrm>
+            <a:off x="228600" y="762000"/>
+            <a:ext cx="8610600" cy="461665"/>
+          </a:xfrm>
+          <a:prstGeom prst="rect">
+            <a:avLst/>
+          </a:prstGeom>
+          <a:noFill/>
+        </p:spPr>
+        <p:txBody>
+          <a:bodyPr wrap="square" rtlCol="0">
+            <a:spAutoFit/>
+          </a:bodyPr>
+          <a:lstStyle/>
+          <a:p>
+            <a:r>
+              <a:rPr lang="en-US" sz="2400" b="1" dirty="0">
+                <a:solidFill>
+                  <a:schemeClr val="bg1">
+                    <a:lumMod val="50000"/>
+                    <a:lumOff val="50000"/>
+                  </a:schemeClr>
+                </a:solidFill>
+              </a:rPr>
+              <a:t>From the United Bible Society</a:t>
+            </a:r>
+          </a:p>
+        </p:txBody>
+      </p:sp>
+    </p:spTree>
+    <p:extLst>
+      <p:ext uri="{BB962C8B-B14F-4D97-AF65-F5344CB8AC3E}">
+        <p14:creationId xmlns:p14="http://schemas.microsoft.com/office/powerpoint/2010/main" val="1524507923"/>
+      </p:ext>
+    </p:extLst>
+  </p:cSld>
+  <p:clrMapOvr>
+    <a:masterClrMapping/>
+  </p:clrMapOvr>
+</p:sld>
+</file>
+
+<file path=ppt/slides/slide21.xml><?xml version="1.0" encoding="utf-8"?>
 <p:sld xmlns:a="http://schemas.openxmlformats.org/drawingml/2006/main" xmlns:r="http://schemas.openxmlformats.org/officeDocument/2006/relationships" xmlns:p="http://schemas.openxmlformats.org/presentationml/2006/main">
   <p:cSld>
     <p:spTree>
@@ -20270,7 +21482,7 @@
 </p:sld>
 </file>
 
-<file path=ppt/slides/slide21.xml><?xml version="1.0" encoding="utf-8"?>
+<file path=ppt/slides/slide22.xml><?xml version="1.0" encoding="utf-8"?>
 <p:sld xmlns:a="http://schemas.openxmlformats.org/drawingml/2006/main" xmlns:r="http://schemas.openxmlformats.org/officeDocument/2006/relationships" xmlns:p="http://schemas.openxmlformats.org/presentationml/2006/main">
   <p:cSld>
     <p:spTree>
@@ -20346,7 +21558,7 @@
 </p:sld>
 </file>
 
-<file path=ppt/slides/slide22.xml><?xml version="1.0" encoding="utf-8"?>
+<file path=ppt/slides/slide23.xml><?xml version="1.0" encoding="utf-8"?>
 <p:sld xmlns:a="http://schemas.openxmlformats.org/drawingml/2006/main" xmlns:r="http://schemas.openxmlformats.org/officeDocument/2006/relationships" xmlns:p="http://schemas.openxmlformats.org/presentationml/2006/main">
   <p:cSld>
     <p:spTree>
@@ -21446,7 +22658,7 @@
 </p:sld>
 </file>
 
-<file path=ppt/slides/slide23.xml><?xml version="1.0" encoding="utf-8"?>
+<file path=ppt/slides/slide24.xml><?xml version="1.0" encoding="utf-8"?>
 <p:sld xmlns:a="http://schemas.openxmlformats.org/drawingml/2006/main" xmlns:r="http://schemas.openxmlformats.org/officeDocument/2006/relationships" xmlns:p="http://schemas.openxmlformats.org/presentationml/2006/main">
   <p:cSld>
     <p:spTree>
@@ -22626,7 +23838,7 @@
 </p:sld>
 </file>
 
-<file path=ppt/slides/slide24.xml><?xml version="1.0" encoding="utf-8"?>
+<file path=ppt/slides/slide25.xml><?xml version="1.0" encoding="utf-8"?>
 <p:sld xmlns:a="http://schemas.openxmlformats.org/drawingml/2006/main" xmlns:r="http://schemas.openxmlformats.org/officeDocument/2006/relationships" xmlns:p="http://schemas.openxmlformats.org/presentationml/2006/main">
   <p:cSld>
     <p:spTree>
@@ -22908,7 +24120,7 @@
 </p:sld>
 </file>
 
-<file path=ppt/slides/slide25.xml><?xml version="1.0" encoding="utf-8"?>
+<file path=ppt/slides/slide26.xml><?xml version="1.0" encoding="utf-8"?>
 <p:sld xmlns:a="http://schemas.openxmlformats.org/drawingml/2006/main" xmlns:r="http://schemas.openxmlformats.org/officeDocument/2006/relationships" xmlns:p="http://schemas.openxmlformats.org/presentationml/2006/main">
   <p:cSld>
     <p:spTree>
@@ -23053,7 +24265,7 @@
 </p:sld>
 </file>
 
-<file path=ppt/slides/slide26.xml><?xml version="1.0" encoding="utf-8"?>
+<file path=ppt/slides/slide27.xml><?xml version="1.0" encoding="utf-8"?>
 <p:sld xmlns:a="http://schemas.openxmlformats.org/drawingml/2006/main" xmlns:r="http://schemas.openxmlformats.org/officeDocument/2006/relationships" xmlns:p="http://schemas.openxmlformats.org/presentationml/2006/main">
   <p:cSld>
     <p:spTree>
@@ -23224,7 +24436,7 @@
 </p:sld>
 </file>
 
-<file path=ppt/slides/slide27.xml><?xml version="1.0" encoding="utf-8"?>
+<file path=ppt/slides/slide28.xml><?xml version="1.0" encoding="utf-8"?>
 <p:sld xmlns:a="http://schemas.openxmlformats.org/drawingml/2006/main" xmlns:r="http://schemas.openxmlformats.org/officeDocument/2006/relationships" xmlns:p="http://schemas.openxmlformats.org/presentationml/2006/main">
   <p:cSld>
     <p:spTree>
@@ -23401,7 +24613,7 @@
 </p:sld>
 </file>
 
-<file path=ppt/slides/slide28.xml><?xml version="1.0" encoding="utf-8"?>
+<file path=ppt/slides/slide29.xml><?xml version="1.0" encoding="utf-8"?>
 <p:sld xmlns:a="http://schemas.openxmlformats.org/drawingml/2006/main" xmlns:r="http://schemas.openxmlformats.org/officeDocument/2006/relationships" xmlns:p="http://schemas.openxmlformats.org/presentationml/2006/main">
   <p:cSld>
     <p:spTree>
@@ -24334,48 +25546,166 @@
           <a:chExt cx="0" cy="0"/>
         </a:xfrm>
       </p:grpSpPr>
+      <p:pic>
+        <p:nvPicPr>
+          <p:cNvPr id="1026" name="Picture 2">
+            <a:extLst>
+              <a:ext uri="{FF2B5EF4-FFF2-40B4-BE49-F238E27FC236}">
+                <a16:creationId xmlns:a16="http://schemas.microsoft.com/office/drawing/2014/main" id="{18E61B69-8E31-094B-94CF-E45CDBAC38F1}"/>
+              </a:ext>
+            </a:extLst>
+          </p:cNvPr>
+          <p:cNvPicPr>
+            <a:picLocks noChangeAspect="1" noChangeArrowheads="1"/>
+          </p:cNvPicPr>
+          <p:nvPr/>
+        </p:nvPicPr>
+        <p:blipFill>
+          <a:blip r:embed="rId2">
+            <a:extLst>
+              <a:ext uri="{28A0092B-C50C-407E-A947-70E740481C1C}">
+                <a14:useLocalDpi xmlns:a14="http://schemas.microsoft.com/office/drawing/2010/main" val="0"/>
+              </a:ext>
+            </a:extLst>
+          </a:blip>
+          <a:srcRect/>
+          <a:stretch>
+            <a:fillRect/>
+          </a:stretch>
+        </p:blipFill>
+        <p:spPr bwMode="auto">
+          <a:xfrm>
+            <a:off x="609600" y="685800"/>
+            <a:ext cx="3962400" cy="2971800"/>
+          </a:xfrm>
+          <a:prstGeom prst="rect">
+            <a:avLst/>
+          </a:prstGeom>
+          <a:noFill/>
+          <a:extLst>
+            <a:ext uri="{909E8E84-426E-40DD-AFC4-6F175D3DCCD1}">
+              <a14:hiddenFill xmlns:a14="http://schemas.microsoft.com/office/drawing/2010/main">
+                <a:solidFill>
+                  <a:srgbClr val="FFFFFF"/>
+                </a:solidFill>
+              </a14:hiddenFill>
+            </a:ext>
+          </a:extLst>
+        </p:spPr>
+      </p:pic>
       <p:sp>
         <p:nvSpPr>
-          <p:cNvPr id="2" name="Title 1"/>
-          <p:cNvSpPr>
-            <a:spLocks noGrp="1"/>
-          </p:cNvSpPr>
-          <p:nvPr>
-            <p:ph type="title"/>
-          </p:nvPr>
+          <p:cNvPr id="4" name="TextBox 3">
+            <a:extLst>
+              <a:ext uri="{FF2B5EF4-FFF2-40B4-BE49-F238E27FC236}">
+                <a16:creationId xmlns:a16="http://schemas.microsoft.com/office/drawing/2014/main" id="{825BF440-65BC-E84F-940A-C2A705069C60}"/>
+              </a:ext>
+            </a:extLst>
+          </p:cNvPr>
+          <p:cNvSpPr txBox="1"/>
+          <p:nvPr/>
         </p:nvSpPr>
-        <p:spPr/>
+        <p:spPr>
+          <a:xfrm>
+            <a:off x="4876800" y="2557430"/>
+            <a:ext cx="2757293" cy="1077218"/>
+          </a:xfrm>
+          <a:prstGeom prst="rect">
+            <a:avLst/>
+          </a:prstGeom>
+          <a:noFill/>
+        </p:spPr>
         <p:txBody>
-          <a:bodyPr>
-            <a:normAutofit/>
+          <a:bodyPr wrap="none" rtlCol="0">
+            <a:spAutoFit/>
           </a:bodyPr>
           <a:lstStyle/>
           <a:p>
             <a:r>
-              <a:rPr lang="en-US" dirty="0"/>
-              <a:t>List out the claims</a:t>
+              <a:rPr lang="en-US" sz="3200" b="1" dirty="0"/>
+              <a:t>Joe Avella</a:t>
+            </a:r>
+          </a:p>
+          <a:p>
+            <a:r>
+              <a:rPr lang="en-US" sz="3200" dirty="0"/>
+              <a:t>Video Producer</a:t>
             </a:r>
           </a:p>
         </p:txBody>
       </p:sp>
       <p:sp>
         <p:nvSpPr>
-          <p:cNvPr id="3" name="Text Placeholder 2"/>
-          <p:cNvSpPr>
-            <a:spLocks noGrp="1"/>
-          </p:cNvSpPr>
-          <p:nvPr>
-            <p:ph type="body" sz="quarter" idx="13"/>
-          </p:nvPr>
+          <p:cNvPr id="5" name="TextBox 4">
+            <a:extLst>
+              <a:ext uri="{FF2B5EF4-FFF2-40B4-BE49-F238E27FC236}">
+                <a16:creationId xmlns:a16="http://schemas.microsoft.com/office/drawing/2014/main" id="{17ACB90C-4E8B-AB4E-A905-DB30E9497914}"/>
+              </a:ext>
+            </a:extLst>
+          </p:cNvPr>
+          <p:cNvSpPr txBox="1"/>
+          <p:nvPr/>
         </p:nvSpPr>
-        <p:spPr/>
+        <p:spPr>
+          <a:xfrm>
+            <a:off x="609600" y="4114800"/>
+            <a:ext cx="8153400" cy="1569660"/>
+          </a:xfrm>
+          <a:prstGeom prst="rect">
+            <a:avLst/>
+          </a:prstGeom>
+          <a:noFill/>
+        </p:spPr>
         <p:txBody>
-          <a:bodyPr/>
+          <a:bodyPr wrap="square" rtlCol="0">
+            <a:spAutoFit/>
+          </a:bodyPr>
           <a:lstStyle/>
           <a:p>
             <a:r>
+              <a:rPr lang="en-US" b="1" dirty="0"/>
+              <a:t>The source of this video:</a:t>
+            </a:r>
+          </a:p>
+          <a:p>
+            <a:r>
+              <a:rPr lang="en-US" sz="600" b="1" dirty="0"/>
+              <a:t> </a:t>
+            </a:r>
+            <a:endParaRPr lang="en-US" sz="400" b="1" dirty="0"/>
+          </a:p>
+          <a:p>
+            <a:r>
               <a:rPr lang="en-US" dirty="0"/>
-              <a:t>2</a:t>
+              <a:t>Joe is a video producer based in Los Angeles. He primarily focuses on food, marijuana, and movie industry stories.	</a:t>
+            </a:r>
+          </a:p>
+          <a:p>
+            <a:endParaRPr lang="en-US" dirty="0"/>
+          </a:p>
+          <a:p>
+            <a:r>
+              <a:rPr lang="en-US" dirty="0">
+                <a:solidFill>
+                  <a:srgbClr val="0070C0"/>
+                </a:solidFill>
+                <a:hlinkClick r:id="rId3">
+                  <a:extLst>
+                    <a:ext uri="{A12FA001-AC4F-418D-AE19-62706E023703}">
+                      <ahyp:hlinkClr xmlns:ahyp="http://schemas.microsoft.com/office/drawing/2018/hyperlinkcolor" val="tx"/>
+                    </a:ext>
+                  </a:extLst>
+                </a:hlinkClick>
+              </a:rPr>
+              <a:t>https://www.businessinsider.com/author/joe-avella</a:t>
+            </a:r>
+            <a:r>
+              <a:rPr lang="en-US" dirty="0">
+                <a:solidFill>
+                  <a:srgbClr val="0070C0"/>
+                </a:solidFill>
+              </a:rPr>
+              <a:t> </a:t>
             </a:r>
           </a:p>
         </p:txBody>
@@ -24383,7 +25713,7 @@
     </p:spTree>
     <p:extLst>
       <p:ext uri="{BB962C8B-B14F-4D97-AF65-F5344CB8AC3E}">
-        <p14:creationId xmlns:p14="http://schemas.microsoft.com/office/powerpoint/2010/main" val="1150269105"/>
+        <p14:creationId xmlns:p14="http://schemas.microsoft.com/office/powerpoint/2010/main" val="821964090"/>
       </p:ext>
     </p:extLst>
   </p:cSld>
@@ -24423,13 +25753,13 @@
         <p:spPr/>
         <p:txBody>
           <a:bodyPr>
-            <a:normAutofit fontScale="90000"/>
+            <a:normAutofit/>
           </a:bodyPr>
           <a:lstStyle/>
           <a:p>
             <a:r>
               <a:rPr lang="en-US" dirty="0"/>
-              <a:t>What questions would you ask this person?</a:t>
+              <a:t>List out the claims</a:t>
             </a:r>
           </a:p>
         </p:txBody>
@@ -24451,6 +25781,82 @@
           <a:p>
             <a:r>
               <a:rPr lang="en-US" dirty="0"/>
+              <a:t>2</a:t>
+            </a:r>
+          </a:p>
+        </p:txBody>
+      </p:sp>
+    </p:spTree>
+    <p:extLst>
+      <p:ext uri="{BB962C8B-B14F-4D97-AF65-F5344CB8AC3E}">
+        <p14:creationId xmlns:p14="http://schemas.microsoft.com/office/powerpoint/2010/main" val="1150269105"/>
+      </p:ext>
+    </p:extLst>
+  </p:cSld>
+  <p:clrMapOvr>
+    <a:masterClrMapping/>
+  </p:clrMapOvr>
+</p:sld>
+</file>
+
+<file path=ppt/slides/slide6.xml><?xml version="1.0" encoding="utf-8"?>
+<p:sld xmlns:a="http://schemas.openxmlformats.org/drawingml/2006/main" xmlns:r="http://schemas.openxmlformats.org/officeDocument/2006/relationships" xmlns:p="http://schemas.openxmlformats.org/presentationml/2006/main">
+  <p:cSld>
+    <p:spTree>
+      <p:nvGrpSpPr>
+        <p:cNvPr id="1" name=""/>
+        <p:cNvGrpSpPr/>
+        <p:nvPr/>
+      </p:nvGrpSpPr>
+      <p:grpSpPr>
+        <a:xfrm>
+          <a:off x="0" y="0"/>
+          <a:ext cx="0" cy="0"/>
+          <a:chOff x="0" y="0"/>
+          <a:chExt cx="0" cy="0"/>
+        </a:xfrm>
+      </p:grpSpPr>
+      <p:sp>
+        <p:nvSpPr>
+          <p:cNvPr id="2" name="Title 1"/>
+          <p:cNvSpPr>
+            <a:spLocks noGrp="1"/>
+          </p:cNvSpPr>
+          <p:nvPr>
+            <p:ph type="title"/>
+          </p:nvPr>
+        </p:nvSpPr>
+        <p:spPr/>
+        <p:txBody>
+          <a:bodyPr>
+            <a:normAutofit fontScale="90000"/>
+          </a:bodyPr>
+          <a:lstStyle/>
+          <a:p>
+            <a:r>
+              <a:rPr lang="en-US" dirty="0"/>
+              <a:t>What questions would you ask this person?</a:t>
+            </a:r>
+          </a:p>
+        </p:txBody>
+      </p:sp>
+      <p:sp>
+        <p:nvSpPr>
+          <p:cNvPr id="3" name="Text Placeholder 2"/>
+          <p:cNvSpPr>
+            <a:spLocks noGrp="1"/>
+          </p:cNvSpPr>
+          <p:nvPr>
+            <p:ph type="body" sz="quarter" idx="13"/>
+          </p:nvPr>
+        </p:nvSpPr>
+        <p:spPr/>
+        <p:txBody>
+          <a:bodyPr/>
+          <a:lstStyle/>
+          <a:p>
+            <a:r>
+              <a:rPr lang="en-US" dirty="0"/>
               <a:t>3</a:t>
             </a:r>
           </a:p>
@@ -24469,7 +25875,7 @@
 </p:sld>
 </file>
 
-<file path=ppt/slides/slide6.xml><?xml version="1.0" encoding="utf-8"?>
+<file path=ppt/slides/slide7.xml><?xml version="1.0" encoding="utf-8"?>
 <p:sld xmlns:a="http://schemas.openxmlformats.org/drawingml/2006/main" xmlns:r="http://schemas.openxmlformats.org/officeDocument/2006/relationships" xmlns:p="http://schemas.openxmlformats.org/presentationml/2006/main">
   <p:cSld>
     <p:spTree>
@@ -24677,7 +26083,7 @@
 </p:sld>
 </file>
 
-<file path=ppt/slides/slide7.xml><?xml version="1.0" encoding="utf-8"?>
+<file path=ppt/slides/slide8.xml><?xml version="1.0" encoding="utf-8"?>
 <p:sld xmlns:a="http://schemas.openxmlformats.org/drawingml/2006/main" xmlns:r="http://schemas.openxmlformats.org/officeDocument/2006/relationships" xmlns:p="http://schemas.openxmlformats.org/presentationml/2006/main">
   <p:cSld>
     <p:spTree>
@@ -29244,7 +30650,7 @@
 </p:sld>
 </file>
 
-<file path=ppt/slides/slide8.xml><?xml version="1.0" encoding="utf-8"?>
+<file path=ppt/slides/slide9.xml><?xml version="1.0" encoding="utf-8"?>
 <p:sld xmlns:a="http://schemas.openxmlformats.org/drawingml/2006/main" xmlns:r="http://schemas.openxmlformats.org/officeDocument/2006/relationships" xmlns:p="http://schemas.openxmlformats.org/presentationml/2006/main">
   <p:cSld>
     <p:spTree>
@@ -34953,1217 +36359,6 @@
 </p:sld>
 </file>
 
-<file path=ppt/slides/slide9.xml><?xml version="1.0" encoding="utf-8"?>
-<p:sld xmlns:a="http://schemas.openxmlformats.org/drawingml/2006/main" xmlns:r="http://schemas.openxmlformats.org/officeDocument/2006/relationships" xmlns:p="http://schemas.openxmlformats.org/presentationml/2006/main">
-  <p:cSld>
-    <p:spTree>
-      <p:nvGrpSpPr>
-        <p:cNvPr id="1" name=""/>
-        <p:cNvGrpSpPr/>
-        <p:nvPr/>
-      </p:nvGrpSpPr>
-      <p:grpSpPr>
-        <a:xfrm>
-          <a:off x="0" y="0"/>
-          <a:ext cx="0" cy="0"/>
-          <a:chOff x="0" y="0"/>
-          <a:chExt cx="0" cy="0"/>
-        </a:xfrm>
-      </p:grpSpPr>
-      <p:sp>
-        <p:nvSpPr>
-          <p:cNvPr id="5" name="TextBox 4">
-            <a:extLst>
-              <a:ext uri="{FF2B5EF4-FFF2-40B4-BE49-F238E27FC236}">
-                <a16:creationId xmlns:a16="http://schemas.microsoft.com/office/drawing/2014/main" id="{1C5E0DE4-2565-5B44-A349-D03376F41A2E}"/>
-              </a:ext>
-            </a:extLst>
-          </p:cNvPr>
-          <p:cNvSpPr txBox="1"/>
-          <p:nvPr/>
-        </p:nvSpPr>
-        <p:spPr>
-          <a:xfrm>
-            <a:off x="231852" y="295670"/>
-            <a:ext cx="7167108" cy="830997"/>
-          </a:xfrm>
-          <a:prstGeom prst="rect">
-            <a:avLst/>
-          </a:prstGeom>
-          <a:noFill/>
-        </p:spPr>
-        <p:txBody>
-          <a:bodyPr wrap="square" rtlCol="0">
-            <a:spAutoFit/>
-          </a:bodyPr>
-          <a:lstStyle/>
-          <a:p>
-            <a:r>
-              <a:rPr lang="en-US" sz="4800" dirty="0"/>
-              <a:t>I won a million dollars</a:t>
-            </a:r>
-          </a:p>
-        </p:txBody>
-      </p:sp>
-      <p:sp>
-        <p:nvSpPr>
-          <p:cNvPr id="6" name="TextBox 5">
-            <a:extLst>
-              <a:ext uri="{FF2B5EF4-FFF2-40B4-BE49-F238E27FC236}">
-                <a16:creationId xmlns:a16="http://schemas.microsoft.com/office/drawing/2014/main" id="{91372BE0-5DA4-684B-A7D8-07D728486018}"/>
-              </a:ext>
-            </a:extLst>
-          </p:cNvPr>
-          <p:cNvSpPr txBox="1"/>
-          <p:nvPr/>
-        </p:nvSpPr>
-        <p:spPr>
-          <a:xfrm>
-            <a:off x="231852" y="1227881"/>
-            <a:ext cx="7497327" cy="830997"/>
-          </a:xfrm>
-          <a:prstGeom prst="rect">
-            <a:avLst/>
-          </a:prstGeom>
-          <a:noFill/>
-        </p:spPr>
-        <p:txBody>
-          <a:bodyPr wrap="square" rtlCol="0">
-            <a:spAutoFit/>
-          </a:bodyPr>
-          <a:lstStyle/>
-          <a:p>
-            <a:r>
-              <a:rPr lang="en-US" sz="4800" dirty="0"/>
-              <a:t>I won </a:t>
-            </a:r>
-            <a:r>
-              <a:rPr lang="en-US" sz="4800" dirty="0">
-                <a:highlight>
-                  <a:srgbClr val="C00002"/>
-                </a:highlight>
-              </a:rPr>
-              <a:t>one</a:t>
-            </a:r>
-            <a:r>
-              <a:rPr lang="en-US" sz="4800" dirty="0"/>
-              <a:t> million dollars</a:t>
-            </a:r>
-          </a:p>
-        </p:txBody>
-      </p:sp>
-      <p:sp>
-        <p:nvSpPr>
-          <p:cNvPr id="7" name="TextBox 6">
-            <a:extLst>
-              <a:ext uri="{FF2B5EF4-FFF2-40B4-BE49-F238E27FC236}">
-                <a16:creationId xmlns:a16="http://schemas.microsoft.com/office/drawing/2014/main" id="{3A9B9D75-D582-E347-8489-DBBECAD1C509}"/>
-              </a:ext>
-            </a:extLst>
-          </p:cNvPr>
-          <p:cNvSpPr txBox="1"/>
-          <p:nvPr/>
-        </p:nvSpPr>
-        <p:spPr>
-          <a:xfrm>
-            <a:off x="231852" y="2354996"/>
-            <a:ext cx="7025692" cy="830997"/>
-          </a:xfrm>
-          <a:prstGeom prst="rect">
-            <a:avLst/>
-          </a:prstGeom>
-          <a:noFill/>
-        </p:spPr>
-        <p:txBody>
-          <a:bodyPr wrap="square" rtlCol="0">
-            <a:spAutoFit/>
-          </a:bodyPr>
-          <a:lstStyle/>
-          <a:p>
-            <a:r>
-              <a:rPr lang="en-US" sz="4800" dirty="0"/>
-              <a:t>I won </a:t>
-            </a:r>
-            <a:r>
-              <a:rPr lang="en-US" sz="4800" dirty="0">
-                <a:highlight>
-                  <a:srgbClr val="C00002"/>
-                </a:highlight>
-              </a:rPr>
-              <a:t>$1</a:t>
-            </a:r>
-            <a:r>
-              <a:rPr lang="en-US" sz="4800" dirty="0"/>
-              <a:t> million </a:t>
-            </a:r>
-            <a:r>
-              <a:rPr lang="en-US" sz="4800" dirty="0">
-                <a:highlight>
-                  <a:srgbClr val="C00002"/>
-                </a:highlight>
-              </a:rPr>
-              <a:t>_ </a:t>
-            </a:r>
-          </a:p>
-        </p:txBody>
-      </p:sp>
-      <p:sp>
-        <p:nvSpPr>
-          <p:cNvPr id="8" name="TextBox 7">
-            <a:extLst>
-              <a:ext uri="{FF2B5EF4-FFF2-40B4-BE49-F238E27FC236}">
-                <a16:creationId xmlns:a16="http://schemas.microsoft.com/office/drawing/2014/main" id="{E8538B19-3CD8-5249-B919-545F9EB7F256}"/>
-              </a:ext>
-            </a:extLst>
-          </p:cNvPr>
-          <p:cNvSpPr txBox="1"/>
-          <p:nvPr/>
-        </p:nvSpPr>
-        <p:spPr>
-          <a:xfrm>
-            <a:off x="231852" y="3479607"/>
-            <a:ext cx="6597053" cy="830997"/>
-          </a:xfrm>
-          <a:prstGeom prst="rect">
-            <a:avLst/>
-          </a:prstGeom>
-          <a:noFill/>
-        </p:spPr>
-        <p:txBody>
-          <a:bodyPr wrap="square" rtlCol="0">
-            <a:spAutoFit/>
-          </a:bodyPr>
-          <a:lstStyle/>
-          <a:p>
-            <a:r>
-              <a:rPr lang="en-US" sz="4800" dirty="0"/>
-              <a:t>I won </a:t>
-            </a:r>
-            <a:r>
-              <a:rPr lang="en-US" sz="4800" dirty="0">
-                <a:highlight>
-                  <a:srgbClr val="C00002"/>
-                </a:highlight>
-              </a:rPr>
-              <a:t>$1,000,000</a:t>
-            </a:r>
-          </a:p>
-        </p:txBody>
-      </p:sp>
-      <p:sp>
-        <p:nvSpPr>
-          <p:cNvPr id="9" name="TextBox 8">
-            <a:extLst>
-              <a:ext uri="{FF2B5EF4-FFF2-40B4-BE49-F238E27FC236}">
-                <a16:creationId xmlns:a16="http://schemas.microsoft.com/office/drawing/2014/main" id="{A4120390-DC72-DC43-A3A5-3868C33CFEAE}"/>
-              </a:ext>
-            </a:extLst>
-          </p:cNvPr>
-          <p:cNvSpPr txBox="1"/>
-          <p:nvPr/>
-        </p:nvSpPr>
-        <p:spPr>
-          <a:xfrm>
-            <a:off x="231852" y="4605470"/>
-            <a:ext cx="6463941" cy="830997"/>
-          </a:xfrm>
-          <a:prstGeom prst="rect">
-            <a:avLst/>
-          </a:prstGeom>
-          <a:noFill/>
-        </p:spPr>
-        <p:txBody>
-          <a:bodyPr wrap="square" rtlCol="0">
-            <a:spAutoFit/>
-          </a:bodyPr>
-          <a:lstStyle/>
-          <a:p>
-            <a:r>
-              <a:rPr lang="en-US" sz="4800" dirty="0"/>
-              <a:t>I </a:t>
-            </a:r>
-            <a:r>
-              <a:rPr lang="en-US" sz="4800" dirty="0">
-                <a:highlight>
-                  <a:srgbClr val="C00002"/>
-                </a:highlight>
-              </a:rPr>
-              <a:t>got</a:t>
-            </a:r>
-            <a:r>
-              <a:rPr lang="en-US" sz="4800" dirty="0"/>
-              <a:t> $1,000,000</a:t>
-            </a:r>
-          </a:p>
-        </p:txBody>
-      </p:sp>
-      <p:sp>
-        <p:nvSpPr>
-          <p:cNvPr id="10" name="TextBox 9">
-            <a:extLst>
-              <a:ext uri="{FF2B5EF4-FFF2-40B4-BE49-F238E27FC236}">
-                <a16:creationId xmlns:a16="http://schemas.microsoft.com/office/drawing/2014/main" id="{9A9C4489-66E0-384E-ABFB-9E7B42A37D20}"/>
-              </a:ext>
-            </a:extLst>
-          </p:cNvPr>
-          <p:cNvSpPr txBox="1"/>
-          <p:nvPr/>
-        </p:nvSpPr>
-        <p:spPr>
-          <a:xfrm>
-            <a:off x="231852" y="5731333"/>
-            <a:ext cx="7025692" cy="830997"/>
-          </a:xfrm>
-          <a:prstGeom prst="rect">
-            <a:avLst/>
-          </a:prstGeom>
-          <a:noFill/>
-        </p:spPr>
-        <p:txBody>
-          <a:bodyPr wrap="square" rtlCol="0">
-            <a:spAutoFit/>
-          </a:bodyPr>
-          <a:lstStyle/>
-          <a:p>
-            <a:r>
-              <a:rPr lang="en-US" sz="4800" dirty="0"/>
-              <a:t>I </a:t>
-            </a:r>
-            <a:r>
-              <a:rPr lang="en-US" sz="4800" dirty="0" err="1">
-                <a:highlight>
-                  <a:srgbClr val="C00002"/>
-                </a:highlight>
-              </a:rPr>
-              <a:t>wun</a:t>
-            </a:r>
-            <a:r>
-              <a:rPr lang="en-US" sz="4800" dirty="0"/>
-              <a:t> </a:t>
-            </a:r>
-            <a:r>
-              <a:rPr lang="en-US" sz="4800" dirty="0">
-                <a:highlight>
-                  <a:srgbClr val="C00002"/>
-                </a:highlight>
-              </a:rPr>
-              <a:t>1</a:t>
-            </a:r>
-            <a:r>
-              <a:rPr lang="en-US" sz="4800" dirty="0"/>
-              <a:t> million dollars</a:t>
-            </a:r>
-          </a:p>
-        </p:txBody>
-      </p:sp>
-      <p:sp>
-        <p:nvSpPr>
-          <p:cNvPr id="11" name="TextBox 10">
-            <a:extLst>
-              <a:ext uri="{FF2B5EF4-FFF2-40B4-BE49-F238E27FC236}">
-                <a16:creationId xmlns:a16="http://schemas.microsoft.com/office/drawing/2014/main" id="{9267356C-807D-084D-A5F7-D956B86F4B9C}"/>
-              </a:ext>
-            </a:extLst>
-          </p:cNvPr>
-          <p:cNvSpPr txBox="1"/>
-          <p:nvPr/>
-        </p:nvSpPr>
-        <p:spPr>
-          <a:xfrm>
-            <a:off x="8458200" y="295669"/>
-            <a:ext cx="469380" cy="830997"/>
-          </a:xfrm>
-          <a:prstGeom prst="rect">
-            <a:avLst/>
-          </a:prstGeom>
-          <a:noFill/>
-        </p:spPr>
-        <p:txBody>
-          <a:bodyPr wrap="square" rtlCol="0">
-            <a:spAutoFit/>
-          </a:bodyPr>
-          <a:lstStyle/>
-          <a:p>
-            <a:r>
-              <a:rPr lang="en-US" sz="4800" b="1" dirty="0"/>
-              <a:t>0</a:t>
-            </a:r>
-          </a:p>
-        </p:txBody>
-      </p:sp>
-      <p:sp>
-        <p:nvSpPr>
-          <p:cNvPr id="12" name="TextBox 11">
-            <a:extLst>
-              <a:ext uri="{FF2B5EF4-FFF2-40B4-BE49-F238E27FC236}">
-                <a16:creationId xmlns:a16="http://schemas.microsoft.com/office/drawing/2014/main" id="{2961EBEA-A3FB-CD44-A2C7-248C756925CD}"/>
-              </a:ext>
-            </a:extLst>
-          </p:cNvPr>
-          <p:cNvSpPr txBox="1"/>
-          <p:nvPr/>
-        </p:nvSpPr>
-        <p:spPr>
-          <a:xfrm>
-            <a:off x="6934200" y="1219199"/>
-            <a:ext cx="1993381" cy="830997"/>
-          </a:xfrm>
-          <a:prstGeom prst="rect">
-            <a:avLst/>
-          </a:prstGeom>
-          <a:noFill/>
-        </p:spPr>
-        <p:txBody>
-          <a:bodyPr wrap="square" rtlCol="0">
-            <a:spAutoFit/>
-          </a:bodyPr>
-          <a:lstStyle/>
-          <a:p>
-            <a:pPr algn="r"/>
-            <a:r>
-              <a:rPr lang="en-US" sz="4800" b="1" dirty="0"/>
-              <a:t>+1 = 1</a:t>
-            </a:r>
-          </a:p>
-        </p:txBody>
-      </p:sp>
-      <p:sp>
-        <p:nvSpPr>
-          <p:cNvPr id="13" name="TextBox 12">
-            <a:extLst>
-              <a:ext uri="{FF2B5EF4-FFF2-40B4-BE49-F238E27FC236}">
-                <a16:creationId xmlns:a16="http://schemas.microsoft.com/office/drawing/2014/main" id="{0866233C-5467-964F-919A-6EF8F9E12134}"/>
-              </a:ext>
-            </a:extLst>
-          </p:cNvPr>
-          <p:cNvSpPr txBox="1"/>
-          <p:nvPr/>
-        </p:nvSpPr>
-        <p:spPr>
-          <a:xfrm>
-            <a:off x="6907640" y="2345062"/>
-            <a:ext cx="1993381" cy="830997"/>
-          </a:xfrm>
-          <a:prstGeom prst="rect">
-            <a:avLst/>
-          </a:prstGeom>
-          <a:noFill/>
-        </p:spPr>
-        <p:txBody>
-          <a:bodyPr wrap="square" rtlCol="0">
-            <a:spAutoFit/>
-          </a:bodyPr>
-          <a:lstStyle/>
-          <a:p>
-            <a:pPr algn="r"/>
-            <a:r>
-              <a:rPr lang="en-US" sz="4800" b="1" dirty="0"/>
-              <a:t>+2 = 3</a:t>
-            </a:r>
-          </a:p>
-        </p:txBody>
-      </p:sp>
-      <p:sp>
-        <p:nvSpPr>
-          <p:cNvPr id="14" name="TextBox 13">
-            <a:extLst>
-              <a:ext uri="{FF2B5EF4-FFF2-40B4-BE49-F238E27FC236}">
-                <a16:creationId xmlns:a16="http://schemas.microsoft.com/office/drawing/2014/main" id="{78693E95-9E15-E041-ADDC-731A1463FA40}"/>
-              </a:ext>
-            </a:extLst>
-          </p:cNvPr>
-          <p:cNvSpPr txBox="1"/>
-          <p:nvPr/>
-        </p:nvSpPr>
-        <p:spPr>
-          <a:xfrm>
-            <a:off x="6907640" y="3479607"/>
-            <a:ext cx="1993381" cy="830997"/>
-          </a:xfrm>
-          <a:prstGeom prst="rect">
-            <a:avLst/>
-          </a:prstGeom>
-          <a:noFill/>
-        </p:spPr>
-        <p:txBody>
-          <a:bodyPr wrap="square" rtlCol="0">
-            <a:spAutoFit/>
-          </a:bodyPr>
-          <a:lstStyle/>
-          <a:p>
-            <a:pPr algn="r"/>
-            <a:r>
-              <a:rPr lang="en-US" sz="4800" b="1" dirty="0"/>
-              <a:t>+1 = 4</a:t>
-            </a:r>
-          </a:p>
-        </p:txBody>
-      </p:sp>
-      <p:sp>
-        <p:nvSpPr>
-          <p:cNvPr id="15" name="TextBox 14">
-            <a:extLst>
-              <a:ext uri="{FF2B5EF4-FFF2-40B4-BE49-F238E27FC236}">
-                <a16:creationId xmlns:a16="http://schemas.microsoft.com/office/drawing/2014/main" id="{EB63D4BA-43C6-D246-8F9A-5CD5C68AA7EE}"/>
-              </a:ext>
-            </a:extLst>
-          </p:cNvPr>
-          <p:cNvSpPr txBox="1"/>
-          <p:nvPr/>
-        </p:nvSpPr>
-        <p:spPr>
-          <a:xfrm>
-            <a:off x="6907639" y="4596788"/>
-            <a:ext cx="1993381" cy="830997"/>
-          </a:xfrm>
-          <a:prstGeom prst="rect">
-            <a:avLst/>
-          </a:prstGeom>
-          <a:noFill/>
-        </p:spPr>
-        <p:txBody>
-          <a:bodyPr wrap="square" rtlCol="0">
-            <a:spAutoFit/>
-          </a:bodyPr>
-          <a:lstStyle/>
-          <a:p>
-            <a:pPr algn="r"/>
-            <a:r>
-              <a:rPr lang="en-US" sz="4800" b="1" dirty="0"/>
-              <a:t>+1 = 5</a:t>
-            </a:r>
-          </a:p>
-        </p:txBody>
-      </p:sp>
-      <p:sp>
-        <p:nvSpPr>
-          <p:cNvPr id="16" name="TextBox 15">
-            <a:extLst>
-              <a:ext uri="{FF2B5EF4-FFF2-40B4-BE49-F238E27FC236}">
-                <a16:creationId xmlns:a16="http://schemas.microsoft.com/office/drawing/2014/main" id="{6E7279B6-68BE-A747-85BF-BDB8A913B48A}"/>
-              </a:ext>
-            </a:extLst>
-          </p:cNvPr>
-          <p:cNvSpPr txBox="1"/>
-          <p:nvPr/>
-        </p:nvSpPr>
-        <p:spPr>
-          <a:xfrm>
-            <a:off x="6828905" y="5713969"/>
-            <a:ext cx="2072115" cy="830997"/>
-          </a:xfrm>
-          <a:prstGeom prst="rect">
-            <a:avLst/>
-          </a:prstGeom>
-          <a:noFill/>
-        </p:spPr>
-        <p:txBody>
-          <a:bodyPr wrap="square" rtlCol="0">
-            <a:spAutoFit/>
-          </a:bodyPr>
-          <a:lstStyle/>
-          <a:p>
-            <a:pPr algn="r"/>
-            <a:r>
-              <a:rPr lang="en-US" sz="4800" b="1" dirty="0"/>
-              <a:t>+2 = 7</a:t>
-            </a:r>
-          </a:p>
-        </p:txBody>
-      </p:sp>
-    </p:spTree>
-    <p:extLst>
-      <p:ext uri="{BB962C8B-B14F-4D97-AF65-F5344CB8AC3E}">
-        <p14:creationId xmlns:p14="http://schemas.microsoft.com/office/powerpoint/2010/main" val="1369692982"/>
-      </p:ext>
-    </p:extLst>
-  </p:cSld>
-  <p:clrMapOvr>
-    <a:masterClrMapping/>
-  </p:clrMapOvr>
-  <p:timing>
-    <p:tnLst>
-      <p:par>
-        <p:cTn id="1" dur="indefinite" restart="never" nodeType="tmRoot">
-          <p:childTnLst>
-            <p:seq concurrent="1" nextAc="seek">
-              <p:cTn id="2" dur="indefinite" nodeType="mainSeq">
-                <p:childTnLst>
-                  <p:par>
-                    <p:cTn id="3" fill="hold">
-                      <p:stCondLst>
-                        <p:cond delay="indefinite"/>
-                      </p:stCondLst>
-                      <p:childTnLst>
-                        <p:par>
-                          <p:cTn id="4" fill="hold">
-                            <p:stCondLst>
-                              <p:cond delay="0"/>
-                            </p:stCondLst>
-                            <p:childTnLst>
-                              <p:par>
-                                <p:cTn id="5" presetID="10" presetClass="entr" presetSubtype="0" fill="hold" grpId="0" nodeType="clickEffect">
-                                  <p:stCondLst>
-                                    <p:cond delay="0"/>
-                                  </p:stCondLst>
-                                  <p:childTnLst>
-                                    <p:set>
-                                      <p:cBhvr>
-                                        <p:cTn id="6" dur="1" fill="hold">
-                                          <p:stCondLst>
-                                            <p:cond delay="0"/>
-                                          </p:stCondLst>
-                                        </p:cTn>
-                                        <p:tgtEl>
-                                          <p:spTgt spid="5"/>
-                                        </p:tgtEl>
-                                        <p:attrNameLst>
-                                          <p:attrName>style.visibility</p:attrName>
-                                        </p:attrNameLst>
-                                      </p:cBhvr>
-                                      <p:to>
-                                        <p:strVal val="visible"/>
-                                      </p:to>
-                                    </p:set>
-                                    <p:animEffect transition="in" filter="fade">
-                                      <p:cBhvr>
-                                        <p:cTn id="7" dur="250"/>
-                                        <p:tgtEl>
-                                          <p:spTgt spid="5"/>
-                                        </p:tgtEl>
-                                      </p:cBhvr>
-                                    </p:animEffect>
-                                  </p:childTnLst>
-                                </p:cTn>
-                              </p:par>
-                            </p:childTnLst>
-                          </p:cTn>
-                        </p:par>
-                      </p:childTnLst>
-                    </p:cTn>
-                  </p:par>
-                  <p:par>
-                    <p:cTn id="8" fill="hold">
-                      <p:stCondLst>
-                        <p:cond delay="indefinite"/>
-                      </p:stCondLst>
-                      <p:childTnLst>
-                        <p:par>
-                          <p:cTn id="9" fill="hold">
-                            <p:stCondLst>
-                              <p:cond delay="0"/>
-                            </p:stCondLst>
-                            <p:childTnLst>
-                              <p:par>
-                                <p:cTn id="10" presetID="10" presetClass="entr" presetSubtype="0" fill="hold" grpId="0" nodeType="clickEffect">
-                                  <p:stCondLst>
-                                    <p:cond delay="0"/>
-                                  </p:stCondLst>
-                                  <p:childTnLst>
-                                    <p:set>
-                                      <p:cBhvr>
-                                        <p:cTn id="11" dur="1" fill="hold">
-                                          <p:stCondLst>
-                                            <p:cond delay="0"/>
-                                          </p:stCondLst>
-                                        </p:cTn>
-                                        <p:tgtEl>
-                                          <p:spTgt spid="6"/>
-                                        </p:tgtEl>
-                                        <p:attrNameLst>
-                                          <p:attrName>style.visibility</p:attrName>
-                                        </p:attrNameLst>
-                                      </p:cBhvr>
-                                      <p:to>
-                                        <p:strVal val="visible"/>
-                                      </p:to>
-                                    </p:set>
-                                    <p:animEffect transition="in" filter="fade">
-                                      <p:cBhvr>
-                                        <p:cTn id="12" dur="250"/>
-                                        <p:tgtEl>
-                                          <p:spTgt spid="6"/>
-                                        </p:tgtEl>
-                                      </p:cBhvr>
-                                    </p:animEffect>
-                                  </p:childTnLst>
-                                </p:cTn>
-                              </p:par>
-                            </p:childTnLst>
-                          </p:cTn>
-                        </p:par>
-                      </p:childTnLst>
-                    </p:cTn>
-                  </p:par>
-                  <p:par>
-                    <p:cTn id="13" fill="hold">
-                      <p:stCondLst>
-                        <p:cond delay="indefinite"/>
-                      </p:stCondLst>
-                      <p:childTnLst>
-                        <p:par>
-                          <p:cTn id="14" fill="hold">
-                            <p:stCondLst>
-                              <p:cond delay="0"/>
-                            </p:stCondLst>
-                            <p:childTnLst>
-                              <p:par>
-                                <p:cTn id="15" presetID="10" presetClass="entr" presetSubtype="0" fill="hold" grpId="0" nodeType="clickEffect">
-                                  <p:stCondLst>
-                                    <p:cond delay="0"/>
-                                  </p:stCondLst>
-                                  <p:childTnLst>
-                                    <p:set>
-                                      <p:cBhvr>
-                                        <p:cTn id="16" dur="1" fill="hold">
-                                          <p:stCondLst>
-                                            <p:cond delay="0"/>
-                                          </p:stCondLst>
-                                        </p:cTn>
-                                        <p:tgtEl>
-                                          <p:spTgt spid="11"/>
-                                        </p:tgtEl>
-                                        <p:attrNameLst>
-                                          <p:attrName>style.visibility</p:attrName>
-                                        </p:attrNameLst>
-                                      </p:cBhvr>
-                                      <p:to>
-                                        <p:strVal val="visible"/>
-                                      </p:to>
-                                    </p:set>
-                                    <p:animEffect transition="in" filter="fade">
-                                      <p:cBhvr>
-                                        <p:cTn id="17" dur="250"/>
-                                        <p:tgtEl>
-                                          <p:spTgt spid="11"/>
-                                        </p:tgtEl>
-                                      </p:cBhvr>
-                                    </p:animEffect>
-                                  </p:childTnLst>
-                                </p:cTn>
-                              </p:par>
-                            </p:childTnLst>
-                          </p:cTn>
-                        </p:par>
-                      </p:childTnLst>
-                    </p:cTn>
-                  </p:par>
-                  <p:par>
-                    <p:cTn id="18" fill="hold">
-                      <p:stCondLst>
-                        <p:cond delay="indefinite"/>
-                      </p:stCondLst>
-                      <p:childTnLst>
-                        <p:par>
-                          <p:cTn id="19" fill="hold">
-                            <p:stCondLst>
-                              <p:cond delay="0"/>
-                            </p:stCondLst>
-                            <p:childTnLst>
-                              <p:par>
-                                <p:cTn id="20" presetID="10" presetClass="entr" presetSubtype="0" fill="hold" grpId="0" nodeType="clickEffect">
-                                  <p:stCondLst>
-                                    <p:cond delay="0"/>
-                                  </p:stCondLst>
-                                  <p:childTnLst>
-                                    <p:set>
-                                      <p:cBhvr>
-                                        <p:cTn id="21" dur="1" fill="hold">
-                                          <p:stCondLst>
-                                            <p:cond delay="0"/>
-                                          </p:stCondLst>
-                                        </p:cTn>
-                                        <p:tgtEl>
-                                          <p:spTgt spid="12"/>
-                                        </p:tgtEl>
-                                        <p:attrNameLst>
-                                          <p:attrName>style.visibility</p:attrName>
-                                        </p:attrNameLst>
-                                      </p:cBhvr>
-                                      <p:to>
-                                        <p:strVal val="visible"/>
-                                      </p:to>
-                                    </p:set>
-                                    <p:animEffect transition="in" filter="fade">
-                                      <p:cBhvr>
-                                        <p:cTn id="22" dur="250"/>
-                                        <p:tgtEl>
-                                          <p:spTgt spid="12"/>
-                                        </p:tgtEl>
-                                      </p:cBhvr>
-                                    </p:animEffect>
-                                  </p:childTnLst>
-                                </p:cTn>
-                              </p:par>
-                            </p:childTnLst>
-                          </p:cTn>
-                        </p:par>
-                      </p:childTnLst>
-                    </p:cTn>
-                  </p:par>
-                  <p:par>
-                    <p:cTn id="23" fill="hold">
-                      <p:stCondLst>
-                        <p:cond delay="indefinite"/>
-                      </p:stCondLst>
-                      <p:childTnLst>
-                        <p:par>
-                          <p:cTn id="24" fill="hold">
-                            <p:stCondLst>
-                              <p:cond delay="0"/>
-                            </p:stCondLst>
-                            <p:childTnLst>
-                              <p:par>
-                                <p:cTn id="25" presetID="10" presetClass="entr" presetSubtype="0" fill="hold" grpId="0" nodeType="clickEffect">
-                                  <p:stCondLst>
-                                    <p:cond delay="0"/>
-                                  </p:stCondLst>
-                                  <p:childTnLst>
-                                    <p:set>
-                                      <p:cBhvr>
-                                        <p:cTn id="26" dur="1" fill="hold">
-                                          <p:stCondLst>
-                                            <p:cond delay="0"/>
-                                          </p:stCondLst>
-                                        </p:cTn>
-                                        <p:tgtEl>
-                                          <p:spTgt spid="7"/>
-                                        </p:tgtEl>
-                                        <p:attrNameLst>
-                                          <p:attrName>style.visibility</p:attrName>
-                                        </p:attrNameLst>
-                                      </p:cBhvr>
-                                      <p:to>
-                                        <p:strVal val="visible"/>
-                                      </p:to>
-                                    </p:set>
-                                    <p:animEffect transition="in" filter="fade">
-                                      <p:cBhvr>
-                                        <p:cTn id="27" dur="250"/>
-                                        <p:tgtEl>
-                                          <p:spTgt spid="7"/>
-                                        </p:tgtEl>
-                                      </p:cBhvr>
-                                    </p:animEffect>
-                                  </p:childTnLst>
-                                </p:cTn>
-                              </p:par>
-                            </p:childTnLst>
-                          </p:cTn>
-                        </p:par>
-                      </p:childTnLst>
-                    </p:cTn>
-                  </p:par>
-                  <p:par>
-                    <p:cTn id="28" fill="hold">
-                      <p:stCondLst>
-                        <p:cond delay="indefinite"/>
-                      </p:stCondLst>
-                      <p:childTnLst>
-                        <p:par>
-                          <p:cTn id="29" fill="hold">
-                            <p:stCondLst>
-                              <p:cond delay="0"/>
-                            </p:stCondLst>
-                            <p:childTnLst>
-                              <p:par>
-                                <p:cTn id="30" presetID="10" presetClass="entr" presetSubtype="0" fill="hold" grpId="0" nodeType="clickEffect">
-                                  <p:stCondLst>
-                                    <p:cond delay="0"/>
-                                  </p:stCondLst>
-                                  <p:childTnLst>
-                                    <p:set>
-                                      <p:cBhvr>
-                                        <p:cTn id="31" dur="1" fill="hold">
-                                          <p:stCondLst>
-                                            <p:cond delay="0"/>
-                                          </p:stCondLst>
-                                        </p:cTn>
-                                        <p:tgtEl>
-                                          <p:spTgt spid="13"/>
-                                        </p:tgtEl>
-                                        <p:attrNameLst>
-                                          <p:attrName>style.visibility</p:attrName>
-                                        </p:attrNameLst>
-                                      </p:cBhvr>
-                                      <p:to>
-                                        <p:strVal val="visible"/>
-                                      </p:to>
-                                    </p:set>
-                                    <p:animEffect transition="in" filter="fade">
-                                      <p:cBhvr>
-                                        <p:cTn id="32" dur="250"/>
-                                        <p:tgtEl>
-                                          <p:spTgt spid="13"/>
-                                        </p:tgtEl>
-                                      </p:cBhvr>
-                                    </p:animEffect>
-                                  </p:childTnLst>
-                                </p:cTn>
-                              </p:par>
-                            </p:childTnLst>
-                          </p:cTn>
-                        </p:par>
-                      </p:childTnLst>
-                    </p:cTn>
-                  </p:par>
-                  <p:par>
-                    <p:cTn id="33" fill="hold">
-                      <p:stCondLst>
-                        <p:cond delay="indefinite"/>
-                      </p:stCondLst>
-                      <p:childTnLst>
-                        <p:par>
-                          <p:cTn id="34" fill="hold">
-                            <p:stCondLst>
-                              <p:cond delay="0"/>
-                            </p:stCondLst>
-                            <p:childTnLst>
-                              <p:par>
-                                <p:cTn id="35" presetID="10" presetClass="entr" presetSubtype="0" fill="hold" grpId="0" nodeType="clickEffect">
-                                  <p:stCondLst>
-                                    <p:cond delay="0"/>
-                                  </p:stCondLst>
-                                  <p:childTnLst>
-                                    <p:set>
-                                      <p:cBhvr>
-                                        <p:cTn id="36" dur="1" fill="hold">
-                                          <p:stCondLst>
-                                            <p:cond delay="0"/>
-                                          </p:stCondLst>
-                                        </p:cTn>
-                                        <p:tgtEl>
-                                          <p:spTgt spid="8"/>
-                                        </p:tgtEl>
-                                        <p:attrNameLst>
-                                          <p:attrName>style.visibility</p:attrName>
-                                        </p:attrNameLst>
-                                      </p:cBhvr>
-                                      <p:to>
-                                        <p:strVal val="visible"/>
-                                      </p:to>
-                                    </p:set>
-                                    <p:animEffect transition="in" filter="fade">
-                                      <p:cBhvr>
-                                        <p:cTn id="37" dur="250"/>
-                                        <p:tgtEl>
-                                          <p:spTgt spid="8"/>
-                                        </p:tgtEl>
-                                      </p:cBhvr>
-                                    </p:animEffect>
-                                  </p:childTnLst>
-                                </p:cTn>
-                              </p:par>
-                            </p:childTnLst>
-                          </p:cTn>
-                        </p:par>
-                      </p:childTnLst>
-                    </p:cTn>
-                  </p:par>
-                  <p:par>
-                    <p:cTn id="38" fill="hold">
-                      <p:stCondLst>
-                        <p:cond delay="indefinite"/>
-                      </p:stCondLst>
-                      <p:childTnLst>
-                        <p:par>
-                          <p:cTn id="39" fill="hold">
-                            <p:stCondLst>
-                              <p:cond delay="0"/>
-                            </p:stCondLst>
-                            <p:childTnLst>
-                              <p:par>
-                                <p:cTn id="40" presetID="10" presetClass="entr" presetSubtype="0" fill="hold" grpId="0" nodeType="clickEffect">
-                                  <p:stCondLst>
-                                    <p:cond delay="0"/>
-                                  </p:stCondLst>
-                                  <p:childTnLst>
-                                    <p:set>
-                                      <p:cBhvr>
-                                        <p:cTn id="41" dur="1" fill="hold">
-                                          <p:stCondLst>
-                                            <p:cond delay="0"/>
-                                          </p:stCondLst>
-                                        </p:cTn>
-                                        <p:tgtEl>
-                                          <p:spTgt spid="14"/>
-                                        </p:tgtEl>
-                                        <p:attrNameLst>
-                                          <p:attrName>style.visibility</p:attrName>
-                                        </p:attrNameLst>
-                                      </p:cBhvr>
-                                      <p:to>
-                                        <p:strVal val="visible"/>
-                                      </p:to>
-                                    </p:set>
-                                    <p:animEffect transition="in" filter="fade">
-                                      <p:cBhvr>
-                                        <p:cTn id="42" dur="250"/>
-                                        <p:tgtEl>
-                                          <p:spTgt spid="14"/>
-                                        </p:tgtEl>
-                                      </p:cBhvr>
-                                    </p:animEffect>
-                                  </p:childTnLst>
-                                </p:cTn>
-                              </p:par>
-                            </p:childTnLst>
-                          </p:cTn>
-                        </p:par>
-                      </p:childTnLst>
-                    </p:cTn>
-                  </p:par>
-                  <p:par>
-                    <p:cTn id="43" fill="hold">
-                      <p:stCondLst>
-                        <p:cond delay="indefinite"/>
-                      </p:stCondLst>
-                      <p:childTnLst>
-                        <p:par>
-                          <p:cTn id="44" fill="hold">
-                            <p:stCondLst>
-                              <p:cond delay="0"/>
-                            </p:stCondLst>
-                            <p:childTnLst>
-                              <p:par>
-                                <p:cTn id="45" presetID="10" presetClass="entr" presetSubtype="0" fill="hold" grpId="0" nodeType="clickEffect">
-                                  <p:stCondLst>
-                                    <p:cond delay="0"/>
-                                  </p:stCondLst>
-                                  <p:childTnLst>
-                                    <p:set>
-                                      <p:cBhvr>
-                                        <p:cTn id="46" dur="1" fill="hold">
-                                          <p:stCondLst>
-                                            <p:cond delay="0"/>
-                                          </p:stCondLst>
-                                        </p:cTn>
-                                        <p:tgtEl>
-                                          <p:spTgt spid="9"/>
-                                        </p:tgtEl>
-                                        <p:attrNameLst>
-                                          <p:attrName>style.visibility</p:attrName>
-                                        </p:attrNameLst>
-                                      </p:cBhvr>
-                                      <p:to>
-                                        <p:strVal val="visible"/>
-                                      </p:to>
-                                    </p:set>
-                                    <p:animEffect transition="in" filter="fade">
-                                      <p:cBhvr>
-                                        <p:cTn id="47" dur="250"/>
-                                        <p:tgtEl>
-                                          <p:spTgt spid="9"/>
-                                        </p:tgtEl>
-                                      </p:cBhvr>
-                                    </p:animEffect>
-                                  </p:childTnLst>
-                                </p:cTn>
-                              </p:par>
-                            </p:childTnLst>
-                          </p:cTn>
-                        </p:par>
-                      </p:childTnLst>
-                    </p:cTn>
-                  </p:par>
-                  <p:par>
-                    <p:cTn id="48" fill="hold">
-                      <p:stCondLst>
-                        <p:cond delay="indefinite"/>
-                      </p:stCondLst>
-                      <p:childTnLst>
-                        <p:par>
-                          <p:cTn id="49" fill="hold">
-                            <p:stCondLst>
-                              <p:cond delay="0"/>
-                            </p:stCondLst>
-                            <p:childTnLst>
-                              <p:par>
-                                <p:cTn id="50" presetID="10" presetClass="entr" presetSubtype="0" fill="hold" grpId="0" nodeType="clickEffect">
-                                  <p:stCondLst>
-                                    <p:cond delay="0"/>
-                                  </p:stCondLst>
-                                  <p:childTnLst>
-                                    <p:set>
-                                      <p:cBhvr>
-                                        <p:cTn id="51" dur="1" fill="hold">
-                                          <p:stCondLst>
-                                            <p:cond delay="0"/>
-                                          </p:stCondLst>
-                                        </p:cTn>
-                                        <p:tgtEl>
-                                          <p:spTgt spid="15"/>
-                                        </p:tgtEl>
-                                        <p:attrNameLst>
-                                          <p:attrName>style.visibility</p:attrName>
-                                        </p:attrNameLst>
-                                      </p:cBhvr>
-                                      <p:to>
-                                        <p:strVal val="visible"/>
-                                      </p:to>
-                                    </p:set>
-                                    <p:animEffect transition="in" filter="fade">
-                                      <p:cBhvr>
-                                        <p:cTn id="52" dur="250"/>
-                                        <p:tgtEl>
-                                          <p:spTgt spid="15"/>
-                                        </p:tgtEl>
-                                      </p:cBhvr>
-                                    </p:animEffect>
-                                  </p:childTnLst>
-                                </p:cTn>
-                              </p:par>
-                            </p:childTnLst>
-                          </p:cTn>
-                        </p:par>
-                      </p:childTnLst>
-                    </p:cTn>
-                  </p:par>
-                  <p:par>
-                    <p:cTn id="53" fill="hold">
-                      <p:stCondLst>
-                        <p:cond delay="indefinite"/>
-                      </p:stCondLst>
-                      <p:childTnLst>
-                        <p:par>
-                          <p:cTn id="54" fill="hold">
-                            <p:stCondLst>
-                              <p:cond delay="0"/>
-                            </p:stCondLst>
-                            <p:childTnLst>
-                              <p:par>
-                                <p:cTn id="55" presetID="10" presetClass="entr" presetSubtype="0" fill="hold" grpId="0" nodeType="clickEffect">
-                                  <p:stCondLst>
-                                    <p:cond delay="0"/>
-                                  </p:stCondLst>
-                                  <p:childTnLst>
-                                    <p:set>
-                                      <p:cBhvr>
-                                        <p:cTn id="56" dur="1" fill="hold">
-                                          <p:stCondLst>
-                                            <p:cond delay="0"/>
-                                          </p:stCondLst>
-                                        </p:cTn>
-                                        <p:tgtEl>
-                                          <p:spTgt spid="10"/>
-                                        </p:tgtEl>
-                                        <p:attrNameLst>
-                                          <p:attrName>style.visibility</p:attrName>
-                                        </p:attrNameLst>
-                                      </p:cBhvr>
-                                      <p:to>
-                                        <p:strVal val="visible"/>
-                                      </p:to>
-                                    </p:set>
-                                    <p:animEffect transition="in" filter="fade">
-                                      <p:cBhvr>
-                                        <p:cTn id="57" dur="250"/>
-                                        <p:tgtEl>
-                                          <p:spTgt spid="10"/>
-                                        </p:tgtEl>
-                                      </p:cBhvr>
-                                    </p:animEffect>
-                                  </p:childTnLst>
-                                </p:cTn>
-                              </p:par>
-                            </p:childTnLst>
-                          </p:cTn>
-                        </p:par>
-                      </p:childTnLst>
-                    </p:cTn>
-                  </p:par>
-                  <p:par>
-                    <p:cTn id="58" fill="hold">
-                      <p:stCondLst>
-                        <p:cond delay="indefinite"/>
-                      </p:stCondLst>
-                      <p:childTnLst>
-                        <p:par>
-                          <p:cTn id="59" fill="hold">
-                            <p:stCondLst>
-                              <p:cond delay="0"/>
-                            </p:stCondLst>
-                            <p:childTnLst>
-                              <p:par>
-                                <p:cTn id="60" presetID="10" presetClass="entr" presetSubtype="0" fill="hold" grpId="0" nodeType="clickEffect">
-                                  <p:stCondLst>
-                                    <p:cond delay="0"/>
-                                  </p:stCondLst>
-                                  <p:childTnLst>
-                                    <p:set>
-                                      <p:cBhvr>
-                                        <p:cTn id="61" dur="1" fill="hold">
-                                          <p:stCondLst>
-                                            <p:cond delay="0"/>
-                                          </p:stCondLst>
-                                        </p:cTn>
-                                        <p:tgtEl>
-                                          <p:spTgt spid="16"/>
-                                        </p:tgtEl>
-                                        <p:attrNameLst>
-                                          <p:attrName>style.visibility</p:attrName>
-                                        </p:attrNameLst>
-                                      </p:cBhvr>
-                                      <p:to>
-                                        <p:strVal val="visible"/>
-                                      </p:to>
-                                    </p:set>
-                                    <p:animEffect transition="in" filter="fade">
-                                      <p:cBhvr>
-                                        <p:cTn id="62" dur="250"/>
-                                        <p:tgtEl>
-                                          <p:spTgt spid="16"/>
-                                        </p:tgtEl>
-                                      </p:cBhvr>
-                                    </p:animEffect>
-                                  </p:childTnLst>
-                                </p:cTn>
-                              </p:par>
-                            </p:childTnLst>
-                          </p:cTn>
-                        </p:par>
-                      </p:childTnLst>
-                    </p:cTn>
-                  </p:par>
-                </p:childTnLst>
-              </p:cTn>
-              <p:prevCondLst>
-                <p:cond evt="onPrev" delay="0">
-                  <p:tgtEl>
-                    <p:sldTgt/>
-                  </p:tgtEl>
-                </p:cond>
-              </p:prevCondLst>
-              <p:nextCondLst>
-                <p:cond evt="onNext" delay="0">
-                  <p:tgtEl>
-                    <p:sldTgt/>
-                  </p:tgtEl>
-                </p:cond>
-              </p:nextCondLst>
-            </p:seq>
-          </p:childTnLst>
-        </p:cTn>
-      </p:par>
-    </p:tnLst>
-    <p:bldLst>
-      <p:bldP spid="5" grpId="0"/>
-      <p:bldP spid="6" grpId="0"/>
-      <p:bldP spid="7" grpId="0"/>
-      <p:bldP spid="8" grpId="0"/>
-      <p:bldP spid="9" grpId="0"/>
-      <p:bldP spid="10" grpId="0"/>
-      <p:bldP spid="11" grpId="0"/>
-      <p:bldP spid="12" grpId="0"/>
-      <p:bldP spid="13" grpId="0"/>
-      <p:bldP spid="14" grpId="0"/>
-      <p:bldP spid="15" grpId="0"/>
-      <p:bldP spid="16" grpId="0"/>
-    </p:bldLst>
-  </p:timing>
-</p:sld>
-</file>
-
 <file path=ppt/theme/theme1.xml><?xml version="1.0" encoding="utf-8"?>
 <a:theme xmlns:a="http://schemas.openxmlformats.org/drawingml/2006/main" name="Office Theme">
   <a:themeElements>

--- a/companion-website/public/files/22. Is the New Testament Corrupted.pptx
+++ b/companion-website/public/files/22. Is the New Testament Corrupted.pptx
@@ -5,7 +5,7 @@
     <p:sldMasterId id="2147483648" r:id="rId1"/>
   </p:sldMasterIdLst>
   <p:notesMasterIdLst>
-    <p:notesMasterId r:id="rId37"/>
+    <p:notesMasterId r:id="rId34"/>
   </p:notesMasterIdLst>
   <p:sldIdLst>
     <p:sldId id="275" r:id="rId2"/>
@@ -17,32 +17,29 @@
     <p:sldId id="449" r:id="rId8"/>
     <p:sldId id="450" r:id="rId9"/>
     <p:sldId id="479" r:id="rId10"/>
-    <p:sldId id="448" r:id="rId11"/>
-    <p:sldId id="471" r:id="rId12"/>
-    <p:sldId id="472" r:id="rId13"/>
-    <p:sldId id="261" r:id="rId14"/>
-    <p:sldId id="466" r:id="rId15"/>
-    <p:sldId id="467" r:id="rId16"/>
-    <p:sldId id="458" r:id="rId17"/>
-    <p:sldId id="459" r:id="rId18"/>
-    <p:sldId id="460" r:id="rId19"/>
-    <p:sldId id="259" r:id="rId20"/>
-    <p:sldId id="446" r:id="rId21"/>
-    <p:sldId id="435" r:id="rId22"/>
+    <p:sldId id="484" r:id="rId11"/>
+    <p:sldId id="448" r:id="rId12"/>
+    <p:sldId id="471" r:id="rId13"/>
+    <p:sldId id="472" r:id="rId14"/>
+    <p:sldId id="261" r:id="rId15"/>
+    <p:sldId id="466" r:id="rId16"/>
+    <p:sldId id="467" r:id="rId17"/>
+    <p:sldId id="458" r:id="rId18"/>
+    <p:sldId id="459" r:id="rId19"/>
+    <p:sldId id="460" r:id="rId20"/>
+    <p:sldId id="259" r:id="rId21"/>
+    <p:sldId id="446" r:id="rId22"/>
     <p:sldId id="480" r:id="rId23"/>
-    <p:sldId id="481" r:id="rId24"/>
-    <p:sldId id="482" r:id="rId25"/>
-    <p:sldId id="462" r:id="rId26"/>
-    <p:sldId id="483" r:id="rId27"/>
-    <p:sldId id="456" r:id="rId28"/>
-    <p:sldId id="451" r:id="rId29"/>
-    <p:sldId id="454" r:id="rId30"/>
-    <p:sldId id="455" r:id="rId31"/>
-    <p:sldId id="463" r:id="rId32"/>
-    <p:sldId id="465" r:id="rId33"/>
-    <p:sldId id="464" r:id="rId34"/>
-    <p:sldId id="439" r:id="rId35"/>
-    <p:sldId id="473" r:id="rId36"/>
+    <p:sldId id="483" r:id="rId24"/>
+    <p:sldId id="456" r:id="rId25"/>
+    <p:sldId id="451" r:id="rId26"/>
+    <p:sldId id="454" r:id="rId27"/>
+    <p:sldId id="455" r:id="rId28"/>
+    <p:sldId id="463" r:id="rId29"/>
+    <p:sldId id="465" r:id="rId30"/>
+    <p:sldId id="464" r:id="rId31"/>
+    <p:sldId id="439" r:id="rId32"/>
+    <p:sldId id="473" r:id="rId33"/>
   </p:sldIdLst>
   <p:sldSz cx="9144000" cy="6858000" type="screen4x3"/>
   <p:notesSz cx="6858000" cy="9144000"/>
@@ -759,6 +756,7 @@
         <c:minorTickMark val="none"/>
         <c:tickLblPos val="nextTo"/>
         <c:crossAx val="122117327"/>
+        <c:crosses val="autoZero"/>
         <c:auto val="1"/>
         <c:lblAlgn val="ctr"/>
         <c:lblOffset val="100"/>
@@ -782,1442 +780,6 @@
         </c:manualLayout>
       </c:layout>
       <c:overlay val="1"/>
-      <c:txPr>
-        <a:bodyPr/>
-        <a:lstStyle/>
-        <a:p>
-          <a:pPr>
-            <a:defRPr>
-              <a:solidFill>
-                <a:schemeClr val="bg1"/>
-              </a:solidFill>
-            </a:defRPr>
-          </a:pPr>
-          <a:endParaRPr lang="en-US"/>
-        </a:p>
-      </c:txPr>
-    </c:legend>
-    <c:plotVisOnly val="1"/>
-    <c:dispBlanksAs val="gap"/>
-    <c:showDLblsOverMax val="0"/>
-  </c:chart>
-  <c:txPr>
-    <a:bodyPr/>
-    <a:lstStyle/>
-    <a:p>
-      <a:pPr>
-        <a:defRPr sz="1800"/>
-      </a:pPr>
-      <a:endParaRPr lang="en-US"/>
-    </a:p>
-  </c:txPr>
-  <c:externalData r:id="rId2">
-    <c:autoUpdate val="0"/>
-  </c:externalData>
-</c:chartSpace>
-</file>
-
-<file path=ppt/charts/chart10.xml><?xml version="1.0" encoding="utf-8"?>
-<c:chartSpace xmlns:c="http://schemas.openxmlformats.org/drawingml/2006/chart" xmlns:a="http://schemas.openxmlformats.org/drawingml/2006/main" xmlns:r="http://schemas.openxmlformats.org/officeDocument/2006/relationships" xmlns:c16r2="http://schemas.microsoft.com/office/drawing/2015/06/chart">
-  <c:date1904 val="0"/>
-  <c:lang val="en-US"/>
-  <c:roundedCorners val="0"/>
-  <mc:AlternateContent xmlns:mc="http://schemas.openxmlformats.org/markup-compatibility/2006">
-    <mc:Choice xmlns:c14="http://schemas.microsoft.com/office/drawing/2007/8/2/chart" Requires="c14">
-      <c14:style val="110"/>
-    </mc:Choice>
-    <mc:Fallback>
-      <c:style val="10"/>
-    </mc:Fallback>
-  </mc:AlternateContent>
-  <c:clrMapOvr bg1="lt1" tx1="dk1" bg2="lt2" tx2="dk2" accent1="accent1" accent2="accent2" accent3="accent3" accent4="accent4" accent5="accent5" accent6="accent6" hlink="hlink" folHlink="folHlink"/>
-  <c:chart>
-    <c:autoTitleDeleted val="0"/>
-    <c:plotArea>
-      <c:layout/>
-      <c:barChart>
-        <c:barDir val="bar"/>
-        <c:grouping val="clustered"/>
-        <c:varyColors val="0"/>
-        <c:ser>
-          <c:idx val="0"/>
-          <c:order val="0"/>
-          <c:tx>
-            <c:strRef>
-              <c:f>Sheet1!$B$1</c:f>
-              <c:strCache>
-                <c:ptCount val="1"/>
-                <c:pt idx="0">
-                  <c:v>Great difficulty (D)</c:v>
-                </c:pt>
-              </c:strCache>
-            </c:strRef>
-          </c:tx>
-          <c:spPr>
-            <a:solidFill>
-              <a:srgbClr val="CA5C0E"/>
-            </a:solidFill>
-            <a:ln w="25400">
-              <a:noFill/>
-            </a:ln>
-          </c:spPr>
-          <c:invertIfNegative val="0"/>
-          <c:dPt>
-            <c:idx val="0"/>
-            <c:invertIfNegative val="0"/>
-            <c:bubble3D val="0"/>
-            <c:extLst>
-              <c:ext xmlns:c16="http://schemas.microsoft.com/office/drawing/2014/chart" uri="{C3380CC4-5D6E-409C-BE32-E72D297353CC}">
-                <c16:uniqueId val="{0000000A-1B33-5944-93E6-FAE2DF40E450}"/>
-              </c:ext>
-            </c:extLst>
-          </c:dPt>
-          <c:dPt>
-            <c:idx val="1"/>
-            <c:invertIfNegative val="0"/>
-            <c:bubble3D val="0"/>
-            <c:extLst>
-              <c:ext xmlns:c16="http://schemas.microsoft.com/office/drawing/2014/chart" uri="{C3380CC4-5D6E-409C-BE32-E72D297353CC}">
-                <c16:uniqueId val="{00000008-1B33-5944-93E6-FAE2DF40E450}"/>
-              </c:ext>
-            </c:extLst>
-          </c:dPt>
-          <c:dPt>
-            <c:idx val="2"/>
-            <c:invertIfNegative val="0"/>
-            <c:bubble3D val="0"/>
-            <c:extLst>
-              <c:ext xmlns:c16="http://schemas.microsoft.com/office/drawing/2014/chart" uri="{C3380CC4-5D6E-409C-BE32-E72D297353CC}">
-                <c16:uniqueId val="{00000006-1B33-5944-93E6-FAE2DF40E450}"/>
-              </c:ext>
-            </c:extLst>
-          </c:dPt>
-          <c:dLbls>
-            <c:spPr>
-              <a:noFill/>
-              <a:ln>
-                <a:noFill/>
-              </a:ln>
-              <a:effectLst/>
-            </c:spPr>
-            <c:txPr>
-              <a:bodyPr/>
-              <a:lstStyle/>
-              <a:p>
-                <a:pPr>
-                  <a:defRPr b="1">
-                    <a:solidFill>
-                      <a:schemeClr val="bg1"/>
-                    </a:solidFill>
-                  </a:defRPr>
-                </a:pPr>
-                <a:endParaRPr lang="en-US"/>
-              </a:p>
-            </c:txPr>
-            <c:dLblPos val="inEnd"/>
-            <c:showLegendKey val="0"/>
-            <c:showVal val="1"/>
-            <c:showCatName val="0"/>
-            <c:showSerName val="0"/>
-            <c:showPercent val="0"/>
-            <c:showBubbleSize val="0"/>
-            <c:showLeaderLines val="0"/>
-            <c:extLst>
-              <c:ext xmlns:c15="http://schemas.microsoft.com/office/drawing/2012/chart" uri="{CE6537A1-D6FC-4f65-9D91-7224C49458BB}">
-                <c15:showLeaderLines val="0"/>
-              </c:ext>
-            </c:extLst>
-          </c:dLbls>
-          <c:cat>
-            <c:strRef>
-              <c:f>Sheet1!$A$2:$A$5</c:f>
-              <c:strCache>
-                <c:ptCount val="4"/>
-                <c:pt idx="0">
-                  <c:v>Matthew</c:v>
-                </c:pt>
-                <c:pt idx="1">
-                  <c:v>Mark</c:v>
-                </c:pt>
-                <c:pt idx="2">
-                  <c:v>Luke</c:v>
-                </c:pt>
-                <c:pt idx="3">
-                  <c:v>John</c:v>
-                </c:pt>
-              </c:strCache>
-            </c:strRef>
-          </c:cat>
-          <c:val>
-            <c:numRef>
-              <c:f>Sheet1!$B$2:$B$5</c:f>
-              <c:numCache>
-                <c:formatCode>0</c:formatCode>
-                <c:ptCount val="4"/>
-                <c:pt idx="0">
-                  <c:v>1</c:v>
-                </c:pt>
-                <c:pt idx="1">
-                  <c:v>1</c:v>
-                </c:pt>
-                <c:pt idx="2">
-                  <c:v>0</c:v>
-                </c:pt>
-                <c:pt idx="3">
-                  <c:v>2</c:v>
-                </c:pt>
-              </c:numCache>
-            </c:numRef>
-          </c:val>
-          <c:extLst>
-            <c:ext xmlns:c16="http://schemas.microsoft.com/office/drawing/2014/chart" uri="{C3380CC4-5D6E-409C-BE32-E72D297353CC}">
-              <c16:uniqueId val="{00000000-56D6-774A-AEC1-01E5BF60A988}"/>
-            </c:ext>
-          </c:extLst>
-        </c:ser>
-        <c:ser>
-          <c:idx val="1"/>
-          <c:order val="1"/>
-          <c:tx>
-            <c:strRef>
-              <c:f>Sheet1!$C$1</c:f>
-              <c:strCache>
-                <c:ptCount val="1"/>
-                <c:pt idx="0">
-                  <c:v>Difficult to decide (C)</c:v>
-                </c:pt>
-              </c:strCache>
-            </c:strRef>
-          </c:tx>
-          <c:spPr>
-            <a:pattFill prst="wdUpDiag">
-              <a:fgClr>
-                <a:srgbClr val="CA5C0E"/>
-              </a:fgClr>
-              <a:bgClr>
-                <a:srgbClr val="000000"/>
-              </a:bgClr>
-            </a:pattFill>
-            <a:ln>
-              <a:noFill/>
-            </a:ln>
-          </c:spPr>
-          <c:invertIfNegative val="0"/>
-          <c:dPt>
-            <c:idx val="0"/>
-            <c:invertIfNegative val="0"/>
-            <c:bubble3D val="0"/>
-            <c:extLst>
-              <c:ext xmlns:c16="http://schemas.microsoft.com/office/drawing/2014/chart" uri="{C3380CC4-5D6E-409C-BE32-E72D297353CC}">
-                <c16:uniqueId val="{00000009-1B33-5944-93E6-FAE2DF40E450}"/>
-              </c:ext>
-            </c:extLst>
-          </c:dPt>
-          <c:dPt>
-            <c:idx val="1"/>
-            <c:invertIfNegative val="0"/>
-            <c:bubble3D val="0"/>
-            <c:extLst>
-              <c:ext xmlns:c16="http://schemas.microsoft.com/office/drawing/2014/chart" uri="{C3380CC4-5D6E-409C-BE32-E72D297353CC}">
-                <c16:uniqueId val="{00000007-1B33-5944-93E6-FAE2DF40E450}"/>
-              </c:ext>
-            </c:extLst>
-          </c:dPt>
-          <c:dPt>
-            <c:idx val="2"/>
-            <c:invertIfNegative val="0"/>
-            <c:bubble3D val="0"/>
-            <c:extLst>
-              <c:ext xmlns:c16="http://schemas.microsoft.com/office/drawing/2014/chart" uri="{C3380CC4-5D6E-409C-BE32-E72D297353CC}">
-                <c16:uniqueId val="{00000005-1B33-5944-93E6-FAE2DF40E450}"/>
-              </c:ext>
-            </c:extLst>
-          </c:dPt>
-          <c:dLbls>
-            <c:dLbl>
-              <c:idx val="1"/>
-              <c:tx>
-                <c:rich>
-                  <a:bodyPr/>
-                  <a:lstStyle/>
-                  <a:p>
-                    <a:fld id="{33DDEA5E-53BD-2241-8A3C-2C03F088DBCC}" type="VALUE">
-                      <a:rPr lang="en-US" b="1">
-                        <a:solidFill>
-                          <a:schemeClr val="bg1"/>
-                        </a:solidFill>
-                      </a:rPr>
-                      <a:pPr/>
-                      <a:t>[VALUE]</a:t>
-                    </a:fld>
-                    <a:endParaRPr lang="en-US"/>
-                  </a:p>
-                </c:rich>
-              </c:tx>
-              <c:dLblPos val="inEnd"/>
-              <c:showLegendKey val="0"/>
-              <c:showVal val="1"/>
-              <c:showCatName val="0"/>
-              <c:showSerName val="0"/>
-              <c:showPercent val="0"/>
-              <c:showBubbleSize val="0"/>
-              <c:extLst>
-                <c:ext xmlns:c15="http://schemas.microsoft.com/office/drawing/2012/chart" uri="{CE6537A1-D6FC-4f65-9D91-7224C49458BB}">
-                  <c15:dlblFieldTable/>
-                  <c15:showDataLabelsRange val="0"/>
-                </c:ext>
-                <c:ext xmlns:c16="http://schemas.microsoft.com/office/drawing/2014/chart" uri="{C3380CC4-5D6E-409C-BE32-E72D297353CC}">
-                  <c16:uniqueId val="{00000007-1B33-5944-93E6-FAE2DF40E450}"/>
-                </c:ext>
-              </c:extLst>
-            </c:dLbl>
-            <c:dLbl>
-              <c:idx val="2"/>
-              <c:tx>
-                <c:rich>
-                  <a:bodyPr/>
-                  <a:lstStyle/>
-                  <a:p>
-                    <a:fld id="{CB453A95-C41C-3E41-BFD1-2C6C7F843D8A}" type="VALUE">
-                      <a:rPr lang="en-US">
-                        <a:solidFill>
-                          <a:schemeClr val="bg1"/>
-                        </a:solidFill>
-                      </a:rPr>
-                      <a:pPr/>
-                      <a:t>[VALUE]</a:t>
-                    </a:fld>
-                    <a:endParaRPr lang="en-US"/>
-                  </a:p>
-                </c:rich>
-              </c:tx>
-              <c:dLblPos val="inEnd"/>
-              <c:showLegendKey val="0"/>
-              <c:showVal val="1"/>
-              <c:showCatName val="0"/>
-              <c:showSerName val="0"/>
-              <c:showPercent val="0"/>
-              <c:showBubbleSize val="0"/>
-              <c:extLst>
-                <c:ext xmlns:c15="http://schemas.microsoft.com/office/drawing/2012/chart" uri="{CE6537A1-D6FC-4f65-9D91-7224C49458BB}">
-                  <c15:dlblFieldTable/>
-                  <c15:showDataLabelsRange val="0"/>
-                </c:ext>
-                <c:ext xmlns:c16="http://schemas.microsoft.com/office/drawing/2014/chart" uri="{C3380CC4-5D6E-409C-BE32-E72D297353CC}">
-                  <c16:uniqueId val="{00000005-1B33-5944-93E6-FAE2DF40E450}"/>
-                </c:ext>
-              </c:extLst>
-            </c:dLbl>
-            <c:spPr>
-              <a:noFill/>
-              <a:ln>
-                <a:noFill/>
-              </a:ln>
-              <a:effectLst/>
-            </c:spPr>
-            <c:txPr>
-              <a:bodyPr wrap="square" lIns="38100" tIns="19050" rIns="38100" bIns="19050" anchor="ctr">
-                <a:spAutoFit/>
-              </a:bodyPr>
-              <a:lstStyle/>
-              <a:p>
-                <a:pPr>
-                  <a:defRPr b="1">
-                    <a:solidFill>
-                      <a:schemeClr val="bg1"/>
-                    </a:solidFill>
-                  </a:defRPr>
-                </a:pPr>
-                <a:endParaRPr lang="en-US"/>
-              </a:p>
-            </c:txPr>
-            <c:dLblPos val="inEnd"/>
-            <c:showLegendKey val="0"/>
-            <c:showVal val="1"/>
-            <c:showCatName val="0"/>
-            <c:showSerName val="0"/>
-            <c:showPercent val="0"/>
-            <c:showBubbleSize val="0"/>
-            <c:showLeaderLines val="0"/>
-            <c:extLst>
-              <c:ext xmlns:c15="http://schemas.microsoft.com/office/drawing/2012/chart" uri="{CE6537A1-D6FC-4f65-9D91-7224C49458BB}">
-                <c15:showLeaderLines val="1"/>
-              </c:ext>
-            </c:extLst>
-          </c:dLbls>
-          <c:cat>
-            <c:strRef>
-              <c:f>Sheet1!$A$2:$A$5</c:f>
-              <c:strCache>
-                <c:ptCount val="4"/>
-                <c:pt idx="0">
-                  <c:v>Matthew</c:v>
-                </c:pt>
-                <c:pt idx="1">
-                  <c:v>Mark</c:v>
-                </c:pt>
-                <c:pt idx="2">
-                  <c:v>Luke</c:v>
-                </c:pt>
-                <c:pt idx="3">
-                  <c:v>John</c:v>
-                </c:pt>
-              </c:strCache>
-            </c:strRef>
-          </c:cat>
-          <c:val>
-            <c:numRef>
-              <c:f>Sheet1!$C$2:$C$5</c:f>
-              <c:numCache>
-                <c:formatCode>0</c:formatCode>
-                <c:ptCount val="4"/>
-                <c:pt idx="0">
-                  <c:v>50</c:v>
-                </c:pt>
-                <c:pt idx="1">
-                  <c:v>45</c:v>
-                </c:pt>
-                <c:pt idx="2">
-                  <c:v>44</c:v>
-                </c:pt>
-                <c:pt idx="3">
-                  <c:v>41</c:v>
-                </c:pt>
-              </c:numCache>
-            </c:numRef>
-          </c:val>
-          <c:extLst>
-            <c:ext xmlns:c16="http://schemas.microsoft.com/office/drawing/2014/chart" uri="{C3380CC4-5D6E-409C-BE32-E72D297353CC}">
-              <c16:uniqueId val="{00000004-1B33-5944-93E6-FAE2DF40E450}"/>
-            </c:ext>
-          </c:extLst>
-        </c:ser>
-        <c:ser>
-          <c:idx val="2"/>
-          <c:order val="2"/>
-          <c:tx>
-            <c:strRef>
-              <c:f>Sheet1!$D$1</c:f>
-              <c:strCache>
-                <c:ptCount val="1"/>
-                <c:pt idx="0">
-                  <c:v>Almost Certain (B)</c:v>
-                </c:pt>
-              </c:strCache>
-            </c:strRef>
-          </c:tx>
-          <c:spPr>
-            <a:pattFill prst="wdUpDiag">
-              <a:fgClr>
-                <a:srgbClr val="009EC0"/>
-              </a:fgClr>
-              <a:bgClr>
-                <a:srgbClr val="000000"/>
-              </a:bgClr>
-            </a:pattFill>
-            <a:ln>
-              <a:noFill/>
-            </a:ln>
-          </c:spPr>
-          <c:invertIfNegative val="0"/>
-          <c:dLbls>
-            <c:spPr>
-              <a:noFill/>
-              <a:ln>
-                <a:noFill/>
-              </a:ln>
-              <a:effectLst/>
-            </c:spPr>
-            <c:txPr>
-              <a:bodyPr wrap="square" lIns="38100" tIns="19050" rIns="38100" bIns="19050" anchor="ctr">
-                <a:spAutoFit/>
-              </a:bodyPr>
-              <a:lstStyle/>
-              <a:p>
-                <a:pPr>
-                  <a:defRPr b="1">
-                    <a:solidFill>
-                      <a:schemeClr val="bg1"/>
-                    </a:solidFill>
-                  </a:defRPr>
-                </a:pPr>
-                <a:endParaRPr lang="en-US"/>
-              </a:p>
-            </c:txPr>
-            <c:dLblPos val="inEnd"/>
-            <c:showLegendKey val="0"/>
-            <c:showVal val="1"/>
-            <c:showCatName val="0"/>
-            <c:showSerName val="0"/>
-            <c:showPercent val="0"/>
-            <c:showBubbleSize val="0"/>
-            <c:showLeaderLines val="0"/>
-            <c:extLst>
-              <c:ext xmlns:c15="http://schemas.microsoft.com/office/drawing/2012/chart" uri="{CE6537A1-D6FC-4f65-9D91-7224C49458BB}">
-                <c15:showLeaderLines val="1"/>
-              </c:ext>
-            </c:extLst>
-          </c:dLbls>
-          <c:cat>
-            <c:strRef>
-              <c:f>Sheet1!$A$2:$A$5</c:f>
-              <c:strCache>
-                <c:ptCount val="4"/>
-                <c:pt idx="0">
-                  <c:v>Matthew</c:v>
-                </c:pt>
-                <c:pt idx="1">
-                  <c:v>Mark</c:v>
-                </c:pt>
-                <c:pt idx="2">
-                  <c:v>Luke</c:v>
-                </c:pt>
-                <c:pt idx="3">
-                  <c:v>John</c:v>
-                </c:pt>
-              </c:strCache>
-            </c:strRef>
-          </c:cat>
-          <c:val>
-            <c:numRef>
-              <c:f>Sheet1!$D$2:$D$5</c:f>
-              <c:numCache>
-                <c:formatCode>0</c:formatCode>
-                <c:ptCount val="4"/>
-                <c:pt idx="0">
-                  <c:v>70</c:v>
-                </c:pt>
-                <c:pt idx="1">
-                  <c:v>49</c:v>
-                </c:pt>
-                <c:pt idx="2">
-                  <c:v>73</c:v>
-                </c:pt>
-                <c:pt idx="3">
-                  <c:v>62</c:v>
-                </c:pt>
-              </c:numCache>
-            </c:numRef>
-          </c:val>
-          <c:extLst>
-            <c:ext xmlns:c16="http://schemas.microsoft.com/office/drawing/2014/chart" uri="{C3380CC4-5D6E-409C-BE32-E72D297353CC}">
-              <c16:uniqueId val="{00000000-2FFE-454E-9A15-BC976B52769C}"/>
-            </c:ext>
-          </c:extLst>
-        </c:ser>
-        <c:ser>
-          <c:idx val="3"/>
-          <c:order val="3"/>
-          <c:tx>
-            <c:strRef>
-              <c:f>Sheet1!$E$1</c:f>
-              <c:strCache>
-                <c:ptCount val="1"/>
-                <c:pt idx="0">
-                  <c:v>Certain (A)</c:v>
-                </c:pt>
-              </c:strCache>
-            </c:strRef>
-          </c:tx>
-          <c:spPr>
-            <a:solidFill>
-              <a:srgbClr val="009EC0"/>
-            </a:solidFill>
-            <a:ln>
-              <a:noFill/>
-            </a:ln>
-          </c:spPr>
-          <c:invertIfNegative val="0"/>
-          <c:dLbls>
-            <c:spPr>
-              <a:noFill/>
-              <a:ln>
-                <a:noFill/>
-              </a:ln>
-              <a:effectLst/>
-            </c:spPr>
-            <c:txPr>
-              <a:bodyPr wrap="square" lIns="38100" tIns="19050" rIns="38100" bIns="19050" anchor="ctr">
-                <a:spAutoFit/>
-              </a:bodyPr>
-              <a:lstStyle/>
-              <a:p>
-                <a:pPr>
-                  <a:defRPr b="1">
-                    <a:solidFill>
-                      <a:schemeClr val="bg1"/>
-                    </a:solidFill>
-                  </a:defRPr>
-                </a:pPr>
-                <a:endParaRPr lang="en-US"/>
-              </a:p>
-            </c:txPr>
-            <c:dLblPos val="inEnd"/>
-            <c:showLegendKey val="0"/>
-            <c:showVal val="1"/>
-            <c:showCatName val="0"/>
-            <c:showSerName val="0"/>
-            <c:showPercent val="0"/>
-            <c:showBubbleSize val="0"/>
-            <c:showLeaderLines val="0"/>
-            <c:extLst>
-              <c:ext xmlns:c15="http://schemas.microsoft.com/office/drawing/2012/chart" uri="{CE6537A1-D6FC-4f65-9D91-7224C49458BB}">
-                <c15:showLeaderLines val="1"/>
-              </c:ext>
-            </c:extLst>
-          </c:dLbls>
-          <c:cat>
-            <c:strRef>
-              <c:f>Sheet1!$A$2:$A$5</c:f>
-              <c:strCache>
-                <c:ptCount val="4"/>
-                <c:pt idx="0">
-                  <c:v>Matthew</c:v>
-                </c:pt>
-                <c:pt idx="1">
-                  <c:v>Mark</c:v>
-                </c:pt>
-                <c:pt idx="2">
-                  <c:v>Luke</c:v>
-                </c:pt>
-                <c:pt idx="3">
-                  <c:v>John</c:v>
-                </c:pt>
-              </c:strCache>
-            </c:strRef>
-          </c:cat>
-          <c:val>
-            <c:numRef>
-              <c:f>Sheet1!$E$2:$E$5</c:f>
-              <c:numCache>
-                <c:formatCode>0</c:formatCode>
-                <c:ptCount val="4"/>
-                <c:pt idx="0">
-                  <c:v>32</c:v>
-                </c:pt>
-                <c:pt idx="1">
-                  <c:v>45</c:v>
-                </c:pt>
-                <c:pt idx="2">
-                  <c:v>44</c:v>
-                </c:pt>
-                <c:pt idx="3">
-                  <c:v>44</c:v>
-                </c:pt>
-              </c:numCache>
-            </c:numRef>
-          </c:val>
-          <c:extLst>
-            <c:ext xmlns:c16="http://schemas.microsoft.com/office/drawing/2014/chart" uri="{C3380CC4-5D6E-409C-BE32-E72D297353CC}">
-              <c16:uniqueId val="{00000001-2FFE-454E-9A15-BC976B52769C}"/>
-            </c:ext>
-          </c:extLst>
-        </c:ser>
-        <c:dLbls>
-          <c:showLegendKey val="0"/>
-          <c:showVal val="0"/>
-          <c:showCatName val="0"/>
-          <c:showSerName val="0"/>
-          <c:showPercent val="0"/>
-          <c:showBubbleSize val="0"/>
-        </c:dLbls>
-        <c:gapWidth val="150"/>
-        <c:axId val="790563136"/>
-        <c:axId val="768197296"/>
-      </c:barChart>
-      <c:catAx>
-        <c:axId val="790563136"/>
-        <c:scaling>
-          <c:orientation val="minMax"/>
-        </c:scaling>
-        <c:delete val="0"/>
-        <c:axPos val="l"/>
-        <c:numFmt formatCode="General" sourceLinked="0"/>
-        <c:majorTickMark val="out"/>
-        <c:minorTickMark val="none"/>
-        <c:tickLblPos val="nextTo"/>
-        <c:spPr>
-          <a:ln>
-            <a:solidFill>
-              <a:prstClr val="black">
-                <a:lumMod val="65000"/>
-                <a:lumOff val="35000"/>
-                <a:alpha val="50000"/>
-              </a:prstClr>
-            </a:solidFill>
-          </a:ln>
-        </c:spPr>
-        <c:txPr>
-          <a:bodyPr/>
-          <a:lstStyle/>
-          <a:p>
-            <a:pPr>
-              <a:defRPr baseline="0">
-                <a:solidFill>
-                  <a:schemeClr val="bg1"/>
-                </a:solidFill>
-              </a:defRPr>
-            </a:pPr>
-            <a:endParaRPr lang="en-US"/>
-          </a:p>
-        </c:txPr>
-        <c:crossAx val="768197296"/>
-        <c:crosses val="autoZero"/>
-        <c:auto val="1"/>
-        <c:lblAlgn val="ctr"/>
-        <c:lblOffset val="100"/>
-        <c:noMultiLvlLbl val="0"/>
-      </c:catAx>
-      <c:valAx>
-        <c:axId val="768197296"/>
-        <c:scaling>
-          <c:orientation val="minMax"/>
-        </c:scaling>
-        <c:delete val="1"/>
-        <c:axPos val="b"/>
-        <c:majorGridlines>
-          <c:spPr>
-            <a:ln>
-              <a:solidFill>
-                <a:prstClr val="black">
-                  <a:lumMod val="65000"/>
-                  <a:lumOff val="35000"/>
-                  <a:alpha val="40000"/>
-                </a:prstClr>
-              </a:solidFill>
-            </a:ln>
-          </c:spPr>
-        </c:majorGridlines>
-        <c:numFmt formatCode="0" sourceLinked="1"/>
-        <c:majorTickMark val="out"/>
-        <c:minorTickMark val="none"/>
-        <c:tickLblPos val="none"/>
-        <c:crossAx val="790563136"/>
-        <c:crosses val="autoZero"/>
-        <c:crossBetween val="between"/>
-      </c:valAx>
-    </c:plotArea>
-    <c:legend>
-      <c:legendPos val="r"/>
-      <c:overlay val="0"/>
-      <c:txPr>
-        <a:bodyPr/>
-        <a:lstStyle/>
-        <a:p>
-          <a:pPr>
-            <a:defRPr>
-              <a:solidFill>
-                <a:schemeClr val="bg1"/>
-              </a:solidFill>
-            </a:defRPr>
-          </a:pPr>
-          <a:endParaRPr lang="en-US"/>
-        </a:p>
-      </c:txPr>
-    </c:legend>
-    <c:plotVisOnly val="1"/>
-    <c:dispBlanksAs val="gap"/>
-    <c:showDLblsOverMax val="0"/>
-  </c:chart>
-  <c:txPr>
-    <a:bodyPr/>
-    <a:lstStyle/>
-    <a:p>
-      <a:pPr>
-        <a:defRPr sz="1800"/>
-      </a:pPr>
-      <a:endParaRPr lang="en-US"/>
-    </a:p>
-  </c:txPr>
-  <c:externalData r:id="rId2">
-    <c:autoUpdate val="0"/>
-  </c:externalData>
-</c:chartSpace>
-</file>
-
-<file path=ppt/charts/chart11.xml><?xml version="1.0" encoding="utf-8"?>
-<c:chartSpace xmlns:c="http://schemas.openxmlformats.org/drawingml/2006/chart" xmlns:a="http://schemas.openxmlformats.org/drawingml/2006/main" xmlns:r="http://schemas.openxmlformats.org/officeDocument/2006/relationships" xmlns:c16r2="http://schemas.microsoft.com/office/drawing/2015/06/chart">
-  <c:date1904 val="0"/>
-  <c:lang val="en-US"/>
-  <c:roundedCorners val="0"/>
-  <mc:AlternateContent xmlns:mc="http://schemas.openxmlformats.org/markup-compatibility/2006">
-    <mc:Choice xmlns:c14="http://schemas.microsoft.com/office/drawing/2007/8/2/chart" Requires="c14">
-      <c14:style val="110"/>
-    </mc:Choice>
-    <mc:Fallback>
-      <c:style val="10"/>
-    </mc:Fallback>
-  </mc:AlternateContent>
-  <c:clrMapOvr bg1="lt1" tx1="dk1" bg2="lt2" tx2="dk2" accent1="accent1" accent2="accent2" accent3="accent3" accent4="accent4" accent5="accent5" accent6="accent6" hlink="hlink" folHlink="folHlink"/>
-  <c:chart>
-    <c:autoTitleDeleted val="0"/>
-    <c:plotArea>
-      <c:layout/>
-      <c:barChart>
-        <c:barDir val="bar"/>
-        <c:grouping val="clustered"/>
-        <c:varyColors val="0"/>
-        <c:ser>
-          <c:idx val="0"/>
-          <c:order val="0"/>
-          <c:tx>
-            <c:strRef>
-              <c:f>Sheet1!$B$1</c:f>
-              <c:strCache>
-                <c:ptCount val="1"/>
-                <c:pt idx="0">
-                  <c:v>Great difficulty (D)</c:v>
-                </c:pt>
-              </c:strCache>
-            </c:strRef>
-          </c:tx>
-          <c:spPr>
-            <a:solidFill>
-              <a:srgbClr val="C00002"/>
-            </a:solidFill>
-            <a:ln w="25400">
-              <a:noFill/>
-            </a:ln>
-          </c:spPr>
-          <c:invertIfNegative val="0"/>
-          <c:dPt>
-            <c:idx val="0"/>
-            <c:invertIfNegative val="0"/>
-            <c:bubble3D val="0"/>
-            <c:extLst>
-              <c:ext xmlns:c16="http://schemas.microsoft.com/office/drawing/2014/chart" uri="{C3380CC4-5D6E-409C-BE32-E72D297353CC}">
-                <c16:uniqueId val="{0000000A-1B33-5944-93E6-FAE2DF40E450}"/>
-              </c:ext>
-            </c:extLst>
-          </c:dPt>
-          <c:dPt>
-            <c:idx val="1"/>
-            <c:invertIfNegative val="0"/>
-            <c:bubble3D val="0"/>
-            <c:extLst>
-              <c:ext xmlns:c16="http://schemas.microsoft.com/office/drawing/2014/chart" uri="{C3380CC4-5D6E-409C-BE32-E72D297353CC}">
-                <c16:uniqueId val="{00000008-1B33-5944-93E6-FAE2DF40E450}"/>
-              </c:ext>
-            </c:extLst>
-          </c:dPt>
-          <c:dPt>
-            <c:idx val="2"/>
-            <c:invertIfNegative val="0"/>
-            <c:bubble3D val="0"/>
-            <c:extLst>
-              <c:ext xmlns:c16="http://schemas.microsoft.com/office/drawing/2014/chart" uri="{C3380CC4-5D6E-409C-BE32-E72D297353CC}">
-                <c16:uniqueId val="{00000006-1B33-5944-93E6-FAE2DF40E450}"/>
-              </c:ext>
-            </c:extLst>
-          </c:dPt>
-          <c:dLbls>
-            <c:spPr>
-              <a:noFill/>
-              <a:ln>
-                <a:noFill/>
-              </a:ln>
-              <a:effectLst/>
-            </c:spPr>
-            <c:txPr>
-              <a:bodyPr/>
-              <a:lstStyle/>
-              <a:p>
-                <a:pPr>
-                  <a:defRPr b="1">
-                    <a:solidFill>
-                      <a:schemeClr val="bg1"/>
-                    </a:solidFill>
-                  </a:defRPr>
-                </a:pPr>
-                <a:endParaRPr lang="en-US"/>
-              </a:p>
-            </c:txPr>
-            <c:dLblPos val="inEnd"/>
-            <c:showLegendKey val="0"/>
-            <c:showVal val="1"/>
-            <c:showCatName val="0"/>
-            <c:showSerName val="0"/>
-            <c:showPercent val="0"/>
-            <c:showBubbleSize val="0"/>
-            <c:showLeaderLines val="0"/>
-            <c:extLst>
-              <c:ext xmlns:c15="http://schemas.microsoft.com/office/drawing/2012/chart" uri="{CE6537A1-D6FC-4f65-9D91-7224C49458BB}">
-                <c15:showLeaderLines val="0"/>
-              </c:ext>
-            </c:extLst>
-          </c:dLbls>
-          <c:cat>
-            <c:strRef>
-              <c:f>Sheet1!$A$2:$A$5</c:f>
-              <c:strCache>
-                <c:ptCount val="4"/>
-                <c:pt idx="0">
-                  <c:v>Matthew</c:v>
-                </c:pt>
-                <c:pt idx="1">
-                  <c:v>Mark</c:v>
-                </c:pt>
-                <c:pt idx="2">
-                  <c:v>Luke</c:v>
-                </c:pt>
-                <c:pt idx="3">
-                  <c:v>John</c:v>
-                </c:pt>
-              </c:strCache>
-            </c:strRef>
-          </c:cat>
-          <c:val>
-            <c:numRef>
-              <c:f>Sheet1!$B$2:$B$5</c:f>
-              <c:numCache>
-                <c:formatCode>0</c:formatCode>
-                <c:ptCount val="4"/>
-                <c:pt idx="0">
-                  <c:v>1</c:v>
-                </c:pt>
-                <c:pt idx="1">
-                  <c:v>1</c:v>
-                </c:pt>
-                <c:pt idx="2">
-                  <c:v>0</c:v>
-                </c:pt>
-                <c:pt idx="3">
-                  <c:v>2</c:v>
-                </c:pt>
-              </c:numCache>
-            </c:numRef>
-          </c:val>
-          <c:extLst>
-            <c:ext xmlns:c16="http://schemas.microsoft.com/office/drawing/2014/chart" uri="{C3380CC4-5D6E-409C-BE32-E72D297353CC}">
-              <c16:uniqueId val="{00000000-56D6-774A-AEC1-01E5BF60A988}"/>
-            </c:ext>
-          </c:extLst>
-        </c:ser>
-        <c:ser>
-          <c:idx val="1"/>
-          <c:order val="1"/>
-          <c:tx>
-            <c:strRef>
-              <c:f>Sheet1!$C$1</c:f>
-              <c:strCache>
-                <c:ptCount val="1"/>
-                <c:pt idx="0">
-                  <c:v>Difficult to decide (C)</c:v>
-                </c:pt>
-              </c:strCache>
-            </c:strRef>
-          </c:tx>
-          <c:spPr>
-            <a:pattFill prst="wdUpDiag">
-              <a:fgClr>
-                <a:srgbClr val="C00002"/>
-              </a:fgClr>
-              <a:bgClr>
-                <a:srgbClr val="000000"/>
-              </a:bgClr>
-            </a:pattFill>
-            <a:ln>
-              <a:noFill/>
-            </a:ln>
-          </c:spPr>
-          <c:invertIfNegative val="0"/>
-          <c:dPt>
-            <c:idx val="0"/>
-            <c:invertIfNegative val="0"/>
-            <c:bubble3D val="0"/>
-            <c:extLst>
-              <c:ext xmlns:c16="http://schemas.microsoft.com/office/drawing/2014/chart" uri="{C3380CC4-5D6E-409C-BE32-E72D297353CC}">
-                <c16:uniqueId val="{00000009-1B33-5944-93E6-FAE2DF40E450}"/>
-              </c:ext>
-            </c:extLst>
-          </c:dPt>
-          <c:dPt>
-            <c:idx val="1"/>
-            <c:invertIfNegative val="0"/>
-            <c:bubble3D val="0"/>
-            <c:extLst>
-              <c:ext xmlns:c16="http://schemas.microsoft.com/office/drawing/2014/chart" uri="{C3380CC4-5D6E-409C-BE32-E72D297353CC}">
-                <c16:uniqueId val="{00000007-1B33-5944-93E6-FAE2DF40E450}"/>
-              </c:ext>
-            </c:extLst>
-          </c:dPt>
-          <c:dPt>
-            <c:idx val="2"/>
-            <c:invertIfNegative val="0"/>
-            <c:bubble3D val="0"/>
-            <c:extLst>
-              <c:ext xmlns:c16="http://schemas.microsoft.com/office/drawing/2014/chart" uri="{C3380CC4-5D6E-409C-BE32-E72D297353CC}">
-                <c16:uniqueId val="{00000005-1B33-5944-93E6-FAE2DF40E450}"/>
-              </c:ext>
-            </c:extLst>
-          </c:dPt>
-          <c:dLbls>
-            <c:dLbl>
-              <c:idx val="1"/>
-              <c:tx>
-                <c:rich>
-                  <a:bodyPr/>
-                  <a:lstStyle/>
-                  <a:p>
-                    <a:fld id="{33DDEA5E-53BD-2241-8A3C-2C03F088DBCC}" type="VALUE">
-                      <a:rPr lang="en-US" b="1">
-                        <a:solidFill>
-                          <a:schemeClr val="bg1"/>
-                        </a:solidFill>
-                      </a:rPr>
-                      <a:pPr/>
-                      <a:t>[VALUE]</a:t>
-                    </a:fld>
-                    <a:endParaRPr lang="en-US"/>
-                  </a:p>
-                </c:rich>
-              </c:tx>
-              <c:dLblPos val="inEnd"/>
-              <c:showLegendKey val="0"/>
-              <c:showVal val="1"/>
-              <c:showCatName val="0"/>
-              <c:showSerName val="0"/>
-              <c:showPercent val="0"/>
-              <c:showBubbleSize val="0"/>
-              <c:extLst>
-                <c:ext xmlns:c15="http://schemas.microsoft.com/office/drawing/2012/chart" uri="{CE6537A1-D6FC-4f65-9D91-7224C49458BB}">
-                  <c15:dlblFieldTable/>
-                  <c15:showDataLabelsRange val="0"/>
-                </c:ext>
-                <c:ext xmlns:c16="http://schemas.microsoft.com/office/drawing/2014/chart" uri="{C3380CC4-5D6E-409C-BE32-E72D297353CC}">
-                  <c16:uniqueId val="{00000007-1B33-5944-93E6-FAE2DF40E450}"/>
-                </c:ext>
-              </c:extLst>
-            </c:dLbl>
-            <c:dLbl>
-              <c:idx val="2"/>
-              <c:tx>
-                <c:rich>
-                  <a:bodyPr/>
-                  <a:lstStyle/>
-                  <a:p>
-                    <a:fld id="{CB453A95-C41C-3E41-BFD1-2C6C7F843D8A}" type="VALUE">
-                      <a:rPr lang="en-US">
-                        <a:solidFill>
-                          <a:schemeClr val="bg1"/>
-                        </a:solidFill>
-                      </a:rPr>
-                      <a:pPr/>
-                      <a:t>[VALUE]</a:t>
-                    </a:fld>
-                    <a:endParaRPr lang="en-US"/>
-                  </a:p>
-                </c:rich>
-              </c:tx>
-              <c:dLblPos val="inEnd"/>
-              <c:showLegendKey val="0"/>
-              <c:showVal val="1"/>
-              <c:showCatName val="0"/>
-              <c:showSerName val="0"/>
-              <c:showPercent val="0"/>
-              <c:showBubbleSize val="0"/>
-              <c:extLst>
-                <c:ext xmlns:c15="http://schemas.microsoft.com/office/drawing/2012/chart" uri="{CE6537A1-D6FC-4f65-9D91-7224C49458BB}">
-                  <c15:dlblFieldTable/>
-                  <c15:showDataLabelsRange val="0"/>
-                </c:ext>
-                <c:ext xmlns:c16="http://schemas.microsoft.com/office/drawing/2014/chart" uri="{C3380CC4-5D6E-409C-BE32-E72D297353CC}">
-                  <c16:uniqueId val="{00000005-1B33-5944-93E6-FAE2DF40E450}"/>
-                </c:ext>
-              </c:extLst>
-            </c:dLbl>
-            <c:spPr>
-              <a:noFill/>
-              <a:ln>
-                <a:noFill/>
-              </a:ln>
-              <a:effectLst/>
-            </c:spPr>
-            <c:txPr>
-              <a:bodyPr wrap="square" lIns="38100" tIns="19050" rIns="38100" bIns="19050" anchor="ctr">
-                <a:spAutoFit/>
-              </a:bodyPr>
-              <a:lstStyle/>
-              <a:p>
-                <a:pPr>
-                  <a:defRPr b="1">
-                    <a:solidFill>
-                      <a:schemeClr val="bg1"/>
-                    </a:solidFill>
-                  </a:defRPr>
-                </a:pPr>
-                <a:endParaRPr lang="en-US"/>
-              </a:p>
-            </c:txPr>
-            <c:dLblPos val="inEnd"/>
-            <c:showLegendKey val="0"/>
-            <c:showVal val="1"/>
-            <c:showCatName val="0"/>
-            <c:showSerName val="0"/>
-            <c:showPercent val="0"/>
-            <c:showBubbleSize val="0"/>
-            <c:showLeaderLines val="0"/>
-            <c:extLst>
-              <c:ext xmlns:c15="http://schemas.microsoft.com/office/drawing/2012/chart" uri="{CE6537A1-D6FC-4f65-9D91-7224C49458BB}">
-                <c15:showLeaderLines val="1"/>
-              </c:ext>
-            </c:extLst>
-          </c:dLbls>
-          <c:cat>
-            <c:strRef>
-              <c:f>Sheet1!$A$2:$A$5</c:f>
-              <c:strCache>
-                <c:ptCount val="4"/>
-                <c:pt idx="0">
-                  <c:v>Matthew</c:v>
-                </c:pt>
-                <c:pt idx="1">
-                  <c:v>Mark</c:v>
-                </c:pt>
-                <c:pt idx="2">
-                  <c:v>Luke</c:v>
-                </c:pt>
-                <c:pt idx="3">
-                  <c:v>John</c:v>
-                </c:pt>
-              </c:strCache>
-            </c:strRef>
-          </c:cat>
-          <c:val>
-            <c:numRef>
-              <c:f>Sheet1!$C$2:$C$5</c:f>
-              <c:numCache>
-                <c:formatCode>0</c:formatCode>
-                <c:ptCount val="4"/>
-                <c:pt idx="0">
-                  <c:v>50</c:v>
-                </c:pt>
-                <c:pt idx="1">
-                  <c:v>45</c:v>
-                </c:pt>
-                <c:pt idx="2">
-                  <c:v>44</c:v>
-                </c:pt>
-                <c:pt idx="3">
-                  <c:v>41</c:v>
-                </c:pt>
-              </c:numCache>
-            </c:numRef>
-          </c:val>
-          <c:extLst>
-            <c:ext xmlns:c16="http://schemas.microsoft.com/office/drawing/2014/chart" uri="{C3380CC4-5D6E-409C-BE32-E72D297353CC}">
-              <c16:uniqueId val="{00000004-1B33-5944-93E6-FAE2DF40E450}"/>
-            </c:ext>
-          </c:extLst>
-        </c:ser>
-        <c:ser>
-          <c:idx val="2"/>
-          <c:order val="2"/>
-          <c:tx>
-            <c:strRef>
-              <c:f>Sheet1!$D$1</c:f>
-              <c:strCache>
-                <c:ptCount val="1"/>
-                <c:pt idx="0">
-                  <c:v>Almost Certain (B)</c:v>
-                </c:pt>
-              </c:strCache>
-            </c:strRef>
-          </c:tx>
-          <c:spPr>
-            <a:pattFill prst="wdUpDiag">
-              <a:fgClr>
-                <a:srgbClr val="04A500"/>
-              </a:fgClr>
-              <a:bgClr>
-                <a:srgbClr val="000000"/>
-              </a:bgClr>
-            </a:pattFill>
-            <a:ln>
-              <a:noFill/>
-            </a:ln>
-          </c:spPr>
-          <c:invertIfNegative val="0"/>
-          <c:dLbls>
-            <c:spPr>
-              <a:noFill/>
-              <a:ln>
-                <a:noFill/>
-              </a:ln>
-              <a:effectLst/>
-            </c:spPr>
-            <c:txPr>
-              <a:bodyPr wrap="square" lIns="38100" tIns="19050" rIns="38100" bIns="19050" anchor="ctr">
-                <a:spAutoFit/>
-              </a:bodyPr>
-              <a:lstStyle/>
-              <a:p>
-                <a:pPr>
-                  <a:defRPr b="1">
-                    <a:solidFill>
-                      <a:schemeClr val="bg1"/>
-                    </a:solidFill>
-                  </a:defRPr>
-                </a:pPr>
-                <a:endParaRPr lang="en-US"/>
-              </a:p>
-            </c:txPr>
-            <c:dLblPos val="inEnd"/>
-            <c:showLegendKey val="0"/>
-            <c:showVal val="1"/>
-            <c:showCatName val="0"/>
-            <c:showSerName val="0"/>
-            <c:showPercent val="0"/>
-            <c:showBubbleSize val="0"/>
-            <c:showLeaderLines val="0"/>
-            <c:extLst>
-              <c:ext xmlns:c15="http://schemas.microsoft.com/office/drawing/2012/chart" uri="{CE6537A1-D6FC-4f65-9D91-7224C49458BB}">
-                <c15:showLeaderLines val="1"/>
-              </c:ext>
-            </c:extLst>
-          </c:dLbls>
-          <c:cat>
-            <c:strRef>
-              <c:f>Sheet1!$A$2:$A$5</c:f>
-              <c:strCache>
-                <c:ptCount val="4"/>
-                <c:pt idx="0">
-                  <c:v>Matthew</c:v>
-                </c:pt>
-                <c:pt idx="1">
-                  <c:v>Mark</c:v>
-                </c:pt>
-                <c:pt idx="2">
-                  <c:v>Luke</c:v>
-                </c:pt>
-                <c:pt idx="3">
-                  <c:v>John</c:v>
-                </c:pt>
-              </c:strCache>
-            </c:strRef>
-          </c:cat>
-          <c:val>
-            <c:numRef>
-              <c:f>Sheet1!$D$2:$D$5</c:f>
-              <c:numCache>
-                <c:formatCode>0</c:formatCode>
-                <c:ptCount val="4"/>
-                <c:pt idx="0">
-                  <c:v>70</c:v>
-                </c:pt>
-                <c:pt idx="1">
-                  <c:v>49</c:v>
-                </c:pt>
-                <c:pt idx="2">
-                  <c:v>73</c:v>
-                </c:pt>
-                <c:pt idx="3">
-                  <c:v>62</c:v>
-                </c:pt>
-              </c:numCache>
-            </c:numRef>
-          </c:val>
-          <c:extLst>
-            <c:ext xmlns:c16="http://schemas.microsoft.com/office/drawing/2014/chart" uri="{C3380CC4-5D6E-409C-BE32-E72D297353CC}">
-              <c16:uniqueId val="{00000000-2FFE-454E-9A15-BC976B52769C}"/>
-            </c:ext>
-          </c:extLst>
-        </c:ser>
-        <c:ser>
-          <c:idx val="3"/>
-          <c:order val="3"/>
-          <c:tx>
-            <c:strRef>
-              <c:f>Sheet1!$E$1</c:f>
-              <c:strCache>
-                <c:ptCount val="1"/>
-                <c:pt idx="0">
-                  <c:v>Certain (A)</c:v>
-                </c:pt>
-              </c:strCache>
-            </c:strRef>
-          </c:tx>
-          <c:spPr>
-            <a:solidFill>
-              <a:srgbClr val="04A500"/>
-            </a:solidFill>
-            <a:ln>
-              <a:noFill/>
-            </a:ln>
-          </c:spPr>
-          <c:invertIfNegative val="0"/>
-          <c:dLbls>
-            <c:spPr>
-              <a:noFill/>
-              <a:ln>
-                <a:noFill/>
-              </a:ln>
-              <a:effectLst/>
-            </c:spPr>
-            <c:txPr>
-              <a:bodyPr wrap="square" lIns="38100" tIns="19050" rIns="38100" bIns="19050" anchor="ctr">
-                <a:spAutoFit/>
-              </a:bodyPr>
-              <a:lstStyle/>
-              <a:p>
-                <a:pPr>
-                  <a:defRPr b="1">
-                    <a:solidFill>
-                      <a:schemeClr val="bg1"/>
-                    </a:solidFill>
-                  </a:defRPr>
-                </a:pPr>
-                <a:endParaRPr lang="en-US"/>
-              </a:p>
-            </c:txPr>
-            <c:dLblPos val="inEnd"/>
-            <c:showLegendKey val="0"/>
-            <c:showVal val="1"/>
-            <c:showCatName val="0"/>
-            <c:showSerName val="0"/>
-            <c:showPercent val="0"/>
-            <c:showBubbleSize val="0"/>
-            <c:showLeaderLines val="0"/>
-            <c:extLst>
-              <c:ext xmlns:c15="http://schemas.microsoft.com/office/drawing/2012/chart" uri="{CE6537A1-D6FC-4f65-9D91-7224C49458BB}">
-                <c15:showLeaderLines val="1"/>
-              </c:ext>
-            </c:extLst>
-          </c:dLbls>
-          <c:cat>
-            <c:strRef>
-              <c:f>Sheet1!$A$2:$A$5</c:f>
-              <c:strCache>
-                <c:ptCount val="4"/>
-                <c:pt idx="0">
-                  <c:v>Matthew</c:v>
-                </c:pt>
-                <c:pt idx="1">
-                  <c:v>Mark</c:v>
-                </c:pt>
-                <c:pt idx="2">
-                  <c:v>Luke</c:v>
-                </c:pt>
-                <c:pt idx="3">
-                  <c:v>John</c:v>
-                </c:pt>
-              </c:strCache>
-            </c:strRef>
-          </c:cat>
-          <c:val>
-            <c:numRef>
-              <c:f>Sheet1!$E$2:$E$5</c:f>
-              <c:numCache>
-                <c:formatCode>0</c:formatCode>
-                <c:ptCount val="4"/>
-                <c:pt idx="0">
-                  <c:v>32</c:v>
-                </c:pt>
-                <c:pt idx="1">
-                  <c:v>45</c:v>
-                </c:pt>
-                <c:pt idx="2">
-                  <c:v>44</c:v>
-                </c:pt>
-                <c:pt idx="3">
-                  <c:v>44</c:v>
-                </c:pt>
-              </c:numCache>
-            </c:numRef>
-          </c:val>
-          <c:extLst>
-            <c:ext xmlns:c16="http://schemas.microsoft.com/office/drawing/2014/chart" uri="{C3380CC4-5D6E-409C-BE32-E72D297353CC}">
-              <c16:uniqueId val="{00000001-2FFE-454E-9A15-BC976B52769C}"/>
-            </c:ext>
-          </c:extLst>
-        </c:ser>
-        <c:dLbls>
-          <c:showLegendKey val="0"/>
-          <c:showVal val="0"/>
-          <c:showCatName val="0"/>
-          <c:showSerName val="0"/>
-          <c:showPercent val="0"/>
-          <c:showBubbleSize val="0"/>
-        </c:dLbls>
-        <c:gapWidth val="150"/>
-        <c:axId val="790563136"/>
-        <c:axId val="768197296"/>
-      </c:barChart>
-      <c:catAx>
-        <c:axId val="790563136"/>
-        <c:scaling>
-          <c:orientation val="minMax"/>
-        </c:scaling>
-        <c:delete val="0"/>
-        <c:axPos val="l"/>
-        <c:numFmt formatCode="General" sourceLinked="0"/>
-        <c:majorTickMark val="out"/>
-        <c:minorTickMark val="none"/>
-        <c:tickLblPos val="nextTo"/>
-        <c:spPr>
-          <a:ln>
-            <a:solidFill>
-              <a:prstClr val="black">
-                <a:lumMod val="65000"/>
-                <a:lumOff val="35000"/>
-                <a:alpha val="50000"/>
-              </a:prstClr>
-            </a:solidFill>
-          </a:ln>
-        </c:spPr>
-        <c:txPr>
-          <a:bodyPr/>
-          <a:lstStyle/>
-          <a:p>
-            <a:pPr>
-              <a:defRPr baseline="0">
-                <a:solidFill>
-                  <a:schemeClr val="bg1"/>
-                </a:solidFill>
-              </a:defRPr>
-            </a:pPr>
-            <a:endParaRPr lang="en-US"/>
-          </a:p>
-        </c:txPr>
-        <c:crossAx val="768197296"/>
-        <c:crosses val="autoZero"/>
-        <c:auto val="1"/>
-        <c:lblAlgn val="ctr"/>
-        <c:lblOffset val="100"/>
-        <c:noMultiLvlLbl val="0"/>
-      </c:catAx>
-      <c:valAx>
-        <c:axId val="768197296"/>
-        <c:scaling>
-          <c:orientation val="minMax"/>
-        </c:scaling>
-        <c:delete val="1"/>
-        <c:axPos val="b"/>
-        <c:majorGridlines>
-          <c:spPr>
-            <a:ln>
-              <a:solidFill>
-                <a:prstClr val="black">
-                  <a:lumMod val="65000"/>
-                  <a:lumOff val="35000"/>
-                  <a:alpha val="40000"/>
-                </a:prstClr>
-              </a:solidFill>
-            </a:ln>
-          </c:spPr>
-        </c:majorGridlines>
-        <c:numFmt formatCode="0" sourceLinked="1"/>
-        <c:majorTickMark val="out"/>
-        <c:minorTickMark val="none"/>
-        <c:tickLblPos val="none"/>
-        <c:crossAx val="790563136"/>
-        <c:crosses val="autoZero"/>
-        <c:crossBetween val="between"/>
-      </c:valAx>
-    </c:plotArea>
-    <c:legend>
-      <c:legendPos val="r"/>
-      <c:overlay val="0"/>
       <c:txPr>
         <a:bodyPr/>
         <a:lstStyle/>
@@ -3529,302 +2091,6 @@
             <c:invertIfNegative val="0"/>
             <c:bubble3D val="0"/>
             <c:spPr>
-              <a:solidFill>
-                <a:srgbClr val="CA5C0E"/>
-              </a:solidFill>
-              <a:ln w="25400">
-                <a:noFill/>
-              </a:ln>
-            </c:spPr>
-            <c:extLst>
-              <c:ext xmlns:c16="http://schemas.microsoft.com/office/drawing/2014/chart" uri="{C3380CC4-5D6E-409C-BE32-E72D297353CC}">
-                <c16:uniqueId val="{00000008-1B33-5944-93E6-FAE2DF40E450}"/>
-              </c:ext>
-            </c:extLst>
-          </c:dPt>
-          <c:dPt>
-            <c:idx val="2"/>
-            <c:invertIfNegative val="0"/>
-            <c:bubble3D val="0"/>
-            <c:extLst>
-              <c:ext xmlns:c16="http://schemas.microsoft.com/office/drawing/2014/chart" uri="{C3380CC4-5D6E-409C-BE32-E72D297353CC}">
-                <c16:uniqueId val="{00000006-1B33-5944-93E6-FAE2DF40E450}"/>
-              </c:ext>
-            </c:extLst>
-          </c:dPt>
-          <c:dPt>
-            <c:idx val="3"/>
-            <c:invertIfNegative val="0"/>
-            <c:bubble3D val="0"/>
-            <c:spPr>
-              <a:solidFill>
-                <a:srgbClr val="04A500"/>
-              </a:solidFill>
-              <a:ln w="25400">
-                <a:noFill/>
-              </a:ln>
-            </c:spPr>
-            <c:extLst>
-              <c:ext xmlns:c16="http://schemas.microsoft.com/office/drawing/2014/chart" uri="{C3380CC4-5D6E-409C-BE32-E72D297353CC}">
-                <c16:uniqueId val="{00000001-0CCD-1248-BA71-88997077BAD1}"/>
-              </c:ext>
-            </c:extLst>
-          </c:dPt>
-          <c:dLbls>
-            <c:spPr>
-              <a:noFill/>
-              <a:ln>
-                <a:noFill/>
-              </a:ln>
-              <a:effectLst/>
-            </c:spPr>
-            <c:txPr>
-              <a:bodyPr/>
-              <a:lstStyle/>
-              <a:p>
-                <a:pPr>
-                  <a:defRPr b="1">
-                    <a:solidFill>
-                      <a:schemeClr val="bg1"/>
-                    </a:solidFill>
-                  </a:defRPr>
-                </a:pPr>
-                <a:endParaRPr lang="en-US"/>
-              </a:p>
-            </c:txPr>
-            <c:dLblPos val="inEnd"/>
-            <c:showLegendKey val="0"/>
-            <c:showVal val="1"/>
-            <c:showCatName val="0"/>
-            <c:showSerName val="0"/>
-            <c:showPercent val="0"/>
-            <c:showBubbleSize val="0"/>
-            <c:showLeaderLines val="0"/>
-            <c:extLst>
-              <c:ext xmlns:c15="http://schemas.microsoft.com/office/drawing/2012/chart" uri="{CE6537A1-D6FC-4f65-9D91-7224C49458BB}">
-                <c15:showLeaderLines val="0"/>
-              </c:ext>
-            </c:extLst>
-          </c:dLbls>
-          <c:cat>
-            <c:strRef>
-              <c:f>Sheet1!$A$2:$A$5</c:f>
-              <c:strCache>
-                <c:ptCount val="4"/>
-                <c:pt idx="0">
-                  <c:v>Great difficulty (D)</c:v>
-                </c:pt>
-                <c:pt idx="1">
-                  <c:v>Difficult to decide (C)</c:v>
-                </c:pt>
-                <c:pt idx="2">
-                  <c:v>Almost Certain (B)</c:v>
-                </c:pt>
-                <c:pt idx="3">
-                  <c:v>Certain (A)</c:v>
-                </c:pt>
-              </c:strCache>
-            </c:strRef>
-          </c:cat>
-          <c:val>
-            <c:numRef>
-              <c:f>Sheet1!$B$2:$B$5</c:f>
-              <c:numCache>
-                <c:formatCode>General</c:formatCode>
-                <c:ptCount val="4"/>
-                <c:pt idx="0">
-                  <c:v>10</c:v>
-                </c:pt>
-                <c:pt idx="1">
-                  <c:v>354</c:v>
-                </c:pt>
-                <c:pt idx="2">
-                  <c:v>523</c:v>
-                </c:pt>
-                <c:pt idx="3">
-                  <c:v>505</c:v>
-                </c:pt>
-              </c:numCache>
-            </c:numRef>
-          </c:val>
-          <c:extLst>
-            <c:ext xmlns:c16="http://schemas.microsoft.com/office/drawing/2014/chart" uri="{C3380CC4-5D6E-409C-BE32-E72D297353CC}">
-              <c16:uniqueId val="{00000000-56D6-774A-AEC1-01E5BF60A988}"/>
-            </c:ext>
-          </c:extLst>
-        </c:ser>
-        <c:dLbls>
-          <c:showLegendKey val="0"/>
-          <c:showVal val="0"/>
-          <c:showCatName val="0"/>
-          <c:showSerName val="0"/>
-          <c:showPercent val="0"/>
-          <c:showBubbleSize val="0"/>
-        </c:dLbls>
-        <c:gapWidth val="150"/>
-        <c:axId val="790563136"/>
-        <c:axId val="768197296"/>
-      </c:barChart>
-      <c:catAx>
-        <c:axId val="790563136"/>
-        <c:scaling>
-          <c:orientation val="minMax"/>
-        </c:scaling>
-        <c:delete val="0"/>
-        <c:axPos val="l"/>
-        <c:numFmt formatCode="General" sourceLinked="0"/>
-        <c:majorTickMark val="out"/>
-        <c:minorTickMark val="none"/>
-        <c:tickLblPos val="nextTo"/>
-        <c:spPr>
-          <a:ln>
-            <a:solidFill>
-              <a:prstClr val="black">
-                <a:lumMod val="65000"/>
-                <a:lumOff val="35000"/>
-                <a:alpha val="50000"/>
-              </a:prstClr>
-            </a:solidFill>
-          </a:ln>
-        </c:spPr>
-        <c:txPr>
-          <a:bodyPr/>
-          <a:lstStyle/>
-          <a:p>
-            <a:pPr>
-              <a:defRPr baseline="0">
-                <a:solidFill>
-                  <a:schemeClr val="bg1"/>
-                </a:solidFill>
-              </a:defRPr>
-            </a:pPr>
-            <a:endParaRPr lang="en-US"/>
-          </a:p>
-        </c:txPr>
-        <c:crossAx val="768197296"/>
-        <c:crosses val="autoZero"/>
-        <c:auto val="1"/>
-        <c:lblAlgn val="ctr"/>
-        <c:lblOffset val="100"/>
-        <c:noMultiLvlLbl val="0"/>
-      </c:catAx>
-      <c:valAx>
-        <c:axId val="768197296"/>
-        <c:scaling>
-          <c:orientation val="minMax"/>
-        </c:scaling>
-        <c:delete val="1"/>
-        <c:axPos val="b"/>
-        <c:majorGridlines>
-          <c:spPr>
-            <a:ln>
-              <a:solidFill>
-                <a:prstClr val="black">
-                  <a:lumMod val="65000"/>
-                  <a:lumOff val="35000"/>
-                  <a:alpha val="40000"/>
-                </a:prstClr>
-              </a:solidFill>
-            </a:ln>
-          </c:spPr>
-        </c:majorGridlines>
-        <c:numFmt formatCode="General" sourceLinked="1"/>
-        <c:majorTickMark val="out"/>
-        <c:minorTickMark val="none"/>
-        <c:tickLblPos val="none"/>
-        <c:crossAx val="790563136"/>
-        <c:crosses val="autoZero"/>
-        <c:crossBetween val="between"/>
-      </c:valAx>
-    </c:plotArea>
-    <c:plotVisOnly val="1"/>
-    <c:dispBlanksAs val="gap"/>
-    <c:showDLblsOverMax val="0"/>
-  </c:chart>
-  <c:txPr>
-    <a:bodyPr/>
-    <a:lstStyle/>
-    <a:p>
-      <a:pPr>
-        <a:defRPr sz="1800"/>
-      </a:pPr>
-      <a:endParaRPr lang="en-US"/>
-    </a:p>
-  </c:txPr>
-  <c:externalData r:id="rId2">
-    <c:autoUpdate val="0"/>
-  </c:externalData>
-</c:chartSpace>
-</file>
-
-<file path=ppt/charts/chart7.xml><?xml version="1.0" encoding="utf-8"?>
-<c:chartSpace xmlns:c="http://schemas.openxmlformats.org/drawingml/2006/chart" xmlns:a="http://schemas.openxmlformats.org/drawingml/2006/main" xmlns:r="http://schemas.openxmlformats.org/officeDocument/2006/relationships" xmlns:c16r2="http://schemas.microsoft.com/office/drawing/2015/06/chart">
-  <c:date1904 val="0"/>
-  <c:lang val="en-US"/>
-  <c:roundedCorners val="0"/>
-  <mc:AlternateContent xmlns:mc="http://schemas.openxmlformats.org/markup-compatibility/2006">
-    <mc:Choice xmlns:c14="http://schemas.microsoft.com/office/drawing/2007/8/2/chart" Requires="c14">
-      <c14:style val="110"/>
-    </mc:Choice>
-    <mc:Fallback>
-      <c:style val="10"/>
-    </mc:Fallback>
-  </mc:AlternateContent>
-  <c:clrMapOvr bg1="lt1" tx1="dk1" bg2="lt2" tx2="dk2" accent1="accent1" accent2="accent2" accent3="accent3" accent4="accent4" accent5="accent5" accent6="accent6" hlink="hlink" folHlink="folHlink"/>
-  <c:chart>
-    <c:autoTitleDeleted val="1"/>
-    <c:plotArea>
-      <c:layout/>
-      <c:barChart>
-        <c:barDir val="bar"/>
-        <c:grouping val="clustered"/>
-        <c:varyColors val="0"/>
-        <c:ser>
-          <c:idx val="0"/>
-          <c:order val="0"/>
-          <c:tx>
-            <c:strRef>
-              <c:f>Sheet1!$B$1</c:f>
-              <c:strCache>
-                <c:ptCount val="1"/>
-                <c:pt idx="0">
-                  <c:v>Series 1</c:v>
-                </c:pt>
-              </c:strCache>
-            </c:strRef>
-          </c:tx>
-          <c:spPr>
-            <a:solidFill>
-              <a:srgbClr val="009EC0"/>
-            </a:solidFill>
-            <a:ln w="25400">
-              <a:noFill/>
-            </a:ln>
-          </c:spPr>
-          <c:invertIfNegative val="0"/>
-          <c:dPt>
-            <c:idx val="0"/>
-            <c:invertIfNegative val="0"/>
-            <c:bubble3D val="0"/>
-            <c:spPr>
-              <a:solidFill>
-                <a:srgbClr val="C00000"/>
-              </a:solidFill>
-              <a:ln w="25400">
-                <a:noFill/>
-              </a:ln>
-            </c:spPr>
-            <c:extLst>
-              <c:ext xmlns:c16="http://schemas.microsoft.com/office/drawing/2014/chart" uri="{C3380CC4-5D6E-409C-BE32-E72D297353CC}">
-                <c16:uniqueId val="{0000000A-1B33-5944-93E6-FAE2DF40E450}"/>
-              </c:ext>
-            </c:extLst>
-          </c:dPt>
-          <c:dPt>
-            <c:idx val="1"/>
-            <c:invertIfNegative val="0"/>
-            <c:bubble3D val="0"/>
-            <c:spPr>
               <a:pattFill prst="wdUpDiag">
                 <a:fgClr>
                   <a:srgbClr val="C00002"/>
@@ -4071,7 +2337,7 @@
 </c:chartSpace>
 </file>
 
-<file path=ppt/charts/chart8.xml><?xml version="1.0" encoding="utf-8"?>
+<file path=ppt/charts/chart7.xml><?xml version="1.0" encoding="utf-8"?>
 <c:chartSpace xmlns:c="http://schemas.openxmlformats.org/drawingml/2006/chart" xmlns:a="http://schemas.openxmlformats.org/drawingml/2006/main" xmlns:r="http://schemas.openxmlformats.org/officeDocument/2006/relationships" xmlns:c16r2="http://schemas.microsoft.com/office/drawing/2015/06/chart">
   <c:date1904 val="0"/>
   <c:lang val="en-US"/>
@@ -4086,7 +2352,7 @@
   </mc:AlternateContent>
   <c:clrMapOvr bg1="lt1" tx1="dk1" bg2="lt2" tx2="dk2" accent1="accent1" accent2="accent2" accent3="accent3" accent4="accent4" accent5="accent5" accent6="accent6" hlink="hlink" folHlink="folHlink"/>
   <c:chart>
-    <c:autoTitleDeleted val="1"/>
+    <c:autoTitleDeleted val="0"/>
     <c:plotArea>
       <c:layout/>
       <c:barChart>
@@ -4102,14 +2368,14 @@
               <c:strCache>
                 <c:ptCount val="1"/>
                 <c:pt idx="0">
-                  <c:v>Series 1</c:v>
+                  <c:v>Great difficulty (D)</c:v>
                 </c:pt>
               </c:strCache>
             </c:strRef>
           </c:tx>
           <c:spPr>
             <a:solidFill>
-              <a:srgbClr val="009EC0"/>
+              <a:srgbClr val="C00002"/>
             </a:solidFill>
             <a:ln w="25400">
               <a:noFill/>
@@ -4120,14 +2386,6 @@
             <c:idx val="0"/>
             <c:invertIfNegative val="0"/>
             <c:bubble3D val="0"/>
-            <c:spPr>
-              <a:solidFill>
-                <a:srgbClr val="C00000"/>
-              </a:solidFill>
-              <a:ln w="25400">
-                <a:noFill/>
-              </a:ln>
-            </c:spPr>
             <c:extLst>
               <c:ext xmlns:c16="http://schemas.microsoft.com/office/drawing/2014/chart" uri="{C3380CC4-5D6E-409C-BE32-E72D297353CC}">
                 <c16:uniqueId val="{0000000A-1B33-5944-93E6-FAE2DF40E450}"/>
@@ -4138,19 +2396,6 @@
             <c:idx val="1"/>
             <c:invertIfNegative val="0"/>
             <c:bubble3D val="0"/>
-            <c:spPr>
-              <a:pattFill prst="wdUpDiag">
-                <a:fgClr>
-                  <a:srgbClr val="C00002"/>
-                </a:fgClr>
-                <a:bgClr>
-                  <a:srgbClr val="000000"/>
-                </a:bgClr>
-              </a:pattFill>
-              <a:ln w="25400">
-                <a:noFill/>
-              </a:ln>
-            </c:spPr>
             <c:extLst>
               <c:ext xmlns:c16="http://schemas.microsoft.com/office/drawing/2014/chart" uri="{C3380CC4-5D6E-409C-BE32-E72D297353CC}">
                 <c16:uniqueId val="{00000008-1B33-5944-93E6-FAE2DF40E450}"/>
@@ -4161,32 +2406,9 @@
             <c:idx val="2"/>
             <c:invertIfNegative val="0"/>
             <c:bubble3D val="0"/>
-            <c:spPr>
-              <a:pattFill prst="wdUpDiag">
-                <a:fgClr>
-                  <a:srgbClr val="009EC0"/>
-                </a:fgClr>
-                <a:bgClr>
-                  <a:srgbClr val="000000"/>
-                </a:bgClr>
-              </a:pattFill>
-              <a:ln w="25400">
-                <a:noFill/>
-              </a:ln>
-            </c:spPr>
             <c:extLst>
               <c:ext xmlns:c16="http://schemas.microsoft.com/office/drawing/2014/chart" uri="{C3380CC4-5D6E-409C-BE32-E72D297353CC}">
                 <c16:uniqueId val="{00000006-1B33-5944-93E6-FAE2DF40E450}"/>
-              </c:ext>
-            </c:extLst>
-          </c:dPt>
-          <c:dPt>
-            <c:idx val="3"/>
-            <c:invertIfNegative val="0"/>
-            <c:bubble3D val="0"/>
-            <c:extLst>
-              <c:ext xmlns:c16="http://schemas.microsoft.com/office/drawing/2014/chart" uri="{C3380CC4-5D6E-409C-BE32-E72D297353CC}">
-                <c16:uniqueId val="{00000001-0CCD-1248-BA71-88997077BAD1}"/>
               </c:ext>
             </c:extLst>
           </c:dPt>
@@ -4232,16 +2454,16 @@
               <c:strCache>
                 <c:ptCount val="4"/>
                 <c:pt idx="0">
-                  <c:v>Great difficulty (D)</c:v>
+                  <c:v>Matthew</c:v>
                 </c:pt>
                 <c:pt idx="1">
-                  <c:v>Difficult to decide (C)</c:v>
+                  <c:v>Mark</c:v>
                 </c:pt>
                 <c:pt idx="2">
-                  <c:v>Almost Certain (B)</c:v>
+                  <c:v>Luke</c:v>
                 </c:pt>
                 <c:pt idx="3">
-                  <c:v>Certain (A)</c:v>
+                  <c:v>John</c:v>
                 </c:pt>
               </c:strCache>
             </c:strRef>
@@ -4250,19 +2472,19 @@
             <c:numRef>
               <c:f>Sheet1!$B$2:$B$5</c:f>
               <c:numCache>
-                <c:formatCode>General</c:formatCode>
+                <c:formatCode>0</c:formatCode>
                 <c:ptCount val="4"/>
                 <c:pt idx="0">
-                  <c:v>10</c:v>
+                  <c:v>1</c:v>
                 </c:pt>
                 <c:pt idx="1">
-                  <c:v>354</c:v>
+                  <c:v>1</c:v>
                 </c:pt>
                 <c:pt idx="2">
-                  <c:v>523</c:v>
+                  <c:v>0</c:v>
                 </c:pt>
                 <c:pt idx="3">
-                  <c:v>505</c:v>
+                  <c:v>2</c:v>
                 </c:pt>
               </c:numCache>
             </c:numRef>
@@ -4270,6 +2492,444 @@
           <c:extLst>
             <c:ext xmlns:c16="http://schemas.microsoft.com/office/drawing/2014/chart" uri="{C3380CC4-5D6E-409C-BE32-E72D297353CC}">
               <c16:uniqueId val="{00000000-56D6-774A-AEC1-01E5BF60A988}"/>
+            </c:ext>
+          </c:extLst>
+        </c:ser>
+        <c:ser>
+          <c:idx val="1"/>
+          <c:order val="1"/>
+          <c:tx>
+            <c:strRef>
+              <c:f>Sheet1!$C$1</c:f>
+              <c:strCache>
+                <c:ptCount val="1"/>
+                <c:pt idx="0">
+                  <c:v>Difficult to decide (C)</c:v>
+                </c:pt>
+              </c:strCache>
+            </c:strRef>
+          </c:tx>
+          <c:spPr>
+            <a:pattFill prst="wdUpDiag">
+              <a:fgClr>
+                <a:srgbClr val="C00002"/>
+              </a:fgClr>
+              <a:bgClr>
+                <a:srgbClr val="000000"/>
+              </a:bgClr>
+            </a:pattFill>
+            <a:ln>
+              <a:noFill/>
+            </a:ln>
+          </c:spPr>
+          <c:invertIfNegative val="0"/>
+          <c:dPt>
+            <c:idx val="0"/>
+            <c:invertIfNegative val="0"/>
+            <c:bubble3D val="0"/>
+            <c:extLst>
+              <c:ext xmlns:c16="http://schemas.microsoft.com/office/drawing/2014/chart" uri="{C3380CC4-5D6E-409C-BE32-E72D297353CC}">
+                <c16:uniqueId val="{00000009-1B33-5944-93E6-FAE2DF40E450}"/>
+              </c:ext>
+            </c:extLst>
+          </c:dPt>
+          <c:dPt>
+            <c:idx val="1"/>
+            <c:invertIfNegative val="0"/>
+            <c:bubble3D val="0"/>
+            <c:extLst>
+              <c:ext xmlns:c16="http://schemas.microsoft.com/office/drawing/2014/chart" uri="{C3380CC4-5D6E-409C-BE32-E72D297353CC}">
+                <c16:uniqueId val="{00000007-1B33-5944-93E6-FAE2DF40E450}"/>
+              </c:ext>
+            </c:extLst>
+          </c:dPt>
+          <c:dPt>
+            <c:idx val="2"/>
+            <c:invertIfNegative val="0"/>
+            <c:bubble3D val="0"/>
+            <c:extLst>
+              <c:ext xmlns:c16="http://schemas.microsoft.com/office/drawing/2014/chart" uri="{C3380CC4-5D6E-409C-BE32-E72D297353CC}">
+                <c16:uniqueId val="{00000005-1B33-5944-93E6-FAE2DF40E450}"/>
+              </c:ext>
+            </c:extLst>
+          </c:dPt>
+          <c:dLbls>
+            <c:dLbl>
+              <c:idx val="1"/>
+              <c:tx>
+                <c:rich>
+                  <a:bodyPr/>
+                  <a:lstStyle/>
+                  <a:p>
+                    <a:fld id="{33DDEA5E-53BD-2241-8A3C-2C03F088DBCC}" type="VALUE">
+                      <a:rPr lang="en-US" b="1">
+                        <a:solidFill>
+                          <a:schemeClr val="bg1"/>
+                        </a:solidFill>
+                      </a:rPr>
+                      <a:pPr/>
+                      <a:t>[VALUE]</a:t>
+                    </a:fld>
+                    <a:endParaRPr lang="en-US"/>
+                  </a:p>
+                </c:rich>
+              </c:tx>
+              <c:dLblPos val="inEnd"/>
+              <c:showLegendKey val="0"/>
+              <c:showVal val="1"/>
+              <c:showCatName val="0"/>
+              <c:showSerName val="0"/>
+              <c:showPercent val="0"/>
+              <c:showBubbleSize val="0"/>
+              <c:extLst>
+                <c:ext xmlns:c15="http://schemas.microsoft.com/office/drawing/2012/chart" uri="{CE6537A1-D6FC-4f65-9D91-7224C49458BB}">
+                  <c15:dlblFieldTable/>
+                  <c15:showDataLabelsRange val="0"/>
+                </c:ext>
+                <c:ext xmlns:c16="http://schemas.microsoft.com/office/drawing/2014/chart" uri="{C3380CC4-5D6E-409C-BE32-E72D297353CC}">
+                  <c16:uniqueId val="{00000007-1B33-5944-93E6-FAE2DF40E450}"/>
+                </c:ext>
+              </c:extLst>
+            </c:dLbl>
+            <c:dLbl>
+              <c:idx val="2"/>
+              <c:tx>
+                <c:rich>
+                  <a:bodyPr/>
+                  <a:lstStyle/>
+                  <a:p>
+                    <a:fld id="{CB453A95-C41C-3E41-BFD1-2C6C7F843D8A}" type="VALUE">
+                      <a:rPr lang="en-US">
+                        <a:solidFill>
+                          <a:schemeClr val="bg1"/>
+                        </a:solidFill>
+                      </a:rPr>
+                      <a:pPr/>
+                      <a:t>[VALUE]</a:t>
+                    </a:fld>
+                    <a:endParaRPr lang="en-US"/>
+                  </a:p>
+                </c:rich>
+              </c:tx>
+              <c:dLblPos val="inEnd"/>
+              <c:showLegendKey val="0"/>
+              <c:showVal val="1"/>
+              <c:showCatName val="0"/>
+              <c:showSerName val="0"/>
+              <c:showPercent val="0"/>
+              <c:showBubbleSize val="0"/>
+              <c:extLst>
+                <c:ext xmlns:c15="http://schemas.microsoft.com/office/drawing/2012/chart" uri="{CE6537A1-D6FC-4f65-9D91-7224C49458BB}">
+                  <c15:dlblFieldTable/>
+                  <c15:showDataLabelsRange val="0"/>
+                </c:ext>
+                <c:ext xmlns:c16="http://schemas.microsoft.com/office/drawing/2014/chart" uri="{C3380CC4-5D6E-409C-BE32-E72D297353CC}">
+                  <c16:uniqueId val="{00000005-1B33-5944-93E6-FAE2DF40E450}"/>
+                </c:ext>
+              </c:extLst>
+            </c:dLbl>
+            <c:spPr>
+              <a:noFill/>
+              <a:ln>
+                <a:noFill/>
+              </a:ln>
+              <a:effectLst/>
+            </c:spPr>
+            <c:txPr>
+              <a:bodyPr wrap="square" lIns="38100" tIns="19050" rIns="38100" bIns="19050" anchor="ctr">
+                <a:spAutoFit/>
+              </a:bodyPr>
+              <a:lstStyle/>
+              <a:p>
+                <a:pPr>
+                  <a:defRPr b="1">
+                    <a:solidFill>
+                      <a:schemeClr val="bg1"/>
+                    </a:solidFill>
+                  </a:defRPr>
+                </a:pPr>
+                <a:endParaRPr lang="en-US"/>
+              </a:p>
+            </c:txPr>
+            <c:dLblPos val="inEnd"/>
+            <c:showLegendKey val="0"/>
+            <c:showVal val="1"/>
+            <c:showCatName val="0"/>
+            <c:showSerName val="0"/>
+            <c:showPercent val="0"/>
+            <c:showBubbleSize val="0"/>
+            <c:showLeaderLines val="0"/>
+            <c:extLst>
+              <c:ext xmlns:c15="http://schemas.microsoft.com/office/drawing/2012/chart" uri="{CE6537A1-D6FC-4f65-9D91-7224C49458BB}">
+                <c15:showLeaderLines val="1"/>
+              </c:ext>
+            </c:extLst>
+          </c:dLbls>
+          <c:cat>
+            <c:strRef>
+              <c:f>Sheet1!$A$2:$A$5</c:f>
+              <c:strCache>
+                <c:ptCount val="4"/>
+                <c:pt idx="0">
+                  <c:v>Matthew</c:v>
+                </c:pt>
+                <c:pt idx="1">
+                  <c:v>Mark</c:v>
+                </c:pt>
+                <c:pt idx="2">
+                  <c:v>Luke</c:v>
+                </c:pt>
+                <c:pt idx="3">
+                  <c:v>John</c:v>
+                </c:pt>
+              </c:strCache>
+            </c:strRef>
+          </c:cat>
+          <c:val>
+            <c:numRef>
+              <c:f>Sheet1!$C$2:$C$5</c:f>
+              <c:numCache>
+                <c:formatCode>0</c:formatCode>
+                <c:ptCount val="4"/>
+                <c:pt idx="0">
+                  <c:v>50</c:v>
+                </c:pt>
+                <c:pt idx="1">
+                  <c:v>45</c:v>
+                </c:pt>
+                <c:pt idx="2">
+                  <c:v>44</c:v>
+                </c:pt>
+                <c:pt idx="3">
+                  <c:v>41</c:v>
+                </c:pt>
+              </c:numCache>
+            </c:numRef>
+          </c:val>
+          <c:extLst>
+            <c:ext xmlns:c16="http://schemas.microsoft.com/office/drawing/2014/chart" uri="{C3380CC4-5D6E-409C-BE32-E72D297353CC}">
+              <c16:uniqueId val="{00000004-1B33-5944-93E6-FAE2DF40E450}"/>
+            </c:ext>
+          </c:extLst>
+        </c:ser>
+        <c:ser>
+          <c:idx val="2"/>
+          <c:order val="2"/>
+          <c:tx>
+            <c:strRef>
+              <c:f>Sheet1!$D$1</c:f>
+              <c:strCache>
+                <c:ptCount val="1"/>
+                <c:pt idx="0">
+                  <c:v>Almost Certain (B)</c:v>
+                </c:pt>
+              </c:strCache>
+            </c:strRef>
+          </c:tx>
+          <c:spPr>
+            <a:pattFill prst="wdUpDiag">
+              <a:fgClr>
+                <a:srgbClr val="04A500"/>
+              </a:fgClr>
+              <a:bgClr>
+                <a:srgbClr val="000000"/>
+              </a:bgClr>
+            </a:pattFill>
+            <a:ln>
+              <a:noFill/>
+            </a:ln>
+          </c:spPr>
+          <c:invertIfNegative val="0"/>
+          <c:dLbls>
+            <c:spPr>
+              <a:noFill/>
+              <a:ln>
+                <a:noFill/>
+              </a:ln>
+              <a:effectLst/>
+            </c:spPr>
+            <c:txPr>
+              <a:bodyPr wrap="square" lIns="38100" tIns="19050" rIns="38100" bIns="19050" anchor="ctr">
+                <a:spAutoFit/>
+              </a:bodyPr>
+              <a:lstStyle/>
+              <a:p>
+                <a:pPr>
+                  <a:defRPr b="1">
+                    <a:solidFill>
+                      <a:schemeClr val="bg1"/>
+                    </a:solidFill>
+                  </a:defRPr>
+                </a:pPr>
+                <a:endParaRPr lang="en-US"/>
+              </a:p>
+            </c:txPr>
+            <c:dLblPos val="inEnd"/>
+            <c:showLegendKey val="0"/>
+            <c:showVal val="1"/>
+            <c:showCatName val="0"/>
+            <c:showSerName val="0"/>
+            <c:showPercent val="0"/>
+            <c:showBubbleSize val="0"/>
+            <c:showLeaderLines val="0"/>
+            <c:extLst>
+              <c:ext xmlns:c15="http://schemas.microsoft.com/office/drawing/2012/chart" uri="{CE6537A1-D6FC-4f65-9D91-7224C49458BB}">
+                <c15:showLeaderLines val="1"/>
+              </c:ext>
+            </c:extLst>
+          </c:dLbls>
+          <c:cat>
+            <c:strRef>
+              <c:f>Sheet1!$A$2:$A$5</c:f>
+              <c:strCache>
+                <c:ptCount val="4"/>
+                <c:pt idx="0">
+                  <c:v>Matthew</c:v>
+                </c:pt>
+                <c:pt idx="1">
+                  <c:v>Mark</c:v>
+                </c:pt>
+                <c:pt idx="2">
+                  <c:v>Luke</c:v>
+                </c:pt>
+                <c:pt idx="3">
+                  <c:v>John</c:v>
+                </c:pt>
+              </c:strCache>
+            </c:strRef>
+          </c:cat>
+          <c:val>
+            <c:numRef>
+              <c:f>Sheet1!$D$2:$D$5</c:f>
+              <c:numCache>
+                <c:formatCode>0</c:formatCode>
+                <c:ptCount val="4"/>
+                <c:pt idx="0">
+                  <c:v>70</c:v>
+                </c:pt>
+                <c:pt idx="1">
+                  <c:v>49</c:v>
+                </c:pt>
+                <c:pt idx="2">
+                  <c:v>73</c:v>
+                </c:pt>
+                <c:pt idx="3">
+                  <c:v>62</c:v>
+                </c:pt>
+              </c:numCache>
+            </c:numRef>
+          </c:val>
+          <c:extLst>
+            <c:ext xmlns:c16="http://schemas.microsoft.com/office/drawing/2014/chart" uri="{C3380CC4-5D6E-409C-BE32-E72D297353CC}">
+              <c16:uniqueId val="{00000000-2FFE-454E-9A15-BC976B52769C}"/>
+            </c:ext>
+          </c:extLst>
+        </c:ser>
+        <c:ser>
+          <c:idx val="3"/>
+          <c:order val="3"/>
+          <c:tx>
+            <c:strRef>
+              <c:f>Sheet1!$E$1</c:f>
+              <c:strCache>
+                <c:ptCount val="1"/>
+                <c:pt idx="0">
+                  <c:v>Certain (A)</c:v>
+                </c:pt>
+              </c:strCache>
+            </c:strRef>
+          </c:tx>
+          <c:spPr>
+            <a:solidFill>
+              <a:srgbClr val="04A500"/>
+            </a:solidFill>
+            <a:ln>
+              <a:noFill/>
+            </a:ln>
+          </c:spPr>
+          <c:invertIfNegative val="0"/>
+          <c:dLbls>
+            <c:spPr>
+              <a:noFill/>
+              <a:ln>
+                <a:noFill/>
+              </a:ln>
+              <a:effectLst/>
+            </c:spPr>
+            <c:txPr>
+              <a:bodyPr wrap="square" lIns="38100" tIns="19050" rIns="38100" bIns="19050" anchor="ctr">
+                <a:spAutoFit/>
+              </a:bodyPr>
+              <a:lstStyle/>
+              <a:p>
+                <a:pPr>
+                  <a:defRPr b="1">
+                    <a:solidFill>
+                      <a:schemeClr val="bg1"/>
+                    </a:solidFill>
+                  </a:defRPr>
+                </a:pPr>
+                <a:endParaRPr lang="en-US"/>
+              </a:p>
+            </c:txPr>
+            <c:dLblPos val="inEnd"/>
+            <c:showLegendKey val="0"/>
+            <c:showVal val="1"/>
+            <c:showCatName val="0"/>
+            <c:showSerName val="0"/>
+            <c:showPercent val="0"/>
+            <c:showBubbleSize val="0"/>
+            <c:showLeaderLines val="0"/>
+            <c:extLst>
+              <c:ext xmlns:c15="http://schemas.microsoft.com/office/drawing/2012/chart" uri="{CE6537A1-D6FC-4f65-9D91-7224C49458BB}">
+                <c15:showLeaderLines val="1"/>
+              </c:ext>
+            </c:extLst>
+          </c:dLbls>
+          <c:cat>
+            <c:strRef>
+              <c:f>Sheet1!$A$2:$A$5</c:f>
+              <c:strCache>
+                <c:ptCount val="4"/>
+                <c:pt idx="0">
+                  <c:v>Matthew</c:v>
+                </c:pt>
+                <c:pt idx="1">
+                  <c:v>Mark</c:v>
+                </c:pt>
+                <c:pt idx="2">
+                  <c:v>Luke</c:v>
+                </c:pt>
+                <c:pt idx="3">
+                  <c:v>John</c:v>
+                </c:pt>
+              </c:strCache>
+            </c:strRef>
+          </c:cat>
+          <c:val>
+            <c:numRef>
+              <c:f>Sheet1!$E$2:$E$5</c:f>
+              <c:numCache>
+                <c:formatCode>0</c:formatCode>
+                <c:ptCount val="4"/>
+                <c:pt idx="0">
+                  <c:v>32</c:v>
+                </c:pt>
+                <c:pt idx="1">
+                  <c:v>45</c:v>
+                </c:pt>
+                <c:pt idx="2">
+                  <c:v>44</c:v>
+                </c:pt>
+                <c:pt idx="3">
+                  <c:v>44</c:v>
+                </c:pt>
+              </c:numCache>
+            </c:numRef>
+          </c:val>
+          <c:extLst>
+            <c:ext xmlns:c16="http://schemas.microsoft.com/office/drawing/2014/chart" uri="{C3380CC4-5D6E-409C-BE32-E72D297353CC}">
+              <c16:uniqueId val="{00000001-2FFE-454E-9A15-BC976B52769C}"/>
             </c:ext>
           </c:extLst>
         </c:ser>
@@ -4348,7 +3008,7 @@
             </a:ln>
           </c:spPr>
         </c:majorGridlines>
-        <c:numFmt formatCode="General" sourceLinked="1"/>
+        <c:numFmt formatCode="0" sourceLinked="1"/>
         <c:majorTickMark val="out"/>
         <c:minorTickMark val="none"/>
         <c:tickLblPos val="none"/>
@@ -4357,312 +3017,24 @@
         <c:crossBetween val="between"/>
       </c:valAx>
     </c:plotArea>
-    <c:plotVisOnly val="1"/>
-    <c:dispBlanksAs val="gap"/>
-    <c:showDLblsOverMax val="0"/>
-  </c:chart>
-  <c:txPr>
-    <a:bodyPr/>
-    <a:lstStyle/>
-    <a:p>
-      <a:pPr>
-        <a:defRPr sz="1800"/>
-      </a:pPr>
-      <a:endParaRPr lang="en-US"/>
-    </a:p>
-  </c:txPr>
-  <c:externalData r:id="rId2">
-    <c:autoUpdate val="0"/>
-  </c:externalData>
-</c:chartSpace>
-</file>
-
-<file path=ppt/charts/chart9.xml><?xml version="1.0" encoding="utf-8"?>
-<c:chartSpace xmlns:c="http://schemas.openxmlformats.org/drawingml/2006/chart" xmlns:a="http://schemas.openxmlformats.org/drawingml/2006/main" xmlns:r="http://schemas.openxmlformats.org/officeDocument/2006/relationships" xmlns:c16r2="http://schemas.microsoft.com/office/drawing/2015/06/chart">
-  <c:date1904 val="0"/>
-  <c:lang val="en-US"/>
-  <c:roundedCorners val="0"/>
-  <mc:AlternateContent xmlns:mc="http://schemas.openxmlformats.org/markup-compatibility/2006">
-    <mc:Choice xmlns:c14="http://schemas.microsoft.com/office/drawing/2007/8/2/chart" Requires="c14">
-      <c14:style val="110"/>
-    </mc:Choice>
-    <mc:Fallback>
-      <c:style val="10"/>
-    </mc:Fallback>
-  </mc:AlternateContent>
-  <c:clrMapOvr bg1="lt1" tx1="dk1" bg2="lt2" tx2="dk2" accent1="accent1" accent2="accent2" accent3="accent3" accent4="accent4" accent5="accent5" accent6="accent6" hlink="hlink" folHlink="folHlink"/>
-  <c:chart>
-    <c:autoTitleDeleted val="1"/>
-    <c:plotArea>
-      <c:layout/>
-      <c:barChart>
-        <c:barDir val="bar"/>
-        <c:grouping val="clustered"/>
-        <c:varyColors val="0"/>
-        <c:ser>
-          <c:idx val="0"/>
-          <c:order val="0"/>
-          <c:tx>
-            <c:strRef>
-              <c:f>Sheet1!$B$1</c:f>
-              <c:strCache>
-                <c:ptCount val="1"/>
-                <c:pt idx="0">
-                  <c:v>Series 1</c:v>
-                </c:pt>
-              </c:strCache>
-            </c:strRef>
-          </c:tx>
-          <c:spPr>
-            <a:solidFill>
-              <a:srgbClr val="009EC0"/>
-            </a:solidFill>
-            <a:ln w="25400">
-              <a:noFill/>
-            </a:ln>
-          </c:spPr>
-          <c:invertIfNegative val="0"/>
-          <c:dPt>
-            <c:idx val="0"/>
-            <c:invertIfNegative val="0"/>
-            <c:bubble3D val="0"/>
-            <c:spPr>
+    <c:legend>
+      <c:legendPos val="r"/>
+      <c:overlay val="0"/>
+      <c:txPr>
+        <a:bodyPr/>
+        <a:lstStyle/>
+        <a:p>
+          <a:pPr>
+            <a:defRPr>
               <a:solidFill>
-                <a:srgbClr val="CA5C0E"/>
+                <a:schemeClr val="bg1"/>
               </a:solidFill>
-              <a:ln w="25400">
-                <a:noFill/>
-              </a:ln>
-            </c:spPr>
-            <c:extLst>
-              <c:ext xmlns:c16="http://schemas.microsoft.com/office/drawing/2014/chart" uri="{C3380CC4-5D6E-409C-BE32-E72D297353CC}">
-                <c16:uniqueId val="{0000000A-1B33-5944-93E6-FAE2DF40E450}"/>
-              </c:ext>
-            </c:extLst>
-          </c:dPt>
-          <c:dPt>
-            <c:idx val="1"/>
-            <c:invertIfNegative val="0"/>
-            <c:bubble3D val="0"/>
-            <c:spPr>
-              <a:pattFill prst="wdUpDiag">
-                <a:fgClr>
-                  <a:srgbClr val="CA5C0E"/>
-                </a:fgClr>
-                <a:bgClr>
-                  <a:srgbClr val="000000"/>
-                </a:bgClr>
-              </a:pattFill>
-              <a:ln w="25400">
-                <a:noFill/>
-              </a:ln>
-            </c:spPr>
-            <c:extLst>
-              <c:ext xmlns:c16="http://schemas.microsoft.com/office/drawing/2014/chart" uri="{C3380CC4-5D6E-409C-BE32-E72D297353CC}">
-                <c16:uniqueId val="{00000008-1B33-5944-93E6-FAE2DF40E450}"/>
-              </c:ext>
-            </c:extLst>
-          </c:dPt>
-          <c:dPt>
-            <c:idx val="2"/>
-            <c:invertIfNegative val="0"/>
-            <c:bubble3D val="0"/>
-            <c:spPr>
-              <a:pattFill prst="wdUpDiag">
-                <a:fgClr>
-                  <a:srgbClr val="009EC0"/>
-                </a:fgClr>
-                <a:bgClr>
-                  <a:srgbClr val="000000"/>
-                </a:bgClr>
-              </a:pattFill>
-              <a:ln w="25400">
-                <a:noFill/>
-              </a:ln>
-            </c:spPr>
-            <c:extLst>
-              <c:ext xmlns:c16="http://schemas.microsoft.com/office/drawing/2014/chart" uri="{C3380CC4-5D6E-409C-BE32-E72D297353CC}">
-                <c16:uniqueId val="{00000006-1B33-5944-93E6-FAE2DF40E450}"/>
-              </c:ext>
-            </c:extLst>
-          </c:dPt>
-          <c:dPt>
-            <c:idx val="3"/>
-            <c:invertIfNegative val="0"/>
-            <c:bubble3D val="0"/>
-            <c:extLst>
-              <c:ext xmlns:c16="http://schemas.microsoft.com/office/drawing/2014/chart" uri="{C3380CC4-5D6E-409C-BE32-E72D297353CC}">
-                <c16:uniqueId val="{00000001-0CCD-1248-BA71-88997077BAD1}"/>
-              </c:ext>
-            </c:extLst>
-          </c:dPt>
-          <c:dLbls>
-            <c:spPr>
-              <a:noFill/>
-              <a:ln>
-                <a:noFill/>
-              </a:ln>
-              <a:effectLst/>
-            </c:spPr>
-            <c:txPr>
-              <a:bodyPr/>
-              <a:lstStyle/>
-              <a:p>
-                <a:pPr>
-                  <a:defRPr b="1">
-                    <a:solidFill>
-                      <a:schemeClr val="bg1"/>
-                    </a:solidFill>
-                  </a:defRPr>
-                </a:pPr>
-                <a:endParaRPr lang="en-US"/>
-              </a:p>
-            </c:txPr>
-            <c:dLblPos val="inEnd"/>
-            <c:showLegendKey val="0"/>
-            <c:showVal val="1"/>
-            <c:showCatName val="0"/>
-            <c:showSerName val="0"/>
-            <c:showPercent val="0"/>
-            <c:showBubbleSize val="0"/>
-            <c:showLeaderLines val="0"/>
-            <c:extLst>
-              <c:ext xmlns:c15="http://schemas.microsoft.com/office/drawing/2012/chart" uri="{CE6537A1-D6FC-4f65-9D91-7224C49458BB}">
-                <c15:showLeaderLines val="0"/>
-              </c:ext>
-            </c:extLst>
-          </c:dLbls>
-          <c:cat>
-            <c:strRef>
-              <c:f>Sheet1!$A$2:$A$5</c:f>
-              <c:strCache>
-                <c:ptCount val="4"/>
-                <c:pt idx="0">
-                  <c:v>Great difficulty (D)</c:v>
-                </c:pt>
-                <c:pt idx="1">
-                  <c:v>Difficult to decide (C)</c:v>
-                </c:pt>
-                <c:pt idx="2">
-                  <c:v>Almost Certain (B)</c:v>
-                </c:pt>
-                <c:pt idx="3">
-                  <c:v>Certain (A)</c:v>
-                </c:pt>
-              </c:strCache>
-            </c:strRef>
-          </c:cat>
-          <c:val>
-            <c:numRef>
-              <c:f>Sheet1!$B$2:$B$5</c:f>
-              <c:numCache>
-                <c:formatCode>General</c:formatCode>
-                <c:ptCount val="4"/>
-                <c:pt idx="0">
-                  <c:v>10</c:v>
-                </c:pt>
-                <c:pt idx="1">
-                  <c:v>354</c:v>
-                </c:pt>
-                <c:pt idx="2">
-                  <c:v>523</c:v>
-                </c:pt>
-                <c:pt idx="3">
-                  <c:v>505</c:v>
-                </c:pt>
-              </c:numCache>
-            </c:numRef>
-          </c:val>
-          <c:extLst>
-            <c:ext xmlns:c16="http://schemas.microsoft.com/office/drawing/2014/chart" uri="{C3380CC4-5D6E-409C-BE32-E72D297353CC}">
-              <c16:uniqueId val="{00000000-56D6-774A-AEC1-01E5BF60A988}"/>
-            </c:ext>
-          </c:extLst>
-        </c:ser>
-        <c:dLbls>
-          <c:showLegendKey val="0"/>
-          <c:showVal val="0"/>
-          <c:showCatName val="0"/>
-          <c:showSerName val="0"/>
-          <c:showPercent val="0"/>
-          <c:showBubbleSize val="0"/>
-        </c:dLbls>
-        <c:gapWidth val="150"/>
-        <c:axId val="790563136"/>
-        <c:axId val="768197296"/>
-      </c:barChart>
-      <c:catAx>
-        <c:axId val="790563136"/>
-        <c:scaling>
-          <c:orientation val="minMax"/>
-        </c:scaling>
-        <c:delete val="0"/>
-        <c:axPos val="l"/>
-        <c:numFmt formatCode="General" sourceLinked="0"/>
-        <c:majorTickMark val="out"/>
-        <c:minorTickMark val="none"/>
-        <c:tickLblPos val="nextTo"/>
-        <c:spPr>
-          <a:ln>
-            <a:solidFill>
-              <a:prstClr val="black">
-                <a:lumMod val="65000"/>
-                <a:lumOff val="35000"/>
-                <a:alpha val="50000"/>
-              </a:prstClr>
-            </a:solidFill>
-          </a:ln>
-        </c:spPr>
-        <c:txPr>
-          <a:bodyPr/>
-          <a:lstStyle/>
-          <a:p>
-            <a:pPr>
-              <a:defRPr baseline="0">
-                <a:solidFill>
-                  <a:schemeClr val="bg1"/>
-                </a:solidFill>
-              </a:defRPr>
-            </a:pPr>
-            <a:endParaRPr lang="en-US"/>
-          </a:p>
-        </c:txPr>
-        <c:crossAx val="768197296"/>
-        <c:crosses val="autoZero"/>
-        <c:auto val="1"/>
-        <c:lblAlgn val="ctr"/>
-        <c:lblOffset val="100"/>
-        <c:noMultiLvlLbl val="0"/>
-      </c:catAx>
-      <c:valAx>
-        <c:axId val="768197296"/>
-        <c:scaling>
-          <c:orientation val="minMax"/>
-        </c:scaling>
-        <c:delete val="1"/>
-        <c:axPos val="b"/>
-        <c:majorGridlines>
-          <c:spPr>
-            <a:ln>
-              <a:solidFill>
-                <a:prstClr val="black">
-                  <a:lumMod val="65000"/>
-                  <a:lumOff val="35000"/>
-                  <a:alpha val="40000"/>
-                </a:prstClr>
-              </a:solidFill>
-            </a:ln>
-          </c:spPr>
-        </c:majorGridlines>
-        <c:numFmt formatCode="General" sourceLinked="1"/>
-        <c:majorTickMark val="out"/>
-        <c:minorTickMark val="none"/>
-        <c:tickLblPos val="none"/>
-        <c:crossAx val="790563136"/>
-        <c:crosses val="autoZero"/>
-        <c:crossBetween val="between"/>
-      </c:valAx>
-    </c:plotArea>
+            </a:defRPr>
+          </a:pPr>
+          <a:endParaRPr lang="en-US"/>
+        </a:p>
+      </c:txPr>
+    </c:legend>
     <c:plotVisOnly val="1"/>
     <c:dispBlanksAs val="gap"/>
     <c:showDLblsOverMax val="0"/>
@@ -4765,7 +3137,7 @@
           <a:p>
             <a:fld id="{8F7EB338-8BB0-B64B-9F79-C87EA24D723F}" type="datetimeFigureOut">
               <a:rPr lang="en-US" smtClean="0"/>
-              <a:t>12/23/20</a:t>
+              <a:t>12/23/2020</a:t>
             </a:fld>
             <a:endParaRPr lang="en-US"/>
           </a:p>
@@ -5181,7 +3553,7 @@
           <a:p>
             <a:fld id="{0A2C3B37-55FA-284F-9E83-751B4EA6E9B4}" type="slidenum">
               <a:rPr lang="en-US" smtClean="0"/>
-              <a:t>16</a:t>
+              <a:t>17</a:t>
             </a:fld>
             <a:endParaRPr lang="en-US"/>
           </a:p>
@@ -5265,7 +3637,7 @@
           <a:p>
             <a:fld id="{0A2C3B37-55FA-284F-9E83-751B4EA6E9B4}" type="slidenum">
               <a:rPr lang="en-US" smtClean="0"/>
-              <a:t>17</a:t>
+              <a:t>18</a:t>
             </a:fld>
             <a:endParaRPr lang="en-US"/>
           </a:p>
@@ -5349,7 +3721,7 @@
           <a:p>
             <a:fld id="{0A2C3B37-55FA-284F-9E83-751B4EA6E9B4}" type="slidenum">
               <a:rPr lang="en-US" smtClean="0"/>
-              <a:t>18</a:t>
+              <a:t>19</a:t>
             </a:fld>
             <a:endParaRPr lang="en-US"/>
           </a:p>
@@ -5433,7 +3805,7 @@
           <a:p>
             <a:fld id="{0A2C3B37-55FA-284F-9E83-751B4EA6E9B4}" type="slidenum">
               <a:rPr lang="en-US" smtClean="0"/>
-              <a:t>29</a:t>
+              <a:t>26</a:t>
             </a:fld>
             <a:endParaRPr lang="en-US"/>
           </a:p>
@@ -5517,7 +3889,7 @@
           <a:p>
             <a:fld id="{0A2C3B37-55FA-284F-9E83-751B4EA6E9B4}" type="slidenum">
               <a:rPr lang="en-US" smtClean="0"/>
-              <a:t>30</a:t>
+              <a:t>27</a:t>
             </a:fld>
             <a:endParaRPr lang="en-US"/>
           </a:p>
@@ -5601,7 +3973,7 @@
           <a:p>
             <a:fld id="{0A2C3B37-55FA-284F-9E83-751B4EA6E9B4}" type="slidenum">
               <a:rPr lang="en-US" smtClean="0"/>
-              <a:t>35</a:t>
+              <a:t>32</a:t>
             </a:fld>
             <a:endParaRPr lang="en-US"/>
           </a:p>
@@ -5804,7 +4176,7 @@
             <a:fld id="{DBE77699-C466-4996-ADED-71C8160E04A2}" type="datetimeFigureOut">
               <a:rPr lang="en-US" smtClean="0"/>
               <a:pPr/>
-              <a:t>12/23/20</a:t>
+              <a:t>12/23/2020</a:t>
             </a:fld>
             <a:endParaRPr lang="en-US"/>
           </a:p>
@@ -5969,7 +4341,7 @@
             <a:fld id="{DBE77699-C466-4996-ADED-71C8160E04A2}" type="datetimeFigureOut">
               <a:rPr lang="en-US" smtClean="0"/>
               <a:pPr/>
-              <a:t>12/23/20</a:t>
+              <a:t>12/23/2020</a:t>
             </a:fld>
             <a:endParaRPr lang="en-US"/>
           </a:p>
@@ -6144,7 +4516,7 @@
             <a:fld id="{DBE77699-C466-4996-ADED-71C8160E04A2}" type="datetimeFigureOut">
               <a:rPr lang="en-US" smtClean="0"/>
               <a:pPr/>
-              <a:t>12/23/20</a:t>
+              <a:t>12/23/2020</a:t>
             </a:fld>
             <a:endParaRPr lang="en-US"/>
           </a:p>
@@ -6323,7 +4695,7 @@
             <a:fld id="{DBE77699-C466-4996-ADED-71C8160E04A2}" type="datetimeFigureOut">
               <a:rPr lang="en-US" smtClean="0"/>
               <a:pPr/>
-              <a:t>12/23/20</a:t>
+              <a:t>12/23/2020</a:t>
             </a:fld>
             <a:endParaRPr lang="en-US"/>
           </a:p>
@@ -6486,7 +4858,7 @@
             <a:fld id="{DBE77699-C466-4996-ADED-71C8160E04A2}" type="datetimeFigureOut">
               <a:rPr lang="en-US" smtClean="0"/>
               <a:pPr/>
-              <a:t>12/23/20</a:t>
+              <a:t>12/23/2020</a:t>
             </a:fld>
             <a:endParaRPr lang="en-US"/>
           </a:p>
@@ -6894,7 +5266,7 @@
             <a:fld id="{DBE77699-C466-4996-ADED-71C8160E04A2}" type="datetimeFigureOut">
               <a:rPr lang="en-US" smtClean="0"/>
               <a:pPr/>
-              <a:t>12/23/20</a:t>
+              <a:t>12/23/2020</a:t>
             </a:fld>
             <a:endParaRPr lang="en-US"/>
           </a:p>
@@ -7136,7 +5508,7 @@
             <a:fld id="{DBE77699-C466-4996-ADED-71C8160E04A2}" type="datetimeFigureOut">
               <a:rPr lang="en-US" smtClean="0"/>
               <a:pPr/>
-              <a:t>12/23/20</a:t>
+              <a:t>12/23/2020</a:t>
             </a:fld>
             <a:endParaRPr lang="en-US"/>
           </a:p>
@@ -7418,7 +5790,7 @@
             <a:fld id="{DBE77699-C466-4996-ADED-71C8160E04A2}" type="datetimeFigureOut">
               <a:rPr lang="en-US" smtClean="0"/>
               <a:pPr/>
-              <a:t>12/23/20</a:t>
+              <a:t>12/23/2020</a:t>
             </a:fld>
             <a:endParaRPr lang="en-US"/>
           </a:p>
@@ -7834,7 +6206,7 @@
             <a:fld id="{DBE77699-C466-4996-ADED-71C8160E04A2}" type="datetimeFigureOut">
               <a:rPr lang="en-US" smtClean="0"/>
               <a:pPr/>
-              <a:t>12/23/20</a:t>
+              <a:t>12/23/2020</a:t>
             </a:fld>
             <a:endParaRPr lang="en-US"/>
           </a:p>
@@ -7948,7 +6320,7 @@
             <a:fld id="{DBE77699-C466-4996-ADED-71C8160E04A2}" type="datetimeFigureOut">
               <a:rPr lang="en-US" smtClean="0"/>
               <a:pPr/>
-              <a:t>12/23/20</a:t>
+              <a:t>12/23/2020</a:t>
             </a:fld>
             <a:endParaRPr lang="en-US"/>
           </a:p>
@@ -8040,7 +6412,7 @@
             <a:fld id="{DBE77699-C466-4996-ADED-71C8160E04A2}" type="datetimeFigureOut">
               <a:rPr lang="en-US" smtClean="0"/>
               <a:pPr/>
-              <a:t>12/23/20</a:t>
+              <a:t>12/23/2020</a:t>
             </a:fld>
             <a:endParaRPr lang="en-US"/>
           </a:p>
@@ -8312,7 +6684,7 @@
             <a:fld id="{DBE77699-C466-4996-ADED-71C8160E04A2}" type="datetimeFigureOut">
               <a:rPr lang="en-US" smtClean="0"/>
               <a:pPr/>
-              <a:t>12/23/20</a:t>
+              <a:t>12/23/2020</a:t>
             </a:fld>
             <a:endParaRPr lang="en-US"/>
           </a:p>
@@ -8561,7 +6933,7 @@
             <a:fld id="{DBE77699-C466-4996-ADED-71C8160E04A2}" type="datetimeFigureOut">
               <a:rPr lang="en-US" smtClean="0"/>
               <a:pPr/>
-              <a:t>12/23/20</a:t>
+              <a:t>12/23/2020</a:t>
             </a:fld>
             <a:endParaRPr lang="en-US"/>
           </a:p>
@@ -8772,7 +7144,7 @@
             <a:fld id="{DBE77699-C466-4996-ADED-71C8160E04A2}" type="datetimeFigureOut">
               <a:rPr lang="en-US" smtClean="0"/>
               <a:pPr/>
-              <a:t>12/23/20</a:t>
+              <a:t>12/23/2020</a:t>
             </a:fld>
             <a:endParaRPr lang="en-US"/>
           </a:p>
@@ -9971,6 +8343,72 @@
 </file>
 
 <file path=ppt/slides/slide10.xml><?xml version="1.0" encoding="utf-8"?>
+<p:sld xmlns:a="http://schemas.openxmlformats.org/drawingml/2006/main" xmlns:r="http://schemas.openxmlformats.org/officeDocument/2006/relationships" xmlns:p="http://schemas.openxmlformats.org/presentationml/2006/main">
+  <p:cSld>
+    <p:spTree>
+      <p:nvGrpSpPr>
+        <p:cNvPr id="1" name=""/>
+        <p:cNvGrpSpPr/>
+        <p:nvPr/>
+      </p:nvGrpSpPr>
+      <p:grpSpPr>
+        <a:xfrm>
+          <a:off x="0" y="0"/>
+          <a:ext cx="0" cy="0"/>
+          <a:chOff x="0" y="0"/>
+          <a:chExt cx="0" cy="0"/>
+        </a:xfrm>
+      </p:grpSpPr>
+      <p:pic>
+        <p:nvPicPr>
+          <p:cNvPr id="7" name="Picture 6" descr="Diagram&#10;&#10;Description automatically generated">
+            <a:extLst>
+              <a:ext uri="{FF2B5EF4-FFF2-40B4-BE49-F238E27FC236}">
+                <a16:creationId xmlns:a16="http://schemas.microsoft.com/office/drawing/2014/main" id="{014F06E7-6E6F-49B9-8B75-8090EBDD0D2D}"/>
+              </a:ext>
+            </a:extLst>
+          </p:cNvPr>
+          <p:cNvPicPr>
+            <a:picLocks noChangeAspect="1"/>
+          </p:cNvPicPr>
+          <p:nvPr/>
+        </p:nvPicPr>
+        <p:blipFill>
+          <a:blip r:embed="rId2">
+            <a:extLst>
+              <a:ext uri="{28A0092B-C50C-407E-A947-70E740481C1C}">
+                <a14:useLocalDpi xmlns:a14="http://schemas.microsoft.com/office/drawing/2010/main" val="0"/>
+              </a:ext>
+            </a:extLst>
+          </a:blip>
+          <a:stretch>
+            <a:fillRect/>
+          </a:stretch>
+        </p:blipFill>
+        <p:spPr>
+          <a:xfrm>
+            <a:off x="0" y="857250"/>
+            <a:ext cx="9144000" cy="5143500"/>
+          </a:xfrm>
+          <a:prstGeom prst="rect">
+            <a:avLst/>
+          </a:prstGeom>
+        </p:spPr>
+      </p:pic>
+    </p:spTree>
+    <p:extLst>
+      <p:ext uri="{BB962C8B-B14F-4D97-AF65-F5344CB8AC3E}">
+        <p14:creationId xmlns:p14="http://schemas.microsoft.com/office/powerpoint/2010/main" val="3673463022"/>
+      </p:ext>
+    </p:extLst>
+  </p:cSld>
+  <p:clrMapOvr>
+    <a:masterClrMapping/>
+  </p:clrMapOvr>
+</p:sld>
+</file>
+
+<file path=ppt/slides/slide11.xml><?xml version="1.0" encoding="utf-8"?>
 <p:sld xmlns:a="http://schemas.openxmlformats.org/drawingml/2006/main" xmlns:r="http://schemas.openxmlformats.org/officeDocument/2006/relationships" xmlns:p="http://schemas.openxmlformats.org/presentationml/2006/main" show="0">
   <p:cSld>
     <p:spTree>
@@ -14537,7 +12975,7 @@
 </p:sld>
 </file>
 
-<file path=ppt/slides/slide11.xml><?xml version="1.0" encoding="utf-8"?>
+<file path=ppt/slides/slide12.xml><?xml version="1.0" encoding="utf-8"?>
 <p:sld xmlns:a="http://schemas.openxmlformats.org/drawingml/2006/main" xmlns:r="http://schemas.openxmlformats.org/officeDocument/2006/relationships" xmlns:p="http://schemas.openxmlformats.org/presentationml/2006/main" show="0">
   <p:cSld>
     <p:spTree>
@@ -19526,10 +17964,10 @@
         </p:nvGrpSpPr>
         <p:grpSpPr>
           <a:xfrm>
-            <a:off x="4802170" y="2447706"/>
-            <a:ext cx="3723550" cy="2532965"/>
-            <a:chOff x="3859161" y="2724835"/>
-            <a:chExt cx="3723550" cy="2532965"/>
+            <a:off x="4802170" y="2418551"/>
+            <a:ext cx="3718635" cy="2562120"/>
+            <a:chOff x="3859161" y="2695680"/>
+            <a:chExt cx="3718635" cy="2562120"/>
           </a:xfrm>
         </p:grpSpPr>
         <p:sp>
@@ -19669,8 +18107,8 @@
           </p:nvSpPr>
           <p:spPr>
             <a:xfrm>
-              <a:off x="6546850" y="2724835"/>
-              <a:ext cx="1035861" cy="707886"/>
+              <a:off x="6550950" y="2695680"/>
+              <a:ext cx="1026846" cy="954107"/>
             </a:xfrm>
             <a:prstGeom prst="rect">
               <a:avLst/>
@@ -19678,17 +18116,17 @@
             <a:noFill/>
           </p:spPr>
           <p:txBody>
-            <a:bodyPr wrap="none" rtlCol="0">
+            <a:bodyPr wrap="square" rtlCol="0">
               <a:spAutoFit/>
             </a:bodyPr>
             <a:lstStyle/>
             <a:p>
               <a:r>
-                <a:rPr lang="en-US" sz="2000" dirty="0">
+                <a:rPr lang="en-US" sz="2800" b="1" dirty="0">
                   <a:solidFill>
                     <a:srgbClr val="C00000"/>
                   </a:solidFill>
-                  <a:latin typeface="Bradley Hand" pitchFamily="2" charset="77"/>
+                  <a:latin typeface="Gabriola" panose="04040605051002020D02" pitchFamily="82" charset="0"/>
                   <a:ea typeface="Brush Script MT" panose="03060802040406070304" pitchFamily="66" charset="-122"/>
                   <a:cs typeface="Brush Script MT" panose="03060802040406070304" pitchFamily="66" charset="-122"/>
                 </a:rPr>
@@ -19697,11 +18135,11 @@
             </a:p>
             <a:p>
               <a:r>
-                <a:rPr lang="en-US" sz="2000" dirty="0">
+                <a:rPr lang="en-US" sz="2800" b="1" dirty="0">
                   <a:solidFill>
                     <a:srgbClr val="C00000"/>
                   </a:solidFill>
-                  <a:latin typeface="Bradley Hand" pitchFamily="2" charset="77"/>
+                  <a:latin typeface="Gabriola" panose="04040605051002020D02" pitchFamily="82" charset="0"/>
                   <a:ea typeface="Brush Script MT" panose="03060802040406070304" pitchFamily="66" charset="-122"/>
                   <a:cs typeface="Brush Script MT" panose="03060802040406070304" pitchFamily="66" charset="-122"/>
                 </a:rPr>
@@ -20246,8 +18684,8 @@
 </p:sld>
 </file>
 
-<file path=ppt/slides/slide12.xml><?xml version="1.0" encoding="utf-8"?>
-<p:sld xmlns:a="http://schemas.openxmlformats.org/drawingml/2006/main" xmlns:r="http://schemas.openxmlformats.org/officeDocument/2006/relationships" xmlns:p="http://schemas.openxmlformats.org/presentationml/2006/main">
+<file path=ppt/slides/slide13.xml><?xml version="1.0" encoding="utf-8"?>
+<p:sld xmlns:a="http://schemas.openxmlformats.org/drawingml/2006/main" xmlns:r="http://schemas.openxmlformats.org/officeDocument/2006/relationships" xmlns:p="http://schemas.openxmlformats.org/presentationml/2006/main" show="0">
   <p:cSld>
     <p:spTree>
       <p:nvGrpSpPr>
@@ -21457,7 +19895,7 @@
 </p:sld>
 </file>
 
-<file path=ppt/slides/slide13.xml><?xml version="1.0" encoding="utf-8"?>
+<file path=ppt/slides/slide14.xml><?xml version="1.0" encoding="utf-8"?>
 <p:sld xmlns:a="http://schemas.openxmlformats.org/drawingml/2006/main" xmlns:r="http://schemas.openxmlformats.org/officeDocument/2006/relationships" xmlns:p="http://schemas.openxmlformats.org/presentationml/2006/main" show="0">
   <p:cSld>
     <p:spTree>
@@ -21572,7 +20010,7 @@
 </p:sld>
 </file>
 
-<file path=ppt/slides/slide14.xml><?xml version="1.0" encoding="utf-8"?>
+<file path=ppt/slides/slide15.xml><?xml version="1.0" encoding="utf-8"?>
 <p:sld xmlns:a="http://schemas.openxmlformats.org/drawingml/2006/main" xmlns:r="http://schemas.openxmlformats.org/officeDocument/2006/relationships" xmlns:p="http://schemas.openxmlformats.org/presentationml/2006/main" show="0">
   <p:cSld>
     <p:spTree>
@@ -21707,7 +20145,7 @@
 </p:sld>
 </file>
 
-<file path=ppt/slides/slide15.xml><?xml version="1.0" encoding="utf-8"?>
+<file path=ppt/slides/slide16.xml><?xml version="1.0" encoding="utf-8"?>
 <p:sld xmlns:a="http://schemas.openxmlformats.org/drawingml/2006/main" xmlns:r="http://schemas.openxmlformats.org/officeDocument/2006/relationships" xmlns:p="http://schemas.openxmlformats.org/presentationml/2006/main" show="0">
   <p:cSld>
     <p:spTree>
@@ -21791,7 +20229,7 @@
 </p:sld>
 </file>
 
-<file path=ppt/slides/slide16.xml><?xml version="1.0" encoding="utf-8"?>
+<file path=ppt/slides/slide17.xml><?xml version="1.0" encoding="utf-8"?>
 <p:sld xmlns:a="http://schemas.openxmlformats.org/drawingml/2006/main" xmlns:r="http://schemas.openxmlformats.org/officeDocument/2006/relationships" xmlns:p="http://schemas.openxmlformats.org/presentationml/2006/main">
   <p:cSld>
     <p:spTree>
@@ -23334,7 +21772,7 @@
 </p:sld>
 </file>
 
-<file path=ppt/slides/slide17.xml><?xml version="1.0" encoding="utf-8"?>
+<file path=ppt/slides/slide18.xml><?xml version="1.0" encoding="utf-8"?>
 <p:sld xmlns:a="http://schemas.openxmlformats.org/drawingml/2006/main" xmlns:r="http://schemas.openxmlformats.org/officeDocument/2006/relationships" xmlns:p="http://schemas.openxmlformats.org/presentationml/2006/main">
   <p:cSld>
     <p:spTree>
@@ -27413,7 +25851,7 @@
 </p:sld>
 </file>
 
-<file path=ppt/slides/slide18.xml><?xml version="1.0" encoding="utf-8"?>
+<file path=ppt/slides/slide19.xml><?xml version="1.0" encoding="utf-8"?>
 <p:sld xmlns:a="http://schemas.openxmlformats.org/drawingml/2006/main" xmlns:r="http://schemas.openxmlformats.org/officeDocument/2006/relationships" xmlns:p="http://schemas.openxmlformats.org/presentationml/2006/main">
   <p:cSld>
     <p:spTree>
@@ -31067,7 +29505,84 @@
 </p:sld>
 </file>
 
-<file path=ppt/slides/slide19.xml><?xml version="1.0" encoding="utf-8"?>
+<file path=ppt/slides/slide2.xml><?xml version="1.0" encoding="utf-8"?>
+<p:sld xmlns:a="http://schemas.openxmlformats.org/drawingml/2006/main" xmlns:r="http://schemas.openxmlformats.org/officeDocument/2006/relationships" xmlns:p="http://schemas.openxmlformats.org/presentationml/2006/main">
+  <p:cSld>
+    <p:spTree>
+      <p:nvGrpSpPr>
+        <p:cNvPr id="1" name=""/>
+        <p:cNvGrpSpPr/>
+        <p:nvPr/>
+      </p:nvGrpSpPr>
+      <p:grpSpPr>
+        <a:xfrm>
+          <a:off x="0" y="0"/>
+          <a:ext cx="0" cy="0"/>
+          <a:chOff x="0" y="0"/>
+          <a:chExt cx="0" cy="0"/>
+        </a:xfrm>
+      </p:grpSpPr>
+      <p:pic>
+        <p:nvPicPr>
+          <p:cNvPr id="2" name="Picture 2">
+            <a:extLst>
+              <a:ext uri="{FF2B5EF4-FFF2-40B4-BE49-F238E27FC236}">
+                <a16:creationId xmlns:a16="http://schemas.microsoft.com/office/drawing/2014/main" id="{D5B0C54D-AC19-1F46-95B7-A8DA6C5257CC}"/>
+              </a:ext>
+            </a:extLst>
+          </p:cNvPr>
+          <p:cNvPicPr>
+            <a:picLocks noChangeAspect="1" noChangeArrowheads="1"/>
+          </p:cNvPicPr>
+          <p:nvPr/>
+        </p:nvPicPr>
+        <p:blipFill>
+          <a:blip r:embed="rId2">
+            <a:extLst>
+              <a:ext uri="{28A0092B-C50C-407E-A947-70E740481C1C}">
+                <a14:useLocalDpi xmlns:a14="http://schemas.microsoft.com/office/drawing/2010/main" val="0"/>
+              </a:ext>
+            </a:extLst>
+          </a:blip>
+          <a:srcRect/>
+          <a:stretch>
+            <a:fillRect/>
+          </a:stretch>
+        </p:blipFill>
+        <p:spPr bwMode="auto">
+          <a:xfrm>
+            <a:off x="1752600" y="1603956"/>
+            <a:ext cx="5715000" cy="3602060"/>
+          </a:xfrm>
+          <a:prstGeom prst="rect">
+            <a:avLst/>
+          </a:prstGeom>
+          <a:noFill/>
+          <a:extLst>
+            <a:ext uri="{909E8E84-426E-40DD-AFC4-6F175D3DCCD1}">
+              <a14:hiddenFill xmlns:a14="http://schemas.microsoft.com/office/drawing/2010/main">
+                <a:solidFill>
+                  <a:srgbClr val="FFFFFF"/>
+                </a:solidFill>
+              </a14:hiddenFill>
+            </a:ext>
+          </a:extLst>
+        </p:spPr>
+      </p:pic>
+    </p:spTree>
+    <p:extLst>
+      <p:ext uri="{BB962C8B-B14F-4D97-AF65-F5344CB8AC3E}">
+        <p14:creationId xmlns:p14="http://schemas.microsoft.com/office/powerpoint/2010/main" val="2983941837"/>
+      </p:ext>
+    </p:extLst>
+  </p:cSld>
+  <p:clrMapOvr>
+    <a:masterClrMapping/>
+  </p:clrMapOvr>
+</p:sld>
+</file>
+
+<file path=ppt/slides/slide20.xml><?xml version="1.0" encoding="utf-8"?>
 <p:sld xmlns:a="http://schemas.openxmlformats.org/drawingml/2006/main" xmlns:r="http://schemas.openxmlformats.org/officeDocument/2006/relationships" xmlns:p="http://schemas.openxmlformats.org/presentationml/2006/main">
   <p:cSld>
     <p:spTree>
@@ -31733,84 +30248,7 @@
 </p:sld>
 </file>
 
-<file path=ppt/slides/slide2.xml><?xml version="1.0" encoding="utf-8"?>
-<p:sld xmlns:a="http://schemas.openxmlformats.org/drawingml/2006/main" xmlns:r="http://schemas.openxmlformats.org/officeDocument/2006/relationships" xmlns:p="http://schemas.openxmlformats.org/presentationml/2006/main">
-  <p:cSld>
-    <p:spTree>
-      <p:nvGrpSpPr>
-        <p:cNvPr id="1" name=""/>
-        <p:cNvGrpSpPr/>
-        <p:nvPr/>
-      </p:nvGrpSpPr>
-      <p:grpSpPr>
-        <a:xfrm>
-          <a:off x="0" y="0"/>
-          <a:ext cx="0" cy="0"/>
-          <a:chOff x="0" y="0"/>
-          <a:chExt cx="0" cy="0"/>
-        </a:xfrm>
-      </p:grpSpPr>
-      <p:pic>
-        <p:nvPicPr>
-          <p:cNvPr id="2" name="Picture 2">
-            <a:extLst>
-              <a:ext uri="{FF2B5EF4-FFF2-40B4-BE49-F238E27FC236}">
-                <a16:creationId xmlns:a16="http://schemas.microsoft.com/office/drawing/2014/main" id="{D5B0C54D-AC19-1F46-95B7-A8DA6C5257CC}"/>
-              </a:ext>
-            </a:extLst>
-          </p:cNvPr>
-          <p:cNvPicPr>
-            <a:picLocks noChangeAspect="1" noChangeArrowheads="1"/>
-          </p:cNvPicPr>
-          <p:nvPr/>
-        </p:nvPicPr>
-        <p:blipFill>
-          <a:blip r:embed="rId2">
-            <a:extLst>
-              <a:ext uri="{28A0092B-C50C-407E-A947-70E740481C1C}">
-                <a14:useLocalDpi xmlns:a14="http://schemas.microsoft.com/office/drawing/2010/main" val="0"/>
-              </a:ext>
-            </a:extLst>
-          </a:blip>
-          <a:srcRect/>
-          <a:stretch>
-            <a:fillRect/>
-          </a:stretch>
-        </p:blipFill>
-        <p:spPr bwMode="auto">
-          <a:xfrm>
-            <a:off x="1752600" y="1603956"/>
-            <a:ext cx="5715000" cy="3602060"/>
-          </a:xfrm>
-          <a:prstGeom prst="rect">
-            <a:avLst/>
-          </a:prstGeom>
-          <a:noFill/>
-          <a:extLst>
-            <a:ext uri="{909E8E84-426E-40DD-AFC4-6F175D3DCCD1}">
-              <a14:hiddenFill xmlns:a14="http://schemas.microsoft.com/office/drawing/2010/main">
-                <a:solidFill>
-                  <a:srgbClr val="FFFFFF"/>
-                </a:solidFill>
-              </a14:hiddenFill>
-            </a:ext>
-          </a:extLst>
-        </p:spPr>
-      </p:pic>
-    </p:spTree>
-    <p:extLst>
-      <p:ext uri="{BB962C8B-B14F-4D97-AF65-F5344CB8AC3E}">
-        <p14:creationId xmlns:p14="http://schemas.microsoft.com/office/powerpoint/2010/main" val="2983941837"/>
-      </p:ext>
-    </p:extLst>
-  </p:cSld>
-  <p:clrMapOvr>
-    <a:masterClrMapping/>
-  </p:clrMapOvr>
-</p:sld>
-</file>
-
-<file path=ppt/slides/slide20.xml><?xml version="1.0" encoding="utf-8"?>
+<file path=ppt/slides/slide21.xml><?xml version="1.0" encoding="utf-8"?>
 <p:sld xmlns:a="http://schemas.openxmlformats.org/drawingml/2006/main" xmlns:r="http://schemas.openxmlformats.org/officeDocument/2006/relationships" xmlns:p="http://schemas.openxmlformats.org/presentationml/2006/main">
   <p:cSld>
     <p:spTree>
@@ -32255,598 +30693,6 @@
       <p:bldP spid="4" grpId="0" animBg="1"/>
       <p:bldP spid="8" grpId="0"/>
       <p:bldP spid="9" grpId="1"/>
-    </p:bldLst>
-  </p:timing>
-</p:sld>
-</file>
-
-<file path=ppt/slides/slide21.xml><?xml version="1.0" encoding="utf-8"?>
-<p:sld xmlns:a="http://schemas.openxmlformats.org/drawingml/2006/main" xmlns:r="http://schemas.openxmlformats.org/officeDocument/2006/relationships" xmlns:p="http://schemas.openxmlformats.org/presentationml/2006/main" show="0">
-  <p:cSld>
-    <p:spTree>
-      <p:nvGrpSpPr>
-        <p:cNvPr id="1" name=""/>
-        <p:cNvGrpSpPr/>
-        <p:nvPr/>
-      </p:nvGrpSpPr>
-      <p:grpSpPr>
-        <a:xfrm>
-          <a:off x="0" y="0"/>
-          <a:ext cx="0" cy="0"/>
-          <a:chOff x="0" y="0"/>
-          <a:chExt cx="0" cy="0"/>
-        </a:xfrm>
-      </p:grpSpPr>
-      <p:graphicFrame>
-        <p:nvGraphicFramePr>
-          <p:cNvPr id="4" name="Content Placeholder 3"/>
-          <p:cNvGraphicFramePr>
-            <a:graphicFrameLocks noGrp="1"/>
-          </p:cNvGraphicFramePr>
-          <p:nvPr>
-            <p:ph idx="1"/>
-            <p:extLst>
-              <p:ext uri="{D42A27DB-BD31-4B8C-83A1-F6EECF244321}">
-                <p14:modId xmlns:p14="http://schemas.microsoft.com/office/powerpoint/2010/main" val="1623731340"/>
-              </p:ext>
-            </p:extLst>
-          </p:nvPr>
-        </p:nvGraphicFramePr>
-        <p:xfrm>
-          <a:off x="457200" y="1447800"/>
-          <a:ext cx="8229600" cy="5105400"/>
-        </p:xfrm>
-        <a:graphic>
-          <a:graphicData uri="http://schemas.openxmlformats.org/drawingml/2006/chart">
-            <c:chart xmlns:c="http://schemas.openxmlformats.org/drawingml/2006/chart" xmlns:r="http://schemas.openxmlformats.org/officeDocument/2006/relationships" r:id="rId2"/>
-          </a:graphicData>
-        </a:graphic>
-      </p:graphicFrame>
-      <p:sp>
-        <p:nvSpPr>
-          <p:cNvPr id="6" name="TextBox 5"/>
-          <p:cNvSpPr txBox="1"/>
-          <p:nvPr/>
-        </p:nvSpPr>
-        <p:spPr>
-          <a:xfrm>
-            <a:off x="228600" y="166554"/>
-            <a:ext cx="8610600" cy="769441"/>
-          </a:xfrm>
-          <a:prstGeom prst="rect">
-            <a:avLst/>
-          </a:prstGeom>
-          <a:noFill/>
-        </p:spPr>
-        <p:txBody>
-          <a:bodyPr wrap="square" rtlCol="0">
-            <a:spAutoFit/>
-          </a:bodyPr>
-          <a:lstStyle/>
-          <a:p>
-            <a:r>
-              <a:rPr lang="en-US" sz="4400" b="1" dirty="0"/>
-              <a:t>Number of variants (by certainty)</a:t>
-            </a:r>
-          </a:p>
-        </p:txBody>
-      </p:sp>
-      <p:sp>
-        <p:nvSpPr>
-          <p:cNvPr id="7" name="TextBox 6"/>
-          <p:cNvSpPr txBox="1"/>
-          <p:nvPr/>
-        </p:nvSpPr>
-        <p:spPr>
-          <a:xfrm>
-            <a:off x="228600" y="762000"/>
-            <a:ext cx="8610600" cy="461665"/>
-          </a:xfrm>
-          <a:prstGeom prst="rect">
-            <a:avLst/>
-          </a:prstGeom>
-          <a:noFill/>
-        </p:spPr>
-        <p:txBody>
-          <a:bodyPr wrap="square" rtlCol="0">
-            <a:spAutoFit/>
-          </a:bodyPr>
-          <a:lstStyle/>
-          <a:p>
-            <a:r>
-              <a:rPr lang="en-US" sz="2400" b="1" dirty="0">
-                <a:solidFill>
-                  <a:schemeClr val="bg1">
-                    <a:lumMod val="50000"/>
-                    <a:lumOff val="50000"/>
-                  </a:schemeClr>
-                </a:solidFill>
-              </a:rPr>
-              <a:t>From the United Bible Society</a:t>
-            </a:r>
-          </a:p>
-        </p:txBody>
-      </p:sp>
-      <p:grpSp>
-        <p:nvGrpSpPr>
-          <p:cNvPr id="14" name="Group 13">
-            <a:extLst>
-              <a:ext uri="{FF2B5EF4-FFF2-40B4-BE49-F238E27FC236}">
-                <a16:creationId xmlns:a16="http://schemas.microsoft.com/office/drawing/2014/main" id="{758833B3-31EA-A84B-8F03-82F932139F67}"/>
-              </a:ext>
-            </a:extLst>
-          </p:cNvPr>
-          <p:cNvGrpSpPr/>
-          <p:nvPr/>
-        </p:nvGrpSpPr>
-        <p:grpSpPr>
-          <a:xfrm>
-            <a:off x="4038600" y="1048434"/>
-            <a:ext cx="4914161" cy="5809566"/>
-            <a:chOff x="4038600" y="1048434"/>
-            <a:chExt cx="4914161" cy="5809566"/>
-          </a:xfrm>
-        </p:grpSpPr>
-        <p:sp>
-          <p:nvSpPr>
-            <p:cNvPr id="8" name="TextBox 7">
-              <a:extLst>
-                <a:ext uri="{FF2B5EF4-FFF2-40B4-BE49-F238E27FC236}">
-                  <a16:creationId xmlns:a16="http://schemas.microsoft.com/office/drawing/2014/main" id="{D5F8E1D5-6B94-6246-A5EB-FA48C975D278}"/>
-                </a:ext>
-              </a:extLst>
-            </p:cNvPr>
-            <p:cNvSpPr txBox="1"/>
-            <p:nvPr/>
-          </p:nvSpPr>
-          <p:spPr>
-            <a:xfrm>
-              <a:off x="8077200" y="1981200"/>
-              <a:ext cx="875561" cy="369332"/>
-            </a:xfrm>
-            <a:prstGeom prst="rect">
-              <a:avLst/>
-            </a:prstGeom>
-            <a:noFill/>
-          </p:spPr>
-          <p:txBody>
-            <a:bodyPr wrap="none" rtlCol="0">
-              <a:spAutoFit/>
-            </a:bodyPr>
-            <a:lstStyle/>
-            <a:p>
-              <a:r>
-                <a:rPr lang="en-US" dirty="0"/>
-                <a:t>0.366%</a:t>
-              </a:r>
-            </a:p>
-          </p:txBody>
-        </p:sp>
-        <p:sp>
-          <p:nvSpPr>
-            <p:cNvPr id="9" name="TextBox 8">
-              <a:extLst>
-                <a:ext uri="{FF2B5EF4-FFF2-40B4-BE49-F238E27FC236}">
-                  <a16:creationId xmlns:a16="http://schemas.microsoft.com/office/drawing/2014/main" id="{BDEDE35F-B1C8-7E45-AC8F-6F5C85A7F7D6}"/>
-                </a:ext>
-              </a:extLst>
-            </p:cNvPr>
-            <p:cNvSpPr txBox="1"/>
-            <p:nvPr/>
-          </p:nvSpPr>
-          <p:spPr>
-            <a:xfrm>
-              <a:off x="8077200" y="3225225"/>
-              <a:ext cx="875561" cy="369332"/>
-            </a:xfrm>
-            <a:prstGeom prst="rect">
-              <a:avLst/>
-            </a:prstGeom>
-            <a:noFill/>
-          </p:spPr>
-          <p:txBody>
-            <a:bodyPr wrap="none" rtlCol="0">
-              <a:spAutoFit/>
-            </a:bodyPr>
-            <a:lstStyle/>
-            <a:p>
-              <a:r>
-                <a:rPr lang="en-US" dirty="0"/>
-                <a:t>0.379%</a:t>
-              </a:r>
-            </a:p>
-          </p:txBody>
-        </p:sp>
-        <p:sp>
-          <p:nvSpPr>
-            <p:cNvPr id="10" name="TextBox 9">
-              <a:extLst>
-                <a:ext uri="{FF2B5EF4-FFF2-40B4-BE49-F238E27FC236}">
-                  <a16:creationId xmlns:a16="http://schemas.microsoft.com/office/drawing/2014/main" id="{77B19763-66C2-D04B-912C-DB9F1D26CB24}"/>
-                </a:ext>
-              </a:extLst>
-            </p:cNvPr>
-            <p:cNvSpPr txBox="1"/>
-            <p:nvPr/>
-          </p:nvSpPr>
-          <p:spPr>
-            <a:xfrm>
-              <a:off x="8077199" y="5686941"/>
-              <a:ext cx="875561" cy="369332"/>
-            </a:xfrm>
-            <a:prstGeom prst="rect">
-              <a:avLst/>
-            </a:prstGeom>
-            <a:noFill/>
-          </p:spPr>
-          <p:txBody>
-            <a:bodyPr wrap="none" rtlCol="0">
-              <a:spAutoFit/>
-            </a:bodyPr>
-            <a:lstStyle/>
-            <a:p>
-              <a:r>
-                <a:rPr lang="en-US" dirty="0"/>
-                <a:t>0.007%</a:t>
-              </a:r>
-            </a:p>
-          </p:txBody>
-        </p:sp>
-        <p:sp>
-          <p:nvSpPr>
-            <p:cNvPr id="11" name="TextBox 10">
-              <a:extLst>
-                <a:ext uri="{FF2B5EF4-FFF2-40B4-BE49-F238E27FC236}">
-                  <a16:creationId xmlns:a16="http://schemas.microsoft.com/office/drawing/2014/main" id="{D92E09C2-6FF5-E447-85A2-FE3FECE4189F}"/>
-                </a:ext>
-              </a:extLst>
-            </p:cNvPr>
-            <p:cNvSpPr txBox="1"/>
-            <p:nvPr/>
-          </p:nvSpPr>
-          <p:spPr>
-            <a:xfrm>
-              <a:off x="8077199" y="4473726"/>
-              <a:ext cx="875561" cy="369332"/>
-            </a:xfrm>
-            <a:prstGeom prst="rect">
-              <a:avLst/>
-            </a:prstGeom>
-            <a:noFill/>
-          </p:spPr>
-          <p:txBody>
-            <a:bodyPr wrap="none" rtlCol="0">
-              <a:spAutoFit/>
-            </a:bodyPr>
-            <a:lstStyle/>
-            <a:p>
-              <a:r>
-                <a:rPr lang="en-US" dirty="0"/>
-                <a:t>0.256%</a:t>
-              </a:r>
-            </a:p>
-          </p:txBody>
-        </p:sp>
-        <p:sp>
-          <p:nvSpPr>
-            <p:cNvPr id="12" name="TextBox 11">
-              <a:extLst>
-                <a:ext uri="{FF2B5EF4-FFF2-40B4-BE49-F238E27FC236}">
-                  <a16:creationId xmlns:a16="http://schemas.microsoft.com/office/drawing/2014/main" id="{7BD20E76-6530-D046-9013-3A0FC0EE6C14}"/>
-                </a:ext>
-              </a:extLst>
-            </p:cNvPr>
-            <p:cNvSpPr txBox="1"/>
-            <p:nvPr/>
-          </p:nvSpPr>
-          <p:spPr>
-            <a:xfrm>
-              <a:off x="7641652" y="1048434"/>
-              <a:ext cx="1311108" cy="369332"/>
-            </a:xfrm>
-            <a:prstGeom prst="rect">
-              <a:avLst/>
-            </a:prstGeom>
-            <a:noFill/>
-          </p:spPr>
-          <p:txBody>
-            <a:bodyPr wrap="square" rtlCol="0">
-              <a:spAutoFit/>
-            </a:bodyPr>
-            <a:lstStyle/>
-            <a:p>
-              <a:r>
-                <a:rPr lang="en-US" b="1" dirty="0"/>
-                <a:t>% of words</a:t>
-              </a:r>
-              <a:r>
-                <a:rPr lang="en-US" b="1" baseline="30000" dirty="0"/>
-                <a:t>1</a:t>
-              </a:r>
-              <a:endParaRPr lang="en-US" b="1" dirty="0"/>
-            </a:p>
-          </p:txBody>
-        </p:sp>
-        <p:sp>
-          <p:nvSpPr>
-            <p:cNvPr id="13" name="TextBox 12">
-              <a:extLst>
-                <a:ext uri="{FF2B5EF4-FFF2-40B4-BE49-F238E27FC236}">
-                  <a16:creationId xmlns:a16="http://schemas.microsoft.com/office/drawing/2014/main" id="{F074FF42-D4E2-E34C-BF0A-8C431F664BFB}"/>
-                </a:ext>
-              </a:extLst>
-            </p:cNvPr>
-            <p:cNvSpPr txBox="1"/>
-            <p:nvPr/>
-          </p:nvSpPr>
-          <p:spPr>
-            <a:xfrm>
-              <a:off x="4038600" y="6488668"/>
-              <a:ext cx="4914160" cy="369332"/>
-            </a:xfrm>
-            <a:prstGeom prst="rect">
-              <a:avLst/>
-            </a:prstGeom>
-            <a:noFill/>
-          </p:spPr>
-          <p:txBody>
-            <a:bodyPr wrap="square" rtlCol="0">
-              <a:spAutoFit/>
-            </a:bodyPr>
-            <a:lstStyle/>
-            <a:p>
-              <a:pPr algn="r"/>
-              <a:r>
-                <a:rPr lang="en-US" baseline="30000" dirty="0"/>
-                <a:t>1</a:t>
-              </a:r>
-              <a:r>
-                <a:rPr lang="en-US" dirty="0"/>
-                <a:t> There are 138,020 words in the New Testament</a:t>
-              </a:r>
-            </a:p>
-          </p:txBody>
-        </p:sp>
-      </p:grpSp>
-    </p:spTree>
-    <p:extLst>
-      <p:ext uri="{BB962C8B-B14F-4D97-AF65-F5344CB8AC3E}">
-        <p14:creationId xmlns:p14="http://schemas.microsoft.com/office/powerpoint/2010/main" val="615748567"/>
-      </p:ext>
-    </p:extLst>
-  </p:cSld>
-  <p:clrMapOvr>
-    <a:masterClrMapping/>
-  </p:clrMapOvr>
-  <p:timing>
-    <p:tnLst>
-      <p:par>
-        <p:cTn id="1" dur="indefinite" restart="never" nodeType="tmRoot">
-          <p:childTnLst>
-            <p:seq concurrent="1" nextAc="seek">
-              <p:cTn id="2" dur="indefinite" nodeType="mainSeq">
-                <p:childTnLst>
-                  <p:par>
-                    <p:cTn id="3" fill="hold">
-                      <p:stCondLst>
-                        <p:cond delay="indefinite"/>
-                      </p:stCondLst>
-                      <p:childTnLst>
-                        <p:par>
-                          <p:cTn id="4" fill="hold">
-                            <p:stCondLst>
-                              <p:cond delay="0"/>
-                            </p:stCondLst>
-                            <p:childTnLst>
-                              <p:par>
-                                <p:cTn id="5" presetID="10" presetClass="entr" presetSubtype="0" fill="hold" grpId="0" nodeType="clickEffect">
-                                  <p:stCondLst>
-                                    <p:cond delay="0"/>
-                                  </p:stCondLst>
-                                  <p:childTnLst>
-                                    <p:set>
-                                      <p:cBhvr>
-                                        <p:cTn id="6" dur="1" fill="hold">
-                                          <p:stCondLst>
-                                            <p:cond delay="0"/>
-                                          </p:stCondLst>
-                                        </p:cTn>
-                                        <p:tgtEl>
-                                          <p:spTgt spid="6"/>
-                                        </p:tgtEl>
-                                        <p:attrNameLst>
-                                          <p:attrName>style.visibility</p:attrName>
-                                        </p:attrNameLst>
-                                      </p:cBhvr>
-                                      <p:to>
-                                        <p:strVal val="visible"/>
-                                      </p:to>
-                                    </p:set>
-                                    <p:animEffect transition="in" filter="fade">
-                                      <p:cBhvr>
-                                        <p:cTn id="7" dur="500"/>
-                                        <p:tgtEl>
-                                          <p:spTgt spid="6"/>
-                                        </p:tgtEl>
-                                      </p:cBhvr>
-                                    </p:animEffect>
-                                  </p:childTnLst>
-                                </p:cTn>
-                              </p:par>
-                              <p:par>
-                                <p:cTn id="8" presetID="10" presetClass="entr" presetSubtype="0" fill="hold" grpId="0" nodeType="withEffect">
-                                  <p:stCondLst>
-                                    <p:cond delay="0"/>
-                                  </p:stCondLst>
-                                  <p:childTnLst>
-                                    <p:set>
-                                      <p:cBhvr>
-                                        <p:cTn id="9" dur="1" fill="hold">
-                                          <p:stCondLst>
-                                            <p:cond delay="0"/>
-                                          </p:stCondLst>
-                                        </p:cTn>
-                                        <p:tgtEl>
-                                          <p:spTgt spid="7"/>
-                                        </p:tgtEl>
-                                        <p:attrNameLst>
-                                          <p:attrName>style.visibility</p:attrName>
-                                        </p:attrNameLst>
-                                      </p:cBhvr>
-                                      <p:to>
-                                        <p:strVal val="visible"/>
-                                      </p:to>
-                                    </p:set>
-                                    <p:animEffect transition="in" filter="fade">
-                                      <p:cBhvr>
-                                        <p:cTn id="10" dur="500"/>
-                                        <p:tgtEl>
-                                          <p:spTgt spid="7"/>
-                                        </p:tgtEl>
-                                      </p:cBhvr>
-                                    </p:animEffect>
-                                  </p:childTnLst>
-                                </p:cTn>
-                              </p:par>
-                            </p:childTnLst>
-                          </p:cTn>
-                        </p:par>
-                      </p:childTnLst>
-                    </p:cTn>
-                  </p:par>
-                  <p:par>
-                    <p:cTn id="11" fill="hold">
-                      <p:stCondLst>
-                        <p:cond delay="indefinite"/>
-                      </p:stCondLst>
-                      <p:childTnLst>
-                        <p:par>
-                          <p:cTn id="12" fill="hold">
-                            <p:stCondLst>
-                              <p:cond delay="0"/>
-                            </p:stCondLst>
-                            <p:childTnLst>
-                              <p:par>
-                                <p:cTn id="13" presetID="10" presetClass="entr" presetSubtype="0" fill="hold" grpId="0" nodeType="clickEffect">
-                                  <p:stCondLst>
-                                    <p:cond delay="0"/>
-                                  </p:stCondLst>
-                                  <p:childTnLst>
-                                    <p:set>
-                                      <p:cBhvr>
-                                        <p:cTn id="14" dur="1" fill="hold">
-                                          <p:stCondLst>
-                                            <p:cond delay="0"/>
-                                          </p:stCondLst>
-                                        </p:cTn>
-                                        <p:tgtEl>
-                                          <p:spTgt spid="4"/>
-                                        </p:tgtEl>
-                                        <p:attrNameLst>
-                                          <p:attrName>style.visibility</p:attrName>
-                                        </p:attrNameLst>
-                                      </p:cBhvr>
-                                      <p:to>
-                                        <p:strVal val="visible"/>
-                                      </p:to>
-                                    </p:set>
-                                    <p:animEffect transition="in" filter="fade">
-                                      <p:cBhvr>
-                                        <p:cTn id="15" dur="500"/>
-                                        <p:tgtEl>
-                                          <p:spTgt spid="4"/>
-                                        </p:tgtEl>
-                                      </p:cBhvr>
-                                    </p:animEffect>
-                                  </p:childTnLst>
-                                </p:cTn>
-                              </p:par>
-                            </p:childTnLst>
-                          </p:cTn>
-                        </p:par>
-                      </p:childTnLst>
-                    </p:cTn>
-                  </p:par>
-                  <p:par>
-                    <p:cTn id="16" fill="hold">
-                      <p:stCondLst>
-                        <p:cond delay="indefinite"/>
-                      </p:stCondLst>
-                      <p:childTnLst>
-                        <p:par>
-                          <p:cTn id="17" fill="hold">
-                            <p:stCondLst>
-                              <p:cond delay="0"/>
-                            </p:stCondLst>
-                            <p:childTnLst>
-                              <p:par>
-                                <p:cTn id="18" presetID="10" presetClass="entr" presetSubtype="0" fill="hold" nodeType="clickEffect">
-                                  <p:stCondLst>
-                                    <p:cond delay="0"/>
-                                  </p:stCondLst>
-                                  <p:childTnLst>
-                                    <p:set>
-                                      <p:cBhvr>
-                                        <p:cTn id="19" dur="1" fill="hold">
-                                          <p:stCondLst>
-                                            <p:cond delay="0"/>
-                                          </p:stCondLst>
-                                        </p:cTn>
-                                        <p:tgtEl>
-                                          <p:spTgt spid="14"/>
-                                        </p:tgtEl>
-                                        <p:attrNameLst>
-                                          <p:attrName>style.visibility</p:attrName>
-                                        </p:attrNameLst>
-                                      </p:cBhvr>
-                                      <p:to>
-                                        <p:strVal val="visible"/>
-                                      </p:to>
-                                    </p:set>
-                                    <p:animEffect transition="in" filter="fade">
-                                      <p:cBhvr>
-                                        <p:cTn id="20" dur="500"/>
-                                        <p:tgtEl>
-                                          <p:spTgt spid="14"/>
-                                        </p:tgtEl>
-                                      </p:cBhvr>
-                                    </p:animEffect>
-                                  </p:childTnLst>
-                                </p:cTn>
-                              </p:par>
-                            </p:childTnLst>
-                          </p:cTn>
-                        </p:par>
-                      </p:childTnLst>
-                    </p:cTn>
-                  </p:par>
-                </p:childTnLst>
-              </p:cTn>
-              <p:prevCondLst>
-                <p:cond evt="onPrev" delay="0">
-                  <p:tgtEl>
-                    <p:sldTgt/>
-                  </p:tgtEl>
-                </p:cond>
-              </p:prevCondLst>
-              <p:nextCondLst>
-                <p:cond evt="onNext" delay="0">
-                  <p:tgtEl>
-                    <p:sldTgt/>
-                  </p:tgtEl>
-                </p:cond>
-              </p:nextCondLst>
-            </p:seq>
-          </p:childTnLst>
-        </p:cTn>
-      </p:par>
-    </p:tnLst>
-    <p:bldLst>
-      <p:bldGraphic spid="4" grpId="0">
-        <p:bldAsOne/>
-      </p:bldGraphic>
-      <p:bldP spid="6" grpId="0"/>
-      <p:bldP spid="7" grpId="0"/>
     </p:bldLst>
   </p:timing>
 </p:sld>
@@ -33445,1310 +31291,6 @@
 </file>
 
 <file path=ppt/slides/slide23.xml><?xml version="1.0" encoding="utf-8"?>
-<p:sld xmlns:a="http://schemas.openxmlformats.org/drawingml/2006/main" xmlns:r="http://schemas.openxmlformats.org/officeDocument/2006/relationships" xmlns:p="http://schemas.openxmlformats.org/presentationml/2006/main" show="0">
-  <p:cSld>
-    <p:spTree>
-      <p:nvGrpSpPr>
-        <p:cNvPr id="1" name=""/>
-        <p:cNvGrpSpPr/>
-        <p:nvPr/>
-      </p:nvGrpSpPr>
-      <p:grpSpPr>
-        <a:xfrm>
-          <a:off x="0" y="0"/>
-          <a:ext cx="0" cy="0"/>
-          <a:chOff x="0" y="0"/>
-          <a:chExt cx="0" cy="0"/>
-        </a:xfrm>
-      </p:grpSpPr>
-      <p:graphicFrame>
-        <p:nvGraphicFramePr>
-          <p:cNvPr id="4" name="Content Placeholder 3"/>
-          <p:cNvGraphicFramePr>
-            <a:graphicFrameLocks noGrp="1"/>
-          </p:cNvGraphicFramePr>
-          <p:nvPr>
-            <p:ph idx="1"/>
-            <p:extLst>
-              <p:ext uri="{D42A27DB-BD31-4B8C-83A1-F6EECF244321}">
-                <p14:modId xmlns:p14="http://schemas.microsoft.com/office/powerpoint/2010/main" val="2017969950"/>
-              </p:ext>
-            </p:extLst>
-          </p:nvPr>
-        </p:nvGraphicFramePr>
-        <p:xfrm>
-          <a:off x="457200" y="1447800"/>
-          <a:ext cx="8229600" cy="5105400"/>
-        </p:xfrm>
-        <a:graphic>
-          <a:graphicData uri="http://schemas.openxmlformats.org/drawingml/2006/chart">
-            <c:chart xmlns:c="http://schemas.openxmlformats.org/drawingml/2006/chart" xmlns:r="http://schemas.openxmlformats.org/officeDocument/2006/relationships" r:id="rId2"/>
-          </a:graphicData>
-        </a:graphic>
-      </p:graphicFrame>
-      <p:sp>
-        <p:nvSpPr>
-          <p:cNvPr id="6" name="TextBox 5"/>
-          <p:cNvSpPr txBox="1"/>
-          <p:nvPr/>
-        </p:nvSpPr>
-        <p:spPr>
-          <a:xfrm>
-            <a:off x="228600" y="166554"/>
-            <a:ext cx="8610600" cy="769441"/>
-          </a:xfrm>
-          <a:prstGeom prst="rect">
-            <a:avLst/>
-          </a:prstGeom>
-          <a:noFill/>
-        </p:spPr>
-        <p:txBody>
-          <a:bodyPr wrap="square" rtlCol="0">
-            <a:spAutoFit/>
-          </a:bodyPr>
-          <a:lstStyle/>
-          <a:p>
-            <a:r>
-              <a:rPr lang="en-US" sz="4400" b="1" dirty="0"/>
-              <a:t>Number of variants (by certainty)</a:t>
-            </a:r>
-          </a:p>
-        </p:txBody>
-      </p:sp>
-      <p:sp>
-        <p:nvSpPr>
-          <p:cNvPr id="7" name="TextBox 6"/>
-          <p:cNvSpPr txBox="1"/>
-          <p:nvPr/>
-        </p:nvSpPr>
-        <p:spPr>
-          <a:xfrm>
-            <a:off x="228600" y="762000"/>
-            <a:ext cx="8610600" cy="461665"/>
-          </a:xfrm>
-          <a:prstGeom prst="rect">
-            <a:avLst/>
-          </a:prstGeom>
-          <a:noFill/>
-        </p:spPr>
-        <p:txBody>
-          <a:bodyPr wrap="square" rtlCol="0">
-            <a:spAutoFit/>
-          </a:bodyPr>
-          <a:lstStyle/>
-          <a:p>
-            <a:r>
-              <a:rPr lang="en-US" sz="2400" b="1" dirty="0">
-                <a:solidFill>
-                  <a:schemeClr val="bg1">
-                    <a:lumMod val="50000"/>
-                    <a:lumOff val="50000"/>
-                  </a:schemeClr>
-                </a:solidFill>
-              </a:rPr>
-              <a:t>From the United Bible Society</a:t>
-            </a:r>
-          </a:p>
-        </p:txBody>
-      </p:sp>
-      <p:grpSp>
-        <p:nvGrpSpPr>
-          <p:cNvPr id="14" name="Group 13">
-            <a:extLst>
-              <a:ext uri="{FF2B5EF4-FFF2-40B4-BE49-F238E27FC236}">
-                <a16:creationId xmlns:a16="http://schemas.microsoft.com/office/drawing/2014/main" id="{758833B3-31EA-A84B-8F03-82F932139F67}"/>
-              </a:ext>
-            </a:extLst>
-          </p:cNvPr>
-          <p:cNvGrpSpPr/>
-          <p:nvPr/>
-        </p:nvGrpSpPr>
-        <p:grpSpPr>
-          <a:xfrm>
-            <a:off x="4038600" y="1048434"/>
-            <a:ext cx="4914161" cy="5809566"/>
-            <a:chOff x="4038600" y="1048434"/>
-            <a:chExt cx="4914161" cy="5809566"/>
-          </a:xfrm>
-        </p:grpSpPr>
-        <p:sp>
-          <p:nvSpPr>
-            <p:cNvPr id="8" name="TextBox 7">
-              <a:extLst>
-                <a:ext uri="{FF2B5EF4-FFF2-40B4-BE49-F238E27FC236}">
-                  <a16:creationId xmlns:a16="http://schemas.microsoft.com/office/drawing/2014/main" id="{D5F8E1D5-6B94-6246-A5EB-FA48C975D278}"/>
-                </a:ext>
-              </a:extLst>
-            </p:cNvPr>
-            <p:cNvSpPr txBox="1"/>
-            <p:nvPr/>
-          </p:nvSpPr>
-          <p:spPr>
-            <a:xfrm>
-              <a:off x="8077200" y="1981200"/>
-              <a:ext cx="875561" cy="369332"/>
-            </a:xfrm>
-            <a:prstGeom prst="rect">
-              <a:avLst/>
-            </a:prstGeom>
-            <a:noFill/>
-          </p:spPr>
-          <p:txBody>
-            <a:bodyPr wrap="none" rtlCol="0">
-              <a:spAutoFit/>
-            </a:bodyPr>
-            <a:lstStyle/>
-            <a:p>
-              <a:r>
-                <a:rPr lang="en-US" dirty="0"/>
-                <a:t>0.366%</a:t>
-              </a:r>
-            </a:p>
-          </p:txBody>
-        </p:sp>
-        <p:sp>
-          <p:nvSpPr>
-            <p:cNvPr id="9" name="TextBox 8">
-              <a:extLst>
-                <a:ext uri="{FF2B5EF4-FFF2-40B4-BE49-F238E27FC236}">
-                  <a16:creationId xmlns:a16="http://schemas.microsoft.com/office/drawing/2014/main" id="{BDEDE35F-B1C8-7E45-AC8F-6F5C85A7F7D6}"/>
-                </a:ext>
-              </a:extLst>
-            </p:cNvPr>
-            <p:cNvSpPr txBox="1"/>
-            <p:nvPr/>
-          </p:nvSpPr>
-          <p:spPr>
-            <a:xfrm>
-              <a:off x="8077200" y="3225225"/>
-              <a:ext cx="875561" cy="369332"/>
-            </a:xfrm>
-            <a:prstGeom prst="rect">
-              <a:avLst/>
-            </a:prstGeom>
-            <a:noFill/>
-          </p:spPr>
-          <p:txBody>
-            <a:bodyPr wrap="none" rtlCol="0">
-              <a:spAutoFit/>
-            </a:bodyPr>
-            <a:lstStyle/>
-            <a:p>
-              <a:r>
-                <a:rPr lang="en-US" dirty="0"/>
-                <a:t>0.379%</a:t>
-              </a:r>
-            </a:p>
-          </p:txBody>
-        </p:sp>
-        <p:sp>
-          <p:nvSpPr>
-            <p:cNvPr id="10" name="TextBox 9">
-              <a:extLst>
-                <a:ext uri="{FF2B5EF4-FFF2-40B4-BE49-F238E27FC236}">
-                  <a16:creationId xmlns:a16="http://schemas.microsoft.com/office/drawing/2014/main" id="{77B19763-66C2-D04B-912C-DB9F1D26CB24}"/>
-                </a:ext>
-              </a:extLst>
-            </p:cNvPr>
-            <p:cNvSpPr txBox="1"/>
-            <p:nvPr/>
-          </p:nvSpPr>
-          <p:spPr>
-            <a:xfrm>
-              <a:off x="8077199" y="5686941"/>
-              <a:ext cx="875561" cy="369332"/>
-            </a:xfrm>
-            <a:prstGeom prst="rect">
-              <a:avLst/>
-            </a:prstGeom>
-            <a:noFill/>
-          </p:spPr>
-          <p:txBody>
-            <a:bodyPr wrap="none" rtlCol="0">
-              <a:spAutoFit/>
-            </a:bodyPr>
-            <a:lstStyle/>
-            <a:p>
-              <a:r>
-                <a:rPr lang="en-US" dirty="0"/>
-                <a:t>0.007%</a:t>
-              </a:r>
-            </a:p>
-          </p:txBody>
-        </p:sp>
-        <p:sp>
-          <p:nvSpPr>
-            <p:cNvPr id="11" name="TextBox 10">
-              <a:extLst>
-                <a:ext uri="{FF2B5EF4-FFF2-40B4-BE49-F238E27FC236}">
-                  <a16:creationId xmlns:a16="http://schemas.microsoft.com/office/drawing/2014/main" id="{D92E09C2-6FF5-E447-85A2-FE3FECE4189F}"/>
-                </a:ext>
-              </a:extLst>
-            </p:cNvPr>
-            <p:cNvSpPr txBox="1"/>
-            <p:nvPr/>
-          </p:nvSpPr>
-          <p:spPr>
-            <a:xfrm>
-              <a:off x="8077199" y="4473726"/>
-              <a:ext cx="875561" cy="369332"/>
-            </a:xfrm>
-            <a:prstGeom prst="rect">
-              <a:avLst/>
-            </a:prstGeom>
-            <a:noFill/>
-          </p:spPr>
-          <p:txBody>
-            <a:bodyPr wrap="none" rtlCol="0">
-              <a:spAutoFit/>
-            </a:bodyPr>
-            <a:lstStyle/>
-            <a:p>
-              <a:r>
-                <a:rPr lang="en-US" dirty="0"/>
-                <a:t>0.256%</a:t>
-              </a:r>
-            </a:p>
-          </p:txBody>
-        </p:sp>
-        <p:sp>
-          <p:nvSpPr>
-            <p:cNvPr id="12" name="TextBox 11">
-              <a:extLst>
-                <a:ext uri="{FF2B5EF4-FFF2-40B4-BE49-F238E27FC236}">
-                  <a16:creationId xmlns:a16="http://schemas.microsoft.com/office/drawing/2014/main" id="{7BD20E76-6530-D046-9013-3A0FC0EE6C14}"/>
-                </a:ext>
-              </a:extLst>
-            </p:cNvPr>
-            <p:cNvSpPr txBox="1"/>
-            <p:nvPr/>
-          </p:nvSpPr>
-          <p:spPr>
-            <a:xfrm>
-              <a:off x="7641652" y="1048434"/>
-              <a:ext cx="1311108" cy="369332"/>
-            </a:xfrm>
-            <a:prstGeom prst="rect">
-              <a:avLst/>
-            </a:prstGeom>
-            <a:noFill/>
-          </p:spPr>
-          <p:txBody>
-            <a:bodyPr wrap="square" rtlCol="0">
-              <a:spAutoFit/>
-            </a:bodyPr>
-            <a:lstStyle/>
-            <a:p>
-              <a:r>
-                <a:rPr lang="en-US" b="1" dirty="0"/>
-                <a:t>% of words</a:t>
-              </a:r>
-              <a:r>
-                <a:rPr lang="en-US" b="1" baseline="30000" dirty="0"/>
-                <a:t>1</a:t>
-              </a:r>
-              <a:endParaRPr lang="en-US" b="1" dirty="0"/>
-            </a:p>
-          </p:txBody>
-        </p:sp>
-        <p:sp>
-          <p:nvSpPr>
-            <p:cNvPr id="13" name="TextBox 12">
-              <a:extLst>
-                <a:ext uri="{FF2B5EF4-FFF2-40B4-BE49-F238E27FC236}">
-                  <a16:creationId xmlns:a16="http://schemas.microsoft.com/office/drawing/2014/main" id="{F074FF42-D4E2-E34C-BF0A-8C431F664BFB}"/>
-                </a:ext>
-              </a:extLst>
-            </p:cNvPr>
-            <p:cNvSpPr txBox="1"/>
-            <p:nvPr/>
-          </p:nvSpPr>
-          <p:spPr>
-            <a:xfrm>
-              <a:off x="4038600" y="6488668"/>
-              <a:ext cx="4914160" cy="369332"/>
-            </a:xfrm>
-            <a:prstGeom prst="rect">
-              <a:avLst/>
-            </a:prstGeom>
-            <a:noFill/>
-          </p:spPr>
-          <p:txBody>
-            <a:bodyPr wrap="square" rtlCol="0">
-              <a:spAutoFit/>
-            </a:bodyPr>
-            <a:lstStyle/>
-            <a:p>
-              <a:pPr algn="r"/>
-              <a:r>
-                <a:rPr lang="en-US" baseline="30000" dirty="0"/>
-                <a:t>1</a:t>
-              </a:r>
-              <a:r>
-                <a:rPr lang="en-US" dirty="0"/>
-                <a:t> There are 138,020 words in the New Testament</a:t>
-              </a:r>
-            </a:p>
-          </p:txBody>
-        </p:sp>
-      </p:grpSp>
-    </p:spTree>
-    <p:extLst>
-      <p:ext uri="{BB962C8B-B14F-4D97-AF65-F5344CB8AC3E}">
-        <p14:creationId xmlns:p14="http://schemas.microsoft.com/office/powerpoint/2010/main" val="88306551"/>
-      </p:ext>
-    </p:extLst>
-  </p:cSld>
-  <p:clrMapOvr>
-    <a:masterClrMapping/>
-  </p:clrMapOvr>
-  <p:timing>
-    <p:tnLst>
-      <p:par>
-        <p:cTn id="1" dur="indefinite" restart="never" nodeType="tmRoot">
-          <p:childTnLst>
-            <p:seq concurrent="1" nextAc="seek">
-              <p:cTn id="2" dur="indefinite" nodeType="mainSeq">
-                <p:childTnLst>
-                  <p:par>
-                    <p:cTn id="3" fill="hold">
-                      <p:stCondLst>
-                        <p:cond delay="indefinite"/>
-                      </p:stCondLst>
-                      <p:childTnLst>
-                        <p:par>
-                          <p:cTn id="4" fill="hold">
-                            <p:stCondLst>
-                              <p:cond delay="0"/>
-                            </p:stCondLst>
-                            <p:childTnLst>
-                              <p:par>
-                                <p:cTn id="5" presetID="10" presetClass="entr" presetSubtype="0" fill="hold" grpId="0" nodeType="clickEffect">
-                                  <p:stCondLst>
-                                    <p:cond delay="0"/>
-                                  </p:stCondLst>
-                                  <p:childTnLst>
-                                    <p:set>
-                                      <p:cBhvr>
-                                        <p:cTn id="6" dur="1" fill="hold">
-                                          <p:stCondLst>
-                                            <p:cond delay="0"/>
-                                          </p:stCondLst>
-                                        </p:cTn>
-                                        <p:tgtEl>
-                                          <p:spTgt spid="6"/>
-                                        </p:tgtEl>
-                                        <p:attrNameLst>
-                                          <p:attrName>style.visibility</p:attrName>
-                                        </p:attrNameLst>
-                                      </p:cBhvr>
-                                      <p:to>
-                                        <p:strVal val="visible"/>
-                                      </p:to>
-                                    </p:set>
-                                    <p:animEffect transition="in" filter="fade">
-                                      <p:cBhvr>
-                                        <p:cTn id="7" dur="500"/>
-                                        <p:tgtEl>
-                                          <p:spTgt spid="6"/>
-                                        </p:tgtEl>
-                                      </p:cBhvr>
-                                    </p:animEffect>
-                                  </p:childTnLst>
-                                </p:cTn>
-                              </p:par>
-                              <p:par>
-                                <p:cTn id="8" presetID="10" presetClass="entr" presetSubtype="0" fill="hold" grpId="0" nodeType="withEffect">
-                                  <p:stCondLst>
-                                    <p:cond delay="0"/>
-                                  </p:stCondLst>
-                                  <p:childTnLst>
-                                    <p:set>
-                                      <p:cBhvr>
-                                        <p:cTn id="9" dur="1" fill="hold">
-                                          <p:stCondLst>
-                                            <p:cond delay="0"/>
-                                          </p:stCondLst>
-                                        </p:cTn>
-                                        <p:tgtEl>
-                                          <p:spTgt spid="7"/>
-                                        </p:tgtEl>
-                                        <p:attrNameLst>
-                                          <p:attrName>style.visibility</p:attrName>
-                                        </p:attrNameLst>
-                                      </p:cBhvr>
-                                      <p:to>
-                                        <p:strVal val="visible"/>
-                                      </p:to>
-                                    </p:set>
-                                    <p:animEffect transition="in" filter="fade">
-                                      <p:cBhvr>
-                                        <p:cTn id="10" dur="500"/>
-                                        <p:tgtEl>
-                                          <p:spTgt spid="7"/>
-                                        </p:tgtEl>
-                                      </p:cBhvr>
-                                    </p:animEffect>
-                                  </p:childTnLst>
-                                </p:cTn>
-                              </p:par>
-                            </p:childTnLst>
-                          </p:cTn>
-                        </p:par>
-                      </p:childTnLst>
-                    </p:cTn>
-                  </p:par>
-                  <p:par>
-                    <p:cTn id="11" fill="hold">
-                      <p:stCondLst>
-                        <p:cond delay="indefinite"/>
-                      </p:stCondLst>
-                      <p:childTnLst>
-                        <p:par>
-                          <p:cTn id="12" fill="hold">
-                            <p:stCondLst>
-                              <p:cond delay="0"/>
-                            </p:stCondLst>
-                            <p:childTnLst>
-                              <p:par>
-                                <p:cTn id="13" presetID="10" presetClass="entr" presetSubtype="0" fill="hold" grpId="0" nodeType="clickEffect">
-                                  <p:stCondLst>
-                                    <p:cond delay="0"/>
-                                  </p:stCondLst>
-                                  <p:childTnLst>
-                                    <p:set>
-                                      <p:cBhvr>
-                                        <p:cTn id="14" dur="1" fill="hold">
-                                          <p:stCondLst>
-                                            <p:cond delay="0"/>
-                                          </p:stCondLst>
-                                        </p:cTn>
-                                        <p:tgtEl>
-                                          <p:spTgt spid="4"/>
-                                        </p:tgtEl>
-                                        <p:attrNameLst>
-                                          <p:attrName>style.visibility</p:attrName>
-                                        </p:attrNameLst>
-                                      </p:cBhvr>
-                                      <p:to>
-                                        <p:strVal val="visible"/>
-                                      </p:to>
-                                    </p:set>
-                                    <p:animEffect transition="in" filter="fade">
-                                      <p:cBhvr>
-                                        <p:cTn id="15" dur="500"/>
-                                        <p:tgtEl>
-                                          <p:spTgt spid="4"/>
-                                        </p:tgtEl>
-                                      </p:cBhvr>
-                                    </p:animEffect>
-                                  </p:childTnLst>
-                                </p:cTn>
-                              </p:par>
-                            </p:childTnLst>
-                          </p:cTn>
-                        </p:par>
-                      </p:childTnLst>
-                    </p:cTn>
-                  </p:par>
-                  <p:par>
-                    <p:cTn id="16" fill="hold">
-                      <p:stCondLst>
-                        <p:cond delay="indefinite"/>
-                      </p:stCondLst>
-                      <p:childTnLst>
-                        <p:par>
-                          <p:cTn id="17" fill="hold">
-                            <p:stCondLst>
-                              <p:cond delay="0"/>
-                            </p:stCondLst>
-                            <p:childTnLst>
-                              <p:par>
-                                <p:cTn id="18" presetID="10" presetClass="entr" presetSubtype="0" fill="hold" nodeType="clickEffect">
-                                  <p:stCondLst>
-                                    <p:cond delay="0"/>
-                                  </p:stCondLst>
-                                  <p:childTnLst>
-                                    <p:set>
-                                      <p:cBhvr>
-                                        <p:cTn id="19" dur="1" fill="hold">
-                                          <p:stCondLst>
-                                            <p:cond delay="0"/>
-                                          </p:stCondLst>
-                                        </p:cTn>
-                                        <p:tgtEl>
-                                          <p:spTgt spid="14"/>
-                                        </p:tgtEl>
-                                        <p:attrNameLst>
-                                          <p:attrName>style.visibility</p:attrName>
-                                        </p:attrNameLst>
-                                      </p:cBhvr>
-                                      <p:to>
-                                        <p:strVal val="visible"/>
-                                      </p:to>
-                                    </p:set>
-                                    <p:animEffect transition="in" filter="fade">
-                                      <p:cBhvr>
-                                        <p:cTn id="20" dur="500"/>
-                                        <p:tgtEl>
-                                          <p:spTgt spid="14"/>
-                                        </p:tgtEl>
-                                      </p:cBhvr>
-                                    </p:animEffect>
-                                  </p:childTnLst>
-                                </p:cTn>
-                              </p:par>
-                            </p:childTnLst>
-                          </p:cTn>
-                        </p:par>
-                      </p:childTnLst>
-                    </p:cTn>
-                  </p:par>
-                </p:childTnLst>
-              </p:cTn>
-              <p:prevCondLst>
-                <p:cond evt="onPrev" delay="0">
-                  <p:tgtEl>
-                    <p:sldTgt/>
-                  </p:tgtEl>
-                </p:cond>
-              </p:prevCondLst>
-              <p:nextCondLst>
-                <p:cond evt="onNext" delay="0">
-                  <p:tgtEl>
-                    <p:sldTgt/>
-                  </p:tgtEl>
-                </p:cond>
-              </p:nextCondLst>
-            </p:seq>
-          </p:childTnLst>
-        </p:cTn>
-      </p:par>
-    </p:tnLst>
-    <p:bldLst>
-      <p:bldGraphic spid="4" grpId="0">
-        <p:bldAsOne/>
-      </p:bldGraphic>
-      <p:bldP spid="6" grpId="0"/>
-      <p:bldP spid="7" grpId="0"/>
-    </p:bldLst>
-  </p:timing>
-</p:sld>
-</file>
-
-<file path=ppt/slides/slide24.xml><?xml version="1.0" encoding="utf-8"?>
-<p:sld xmlns:a="http://schemas.openxmlformats.org/drawingml/2006/main" xmlns:r="http://schemas.openxmlformats.org/officeDocument/2006/relationships" xmlns:p="http://schemas.openxmlformats.org/presentationml/2006/main" show="0">
-  <p:cSld>
-    <p:spTree>
-      <p:nvGrpSpPr>
-        <p:cNvPr id="1" name=""/>
-        <p:cNvGrpSpPr/>
-        <p:nvPr/>
-      </p:nvGrpSpPr>
-      <p:grpSpPr>
-        <a:xfrm>
-          <a:off x="0" y="0"/>
-          <a:ext cx="0" cy="0"/>
-          <a:chOff x="0" y="0"/>
-          <a:chExt cx="0" cy="0"/>
-        </a:xfrm>
-      </p:grpSpPr>
-      <p:graphicFrame>
-        <p:nvGraphicFramePr>
-          <p:cNvPr id="4" name="Content Placeholder 3"/>
-          <p:cNvGraphicFramePr>
-            <a:graphicFrameLocks noGrp="1"/>
-          </p:cNvGraphicFramePr>
-          <p:nvPr>
-            <p:ph idx="1"/>
-            <p:extLst>
-              <p:ext uri="{D42A27DB-BD31-4B8C-83A1-F6EECF244321}">
-                <p14:modId xmlns:p14="http://schemas.microsoft.com/office/powerpoint/2010/main" val="352457646"/>
-              </p:ext>
-            </p:extLst>
-          </p:nvPr>
-        </p:nvGraphicFramePr>
-        <p:xfrm>
-          <a:off x="457200" y="1447800"/>
-          <a:ext cx="8229600" cy="5105400"/>
-        </p:xfrm>
-        <a:graphic>
-          <a:graphicData uri="http://schemas.openxmlformats.org/drawingml/2006/chart">
-            <c:chart xmlns:c="http://schemas.openxmlformats.org/drawingml/2006/chart" xmlns:r="http://schemas.openxmlformats.org/officeDocument/2006/relationships" r:id="rId2"/>
-          </a:graphicData>
-        </a:graphic>
-      </p:graphicFrame>
-      <p:sp>
-        <p:nvSpPr>
-          <p:cNvPr id="6" name="TextBox 5"/>
-          <p:cNvSpPr txBox="1"/>
-          <p:nvPr/>
-        </p:nvSpPr>
-        <p:spPr>
-          <a:xfrm>
-            <a:off x="228600" y="166554"/>
-            <a:ext cx="8610600" cy="769441"/>
-          </a:xfrm>
-          <a:prstGeom prst="rect">
-            <a:avLst/>
-          </a:prstGeom>
-          <a:noFill/>
-        </p:spPr>
-        <p:txBody>
-          <a:bodyPr wrap="square" rtlCol="0">
-            <a:spAutoFit/>
-          </a:bodyPr>
-          <a:lstStyle/>
-          <a:p>
-            <a:r>
-              <a:rPr lang="en-US" sz="4400" b="1" dirty="0"/>
-              <a:t>Number of variants (by certainty)</a:t>
-            </a:r>
-          </a:p>
-        </p:txBody>
-      </p:sp>
-      <p:sp>
-        <p:nvSpPr>
-          <p:cNvPr id="7" name="TextBox 6"/>
-          <p:cNvSpPr txBox="1"/>
-          <p:nvPr/>
-        </p:nvSpPr>
-        <p:spPr>
-          <a:xfrm>
-            <a:off x="228600" y="762000"/>
-            <a:ext cx="8610600" cy="461665"/>
-          </a:xfrm>
-          <a:prstGeom prst="rect">
-            <a:avLst/>
-          </a:prstGeom>
-          <a:noFill/>
-        </p:spPr>
-        <p:txBody>
-          <a:bodyPr wrap="square" rtlCol="0">
-            <a:spAutoFit/>
-          </a:bodyPr>
-          <a:lstStyle/>
-          <a:p>
-            <a:r>
-              <a:rPr lang="en-US" sz="2400" b="1" dirty="0">
-                <a:solidFill>
-                  <a:schemeClr val="bg1">
-                    <a:lumMod val="50000"/>
-                    <a:lumOff val="50000"/>
-                  </a:schemeClr>
-                </a:solidFill>
-              </a:rPr>
-              <a:t>From the United Bible Society</a:t>
-            </a:r>
-          </a:p>
-        </p:txBody>
-      </p:sp>
-      <p:grpSp>
-        <p:nvGrpSpPr>
-          <p:cNvPr id="14" name="Group 13">
-            <a:extLst>
-              <a:ext uri="{FF2B5EF4-FFF2-40B4-BE49-F238E27FC236}">
-                <a16:creationId xmlns:a16="http://schemas.microsoft.com/office/drawing/2014/main" id="{758833B3-31EA-A84B-8F03-82F932139F67}"/>
-              </a:ext>
-            </a:extLst>
-          </p:cNvPr>
-          <p:cNvGrpSpPr/>
-          <p:nvPr/>
-        </p:nvGrpSpPr>
-        <p:grpSpPr>
-          <a:xfrm>
-            <a:off x="4038600" y="1048434"/>
-            <a:ext cx="4914161" cy="5809566"/>
-            <a:chOff x="4038600" y="1048434"/>
-            <a:chExt cx="4914161" cy="5809566"/>
-          </a:xfrm>
-        </p:grpSpPr>
-        <p:sp>
-          <p:nvSpPr>
-            <p:cNvPr id="8" name="TextBox 7">
-              <a:extLst>
-                <a:ext uri="{FF2B5EF4-FFF2-40B4-BE49-F238E27FC236}">
-                  <a16:creationId xmlns:a16="http://schemas.microsoft.com/office/drawing/2014/main" id="{D5F8E1D5-6B94-6246-A5EB-FA48C975D278}"/>
-                </a:ext>
-              </a:extLst>
-            </p:cNvPr>
-            <p:cNvSpPr txBox="1"/>
-            <p:nvPr/>
-          </p:nvSpPr>
-          <p:spPr>
-            <a:xfrm>
-              <a:off x="8077200" y="1981200"/>
-              <a:ext cx="875561" cy="369332"/>
-            </a:xfrm>
-            <a:prstGeom prst="rect">
-              <a:avLst/>
-            </a:prstGeom>
-            <a:noFill/>
-          </p:spPr>
-          <p:txBody>
-            <a:bodyPr wrap="none" rtlCol="0">
-              <a:spAutoFit/>
-            </a:bodyPr>
-            <a:lstStyle/>
-            <a:p>
-              <a:r>
-                <a:rPr lang="en-US" dirty="0"/>
-                <a:t>0.366%</a:t>
-              </a:r>
-            </a:p>
-          </p:txBody>
-        </p:sp>
-        <p:sp>
-          <p:nvSpPr>
-            <p:cNvPr id="9" name="TextBox 8">
-              <a:extLst>
-                <a:ext uri="{FF2B5EF4-FFF2-40B4-BE49-F238E27FC236}">
-                  <a16:creationId xmlns:a16="http://schemas.microsoft.com/office/drawing/2014/main" id="{BDEDE35F-B1C8-7E45-AC8F-6F5C85A7F7D6}"/>
-                </a:ext>
-              </a:extLst>
-            </p:cNvPr>
-            <p:cNvSpPr txBox="1"/>
-            <p:nvPr/>
-          </p:nvSpPr>
-          <p:spPr>
-            <a:xfrm>
-              <a:off x="8077200" y="3225225"/>
-              <a:ext cx="875561" cy="369332"/>
-            </a:xfrm>
-            <a:prstGeom prst="rect">
-              <a:avLst/>
-            </a:prstGeom>
-            <a:noFill/>
-          </p:spPr>
-          <p:txBody>
-            <a:bodyPr wrap="none" rtlCol="0">
-              <a:spAutoFit/>
-            </a:bodyPr>
-            <a:lstStyle/>
-            <a:p>
-              <a:r>
-                <a:rPr lang="en-US" dirty="0"/>
-                <a:t>0.379%</a:t>
-              </a:r>
-            </a:p>
-          </p:txBody>
-        </p:sp>
-        <p:sp>
-          <p:nvSpPr>
-            <p:cNvPr id="10" name="TextBox 9">
-              <a:extLst>
-                <a:ext uri="{FF2B5EF4-FFF2-40B4-BE49-F238E27FC236}">
-                  <a16:creationId xmlns:a16="http://schemas.microsoft.com/office/drawing/2014/main" id="{77B19763-66C2-D04B-912C-DB9F1D26CB24}"/>
-                </a:ext>
-              </a:extLst>
-            </p:cNvPr>
-            <p:cNvSpPr txBox="1"/>
-            <p:nvPr/>
-          </p:nvSpPr>
-          <p:spPr>
-            <a:xfrm>
-              <a:off x="8077199" y="5686941"/>
-              <a:ext cx="875561" cy="369332"/>
-            </a:xfrm>
-            <a:prstGeom prst="rect">
-              <a:avLst/>
-            </a:prstGeom>
-            <a:noFill/>
-          </p:spPr>
-          <p:txBody>
-            <a:bodyPr wrap="none" rtlCol="0">
-              <a:spAutoFit/>
-            </a:bodyPr>
-            <a:lstStyle/>
-            <a:p>
-              <a:r>
-                <a:rPr lang="en-US" dirty="0"/>
-                <a:t>0.007%</a:t>
-              </a:r>
-            </a:p>
-          </p:txBody>
-        </p:sp>
-        <p:sp>
-          <p:nvSpPr>
-            <p:cNvPr id="11" name="TextBox 10">
-              <a:extLst>
-                <a:ext uri="{FF2B5EF4-FFF2-40B4-BE49-F238E27FC236}">
-                  <a16:creationId xmlns:a16="http://schemas.microsoft.com/office/drawing/2014/main" id="{D92E09C2-6FF5-E447-85A2-FE3FECE4189F}"/>
-                </a:ext>
-              </a:extLst>
-            </p:cNvPr>
-            <p:cNvSpPr txBox="1"/>
-            <p:nvPr/>
-          </p:nvSpPr>
-          <p:spPr>
-            <a:xfrm>
-              <a:off x="8077199" y="4473726"/>
-              <a:ext cx="875561" cy="369332"/>
-            </a:xfrm>
-            <a:prstGeom prst="rect">
-              <a:avLst/>
-            </a:prstGeom>
-            <a:noFill/>
-          </p:spPr>
-          <p:txBody>
-            <a:bodyPr wrap="none" rtlCol="0">
-              <a:spAutoFit/>
-            </a:bodyPr>
-            <a:lstStyle/>
-            <a:p>
-              <a:r>
-                <a:rPr lang="en-US" dirty="0"/>
-                <a:t>0.256%</a:t>
-              </a:r>
-            </a:p>
-          </p:txBody>
-        </p:sp>
-        <p:sp>
-          <p:nvSpPr>
-            <p:cNvPr id="12" name="TextBox 11">
-              <a:extLst>
-                <a:ext uri="{FF2B5EF4-FFF2-40B4-BE49-F238E27FC236}">
-                  <a16:creationId xmlns:a16="http://schemas.microsoft.com/office/drawing/2014/main" id="{7BD20E76-6530-D046-9013-3A0FC0EE6C14}"/>
-                </a:ext>
-              </a:extLst>
-            </p:cNvPr>
-            <p:cNvSpPr txBox="1"/>
-            <p:nvPr/>
-          </p:nvSpPr>
-          <p:spPr>
-            <a:xfrm>
-              <a:off x="7641652" y="1048434"/>
-              <a:ext cx="1311108" cy="369332"/>
-            </a:xfrm>
-            <a:prstGeom prst="rect">
-              <a:avLst/>
-            </a:prstGeom>
-            <a:noFill/>
-          </p:spPr>
-          <p:txBody>
-            <a:bodyPr wrap="square" rtlCol="0">
-              <a:spAutoFit/>
-            </a:bodyPr>
-            <a:lstStyle/>
-            <a:p>
-              <a:r>
-                <a:rPr lang="en-US" b="1" dirty="0"/>
-                <a:t>% of words</a:t>
-              </a:r>
-              <a:r>
-                <a:rPr lang="en-US" b="1" baseline="30000" dirty="0"/>
-                <a:t>1</a:t>
-              </a:r>
-              <a:endParaRPr lang="en-US" b="1" dirty="0"/>
-            </a:p>
-          </p:txBody>
-        </p:sp>
-        <p:sp>
-          <p:nvSpPr>
-            <p:cNvPr id="13" name="TextBox 12">
-              <a:extLst>
-                <a:ext uri="{FF2B5EF4-FFF2-40B4-BE49-F238E27FC236}">
-                  <a16:creationId xmlns:a16="http://schemas.microsoft.com/office/drawing/2014/main" id="{F074FF42-D4E2-E34C-BF0A-8C431F664BFB}"/>
-                </a:ext>
-              </a:extLst>
-            </p:cNvPr>
-            <p:cNvSpPr txBox="1"/>
-            <p:nvPr/>
-          </p:nvSpPr>
-          <p:spPr>
-            <a:xfrm>
-              <a:off x="4038600" y="6488668"/>
-              <a:ext cx="4914160" cy="369332"/>
-            </a:xfrm>
-            <a:prstGeom prst="rect">
-              <a:avLst/>
-            </a:prstGeom>
-            <a:noFill/>
-          </p:spPr>
-          <p:txBody>
-            <a:bodyPr wrap="square" rtlCol="0">
-              <a:spAutoFit/>
-            </a:bodyPr>
-            <a:lstStyle/>
-            <a:p>
-              <a:pPr algn="r"/>
-              <a:r>
-                <a:rPr lang="en-US" baseline="30000" dirty="0"/>
-                <a:t>1</a:t>
-              </a:r>
-              <a:r>
-                <a:rPr lang="en-US" dirty="0"/>
-                <a:t> There are 138,020 words in the New Testament</a:t>
-              </a:r>
-            </a:p>
-          </p:txBody>
-        </p:sp>
-      </p:grpSp>
-    </p:spTree>
-    <p:extLst>
-      <p:ext uri="{BB962C8B-B14F-4D97-AF65-F5344CB8AC3E}">
-        <p14:creationId xmlns:p14="http://schemas.microsoft.com/office/powerpoint/2010/main" val="798212203"/>
-      </p:ext>
-    </p:extLst>
-  </p:cSld>
-  <p:clrMapOvr>
-    <a:masterClrMapping/>
-  </p:clrMapOvr>
-  <p:timing>
-    <p:tnLst>
-      <p:par>
-        <p:cTn id="1" dur="indefinite" restart="never" nodeType="tmRoot">
-          <p:childTnLst>
-            <p:seq concurrent="1" nextAc="seek">
-              <p:cTn id="2" dur="indefinite" nodeType="mainSeq">
-                <p:childTnLst>
-                  <p:par>
-                    <p:cTn id="3" fill="hold">
-                      <p:stCondLst>
-                        <p:cond delay="indefinite"/>
-                      </p:stCondLst>
-                      <p:childTnLst>
-                        <p:par>
-                          <p:cTn id="4" fill="hold">
-                            <p:stCondLst>
-                              <p:cond delay="0"/>
-                            </p:stCondLst>
-                            <p:childTnLst>
-                              <p:par>
-                                <p:cTn id="5" presetID="10" presetClass="entr" presetSubtype="0" fill="hold" grpId="0" nodeType="clickEffect">
-                                  <p:stCondLst>
-                                    <p:cond delay="0"/>
-                                  </p:stCondLst>
-                                  <p:childTnLst>
-                                    <p:set>
-                                      <p:cBhvr>
-                                        <p:cTn id="6" dur="1" fill="hold">
-                                          <p:stCondLst>
-                                            <p:cond delay="0"/>
-                                          </p:stCondLst>
-                                        </p:cTn>
-                                        <p:tgtEl>
-                                          <p:spTgt spid="6"/>
-                                        </p:tgtEl>
-                                        <p:attrNameLst>
-                                          <p:attrName>style.visibility</p:attrName>
-                                        </p:attrNameLst>
-                                      </p:cBhvr>
-                                      <p:to>
-                                        <p:strVal val="visible"/>
-                                      </p:to>
-                                    </p:set>
-                                    <p:animEffect transition="in" filter="fade">
-                                      <p:cBhvr>
-                                        <p:cTn id="7" dur="500"/>
-                                        <p:tgtEl>
-                                          <p:spTgt spid="6"/>
-                                        </p:tgtEl>
-                                      </p:cBhvr>
-                                    </p:animEffect>
-                                  </p:childTnLst>
-                                </p:cTn>
-                              </p:par>
-                              <p:par>
-                                <p:cTn id="8" presetID="10" presetClass="entr" presetSubtype="0" fill="hold" grpId="0" nodeType="withEffect">
-                                  <p:stCondLst>
-                                    <p:cond delay="0"/>
-                                  </p:stCondLst>
-                                  <p:childTnLst>
-                                    <p:set>
-                                      <p:cBhvr>
-                                        <p:cTn id="9" dur="1" fill="hold">
-                                          <p:stCondLst>
-                                            <p:cond delay="0"/>
-                                          </p:stCondLst>
-                                        </p:cTn>
-                                        <p:tgtEl>
-                                          <p:spTgt spid="7"/>
-                                        </p:tgtEl>
-                                        <p:attrNameLst>
-                                          <p:attrName>style.visibility</p:attrName>
-                                        </p:attrNameLst>
-                                      </p:cBhvr>
-                                      <p:to>
-                                        <p:strVal val="visible"/>
-                                      </p:to>
-                                    </p:set>
-                                    <p:animEffect transition="in" filter="fade">
-                                      <p:cBhvr>
-                                        <p:cTn id="10" dur="500"/>
-                                        <p:tgtEl>
-                                          <p:spTgt spid="7"/>
-                                        </p:tgtEl>
-                                      </p:cBhvr>
-                                    </p:animEffect>
-                                  </p:childTnLst>
-                                </p:cTn>
-                              </p:par>
-                            </p:childTnLst>
-                          </p:cTn>
-                        </p:par>
-                      </p:childTnLst>
-                    </p:cTn>
-                  </p:par>
-                  <p:par>
-                    <p:cTn id="11" fill="hold">
-                      <p:stCondLst>
-                        <p:cond delay="indefinite"/>
-                      </p:stCondLst>
-                      <p:childTnLst>
-                        <p:par>
-                          <p:cTn id="12" fill="hold">
-                            <p:stCondLst>
-                              <p:cond delay="0"/>
-                            </p:stCondLst>
-                            <p:childTnLst>
-                              <p:par>
-                                <p:cTn id="13" presetID="10" presetClass="entr" presetSubtype="0" fill="hold" grpId="0" nodeType="clickEffect">
-                                  <p:stCondLst>
-                                    <p:cond delay="0"/>
-                                  </p:stCondLst>
-                                  <p:childTnLst>
-                                    <p:set>
-                                      <p:cBhvr>
-                                        <p:cTn id="14" dur="1" fill="hold">
-                                          <p:stCondLst>
-                                            <p:cond delay="0"/>
-                                          </p:stCondLst>
-                                        </p:cTn>
-                                        <p:tgtEl>
-                                          <p:spTgt spid="4"/>
-                                        </p:tgtEl>
-                                        <p:attrNameLst>
-                                          <p:attrName>style.visibility</p:attrName>
-                                        </p:attrNameLst>
-                                      </p:cBhvr>
-                                      <p:to>
-                                        <p:strVal val="visible"/>
-                                      </p:to>
-                                    </p:set>
-                                    <p:animEffect transition="in" filter="fade">
-                                      <p:cBhvr>
-                                        <p:cTn id="15" dur="500"/>
-                                        <p:tgtEl>
-                                          <p:spTgt spid="4"/>
-                                        </p:tgtEl>
-                                      </p:cBhvr>
-                                    </p:animEffect>
-                                  </p:childTnLst>
-                                </p:cTn>
-                              </p:par>
-                            </p:childTnLst>
-                          </p:cTn>
-                        </p:par>
-                      </p:childTnLst>
-                    </p:cTn>
-                  </p:par>
-                  <p:par>
-                    <p:cTn id="16" fill="hold">
-                      <p:stCondLst>
-                        <p:cond delay="indefinite"/>
-                      </p:stCondLst>
-                      <p:childTnLst>
-                        <p:par>
-                          <p:cTn id="17" fill="hold">
-                            <p:stCondLst>
-                              <p:cond delay="0"/>
-                            </p:stCondLst>
-                            <p:childTnLst>
-                              <p:par>
-                                <p:cTn id="18" presetID="10" presetClass="entr" presetSubtype="0" fill="hold" nodeType="clickEffect">
-                                  <p:stCondLst>
-                                    <p:cond delay="0"/>
-                                  </p:stCondLst>
-                                  <p:childTnLst>
-                                    <p:set>
-                                      <p:cBhvr>
-                                        <p:cTn id="19" dur="1" fill="hold">
-                                          <p:stCondLst>
-                                            <p:cond delay="0"/>
-                                          </p:stCondLst>
-                                        </p:cTn>
-                                        <p:tgtEl>
-                                          <p:spTgt spid="14"/>
-                                        </p:tgtEl>
-                                        <p:attrNameLst>
-                                          <p:attrName>style.visibility</p:attrName>
-                                        </p:attrNameLst>
-                                      </p:cBhvr>
-                                      <p:to>
-                                        <p:strVal val="visible"/>
-                                      </p:to>
-                                    </p:set>
-                                    <p:animEffect transition="in" filter="fade">
-                                      <p:cBhvr>
-                                        <p:cTn id="20" dur="500"/>
-                                        <p:tgtEl>
-                                          <p:spTgt spid="14"/>
-                                        </p:tgtEl>
-                                      </p:cBhvr>
-                                    </p:animEffect>
-                                  </p:childTnLst>
-                                </p:cTn>
-                              </p:par>
-                            </p:childTnLst>
-                          </p:cTn>
-                        </p:par>
-                      </p:childTnLst>
-                    </p:cTn>
-                  </p:par>
-                </p:childTnLst>
-              </p:cTn>
-              <p:prevCondLst>
-                <p:cond evt="onPrev" delay="0">
-                  <p:tgtEl>
-                    <p:sldTgt/>
-                  </p:tgtEl>
-                </p:cond>
-              </p:prevCondLst>
-              <p:nextCondLst>
-                <p:cond evt="onNext" delay="0">
-                  <p:tgtEl>
-                    <p:sldTgt/>
-                  </p:tgtEl>
-                </p:cond>
-              </p:nextCondLst>
-            </p:seq>
-          </p:childTnLst>
-        </p:cTn>
-      </p:par>
-    </p:tnLst>
-    <p:bldLst>
-      <p:bldGraphic spid="4" grpId="0">
-        <p:bldAsOne/>
-      </p:bldGraphic>
-      <p:bldP spid="6" grpId="0"/>
-      <p:bldP spid="7" grpId="0"/>
-    </p:bldLst>
-  </p:timing>
-</p:sld>
-</file>
-
-<file path=ppt/slides/slide25.xml><?xml version="1.0" encoding="utf-8"?>
-<p:sld xmlns:a="http://schemas.openxmlformats.org/drawingml/2006/main" xmlns:r="http://schemas.openxmlformats.org/officeDocument/2006/relationships" xmlns:p="http://schemas.openxmlformats.org/presentationml/2006/main" show="0">
-  <p:cSld>
-    <p:spTree>
-      <p:nvGrpSpPr>
-        <p:cNvPr id="1" name=""/>
-        <p:cNvGrpSpPr/>
-        <p:nvPr/>
-      </p:nvGrpSpPr>
-      <p:grpSpPr>
-        <a:xfrm>
-          <a:off x="0" y="0"/>
-          <a:ext cx="0" cy="0"/>
-          <a:chOff x="0" y="0"/>
-          <a:chExt cx="0" cy="0"/>
-        </a:xfrm>
-      </p:grpSpPr>
-      <p:graphicFrame>
-        <p:nvGraphicFramePr>
-          <p:cNvPr id="4" name="Content Placeholder 3"/>
-          <p:cNvGraphicFramePr>
-            <a:graphicFrameLocks noGrp="1"/>
-          </p:cNvGraphicFramePr>
-          <p:nvPr>
-            <p:ph idx="1"/>
-            <p:extLst>
-              <p:ext uri="{D42A27DB-BD31-4B8C-83A1-F6EECF244321}">
-                <p14:modId xmlns:p14="http://schemas.microsoft.com/office/powerpoint/2010/main" val="847947365"/>
-              </p:ext>
-            </p:extLst>
-          </p:nvPr>
-        </p:nvGraphicFramePr>
-        <p:xfrm>
-          <a:off x="457200" y="1447800"/>
-          <a:ext cx="8229600" cy="5105400"/>
-        </p:xfrm>
-        <a:graphic>
-          <a:graphicData uri="http://schemas.openxmlformats.org/drawingml/2006/chart">
-            <c:chart xmlns:c="http://schemas.openxmlformats.org/drawingml/2006/chart" xmlns:r="http://schemas.openxmlformats.org/officeDocument/2006/relationships" r:id="rId2"/>
-          </a:graphicData>
-        </a:graphic>
-      </p:graphicFrame>
-      <p:sp>
-        <p:nvSpPr>
-          <p:cNvPr id="6" name="TextBox 5"/>
-          <p:cNvSpPr txBox="1"/>
-          <p:nvPr/>
-        </p:nvSpPr>
-        <p:spPr>
-          <a:xfrm>
-            <a:off x="228600" y="152400"/>
-            <a:ext cx="8610600" cy="769441"/>
-          </a:xfrm>
-          <a:prstGeom prst="rect">
-            <a:avLst/>
-          </a:prstGeom>
-          <a:noFill/>
-        </p:spPr>
-        <p:txBody>
-          <a:bodyPr wrap="square" rtlCol="0">
-            <a:spAutoFit/>
-          </a:bodyPr>
-          <a:lstStyle/>
-          <a:p>
-            <a:r>
-              <a:rPr lang="en-US" sz="4400" b="1" dirty="0"/>
-              <a:t>Number of variants (by certainty)</a:t>
-            </a:r>
-          </a:p>
-        </p:txBody>
-      </p:sp>
-      <p:sp>
-        <p:nvSpPr>
-          <p:cNvPr id="7" name="TextBox 6"/>
-          <p:cNvSpPr txBox="1"/>
-          <p:nvPr/>
-        </p:nvSpPr>
-        <p:spPr>
-          <a:xfrm>
-            <a:off x="228600" y="762000"/>
-            <a:ext cx="8610600" cy="461665"/>
-          </a:xfrm>
-          <a:prstGeom prst="rect">
-            <a:avLst/>
-          </a:prstGeom>
-          <a:noFill/>
-        </p:spPr>
-        <p:txBody>
-          <a:bodyPr wrap="square" rtlCol="0">
-            <a:spAutoFit/>
-          </a:bodyPr>
-          <a:lstStyle/>
-          <a:p>
-            <a:r>
-              <a:rPr lang="en-US" sz="2400" b="1" dirty="0">
-                <a:solidFill>
-                  <a:schemeClr val="bg1">
-                    <a:lumMod val="50000"/>
-                    <a:lumOff val="50000"/>
-                  </a:schemeClr>
-                </a:solidFill>
-              </a:rPr>
-              <a:t>From the United Bible Society</a:t>
-            </a:r>
-          </a:p>
-        </p:txBody>
-      </p:sp>
-    </p:spTree>
-    <p:extLst>
-      <p:ext uri="{BB962C8B-B14F-4D97-AF65-F5344CB8AC3E}">
-        <p14:creationId xmlns:p14="http://schemas.microsoft.com/office/powerpoint/2010/main" val="1524507923"/>
-      </p:ext>
-    </p:extLst>
-  </p:cSld>
-  <p:clrMapOvr>
-    <a:masterClrMapping/>
-  </p:clrMapOvr>
-</p:sld>
-</file>
-
-<file path=ppt/slides/slide26.xml><?xml version="1.0" encoding="utf-8"?>
 <p:sld xmlns:a="http://schemas.openxmlformats.org/drawingml/2006/main" xmlns:r="http://schemas.openxmlformats.org/officeDocument/2006/relationships" xmlns:p="http://schemas.openxmlformats.org/presentationml/2006/main">
   <p:cSld>
     <p:spTree>
@@ -34868,7 +31410,7 @@
 </p:sld>
 </file>
 
-<file path=ppt/slides/slide27.xml><?xml version="1.0" encoding="utf-8"?>
+<file path=ppt/slides/slide24.xml><?xml version="1.0" encoding="utf-8"?>
 <p:sld xmlns:a="http://schemas.openxmlformats.org/drawingml/2006/main" xmlns:r="http://schemas.openxmlformats.org/officeDocument/2006/relationships" xmlns:p="http://schemas.openxmlformats.org/presentationml/2006/main">
   <p:cSld>
     <p:spTree>
@@ -35430,7 +31972,7 @@
 </p:sld>
 </file>
 
-<file path=ppt/slides/slide28.xml><?xml version="1.0" encoding="utf-8"?>
+<file path=ppt/slides/slide25.xml><?xml version="1.0" encoding="utf-8"?>
 <p:sld xmlns:a="http://schemas.openxmlformats.org/drawingml/2006/main" xmlns:r="http://schemas.openxmlformats.org/officeDocument/2006/relationships" xmlns:p="http://schemas.openxmlformats.org/presentationml/2006/main">
   <p:cSld>
     <p:spTree>
@@ -35506,7 +32048,7 @@
 </p:sld>
 </file>
 
-<file path=ppt/slides/slide29.xml><?xml version="1.0" encoding="utf-8"?>
+<file path=ppt/slides/slide26.xml><?xml version="1.0" encoding="utf-8"?>
 <p:sld xmlns:a="http://schemas.openxmlformats.org/drawingml/2006/main" xmlns:r="http://schemas.openxmlformats.org/officeDocument/2006/relationships" xmlns:p="http://schemas.openxmlformats.org/presentationml/2006/main">
   <p:cSld>
     <p:spTree>
@@ -36686,267 +33228,7 @@
 </p:sld>
 </file>
 
-<file path=ppt/slides/slide3.xml><?xml version="1.0" encoding="utf-8"?>
-<p:sld xmlns:a="http://schemas.openxmlformats.org/drawingml/2006/main" xmlns:r="http://schemas.openxmlformats.org/officeDocument/2006/relationships" xmlns:p="http://schemas.openxmlformats.org/presentationml/2006/main">
-  <p:cSld>
-    <p:spTree>
-      <p:nvGrpSpPr>
-        <p:cNvPr id="1" name=""/>
-        <p:cNvGrpSpPr/>
-        <p:nvPr/>
-      </p:nvGrpSpPr>
-      <p:grpSpPr>
-        <a:xfrm>
-          <a:off x="0" y="0"/>
-          <a:ext cx="0" cy="0"/>
-          <a:chOff x="0" y="0"/>
-          <a:chExt cx="0" cy="0"/>
-        </a:xfrm>
-      </p:grpSpPr>
-      <p:pic>
-        <p:nvPicPr>
-          <p:cNvPr id="1030" name="Picture 6" descr="Bart D. Ehrman - Wikipedia">
-            <a:extLst>
-              <a:ext uri="{FF2B5EF4-FFF2-40B4-BE49-F238E27FC236}">
-                <a16:creationId xmlns:a16="http://schemas.microsoft.com/office/drawing/2014/main" id="{C4492C44-61D4-3B4F-96A3-AC804077F4EE}"/>
-              </a:ext>
-            </a:extLst>
-          </p:cNvPr>
-          <p:cNvPicPr>
-            <a:picLocks noChangeAspect="1" noChangeArrowheads="1"/>
-          </p:cNvPicPr>
-          <p:nvPr/>
-        </p:nvPicPr>
-        <p:blipFill>
-          <a:blip r:embed="rId2">
-            <a:extLst>
-              <a:ext uri="{28A0092B-C50C-407E-A947-70E740481C1C}">
-                <a14:useLocalDpi xmlns:a14="http://schemas.microsoft.com/office/drawing/2010/main" val="0"/>
-              </a:ext>
-            </a:extLst>
-          </a:blip>
-          <a:srcRect/>
-          <a:stretch>
-            <a:fillRect/>
-          </a:stretch>
-        </p:blipFill>
-        <p:spPr bwMode="auto">
-          <a:xfrm>
-            <a:off x="3962400" y="0"/>
-            <a:ext cx="5808663" cy="6858000"/>
-          </a:xfrm>
-          <a:prstGeom prst="rect">
-            <a:avLst/>
-          </a:prstGeom>
-          <a:noFill/>
-          <a:extLst>
-            <a:ext uri="{909E8E84-426E-40DD-AFC4-6F175D3DCCD1}">
-              <a14:hiddenFill xmlns:a14="http://schemas.microsoft.com/office/drawing/2010/main">
-                <a:solidFill>
-                  <a:srgbClr val="FFFFFF"/>
-                </a:solidFill>
-              </a14:hiddenFill>
-            </a:ext>
-          </a:extLst>
-        </p:spPr>
-      </p:pic>
-      <p:pic>
-        <p:nvPicPr>
-          <p:cNvPr id="1026" name="Picture 2" descr="Misquoting Jesus: The Story Behind Who Changed the Bible and Why ...">
-            <a:extLst>
-              <a:ext uri="{FF2B5EF4-FFF2-40B4-BE49-F238E27FC236}">
-                <a16:creationId xmlns:a16="http://schemas.microsoft.com/office/drawing/2014/main" id="{57800C52-FF78-2F44-A63F-DF1ED9C324CB}"/>
-              </a:ext>
-            </a:extLst>
-          </p:cNvPr>
-          <p:cNvPicPr>
-            <a:picLocks noChangeAspect="1" noChangeArrowheads="1"/>
-          </p:cNvPicPr>
-          <p:nvPr/>
-        </p:nvPicPr>
-        <p:blipFill>
-          <a:blip r:embed="rId3">
-            <a:extLst>
-              <a:ext uri="{28A0092B-C50C-407E-A947-70E740481C1C}">
-                <a14:useLocalDpi xmlns:a14="http://schemas.microsoft.com/office/drawing/2010/main" val="0"/>
-              </a:ext>
-            </a:extLst>
-          </a:blip>
-          <a:srcRect/>
-          <a:stretch>
-            <a:fillRect/>
-          </a:stretch>
-        </p:blipFill>
-        <p:spPr bwMode="auto">
-          <a:xfrm>
-            <a:off x="0" y="0"/>
-            <a:ext cx="4503737" cy="6858000"/>
-          </a:xfrm>
-          <a:prstGeom prst="rect">
-            <a:avLst/>
-          </a:prstGeom>
-          <a:noFill/>
-          <a:extLst>
-            <a:ext uri="{909E8E84-426E-40DD-AFC4-6F175D3DCCD1}">
-              <a14:hiddenFill xmlns:a14="http://schemas.microsoft.com/office/drawing/2010/main">
-                <a:solidFill>
-                  <a:srgbClr val="FFFFFF"/>
-                </a:solidFill>
-              </a14:hiddenFill>
-            </a:ext>
-          </a:extLst>
-        </p:spPr>
-      </p:pic>
-    </p:spTree>
-    <p:extLst>
-      <p:ext uri="{BB962C8B-B14F-4D97-AF65-F5344CB8AC3E}">
-        <p14:creationId xmlns:p14="http://schemas.microsoft.com/office/powerpoint/2010/main" val="1142245529"/>
-      </p:ext>
-    </p:extLst>
-  </p:cSld>
-  <p:clrMapOvr>
-    <a:masterClrMapping/>
-  </p:clrMapOvr>
-  <p:timing>
-    <p:tnLst>
-      <p:par>
-        <p:cTn id="1" dur="indefinite" restart="never" nodeType="tmRoot">
-          <p:childTnLst>
-            <p:seq concurrent="1" nextAc="seek">
-              <p:cTn id="2" dur="indefinite" nodeType="mainSeq">
-                <p:childTnLst>
-                  <p:par>
-                    <p:cTn id="3" fill="hold">
-                      <p:stCondLst>
-                        <p:cond delay="indefinite"/>
-                      </p:stCondLst>
-                      <p:childTnLst>
-                        <p:par>
-                          <p:cTn id="4" fill="hold">
-                            <p:stCondLst>
-                              <p:cond delay="0"/>
-                            </p:stCondLst>
-                            <p:childTnLst>
-                              <p:par>
-                                <p:cTn id="5" presetID="10" presetClass="entr" presetSubtype="0" fill="hold" nodeType="clickEffect">
-                                  <p:stCondLst>
-                                    <p:cond delay="0"/>
-                                  </p:stCondLst>
-                                  <p:childTnLst>
-                                    <p:set>
-                                      <p:cBhvr>
-                                        <p:cTn id="6" dur="1" fill="hold">
-                                          <p:stCondLst>
-                                            <p:cond delay="0"/>
-                                          </p:stCondLst>
-                                        </p:cTn>
-                                        <p:tgtEl>
-                                          <p:spTgt spid="1026"/>
-                                        </p:tgtEl>
-                                        <p:attrNameLst>
-                                          <p:attrName>style.visibility</p:attrName>
-                                        </p:attrNameLst>
-                                      </p:cBhvr>
-                                      <p:to>
-                                        <p:strVal val="visible"/>
-                                      </p:to>
-                                    </p:set>
-                                    <p:animEffect transition="in" filter="fade">
-                                      <p:cBhvr>
-                                        <p:cTn id="7" dur="250"/>
-                                        <p:tgtEl>
-                                          <p:spTgt spid="1026"/>
-                                        </p:tgtEl>
-                                      </p:cBhvr>
-                                    </p:animEffect>
-                                  </p:childTnLst>
-                                </p:cTn>
-                              </p:par>
-                            </p:childTnLst>
-                          </p:cTn>
-                        </p:par>
-                      </p:childTnLst>
-                    </p:cTn>
-                  </p:par>
-                  <p:par>
-                    <p:cTn id="8" fill="hold">
-                      <p:stCondLst>
-                        <p:cond delay="indefinite"/>
-                      </p:stCondLst>
-                      <p:childTnLst>
-                        <p:par>
-                          <p:cTn id="9" fill="hold">
-                            <p:stCondLst>
-                              <p:cond delay="0"/>
-                            </p:stCondLst>
-                            <p:childTnLst>
-                              <p:par>
-                                <p:cTn id="10" presetID="10" presetClass="entr" presetSubtype="0" fill="hold" nodeType="clickEffect">
-                                  <p:stCondLst>
-                                    <p:cond delay="0"/>
-                                  </p:stCondLst>
-                                  <p:childTnLst>
-                                    <p:set>
-                                      <p:cBhvr>
-                                        <p:cTn id="11" dur="1" fill="hold">
-                                          <p:stCondLst>
-                                            <p:cond delay="0"/>
-                                          </p:stCondLst>
-                                        </p:cTn>
-                                        <p:tgtEl>
-                                          <p:spTgt spid="1030"/>
-                                        </p:tgtEl>
-                                        <p:attrNameLst>
-                                          <p:attrName>style.visibility</p:attrName>
-                                        </p:attrNameLst>
-                                      </p:cBhvr>
-                                      <p:to>
-                                        <p:strVal val="visible"/>
-                                      </p:to>
-                                    </p:set>
-                                    <p:animEffect transition="in" filter="fade">
-                                      <p:cBhvr>
-                                        <p:cTn id="12" dur="250"/>
-                                        <p:tgtEl>
-                                          <p:spTgt spid="1030"/>
-                                        </p:tgtEl>
-                                      </p:cBhvr>
-                                    </p:animEffect>
-                                  </p:childTnLst>
-                                </p:cTn>
-                              </p:par>
-                            </p:childTnLst>
-                          </p:cTn>
-                        </p:par>
-                      </p:childTnLst>
-                    </p:cTn>
-                  </p:par>
-                </p:childTnLst>
-              </p:cTn>
-              <p:prevCondLst>
-                <p:cond evt="onPrev" delay="0">
-                  <p:tgtEl>
-                    <p:sldTgt/>
-                  </p:tgtEl>
-                </p:cond>
-              </p:prevCondLst>
-              <p:nextCondLst>
-                <p:cond evt="onNext" delay="0">
-                  <p:tgtEl>
-                    <p:sldTgt/>
-                  </p:tgtEl>
-                </p:cond>
-              </p:nextCondLst>
-            </p:seq>
-          </p:childTnLst>
-        </p:cTn>
-      </p:par>
-    </p:tnLst>
-  </p:timing>
-</p:sld>
-</file>
-
-<file path=ppt/slides/slide30.xml><?xml version="1.0" encoding="utf-8"?>
+<file path=ppt/slides/slide27.xml><?xml version="1.0" encoding="utf-8"?>
 <p:sld xmlns:a="http://schemas.openxmlformats.org/drawingml/2006/main" xmlns:r="http://schemas.openxmlformats.org/officeDocument/2006/relationships" xmlns:p="http://schemas.openxmlformats.org/presentationml/2006/main">
   <p:cSld>
     <p:spTree>
@@ -38046,7 +34328,7 @@
 </p:sld>
 </file>
 
-<file path=ppt/slides/slide31.xml><?xml version="1.0" encoding="utf-8"?>
+<file path=ppt/slides/slide28.xml><?xml version="1.0" encoding="utf-8"?>
 <p:sld xmlns:a="http://schemas.openxmlformats.org/drawingml/2006/main" xmlns:r="http://schemas.openxmlformats.org/officeDocument/2006/relationships" xmlns:p="http://schemas.openxmlformats.org/presentationml/2006/main">
   <p:cSld>
     <p:spTree>
@@ -38332,7 +34614,7 @@
 </p:sld>
 </file>
 
-<file path=ppt/slides/slide32.xml><?xml version="1.0" encoding="utf-8"?>
+<file path=ppt/slides/slide29.xml><?xml version="1.0" encoding="utf-8"?>
 <p:sld xmlns:a="http://schemas.openxmlformats.org/drawingml/2006/main" xmlns:r="http://schemas.openxmlformats.org/officeDocument/2006/relationships" xmlns:p="http://schemas.openxmlformats.org/presentationml/2006/main">
   <p:cSld>
     <p:spTree>
@@ -38477,7 +34759,267 @@
 </p:sld>
 </file>
 
-<file path=ppt/slides/slide33.xml><?xml version="1.0" encoding="utf-8"?>
+<file path=ppt/slides/slide3.xml><?xml version="1.0" encoding="utf-8"?>
+<p:sld xmlns:a="http://schemas.openxmlformats.org/drawingml/2006/main" xmlns:r="http://schemas.openxmlformats.org/officeDocument/2006/relationships" xmlns:p="http://schemas.openxmlformats.org/presentationml/2006/main">
+  <p:cSld>
+    <p:spTree>
+      <p:nvGrpSpPr>
+        <p:cNvPr id="1" name=""/>
+        <p:cNvGrpSpPr/>
+        <p:nvPr/>
+      </p:nvGrpSpPr>
+      <p:grpSpPr>
+        <a:xfrm>
+          <a:off x="0" y="0"/>
+          <a:ext cx="0" cy="0"/>
+          <a:chOff x="0" y="0"/>
+          <a:chExt cx="0" cy="0"/>
+        </a:xfrm>
+      </p:grpSpPr>
+      <p:pic>
+        <p:nvPicPr>
+          <p:cNvPr id="1030" name="Picture 6" descr="Bart D. Ehrman - Wikipedia">
+            <a:extLst>
+              <a:ext uri="{FF2B5EF4-FFF2-40B4-BE49-F238E27FC236}">
+                <a16:creationId xmlns:a16="http://schemas.microsoft.com/office/drawing/2014/main" id="{C4492C44-61D4-3B4F-96A3-AC804077F4EE}"/>
+              </a:ext>
+            </a:extLst>
+          </p:cNvPr>
+          <p:cNvPicPr>
+            <a:picLocks noChangeAspect="1" noChangeArrowheads="1"/>
+          </p:cNvPicPr>
+          <p:nvPr/>
+        </p:nvPicPr>
+        <p:blipFill>
+          <a:blip r:embed="rId2" cstate="print">
+            <a:extLst>
+              <a:ext uri="{28A0092B-C50C-407E-A947-70E740481C1C}">
+                <a14:useLocalDpi xmlns:a14="http://schemas.microsoft.com/office/drawing/2010/main" val="0"/>
+              </a:ext>
+            </a:extLst>
+          </a:blip>
+          <a:srcRect/>
+          <a:stretch>
+            <a:fillRect/>
+          </a:stretch>
+        </p:blipFill>
+        <p:spPr bwMode="auto">
+          <a:xfrm>
+            <a:off x="3962400" y="0"/>
+            <a:ext cx="5808663" cy="6858000"/>
+          </a:xfrm>
+          <a:prstGeom prst="rect">
+            <a:avLst/>
+          </a:prstGeom>
+          <a:noFill/>
+          <a:extLst>
+            <a:ext uri="{909E8E84-426E-40DD-AFC4-6F175D3DCCD1}">
+              <a14:hiddenFill xmlns:a14="http://schemas.microsoft.com/office/drawing/2010/main">
+                <a:solidFill>
+                  <a:srgbClr val="FFFFFF"/>
+                </a:solidFill>
+              </a14:hiddenFill>
+            </a:ext>
+          </a:extLst>
+        </p:spPr>
+      </p:pic>
+      <p:pic>
+        <p:nvPicPr>
+          <p:cNvPr id="1026" name="Picture 2" descr="Misquoting Jesus: The Story Behind Who Changed the Bible and Why ...">
+            <a:extLst>
+              <a:ext uri="{FF2B5EF4-FFF2-40B4-BE49-F238E27FC236}">
+                <a16:creationId xmlns:a16="http://schemas.microsoft.com/office/drawing/2014/main" id="{57800C52-FF78-2F44-A63F-DF1ED9C324CB}"/>
+              </a:ext>
+            </a:extLst>
+          </p:cNvPr>
+          <p:cNvPicPr>
+            <a:picLocks noChangeAspect="1" noChangeArrowheads="1"/>
+          </p:cNvPicPr>
+          <p:nvPr/>
+        </p:nvPicPr>
+        <p:blipFill>
+          <a:blip r:embed="rId3">
+            <a:extLst>
+              <a:ext uri="{28A0092B-C50C-407E-A947-70E740481C1C}">
+                <a14:useLocalDpi xmlns:a14="http://schemas.microsoft.com/office/drawing/2010/main" val="0"/>
+              </a:ext>
+            </a:extLst>
+          </a:blip>
+          <a:srcRect/>
+          <a:stretch>
+            <a:fillRect/>
+          </a:stretch>
+        </p:blipFill>
+        <p:spPr bwMode="auto">
+          <a:xfrm>
+            <a:off x="0" y="0"/>
+            <a:ext cx="4503737" cy="6858000"/>
+          </a:xfrm>
+          <a:prstGeom prst="rect">
+            <a:avLst/>
+          </a:prstGeom>
+          <a:noFill/>
+          <a:extLst>
+            <a:ext uri="{909E8E84-426E-40DD-AFC4-6F175D3DCCD1}">
+              <a14:hiddenFill xmlns:a14="http://schemas.microsoft.com/office/drawing/2010/main">
+                <a:solidFill>
+                  <a:srgbClr val="FFFFFF"/>
+                </a:solidFill>
+              </a14:hiddenFill>
+            </a:ext>
+          </a:extLst>
+        </p:spPr>
+      </p:pic>
+    </p:spTree>
+    <p:extLst>
+      <p:ext uri="{BB962C8B-B14F-4D97-AF65-F5344CB8AC3E}">
+        <p14:creationId xmlns:p14="http://schemas.microsoft.com/office/powerpoint/2010/main" val="1142245529"/>
+      </p:ext>
+    </p:extLst>
+  </p:cSld>
+  <p:clrMapOvr>
+    <a:masterClrMapping/>
+  </p:clrMapOvr>
+  <p:timing>
+    <p:tnLst>
+      <p:par>
+        <p:cTn id="1" dur="indefinite" restart="never" nodeType="tmRoot">
+          <p:childTnLst>
+            <p:seq concurrent="1" nextAc="seek">
+              <p:cTn id="2" dur="indefinite" nodeType="mainSeq">
+                <p:childTnLst>
+                  <p:par>
+                    <p:cTn id="3" fill="hold">
+                      <p:stCondLst>
+                        <p:cond delay="indefinite"/>
+                      </p:stCondLst>
+                      <p:childTnLst>
+                        <p:par>
+                          <p:cTn id="4" fill="hold">
+                            <p:stCondLst>
+                              <p:cond delay="0"/>
+                            </p:stCondLst>
+                            <p:childTnLst>
+                              <p:par>
+                                <p:cTn id="5" presetID="10" presetClass="entr" presetSubtype="0" fill="hold" nodeType="clickEffect">
+                                  <p:stCondLst>
+                                    <p:cond delay="0"/>
+                                  </p:stCondLst>
+                                  <p:childTnLst>
+                                    <p:set>
+                                      <p:cBhvr>
+                                        <p:cTn id="6" dur="1" fill="hold">
+                                          <p:stCondLst>
+                                            <p:cond delay="0"/>
+                                          </p:stCondLst>
+                                        </p:cTn>
+                                        <p:tgtEl>
+                                          <p:spTgt spid="1026"/>
+                                        </p:tgtEl>
+                                        <p:attrNameLst>
+                                          <p:attrName>style.visibility</p:attrName>
+                                        </p:attrNameLst>
+                                      </p:cBhvr>
+                                      <p:to>
+                                        <p:strVal val="visible"/>
+                                      </p:to>
+                                    </p:set>
+                                    <p:animEffect transition="in" filter="fade">
+                                      <p:cBhvr>
+                                        <p:cTn id="7" dur="250"/>
+                                        <p:tgtEl>
+                                          <p:spTgt spid="1026"/>
+                                        </p:tgtEl>
+                                      </p:cBhvr>
+                                    </p:animEffect>
+                                  </p:childTnLst>
+                                </p:cTn>
+                              </p:par>
+                            </p:childTnLst>
+                          </p:cTn>
+                        </p:par>
+                      </p:childTnLst>
+                    </p:cTn>
+                  </p:par>
+                  <p:par>
+                    <p:cTn id="8" fill="hold">
+                      <p:stCondLst>
+                        <p:cond delay="indefinite"/>
+                      </p:stCondLst>
+                      <p:childTnLst>
+                        <p:par>
+                          <p:cTn id="9" fill="hold">
+                            <p:stCondLst>
+                              <p:cond delay="0"/>
+                            </p:stCondLst>
+                            <p:childTnLst>
+                              <p:par>
+                                <p:cTn id="10" presetID="10" presetClass="entr" presetSubtype="0" fill="hold" nodeType="clickEffect">
+                                  <p:stCondLst>
+                                    <p:cond delay="0"/>
+                                  </p:stCondLst>
+                                  <p:childTnLst>
+                                    <p:set>
+                                      <p:cBhvr>
+                                        <p:cTn id="11" dur="1" fill="hold">
+                                          <p:stCondLst>
+                                            <p:cond delay="0"/>
+                                          </p:stCondLst>
+                                        </p:cTn>
+                                        <p:tgtEl>
+                                          <p:spTgt spid="1030"/>
+                                        </p:tgtEl>
+                                        <p:attrNameLst>
+                                          <p:attrName>style.visibility</p:attrName>
+                                        </p:attrNameLst>
+                                      </p:cBhvr>
+                                      <p:to>
+                                        <p:strVal val="visible"/>
+                                      </p:to>
+                                    </p:set>
+                                    <p:animEffect transition="in" filter="fade">
+                                      <p:cBhvr>
+                                        <p:cTn id="12" dur="250"/>
+                                        <p:tgtEl>
+                                          <p:spTgt spid="1030"/>
+                                        </p:tgtEl>
+                                      </p:cBhvr>
+                                    </p:animEffect>
+                                  </p:childTnLst>
+                                </p:cTn>
+                              </p:par>
+                            </p:childTnLst>
+                          </p:cTn>
+                        </p:par>
+                      </p:childTnLst>
+                    </p:cTn>
+                  </p:par>
+                </p:childTnLst>
+              </p:cTn>
+              <p:prevCondLst>
+                <p:cond evt="onPrev" delay="0">
+                  <p:tgtEl>
+                    <p:sldTgt/>
+                  </p:tgtEl>
+                </p:cond>
+              </p:prevCondLst>
+              <p:nextCondLst>
+                <p:cond evt="onNext" delay="0">
+                  <p:tgtEl>
+                    <p:sldTgt/>
+                  </p:tgtEl>
+                </p:cond>
+              </p:nextCondLst>
+            </p:seq>
+          </p:childTnLst>
+        </p:cTn>
+      </p:par>
+    </p:tnLst>
+  </p:timing>
+</p:sld>
+</file>
+
+<file path=ppt/slides/slide30.xml><?xml version="1.0" encoding="utf-8"?>
 <p:sld xmlns:a="http://schemas.openxmlformats.org/drawingml/2006/main" xmlns:r="http://schemas.openxmlformats.org/officeDocument/2006/relationships" xmlns:p="http://schemas.openxmlformats.org/presentationml/2006/main">
   <p:cSld>
     <p:spTree>
@@ -38642,7 +35184,7 @@
 </p:sld>
 </file>
 
-<file path=ppt/slides/slide34.xml><?xml version="1.0" encoding="utf-8"?>
+<file path=ppt/slides/slide31.xml><?xml version="1.0" encoding="utf-8"?>
 <p:sld xmlns:a="http://schemas.openxmlformats.org/drawingml/2006/main" xmlns:r="http://schemas.openxmlformats.org/officeDocument/2006/relationships" xmlns:p="http://schemas.openxmlformats.org/presentationml/2006/main">
   <p:cSld>
     <p:spTree>
@@ -38781,7 +35323,7 @@
 </p:sld>
 </file>
 
-<file path=ppt/slides/slide35.xml><?xml version="1.0" encoding="utf-8"?>
+<file path=ppt/slides/slide32.xml><?xml version="1.0" encoding="utf-8"?>
 <p:sld xmlns:a="http://schemas.openxmlformats.org/drawingml/2006/main" xmlns:r="http://schemas.openxmlformats.org/officeDocument/2006/relationships" xmlns:p="http://schemas.openxmlformats.org/presentationml/2006/main">
   <p:cSld>
     <p:spTree>
@@ -41822,564 +38364,6 @@
 </file>
 
 <file path=ppt/theme/themeOverride1.xml><?xml version="1.0" encoding="utf-8"?>
-<a:themeOverride xmlns:a="http://schemas.openxmlformats.org/drawingml/2006/main">
-  <a:clrScheme name="Office">
-    <a:dk1>
-      <a:sysClr val="windowText" lastClr="000000"/>
-    </a:dk1>
-    <a:lt1>
-      <a:sysClr val="window" lastClr="FFFFFF"/>
-    </a:lt1>
-    <a:dk2>
-      <a:srgbClr val="1F497D"/>
-    </a:dk2>
-    <a:lt2>
-      <a:srgbClr val="EEECE1"/>
-    </a:lt2>
-    <a:accent1>
-      <a:srgbClr val="4F81BD"/>
-    </a:accent1>
-    <a:accent2>
-      <a:srgbClr val="C0504D"/>
-    </a:accent2>
-    <a:accent3>
-      <a:srgbClr val="9BBB59"/>
-    </a:accent3>
-    <a:accent4>
-      <a:srgbClr val="8064A2"/>
-    </a:accent4>
-    <a:accent5>
-      <a:srgbClr val="4BACC6"/>
-    </a:accent5>
-    <a:accent6>
-      <a:srgbClr val="F79646"/>
-    </a:accent6>
-    <a:hlink>
-      <a:srgbClr val="0000FF"/>
-    </a:hlink>
-    <a:folHlink>
-      <a:srgbClr val="800080"/>
-    </a:folHlink>
-  </a:clrScheme>
-  <a:fontScheme name="Office">
-    <a:majorFont>
-      <a:latin typeface="Calibri"/>
-      <a:ea typeface=""/>
-      <a:cs typeface=""/>
-      <a:font script="Jpan" typeface="ＭＳ Ｐゴシック"/>
-      <a:font script="Hang" typeface="맑은 고딕"/>
-      <a:font script="Hans" typeface="宋体"/>
-      <a:font script="Hant" typeface="新細明體"/>
-      <a:font script="Arab" typeface="Times New Roman"/>
-      <a:font script="Hebr" typeface="Times New Roman"/>
-      <a:font script="Thai" typeface="Angsana New"/>
-      <a:font script="Ethi" typeface="Nyala"/>
-      <a:font script="Beng" typeface="Vrinda"/>
-      <a:font script="Gujr" typeface="Shruti"/>
-      <a:font script="Khmr" typeface="MoolBoran"/>
-      <a:font script="Knda" typeface="Tunga"/>
-      <a:font script="Guru" typeface="Raavi"/>
-      <a:font script="Cans" typeface="Euphemia"/>
-      <a:font script="Cher" typeface="Plantagenet Cherokee"/>
-      <a:font script="Yiii" typeface="Microsoft Yi Baiti"/>
-      <a:font script="Tibt" typeface="Microsoft Himalaya"/>
-      <a:font script="Thaa" typeface="MV Boli"/>
-      <a:font script="Deva" typeface="Mangal"/>
-      <a:font script="Telu" typeface="Gautami"/>
-      <a:font script="Taml" typeface="Latha"/>
-      <a:font script="Syrc" typeface="Estrangelo Edessa"/>
-      <a:font script="Orya" typeface="Kalinga"/>
-      <a:font script="Mlym" typeface="Kartika"/>
-      <a:font script="Laoo" typeface="DokChampa"/>
-      <a:font script="Sinh" typeface="Iskoola Pota"/>
-      <a:font script="Mong" typeface="Mongolian Baiti"/>
-      <a:font script="Viet" typeface="Times New Roman"/>
-      <a:font script="Uigh" typeface="Microsoft Uighur"/>
-    </a:majorFont>
-    <a:minorFont>
-      <a:latin typeface="Calibri"/>
-      <a:ea typeface=""/>
-      <a:cs typeface=""/>
-      <a:font script="Jpan" typeface="ＭＳ Ｐゴシック"/>
-      <a:font script="Hang" typeface="맑은 고딕"/>
-      <a:font script="Hans" typeface="宋体"/>
-      <a:font script="Hant" typeface="新細明體"/>
-      <a:font script="Arab" typeface="Arial"/>
-      <a:font script="Hebr" typeface="Arial"/>
-      <a:font script="Thai" typeface="Cordia New"/>
-      <a:font script="Ethi" typeface="Nyala"/>
-      <a:font script="Beng" typeface="Vrinda"/>
-      <a:font script="Gujr" typeface="Shruti"/>
-      <a:font script="Khmr" typeface="DaunPenh"/>
-      <a:font script="Knda" typeface="Tunga"/>
-      <a:font script="Guru" typeface="Raavi"/>
-      <a:font script="Cans" typeface="Euphemia"/>
-      <a:font script="Cher" typeface="Plantagenet Cherokee"/>
-      <a:font script="Yiii" typeface="Microsoft Yi Baiti"/>
-      <a:font script="Tibt" typeface="Microsoft Himalaya"/>
-      <a:font script="Thaa" typeface="MV Boli"/>
-      <a:font script="Deva" typeface="Mangal"/>
-      <a:font script="Telu" typeface="Gautami"/>
-      <a:font script="Taml" typeface="Latha"/>
-      <a:font script="Syrc" typeface="Estrangelo Edessa"/>
-      <a:font script="Orya" typeface="Kalinga"/>
-      <a:font script="Mlym" typeface="Kartika"/>
-      <a:font script="Laoo" typeface="DokChampa"/>
-      <a:font script="Sinh" typeface="Iskoola Pota"/>
-      <a:font script="Mong" typeface="Mongolian Baiti"/>
-      <a:font script="Viet" typeface="Arial"/>
-      <a:font script="Uigh" typeface="Microsoft Uighur"/>
-    </a:minorFont>
-  </a:fontScheme>
-  <a:fmtScheme name="Office">
-    <a:fillStyleLst>
-      <a:solidFill>
-        <a:schemeClr val="phClr"/>
-      </a:solidFill>
-      <a:gradFill rotWithShape="1">
-        <a:gsLst>
-          <a:gs pos="0">
-            <a:schemeClr val="phClr">
-              <a:tint val="50000"/>
-              <a:satMod val="300000"/>
-            </a:schemeClr>
-          </a:gs>
-          <a:gs pos="35000">
-            <a:schemeClr val="phClr">
-              <a:tint val="37000"/>
-              <a:satMod val="300000"/>
-            </a:schemeClr>
-          </a:gs>
-          <a:gs pos="100000">
-            <a:schemeClr val="phClr">
-              <a:tint val="15000"/>
-              <a:satMod val="350000"/>
-            </a:schemeClr>
-          </a:gs>
-        </a:gsLst>
-        <a:lin ang="16200000" scaled="1"/>
-      </a:gradFill>
-      <a:gradFill rotWithShape="1">
-        <a:gsLst>
-          <a:gs pos="0">
-            <a:schemeClr val="phClr">
-              <a:shade val="51000"/>
-              <a:satMod val="130000"/>
-            </a:schemeClr>
-          </a:gs>
-          <a:gs pos="80000">
-            <a:schemeClr val="phClr">
-              <a:shade val="93000"/>
-              <a:satMod val="130000"/>
-            </a:schemeClr>
-          </a:gs>
-          <a:gs pos="100000">
-            <a:schemeClr val="phClr">
-              <a:shade val="94000"/>
-              <a:satMod val="135000"/>
-            </a:schemeClr>
-          </a:gs>
-        </a:gsLst>
-        <a:lin ang="16200000" scaled="0"/>
-      </a:gradFill>
-    </a:fillStyleLst>
-    <a:lnStyleLst>
-      <a:ln w="9525" cap="flat" cmpd="sng" algn="ctr">
-        <a:solidFill>
-          <a:schemeClr val="phClr">
-            <a:shade val="95000"/>
-            <a:satMod val="105000"/>
-          </a:schemeClr>
-        </a:solidFill>
-        <a:prstDash val="solid"/>
-      </a:ln>
-      <a:ln w="25400" cap="flat" cmpd="sng" algn="ctr">
-        <a:solidFill>
-          <a:schemeClr val="phClr"/>
-        </a:solidFill>
-        <a:prstDash val="solid"/>
-      </a:ln>
-      <a:ln w="38100" cap="flat" cmpd="sng" algn="ctr">
-        <a:solidFill>
-          <a:schemeClr val="phClr"/>
-        </a:solidFill>
-        <a:prstDash val="solid"/>
-      </a:ln>
-    </a:lnStyleLst>
-    <a:effectStyleLst>
-      <a:effectStyle>
-        <a:effectLst>
-          <a:outerShdw blurRad="40000" dist="20000" dir="5400000" rotWithShape="0">
-            <a:srgbClr val="000000">
-              <a:alpha val="38000"/>
-            </a:srgbClr>
-          </a:outerShdw>
-        </a:effectLst>
-      </a:effectStyle>
-      <a:effectStyle>
-        <a:effectLst>
-          <a:outerShdw blurRad="40000" dist="23000" dir="5400000" rotWithShape="0">
-            <a:srgbClr val="000000">
-              <a:alpha val="35000"/>
-            </a:srgbClr>
-          </a:outerShdw>
-        </a:effectLst>
-      </a:effectStyle>
-      <a:effectStyle>
-        <a:effectLst>
-          <a:outerShdw blurRad="40000" dist="23000" dir="5400000" rotWithShape="0">
-            <a:srgbClr val="000000">
-              <a:alpha val="35000"/>
-            </a:srgbClr>
-          </a:outerShdw>
-        </a:effectLst>
-        <a:scene3d>
-          <a:camera prst="orthographicFront">
-            <a:rot lat="0" lon="0" rev="0"/>
-          </a:camera>
-          <a:lightRig rig="threePt" dir="t">
-            <a:rot lat="0" lon="0" rev="1200000"/>
-          </a:lightRig>
-        </a:scene3d>
-        <a:sp3d>
-          <a:bevelT w="63500" h="25400"/>
-        </a:sp3d>
-      </a:effectStyle>
-    </a:effectStyleLst>
-    <a:bgFillStyleLst>
-      <a:solidFill>
-        <a:schemeClr val="phClr"/>
-      </a:solidFill>
-      <a:gradFill rotWithShape="1">
-        <a:gsLst>
-          <a:gs pos="0">
-            <a:schemeClr val="phClr">
-              <a:tint val="40000"/>
-              <a:satMod val="350000"/>
-            </a:schemeClr>
-          </a:gs>
-          <a:gs pos="40000">
-            <a:schemeClr val="phClr">
-              <a:tint val="45000"/>
-              <a:shade val="99000"/>
-              <a:satMod val="350000"/>
-            </a:schemeClr>
-          </a:gs>
-          <a:gs pos="100000">
-            <a:schemeClr val="phClr">
-              <a:shade val="20000"/>
-              <a:satMod val="255000"/>
-            </a:schemeClr>
-          </a:gs>
-        </a:gsLst>
-        <a:path path="circle">
-          <a:fillToRect l="50000" t="-80000" r="50000" b="180000"/>
-        </a:path>
-      </a:gradFill>
-      <a:gradFill rotWithShape="1">
-        <a:gsLst>
-          <a:gs pos="0">
-            <a:schemeClr val="phClr">
-              <a:tint val="80000"/>
-              <a:satMod val="300000"/>
-            </a:schemeClr>
-          </a:gs>
-          <a:gs pos="100000">
-            <a:schemeClr val="phClr">
-              <a:shade val="30000"/>
-              <a:satMod val="200000"/>
-            </a:schemeClr>
-          </a:gs>
-        </a:gsLst>
-        <a:path path="circle">
-          <a:fillToRect l="50000" t="50000" r="50000" b="50000"/>
-        </a:path>
-      </a:gradFill>
-    </a:bgFillStyleLst>
-  </a:fmtScheme>
-</a:themeOverride>
-</file>
-
-<file path=ppt/theme/themeOverride10.xml><?xml version="1.0" encoding="utf-8"?>
-<a:themeOverride xmlns:a="http://schemas.openxmlformats.org/drawingml/2006/main">
-  <a:clrScheme name="Office">
-    <a:dk1>
-      <a:sysClr val="windowText" lastClr="000000"/>
-    </a:dk1>
-    <a:lt1>
-      <a:sysClr val="window" lastClr="FFFFFF"/>
-    </a:lt1>
-    <a:dk2>
-      <a:srgbClr val="1F497D"/>
-    </a:dk2>
-    <a:lt2>
-      <a:srgbClr val="EEECE1"/>
-    </a:lt2>
-    <a:accent1>
-      <a:srgbClr val="4F81BD"/>
-    </a:accent1>
-    <a:accent2>
-      <a:srgbClr val="C0504D"/>
-    </a:accent2>
-    <a:accent3>
-      <a:srgbClr val="9BBB59"/>
-    </a:accent3>
-    <a:accent4>
-      <a:srgbClr val="8064A2"/>
-    </a:accent4>
-    <a:accent5>
-      <a:srgbClr val="4BACC6"/>
-    </a:accent5>
-    <a:accent6>
-      <a:srgbClr val="F79646"/>
-    </a:accent6>
-    <a:hlink>
-      <a:srgbClr val="0000FF"/>
-    </a:hlink>
-    <a:folHlink>
-      <a:srgbClr val="800080"/>
-    </a:folHlink>
-  </a:clrScheme>
-  <a:fontScheme name="Office">
-    <a:majorFont>
-      <a:latin typeface="Calibri"/>
-      <a:ea typeface=""/>
-      <a:cs typeface=""/>
-      <a:font script="Jpan" typeface="ＭＳ Ｐゴシック"/>
-      <a:font script="Hang" typeface="맑은 고딕"/>
-      <a:font script="Hans" typeface="宋体"/>
-      <a:font script="Hant" typeface="新細明體"/>
-      <a:font script="Arab" typeface="Times New Roman"/>
-      <a:font script="Hebr" typeface="Times New Roman"/>
-      <a:font script="Thai" typeface="Angsana New"/>
-      <a:font script="Ethi" typeface="Nyala"/>
-      <a:font script="Beng" typeface="Vrinda"/>
-      <a:font script="Gujr" typeface="Shruti"/>
-      <a:font script="Khmr" typeface="MoolBoran"/>
-      <a:font script="Knda" typeface="Tunga"/>
-      <a:font script="Guru" typeface="Raavi"/>
-      <a:font script="Cans" typeface="Euphemia"/>
-      <a:font script="Cher" typeface="Plantagenet Cherokee"/>
-      <a:font script="Yiii" typeface="Microsoft Yi Baiti"/>
-      <a:font script="Tibt" typeface="Microsoft Himalaya"/>
-      <a:font script="Thaa" typeface="MV Boli"/>
-      <a:font script="Deva" typeface="Mangal"/>
-      <a:font script="Telu" typeface="Gautami"/>
-      <a:font script="Taml" typeface="Latha"/>
-      <a:font script="Syrc" typeface="Estrangelo Edessa"/>
-      <a:font script="Orya" typeface="Kalinga"/>
-      <a:font script="Mlym" typeface="Kartika"/>
-      <a:font script="Laoo" typeface="DokChampa"/>
-      <a:font script="Sinh" typeface="Iskoola Pota"/>
-      <a:font script="Mong" typeface="Mongolian Baiti"/>
-      <a:font script="Viet" typeface="Times New Roman"/>
-      <a:font script="Uigh" typeface="Microsoft Uighur"/>
-    </a:majorFont>
-    <a:minorFont>
-      <a:latin typeface="Calibri"/>
-      <a:ea typeface=""/>
-      <a:cs typeface=""/>
-      <a:font script="Jpan" typeface="ＭＳ Ｐゴシック"/>
-      <a:font script="Hang" typeface="맑은 고딕"/>
-      <a:font script="Hans" typeface="宋体"/>
-      <a:font script="Hant" typeface="新細明體"/>
-      <a:font script="Arab" typeface="Arial"/>
-      <a:font script="Hebr" typeface="Arial"/>
-      <a:font script="Thai" typeface="Cordia New"/>
-      <a:font script="Ethi" typeface="Nyala"/>
-      <a:font script="Beng" typeface="Vrinda"/>
-      <a:font script="Gujr" typeface="Shruti"/>
-      <a:font script="Khmr" typeface="DaunPenh"/>
-      <a:font script="Knda" typeface="Tunga"/>
-      <a:font script="Guru" typeface="Raavi"/>
-      <a:font script="Cans" typeface="Euphemia"/>
-      <a:font script="Cher" typeface="Plantagenet Cherokee"/>
-      <a:font script="Yiii" typeface="Microsoft Yi Baiti"/>
-      <a:font script="Tibt" typeface="Microsoft Himalaya"/>
-      <a:font script="Thaa" typeface="MV Boli"/>
-      <a:font script="Deva" typeface="Mangal"/>
-      <a:font script="Telu" typeface="Gautami"/>
-      <a:font script="Taml" typeface="Latha"/>
-      <a:font script="Syrc" typeface="Estrangelo Edessa"/>
-      <a:font script="Orya" typeface="Kalinga"/>
-      <a:font script="Mlym" typeface="Kartika"/>
-      <a:font script="Laoo" typeface="DokChampa"/>
-      <a:font script="Sinh" typeface="Iskoola Pota"/>
-      <a:font script="Mong" typeface="Mongolian Baiti"/>
-      <a:font script="Viet" typeface="Arial"/>
-      <a:font script="Uigh" typeface="Microsoft Uighur"/>
-    </a:minorFont>
-  </a:fontScheme>
-  <a:fmtScheme name="Office">
-    <a:fillStyleLst>
-      <a:solidFill>
-        <a:schemeClr val="phClr"/>
-      </a:solidFill>
-      <a:gradFill rotWithShape="1">
-        <a:gsLst>
-          <a:gs pos="0">
-            <a:schemeClr val="phClr">
-              <a:tint val="50000"/>
-              <a:satMod val="300000"/>
-            </a:schemeClr>
-          </a:gs>
-          <a:gs pos="35000">
-            <a:schemeClr val="phClr">
-              <a:tint val="37000"/>
-              <a:satMod val="300000"/>
-            </a:schemeClr>
-          </a:gs>
-          <a:gs pos="100000">
-            <a:schemeClr val="phClr">
-              <a:tint val="15000"/>
-              <a:satMod val="350000"/>
-            </a:schemeClr>
-          </a:gs>
-        </a:gsLst>
-        <a:lin ang="16200000" scaled="1"/>
-      </a:gradFill>
-      <a:gradFill rotWithShape="1">
-        <a:gsLst>
-          <a:gs pos="0">
-            <a:schemeClr val="phClr">
-              <a:shade val="51000"/>
-              <a:satMod val="130000"/>
-            </a:schemeClr>
-          </a:gs>
-          <a:gs pos="80000">
-            <a:schemeClr val="phClr">
-              <a:shade val="93000"/>
-              <a:satMod val="130000"/>
-            </a:schemeClr>
-          </a:gs>
-          <a:gs pos="100000">
-            <a:schemeClr val="phClr">
-              <a:shade val="94000"/>
-              <a:satMod val="135000"/>
-            </a:schemeClr>
-          </a:gs>
-        </a:gsLst>
-        <a:lin ang="16200000" scaled="0"/>
-      </a:gradFill>
-    </a:fillStyleLst>
-    <a:lnStyleLst>
-      <a:ln w="9525" cap="flat" cmpd="sng" algn="ctr">
-        <a:solidFill>
-          <a:schemeClr val="phClr">
-            <a:shade val="95000"/>
-            <a:satMod val="105000"/>
-          </a:schemeClr>
-        </a:solidFill>
-        <a:prstDash val="solid"/>
-      </a:ln>
-      <a:ln w="25400" cap="flat" cmpd="sng" algn="ctr">
-        <a:solidFill>
-          <a:schemeClr val="phClr"/>
-        </a:solidFill>
-        <a:prstDash val="solid"/>
-      </a:ln>
-      <a:ln w="38100" cap="flat" cmpd="sng" algn="ctr">
-        <a:solidFill>
-          <a:schemeClr val="phClr"/>
-        </a:solidFill>
-        <a:prstDash val="solid"/>
-      </a:ln>
-    </a:lnStyleLst>
-    <a:effectStyleLst>
-      <a:effectStyle>
-        <a:effectLst>
-          <a:outerShdw blurRad="40000" dist="20000" dir="5400000" rotWithShape="0">
-            <a:srgbClr val="000000">
-              <a:alpha val="38000"/>
-            </a:srgbClr>
-          </a:outerShdw>
-        </a:effectLst>
-      </a:effectStyle>
-      <a:effectStyle>
-        <a:effectLst>
-          <a:outerShdw blurRad="40000" dist="23000" dir="5400000" rotWithShape="0">
-            <a:srgbClr val="000000">
-              <a:alpha val="35000"/>
-            </a:srgbClr>
-          </a:outerShdw>
-        </a:effectLst>
-      </a:effectStyle>
-      <a:effectStyle>
-        <a:effectLst>
-          <a:outerShdw blurRad="40000" dist="23000" dir="5400000" rotWithShape="0">
-            <a:srgbClr val="000000">
-              <a:alpha val="35000"/>
-            </a:srgbClr>
-          </a:outerShdw>
-        </a:effectLst>
-        <a:scene3d>
-          <a:camera prst="orthographicFront">
-            <a:rot lat="0" lon="0" rev="0"/>
-          </a:camera>
-          <a:lightRig rig="threePt" dir="t">
-            <a:rot lat="0" lon="0" rev="1200000"/>
-          </a:lightRig>
-        </a:scene3d>
-        <a:sp3d>
-          <a:bevelT w="63500" h="25400"/>
-        </a:sp3d>
-      </a:effectStyle>
-    </a:effectStyleLst>
-    <a:bgFillStyleLst>
-      <a:solidFill>
-        <a:schemeClr val="phClr"/>
-      </a:solidFill>
-      <a:gradFill rotWithShape="1">
-        <a:gsLst>
-          <a:gs pos="0">
-            <a:schemeClr val="phClr">
-              <a:tint val="40000"/>
-              <a:satMod val="350000"/>
-            </a:schemeClr>
-          </a:gs>
-          <a:gs pos="40000">
-            <a:schemeClr val="phClr">
-              <a:tint val="45000"/>
-              <a:shade val="99000"/>
-              <a:satMod val="350000"/>
-            </a:schemeClr>
-          </a:gs>
-          <a:gs pos="100000">
-            <a:schemeClr val="phClr">
-              <a:shade val="20000"/>
-              <a:satMod val="255000"/>
-            </a:schemeClr>
-          </a:gs>
-        </a:gsLst>
-        <a:path path="circle">
-          <a:fillToRect l="50000" t="-80000" r="50000" b="180000"/>
-        </a:path>
-      </a:gradFill>
-      <a:gradFill rotWithShape="1">
-        <a:gsLst>
-          <a:gs pos="0">
-            <a:schemeClr val="phClr">
-              <a:tint val="80000"/>
-              <a:satMod val="300000"/>
-            </a:schemeClr>
-          </a:gs>
-          <a:gs pos="100000">
-            <a:schemeClr val="phClr">
-              <a:shade val="30000"/>
-              <a:satMod val="200000"/>
-            </a:schemeClr>
-          </a:gs>
-        </a:gsLst>
-        <a:path path="circle">
-          <a:fillToRect l="50000" t="50000" r="50000" b="50000"/>
-        </a:path>
-      </a:gradFill>
-    </a:bgFillStyleLst>
-  </a:fmtScheme>
-</a:themeOverride>
-</file>
-
-<file path=ppt/theme/themeOverride11.xml><?xml version="1.0" encoding="utf-8"?>
 <a:themeOverride xmlns:a="http://schemas.openxmlformats.org/drawingml/2006/main">
   <a:clrScheme name="Office">
     <a:dk1>
@@ -44330,562 +40314,4 @@
     </a:bgFillStyleLst>
   </a:fmtScheme>
 </a:themeOverride>
-</file>
-
-<file path=ppt/theme/themeOverride8.xml><?xml version="1.0" encoding="utf-8"?>
-<a:themeOverride xmlns:a="http://schemas.openxmlformats.org/drawingml/2006/main">
-  <a:clrScheme name="Office">
-    <a:dk1>
-      <a:sysClr val="windowText" lastClr="000000"/>
-    </a:dk1>
-    <a:lt1>
-      <a:sysClr val="window" lastClr="FFFFFF"/>
-    </a:lt1>
-    <a:dk2>
-      <a:srgbClr val="1F497D"/>
-    </a:dk2>
-    <a:lt2>
-      <a:srgbClr val="EEECE1"/>
-    </a:lt2>
-    <a:accent1>
-      <a:srgbClr val="4F81BD"/>
-    </a:accent1>
-    <a:accent2>
-      <a:srgbClr val="C0504D"/>
-    </a:accent2>
-    <a:accent3>
-      <a:srgbClr val="9BBB59"/>
-    </a:accent3>
-    <a:accent4>
-      <a:srgbClr val="8064A2"/>
-    </a:accent4>
-    <a:accent5>
-      <a:srgbClr val="4BACC6"/>
-    </a:accent5>
-    <a:accent6>
-      <a:srgbClr val="F79646"/>
-    </a:accent6>
-    <a:hlink>
-      <a:srgbClr val="0000FF"/>
-    </a:hlink>
-    <a:folHlink>
-      <a:srgbClr val="800080"/>
-    </a:folHlink>
-  </a:clrScheme>
-  <a:fontScheme name="Office">
-    <a:majorFont>
-      <a:latin typeface="Calibri"/>
-      <a:ea typeface=""/>
-      <a:cs typeface=""/>
-      <a:font script="Jpan" typeface="ＭＳ Ｐゴシック"/>
-      <a:font script="Hang" typeface="맑은 고딕"/>
-      <a:font script="Hans" typeface="宋体"/>
-      <a:font script="Hant" typeface="新細明體"/>
-      <a:font script="Arab" typeface="Times New Roman"/>
-      <a:font script="Hebr" typeface="Times New Roman"/>
-      <a:font script="Thai" typeface="Angsana New"/>
-      <a:font script="Ethi" typeface="Nyala"/>
-      <a:font script="Beng" typeface="Vrinda"/>
-      <a:font script="Gujr" typeface="Shruti"/>
-      <a:font script="Khmr" typeface="MoolBoran"/>
-      <a:font script="Knda" typeface="Tunga"/>
-      <a:font script="Guru" typeface="Raavi"/>
-      <a:font script="Cans" typeface="Euphemia"/>
-      <a:font script="Cher" typeface="Plantagenet Cherokee"/>
-      <a:font script="Yiii" typeface="Microsoft Yi Baiti"/>
-      <a:font script="Tibt" typeface="Microsoft Himalaya"/>
-      <a:font script="Thaa" typeface="MV Boli"/>
-      <a:font script="Deva" typeface="Mangal"/>
-      <a:font script="Telu" typeface="Gautami"/>
-      <a:font script="Taml" typeface="Latha"/>
-      <a:font script="Syrc" typeface="Estrangelo Edessa"/>
-      <a:font script="Orya" typeface="Kalinga"/>
-      <a:font script="Mlym" typeface="Kartika"/>
-      <a:font script="Laoo" typeface="DokChampa"/>
-      <a:font script="Sinh" typeface="Iskoola Pota"/>
-      <a:font script="Mong" typeface="Mongolian Baiti"/>
-      <a:font script="Viet" typeface="Times New Roman"/>
-      <a:font script="Uigh" typeface="Microsoft Uighur"/>
-    </a:majorFont>
-    <a:minorFont>
-      <a:latin typeface="Calibri"/>
-      <a:ea typeface=""/>
-      <a:cs typeface=""/>
-      <a:font script="Jpan" typeface="ＭＳ Ｐゴシック"/>
-      <a:font script="Hang" typeface="맑은 고딕"/>
-      <a:font script="Hans" typeface="宋体"/>
-      <a:font script="Hant" typeface="新細明體"/>
-      <a:font script="Arab" typeface="Arial"/>
-      <a:font script="Hebr" typeface="Arial"/>
-      <a:font script="Thai" typeface="Cordia New"/>
-      <a:font script="Ethi" typeface="Nyala"/>
-      <a:font script="Beng" typeface="Vrinda"/>
-      <a:font script="Gujr" typeface="Shruti"/>
-      <a:font script="Khmr" typeface="DaunPenh"/>
-      <a:font script="Knda" typeface="Tunga"/>
-      <a:font script="Guru" typeface="Raavi"/>
-      <a:font script="Cans" typeface="Euphemia"/>
-      <a:font script="Cher" typeface="Plantagenet Cherokee"/>
-      <a:font script="Yiii" typeface="Microsoft Yi Baiti"/>
-      <a:font script="Tibt" typeface="Microsoft Himalaya"/>
-      <a:font script="Thaa" typeface="MV Boli"/>
-      <a:font script="Deva" typeface="Mangal"/>
-      <a:font script="Telu" typeface="Gautami"/>
-      <a:font script="Taml" typeface="Latha"/>
-      <a:font script="Syrc" typeface="Estrangelo Edessa"/>
-      <a:font script="Orya" typeface="Kalinga"/>
-      <a:font script="Mlym" typeface="Kartika"/>
-      <a:font script="Laoo" typeface="DokChampa"/>
-      <a:font script="Sinh" typeface="Iskoola Pota"/>
-      <a:font script="Mong" typeface="Mongolian Baiti"/>
-      <a:font script="Viet" typeface="Arial"/>
-      <a:font script="Uigh" typeface="Microsoft Uighur"/>
-    </a:minorFont>
-  </a:fontScheme>
-  <a:fmtScheme name="Office">
-    <a:fillStyleLst>
-      <a:solidFill>
-        <a:schemeClr val="phClr"/>
-      </a:solidFill>
-      <a:gradFill rotWithShape="1">
-        <a:gsLst>
-          <a:gs pos="0">
-            <a:schemeClr val="phClr">
-              <a:tint val="50000"/>
-              <a:satMod val="300000"/>
-            </a:schemeClr>
-          </a:gs>
-          <a:gs pos="35000">
-            <a:schemeClr val="phClr">
-              <a:tint val="37000"/>
-              <a:satMod val="300000"/>
-            </a:schemeClr>
-          </a:gs>
-          <a:gs pos="100000">
-            <a:schemeClr val="phClr">
-              <a:tint val="15000"/>
-              <a:satMod val="350000"/>
-            </a:schemeClr>
-          </a:gs>
-        </a:gsLst>
-        <a:lin ang="16200000" scaled="1"/>
-      </a:gradFill>
-      <a:gradFill rotWithShape="1">
-        <a:gsLst>
-          <a:gs pos="0">
-            <a:schemeClr val="phClr">
-              <a:shade val="51000"/>
-              <a:satMod val="130000"/>
-            </a:schemeClr>
-          </a:gs>
-          <a:gs pos="80000">
-            <a:schemeClr val="phClr">
-              <a:shade val="93000"/>
-              <a:satMod val="130000"/>
-            </a:schemeClr>
-          </a:gs>
-          <a:gs pos="100000">
-            <a:schemeClr val="phClr">
-              <a:shade val="94000"/>
-              <a:satMod val="135000"/>
-            </a:schemeClr>
-          </a:gs>
-        </a:gsLst>
-        <a:lin ang="16200000" scaled="0"/>
-      </a:gradFill>
-    </a:fillStyleLst>
-    <a:lnStyleLst>
-      <a:ln w="9525" cap="flat" cmpd="sng" algn="ctr">
-        <a:solidFill>
-          <a:schemeClr val="phClr">
-            <a:shade val="95000"/>
-            <a:satMod val="105000"/>
-          </a:schemeClr>
-        </a:solidFill>
-        <a:prstDash val="solid"/>
-      </a:ln>
-      <a:ln w="25400" cap="flat" cmpd="sng" algn="ctr">
-        <a:solidFill>
-          <a:schemeClr val="phClr"/>
-        </a:solidFill>
-        <a:prstDash val="solid"/>
-      </a:ln>
-      <a:ln w="38100" cap="flat" cmpd="sng" algn="ctr">
-        <a:solidFill>
-          <a:schemeClr val="phClr"/>
-        </a:solidFill>
-        <a:prstDash val="solid"/>
-      </a:ln>
-    </a:lnStyleLst>
-    <a:effectStyleLst>
-      <a:effectStyle>
-        <a:effectLst>
-          <a:outerShdw blurRad="40000" dist="20000" dir="5400000" rotWithShape="0">
-            <a:srgbClr val="000000">
-              <a:alpha val="38000"/>
-            </a:srgbClr>
-          </a:outerShdw>
-        </a:effectLst>
-      </a:effectStyle>
-      <a:effectStyle>
-        <a:effectLst>
-          <a:outerShdw blurRad="40000" dist="23000" dir="5400000" rotWithShape="0">
-            <a:srgbClr val="000000">
-              <a:alpha val="35000"/>
-            </a:srgbClr>
-          </a:outerShdw>
-        </a:effectLst>
-      </a:effectStyle>
-      <a:effectStyle>
-        <a:effectLst>
-          <a:outerShdw blurRad="40000" dist="23000" dir="5400000" rotWithShape="0">
-            <a:srgbClr val="000000">
-              <a:alpha val="35000"/>
-            </a:srgbClr>
-          </a:outerShdw>
-        </a:effectLst>
-        <a:scene3d>
-          <a:camera prst="orthographicFront">
-            <a:rot lat="0" lon="0" rev="0"/>
-          </a:camera>
-          <a:lightRig rig="threePt" dir="t">
-            <a:rot lat="0" lon="0" rev="1200000"/>
-          </a:lightRig>
-        </a:scene3d>
-        <a:sp3d>
-          <a:bevelT w="63500" h="25400"/>
-        </a:sp3d>
-      </a:effectStyle>
-    </a:effectStyleLst>
-    <a:bgFillStyleLst>
-      <a:solidFill>
-        <a:schemeClr val="phClr"/>
-      </a:solidFill>
-      <a:gradFill rotWithShape="1">
-        <a:gsLst>
-          <a:gs pos="0">
-            <a:schemeClr val="phClr">
-              <a:tint val="40000"/>
-              <a:satMod val="350000"/>
-            </a:schemeClr>
-          </a:gs>
-          <a:gs pos="40000">
-            <a:schemeClr val="phClr">
-              <a:tint val="45000"/>
-              <a:shade val="99000"/>
-              <a:satMod val="350000"/>
-            </a:schemeClr>
-          </a:gs>
-          <a:gs pos="100000">
-            <a:schemeClr val="phClr">
-              <a:shade val="20000"/>
-              <a:satMod val="255000"/>
-            </a:schemeClr>
-          </a:gs>
-        </a:gsLst>
-        <a:path path="circle">
-          <a:fillToRect l="50000" t="-80000" r="50000" b="180000"/>
-        </a:path>
-      </a:gradFill>
-      <a:gradFill rotWithShape="1">
-        <a:gsLst>
-          <a:gs pos="0">
-            <a:schemeClr val="phClr">
-              <a:tint val="80000"/>
-              <a:satMod val="300000"/>
-            </a:schemeClr>
-          </a:gs>
-          <a:gs pos="100000">
-            <a:schemeClr val="phClr">
-              <a:shade val="30000"/>
-              <a:satMod val="200000"/>
-            </a:schemeClr>
-          </a:gs>
-        </a:gsLst>
-        <a:path path="circle">
-          <a:fillToRect l="50000" t="50000" r="50000" b="50000"/>
-        </a:path>
-      </a:gradFill>
-    </a:bgFillStyleLst>
-  </a:fmtScheme>
-</a:themeOverride>
-</file>
-
-<file path=ppt/theme/themeOverride9.xml><?xml version="1.0" encoding="utf-8"?>
-<a:themeOverride xmlns:a="http://schemas.openxmlformats.org/drawingml/2006/main">
-  <a:clrScheme name="Office">
-    <a:dk1>
-      <a:sysClr val="windowText" lastClr="000000"/>
-    </a:dk1>
-    <a:lt1>
-      <a:sysClr val="window" lastClr="FFFFFF"/>
-    </a:lt1>
-    <a:dk2>
-      <a:srgbClr val="1F497D"/>
-    </a:dk2>
-    <a:lt2>
-      <a:srgbClr val="EEECE1"/>
-    </a:lt2>
-    <a:accent1>
-      <a:srgbClr val="4F81BD"/>
-    </a:accent1>
-    <a:accent2>
-      <a:srgbClr val="C0504D"/>
-    </a:accent2>
-    <a:accent3>
-      <a:srgbClr val="9BBB59"/>
-    </a:accent3>
-    <a:accent4>
-      <a:srgbClr val="8064A2"/>
-    </a:accent4>
-    <a:accent5>
-      <a:srgbClr val="4BACC6"/>
-    </a:accent5>
-    <a:accent6>
-      <a:srgbClr val="F79646"/>
-    </a:accent6>
-    <a:hlink>
-      <a:srgbClr val="0000FF"/>
-    </a:hlink>
-    <a:folHlink>
-      <a:srgbClr val="800080"/>
-    </a:folHlink>
-  </a:clrScheme>
-  <a:fontScheme name="Office">
-    <a:majorFont>
-      <a:latin typeface="Calibri"/>
-      <a:ea typeface=""/>
-      <a:cs typeface=""/>
-      <a:font script="Jpan" typeface="ＭＳ Ｐゴシック"/>
-      <a:font script="Hang" typeface="맑은 고딕"/>
-      <a:font script="Hans" typeface="宋体"/>
-      <a:font script="Hant" typeface="新細明體"/>
-      <a:font script="Arab" typeface="Times New Roman"/>
-      <a:font script="Hebr" typeface="Times New Roman"/>
-      <a:font script="Thai" typeface="Angsana New"/>
-      <a:font script="Ethi" typeface="Nyala"/>
-      <a:font script="Beng" typeface="Vrinda"/>
-      <a:font script="Gujr" typeface="Shruti"/>
-      <a:font script="Khmr" typeface="MoolBoran"/>
-      <a:font script="Knda" typeface="Tunga"/>
-      <a:font script="Guru" typeface="Raavi"/>
-      <a:font script="Cans" typeface="Euphemia"/>
-      <a:font script="Cher" typeface="Plantagenet Cherokee"/>
-      <a:font script="Yiii" typeface="Microsoft Yi Baiti"/>
-      <a:font script="Tibt" typeface="Microsoft Himalaya"/>
-      <a:font script="Thaa" typeface="MV Boli"/>
-      <a:font script="Deva" typeface="Mangal"/>
-      <a:font script="Telu" typeface="Gautami"/>
-      <a:font script="Taml" typeface="Latha"/>
-      <a:font script="Syrc" typeface="Estrangelo Edessa"/>
-      <a:font script="Orya" typeface="Kalinga"/>
-      <a:font script="Mlym" typeface="Kartika"/>
-      <a:font script="Laoo" typeface="DokChampa"/>
-      <a:font script="Sinh" typeface="Iskoola Pota"/>
-      <a:font script="Mong" typeface="Mongolian Baiti"/>
-      <a:font script="Viet" typeface="Times New Roman"/>
-      <a:font script="Uigh" typeface="Microsoft Uighur"/>
-    </a:majorFont>
-    <a:minorFont>
-      <a:latin typeface="Calibri"/>
-      <a:ea typeface=""/>
-      <a:cs typeface=""/>
-      <a:font script="Jpan" typeface="ＭＳ Ｐゴシック"/>
-      <a:font script="Hang" typeface="맑은 고딕"/>
-      <a:font script="Hans" typeface="宋体"/>
-      <a:font script="Hant" typeface="新細明體"/>
-      <a:font script="Arab" typeface="Arial"/>
-      <a:font script="Hebr" typeface="Arial"/>
-      <a:font script="Thai" typeface="Cordia New"/>
-      <a:font script="Ethi" typeface="Nyala"/>
-      <a:font script="Beng" typeface="Vrinda"/>
-      <a:font script="Gujr" typeface="Shruti"/>
-      <a:font script="Khmr" typeface="DaunPenh"/>
-      <a:font script="Knda" typeface="Tunga"/>
-      <a:font script="Guru" typeface="Raavi"/>
-      <a:font script="Cans" typeface="Euphemia"/>
-      <a:font script="Cher" typeface="Plantagenet Cherokee"/>
-      <a:font script="Yiii" typeface="Microsoft Yi Baiti"/>
-      <a:font script="Tibt" typeface="Microsoft Himalaya"/>
-      <a:font script="Thaa" typeface="MV Boli"/>
-      <a:font script="Deva" typeface="Mangal"/>
-      <a:font script="Telu" typeface="Gautami"/>
-      <a:font script="Taml" typeface="Latha"/>
-      <a:font script="Syrc" typeface="Estrangelo Edessa"/>
-      <a:font script="Orya" typeface="Kalinga"/>
-      <a:font script="Mlym" typeface="Kartika"/>
-      <a:font script="Laoo" typeface="DokChampa"/>
-      <a:font script="Sinh" typeface="Iskoola Pota"/>
-      <a:font script="Mong" typeface="Mongolian Baiti"/>
-      <a:font script="Viet" typeface="Arial"/>
-      <a:font script="Uigh" typeface="Microsoft Uighur"/>
-    </a:minorFont>
-  </a:fontScheme>
-  <a:fmtScheme name="Office">
-    <a:fillStyleLst>
-      <a:solidFill>
-        <a:schemeClr val="phClr"/>
-      </a:solidFill>
-      <a:gradFill rotWithShape="1">
-        <a:gsLst>
-          <a:gs pos="0">
-            <a:schemeClr val="phClr">
-              <a:tint val="50000"/>
-              <a:satMod val="300000"/>
-            </a:schemeClr>
-          </a:gs>
-          <a:gs pos="35000">
-            <a:schemeClr val="phClr">
-              <a:tint val="37000"/>
-              <a:satMod val="300000"/>
-            </a:schemeClr>
-          </a:gs>
-          <a:gs pos="100000">
-            <a:schemeClr val="phClr">
-              <a:tint val="15000"/>
-              <a:satMod val="350000"/>
-            </a:schemeClr>
-          </a:gs>
-        </a:gsLst>
-        <a:lin ang="16200000" scaled="1"/>
-      </a:gradFill>
-      <a:gradFill rotWithShape="1">
-        <a:gsLst>
-          <a:gs pos="0">
-            <a:schemeClr val="phClr">
-              <a:shade val="51000"/>
-              <a:satMod val="130000"/>
-            </a:schemeClr>
-          </a:gs>
-          <a:gs pos="80000">
-            <a:schemeClr val="phClr">
-              <a:shade val="93000"/>
-              <a:satMod val="130000"/>
-            </a:schemeClr>
-          </a:gs>
-          <a:gs pos="100000">
-            <a:schemeClr val="phClr">
-              <a:shade val="94000"/>
-              <a:satMod val="135000"/>
-            </a:schemeClr>
-          </a:gs>
-        </a:gsLst>
-        <a:lin ang="16200000" scaled="0"/>
-      </a:gradFill>
-    </a:fillStyleLst>
-    <a:lnStyleLst>
-      <a:ln w="9525" cap="flat" cmpd="sng" algn="ctr">
-        <a:solidFill>
-          <a:schemeClr val="phClr">
-            <a:shade val="95000"/>
-            <a:satMod val="105000"/>
-          </a:schemeClr>
-        </a:solidFill>
-        <a:prstDash val="solid"/>
-      </a:ln>
-      <a:ln w="25400" cap="flat" cmpd="sng" algn="ctr">
-        <a:solidFill>
-          <a:schemeClr val="phClr"/>
-        </a:solidFill>
-        <a:prstDash val="solid"/>
-      </a:ln>
-      <a:ln w="38100" cap="flat" cmpd="sng" algn="ctr">
-        <a:solidFill>
-          <a:schemeClr val="phClr"/>
-        </a:solidFill>
-        <a:prstDash val="solid"/>
-      </a:ln>
-    </a:lnStyleLst>
-    <a:effectStyleLst>
-      <a:effectStyle>
-        <a:effectLst>
-          <a:outerShdw blurRad="40000" dist="20000" dir="5400000" rotWithShape="0">
-            <a:srgbClr val="000000">
-              <a:alpha val="38000"/>
-            </a:srgbClr>
-          </a:outerShdw>
-        </a:effectLst>
-      </a:effectStyle>
-      <a:effectStyle>
-        <a:effectLst>
-          <a:outerShdw blurRad="40000" dist="23000" dir="5400000" rotWithShape="0">
-            <a:srgbClr val="000000">
-              <a:alpha val="35000"/>
-            </a:srgbClr>
-          </a:outerShdw>
-        </a:effectLst>
-      </a:effectStyle>
-      <a:effectStyle>
-        <a:effectLst>
-          <a:outerShdw blurRad="40000" dist="23000" dir="5400000" rotWithShape="0">
-            <a:srgbClr val="000000">
-              <a:alpha val="35000"/>
-            </a:srgbClr>
-          </a:outerShdw>
-        </a:effectLst>
-        <a:scene3d>
-          <a:camera prst="orthographicFront">
-            <a:rot lat="0" lon="0" rev="0"/>
-          </a:camera>
-          <a:lightRig rig="threePt" dir="t">
-            <a:rot lat="0" lon="0" rev="1200000"/>
-          </a:lightRig>
-        </a:scene3d>
-        <a:sp3d>
-          <a:bevelT w="63500" h="25400"/>
-        </a:sp3d>
-      </a:effectStyle>
-    </a:effectStyleLst>
-    <a:bgFillStyleLst>
-      <a:solidFill>
-        <a:schemeClr val="phClr"/>
-      </a:solidFill>
-      <a:gradFill rotWithShape="1">
-        <a:gsLst>
-          <a:gs pos="0">
-            <a:schemeClr val="phClr">
-              <a:tint val="40000"/>
-              <a:satMod val="350000"/>
-            </a:schemeClr>
-          </a:gs>
-          <a:gs pos="40000">
-            <a:schemeClr val="phClr">
-              <a:tint val="45000"/>
-              <a:shade val="99000"/>
-              <a:satMod val="350000"/>
-            </a:schemeClr>
-          </a:gs>
-          <a:gs pos="100000">
-            <a:schemeClr val="phClr">
-              <a:shade val="20000"/>
-              <a:satMod val="255000"/>
-            </a:schemeClr>
-          </a:gs>
-        </a:gsLst>
-        <a:path path="circle">
-          <a:fillToRect l="50000" t="-80000" r="50000" b="180000"/>
-        </a:path>
-      </a:gradFill>
-      <a:gradFill rotWithShape="1">
-        <a:gsLst>
-          <a:gs pos="0">
-            <a:schemeClr val="phClr">
-              <a:tint val="80000"/>
-              <a:satMod val="300000"/>
-            </a:schemeClr>
-          </a:gs>
-          <a:gs pos="100000">
-            <a:schemeClr val="phClr">
-              <a:shade val="30000"/>
-              <a:satMod val="200000"/>
-            </a:schemeClr>
-          </a:gs>
-        </a:gsLst>
-        <a:path path="circle">
-          <a:fillToRect l="50000" t="50000" r="50000" b="50000"/>
-        </a:path>
-      </a:gradFill>
-    </a:bgFillStyleLst>
-  </a:fmtScheme>
-</a:themeOverride>
 </file>
--- a/companion-website/public/files/22. Is the New Testament Corrupted.pptx
+++ b/companion-website/public/files/22. Is the New Testament Corrupted.pptx
@@ -5,7 +5,7 @@
     <p:sldMasterId id="2147483648" r:id="rId1"/>
   </p:sldMasterIdLst>
   <p:notesMasterIdLst>
-    <p:notesMasterId r:id="rId41"/>
+    <p:notesMasterId r:id="rId42"/>
   </p:notesMasterIdLst>
   <p:sldIdLst>
     <p:sldId id="275" r:id="rId2"/>
@@ -25,28 +25,29 @@
     <p:sldId id="487" r:id="rId16"/>
     <p:sldId id="488" r:id="rId17"/>
     <p:sldId id="479" r:id="rId18"/>
-    <p:sldId id="484" r:id="rId19"/>
-    <p:sldId id="493" r:id="rId20"/>
-    <p:sldId id="489" r:id="rId21"/>
-    <p:sldId id="463" r:id="rId22"/>
-    <p:sldId id="465" r:id="rId23"/>
-    <p:sldId id="464" r:id="rId24"/>
-    <p:sldId id="439" r:id="rId25"/>
-    <p:sldId id="438" r:id="rId26"/>
-    <p:sldId id="474" r:id="rId27"/>
-    <p:sldId id="449" r:id="rId28"/>
-    <p:sldId id="450" r:id="rId29"/>
-    <p:sldId id="448" r:id="rId30"/>
-    <p:sldId id="471" r:id="rId31"/>
-    <p:sldId id="261" r:id="rId32"/>
-    <p:sldId id="466" r:id="rId33"/>
-    <p:sldId id="467" r:id="rId34"/>
-    <p:sldId id="446" r:id="rId35"/>
-    <p:sldId id="456" r:id="rId36"/>
-    <p:sldId id="451" r:id="rId37"/>
-    <p:sldId id="454" r:id="rId38"/>
-    <p:sldId id="455" r:id="rId39"/>
-    <p:sldId id="473" r:id="rId40"/>
+    <p:sldId id="494" r:id="rId19"/>
+    <p:sldId id="484" r:id="rId20"/>
+    <p:sldId id="493" r:id="rId21"/>
+    <p:sldId id="489" r:id="rId22"/>
+    <p:sldId id="463" r:id="rId23"/>
+    <p:sldId id="465" r:id="rId24"/>
+    <p:sldId id="464" r:id="rId25"/>
+    <p:sldId id="439" r:id="rId26"/>
+    <p:sldId id="438" r:id="rId27"/>
+    <p:sldId id="474" r:id="rId28"/>
+    <p:sldId id="449" r:id="rId29"/>
+    <p:sldId id="450" r:id="rId30"/>
+    <p:sldId id="448" r:id="rId31"/>
+    <p:sldId id="471" r:id="rId32"/>
+    <p:sldId id="261" r:id="rId33"/>
+    <p:sldId id="466" r:id="rId34"/>
+    <p:sldId id="467" r:id="rId35"/>
+    <p:sldId id="446" r:id="rId36"/>
+    <p:sldId id="456" r:id="rId37"/>
+    <p:sldId id="451" r:id="rId38"/>
+    <p:sldId id="454" r:id="rId39"/>
+    <p:sldId id="455" r:id="rId40"/>
+    <p:sldId id="473" r:id="rId41"/>
   </p:sldIdLst>
   <p:sldSz cx="9144000" cy="6858000" type="screen4x3"/>
   <p:notesSz cx="6858000" cy="9144000"/>
@@ -1549,7 +1550,7 @@
             <c:strRef>
               <c:f>Sheet1!$A$2:$A$17</c:f>
               <c:strCache>
-                <c:ptCount val="15"/>
+                <c:ptCount val="11"/>
                 <c:pt idx="0">
                   <c:v>New Testament</c:v>
                 </c:pt>
@@ -1560,39 +1561,27 @@
                   <c:v>Demosthenes - Speeches</c:v>
                 </c:pt>
                 <c:pt idx="3">
-                  <c:v>Euripides - Tragedies</c:v>
+                  <c:v>Herodotus - History</c:v>
                 </c:pt>
                 <c:pt idx="4">
-                  <c:v>Herodotus - History</c:v>
+                  <c:v>Homer - Illiad</c:v>
                 </c:pt>
                 <c:pt idx="5">
-                  <c:v>Homer - Illiad</c:v>
+                  <c:v>Livy - History of Rome</c:v>
                 </c:pt>
                 <c:pt idx="6">
-                  <c:v>Homer - Odyssey</c:v>
+                  <c:v>Plato - Tetralogies</c:v>
                 </c:pt>
                 <c:pt idx="7">
-                  <c:v>Livy - History of Rome</c:v>
+                  <c:v>Pliny the Elder - Natural History</c:v>
                 </c:pt>
                 <c:pt idx="8">
-                  <c:v>Plato - Tetralogies</c:v>
+                  <c:v>Sophocles - Oedipus Rex</c:v>
                 </c:pt>
                 <c:pt idx="9">
-                  <c:v>Pliny the Elder - Natural History</c:v>
+                  <c:v>Tacitus - Annals</c:v>
                 </c:pt>
                 <c:pt idx="10">
-                  <c:v>Pliny the Younger - Natural History</c:v>
-                </c:pt>
-                <c:pt idx="11">
-                  <c:v>Sophocles - Oedipus Rex</c:v>
-                </c:pt>
-                <c:pt idx="12">
-                  <c:v>Sophocles - Plays</c:v>
-                </c:pt>
-                <c:pt idx="13">
-                  <c:v>Tacitus - Annals</c:v>
-                </c:pt>
-                <c:pt idx="14">
                   <c:v>Thucydides - History</c:v>
                 </c:pt>
               </c:strCache>
@@ -1603,7 +1592,7 @@
               <c:f>Sheet1!$B$2:$B$17</c:f>
               <c:numCache>
                 <c:formatCode>General</c:formatCode>
-                <c:ptCount val="15"/>
+                <c:ptCount val="11"/>
                 <c:pt idx="0">
                   <c:v>25</c:v>
                 </c:pt>
@@ -1614,39 +1603,27 @@
                   <c:v>200</c:v>
                 </c:pt>
                 <c:pt idx="3">
-                  <c:v>106</c:v>
+                  <c:v>275</c:v>
                 </c:pt>
                 <c:pt idx="4">
-                  <c:v>275</c:v>
+                  <c:v>285</c:v>
                 </c:pt>
                 <c:pt idx="5">
-                  <c:v>285</c:v>
+                  <c:v>283</c:v>
                 </c:pt>
                 <c:pt idx="6">
-                  <c:v>400</c:v>
+                  <c:v>47</c:v>
                 </c:pt>
                 <c:pt idx="7">
-                  <c:v>283</c:v>
+                  <c:v>321</c:v>
                 </c:pt>
                 <c:pt idx="8">
-                  <c:v>47</c:v>
+                  <c:v>505</c:v>
                 </c:pt>
                 <c:pt idx="9">
-                  <c:v>321</c:v>
+                  <c:v>700</c:v>
                 </c:pt>
                 <c:pt idx="10">
-                  <c:v>737</c:v>
-                </c:pt>
-                <c:pt idx="11">
-                  <c:v>505</c:v>
-                </c:pt>
-                <c:pt idx="12">
-                  <c:v>5</c:v>
-                </c:pt>
-                <c:pt idx="13">
-                  <c:v>700</c:v>
-                </c:pt>
-                <c:pt idx="14">
                   <c:v>0</c:v>
                 </c:pt>
               </c:numCache>
@@ -1685,7 +1662,7 @@
             <c:strRef>
               <c:f>Sheet1!$A$2:$A$17</c:f>
               <c:strCache>
-                <c:ptCount val="15"/>
+                <c:ptCount val="11"/>
                 <c:pt idx="0">
                   <c:v>New Testament</c:v>
                 </c:pt>
@@ -1696,39 +1673,27 @@
                   <c:v>Demosthenes - Speeches</c:v>
                 </c:pt>
                 <c:pt idx="3">
-                  <c:v>Euripides - Tragedies</c:v>
+                  <c:v>Herodotus - History</c:v>
                 </c:pt>
                 <c:pt idx="4">
-                  <c:v>Herodotus - History</c:v>
+                  <c:v>Homer - Illiad</c:v>
                 </c:pt>
                 <c:pt idx="5">
-                  <c:v>Homer - Illiad</c:v>
+                  <c:v>Livy - History of Rome</c:v>
                 </c:pt>
                 <c:pt idx="6">
-                  <c:v>Homer - Odyssey</c:v>
+                  <c:v>Plato - Tetralogies</c:v>
                 </c:pt>
                 <c:pt idx="7">
-                  <c:v>Livy - History of Rome</c:v>
+                  <c:v>Pliny the Elder - Natural History</c:v>
                 </c:pt>
                 <c:pt idx="8">
-                  <c:v>Plato - Tetralogies</c:v>
+                  <c:v>Sophocles - Oedipus Rex</c:v>
                 </c:pt>
                 <c:pt idx="9">
-                  <c:v>Pliny the Elder - Natural History</c:v>
+                  <c:v>Tacitus - Annals</c:v>
                 </c:pt>
                 <c:pt idx="10">
-                  <c:v>Pliny the Younger - Natural History</c:v>
-                </c:pt>
-                <c:pt idx="11">
-                  <c:v>Sophocles - Oedipus Rex</c:v>
-                </c:pt>
-                <c:pt idx="12">
-                  <c:v>Sophocles - Plays</c:v>
-                </c:pt>
-                <c:pt idx="13">
-                  <c:v>Tacitus - Annals</c:v>
-                </c:pt>
-                <c:pt idx="14">
                   <c:v>Thucydides - History</c:v>
                 </c:pt>
               </c:strCache>
@@ -1739,35 +1704,29 @@
               <c:f>Sheet1!$C$2:$C$17</c:f>
               <c:numCache>
                 <c:formatCode>General</c:formatCode>
-                <c:ptCount val="15"/>
+                <c:ptCount val="11"/>
                 <c:pt idx="0">
                   <c:v>200</c:v>
                 </c:pt>
                 <c:pt idx="2">
                   <c:v>1200</c:v>
                 </c:pt>
-                <c:pt idx="4">
+                <c:pt idx="3">
                   <c:v>1050</c:v>
                 </c:pt>
-                <c:pt idx="5">
+                <c:pt idx="4">
                   <c:v>1265</c:v>
                 </c:pt>
                 <c:pt idx="6">
-                  <c:v>1200</c:v>
-                </c:pt>
-                <c:pt idx="8">
                   <c:v>1195</c:v>
                 </c:pt>
-                <c:pt idx="9">
+                <c:pt idx="7">
                   <c:v>900</c:v>
                 </c:pt>
-                <c:pt idx="12">
-                  <c:v>500</c:v>
-                </c:pt>
-                <c:pt idx="13">
+                <c:pt idx="9">
                   <c:v>250</c:v>
                 </c:pt>
-                <c:pt idx="14">
+                <c:pt idx="10">
                   <c:v>1300</c:v>
                 </c:pt>
               </c:numCache>
@@ -1859,7 +1818,7 @@
             <c:strRef>
               <c:f>Sheet1!$A$2:$A$17</c:f>
               <c:strCache>
-                <c:ptCount val="15"/>
+                <c:ptCount val="11"/>
                 <c:pt idx="0">
                   <c:v>New Testament</c:v>
                 </c:pt>
@@ -1870,39 +1829,27 @@
                   <c:v>Demosthenes - Speeches</c:v>
                 </c:pt>
                 <c:pt idx="3">
-                  <c:v>Euripides - Tragedies</c:v>
+                  <c:v>Herodotus - History</c:v>
                 </c:pt>
                 <c:pt idx="4">
-                  <c:v>Herodotus - History</c:v>
+                  <c:v>Homer - Illiad</c:v>
                 </c:pt>
                 <c:pt idx="5">
-                  <c:v>Homer - Illiad</c:v>
+                  <c:v>Livy - History of Rome</c:v>
                 </c:pt>
                 <c:pt idx="6">
-                  <c:v>Homer - Odyssey</c:v>
+                  <c:v>Plato - Tetralogies</c:v>
                 </c:pt>
                 <c:pt idx="7">
-                  <c:v>Livy - History of Rome</c:v>
+                  <c:v>Pliny the Elder - Natural History</c:v>
                 </c:pt>
                 <c:pt idx="8">
-                  <c:v>Plato - Tetralogies</c:v>
+                  <c:v>Sophocles - Oedipus Rex</c:v>
                 </c:pt>
                 <c:pt idx="9">
-                  <c:v>Pliny the Elder - Natural History</c:v>
+                  <c:v>Tacitus - Annals</c:v>
                 </c:pt>
                 <c:pt idx="10">
-                  <c:v>Pliny the Younger - Natural History</c:v>
-                </c:pt>
-                <c:pt idx="11">
-                  <c:v>Sophocles - Oedipus Rex</c:v>
-                </c:pt>
-                <c:pt idx="12">
-                  <c:v>Sophocles - Plays</c:v>
-                </c:pt>
-                <c:pt idx="13">
-                  <c:v>Tacitus - Annals</c:v>
-                </c:pt>
-                <c:pt idx="14">
                   <c:v>Thucydides - History</c:v>
                 </c:pt>
               </c:strCache>
@@ -1913,35 +1860,29 @@
               <c:f>Sheet1!$D$2:$D$17</c:f>
               <c:numCache>
                 <c:formatCode>General</c:formatCode>
-                <c:ptCount val="15"/>
+                <c:ptCount val="11"/>
                 <c:pt idx="0">
                   <c:v>225</c:v>
                 </c:pt>
                 <c:pt idx="2">
                   <c:v>1400</c:v>
                 </c:pt>
-                <c:pt idx="4">
+                <c:pt idx="3">
                   <c:v>1325</c:v>
                 </c:pt>
-                <c:pt idx="5">
+                <c:pt idx="4">
                   <c:v>1550</c:v>
                 </c:pt>
                 <c:pt idx="6">
-                  <c:v>1600</c:v>
-                </c:pt>
-                <c:pt idx="8">
                   <c:v>1242</c:v>
                 </c:pt>
-                <c:pt idx="9">
+                <c:pt idx="7">
                   <c:v>1221</c:v>
                 </c:pt>
-                <c:pt idx="12">
-                  <c:v>505</c:v>
-                </c:pt>
-                <c:pt idx="13">
+                <c:pt idx="9">
                   <c:v>950</c:v>
                 </c:pt>
-                <c:pt idx="14">
+                <c:pt idx="10">
                   <c:v>1300</c:v>
                 </c:pt>
               </c:numCache>
@@ -2124,6 +2065,403 @@
 </file>
 
 <file path=ppt/charts/chart5.xml><?xml version="1.0" encoding="utf-8"?>
+<c:chartSpace xmlns:c="http://schemas.openxmlformats.org/drawingml/2006/chart" xmlns:a="http://schemas.openxmlformats.org/drawingml/2006/main" xmlns:r="http://schemas.openxmlformats.org/officeDocument/2006/relationships" xmlns:c16r2="http://schemas.microsoft.com/office/drawing/2015/06/chart">
+  <c:date1904 val="0"/>
+  <c:lang val="en-US"/>
+  <c:roundedCorners val="0"/>
+  <mc:AlternateContent xmlns:mc="http://schemas.openxmlformats.org/markup-compatibility/2006">
+    <mc:Choice xmlns:c14="http://schemas.microsoft.com/office/drawing/2007/8/2/chart" Requires="c14">
+      <c14:style val="110"/>
+    </mc:Choice>
+    <mc:Fallback>
+      <c:style val="10"/>
+    </mc:Fallback>
+  </mc:AlternateContent>
+  <c:clrMapOvr bg1="lt1" tx1="dk1" bg2="lt2" tx2="dk2" accent1="accent1" accent2="accent2" accent3="accent3" accent4="accent4" accent5="accent5" accent6="accent6" hlink="hlink" folHlink="folHlink"/>
+  <c:chart>
+    <c:autoTitleDeleted val="1"/>
+    <c:plotArea>
+      <c:layout/>
+      <c:barChart>
+        <c:barDir val="bar"/>
+        <c:grouping val="stacked"/>
+        <c:varyColors val="0"/>
+        <c:ser>
+          <c:idx val="0"/>
+          <c:order val="0"/>
+          <c:tx>
+            <c:strRef>
+              <c:f>Sheet1!$B$1</c:f>
+              <c:strCache>
+                <c:ptCount val="1"/>
+                <c:pt idx="0">
+                  <c:v>Copies</c:v>
+                </c:pt>
+              </c:strCache>
+            </c:strRef>
+          </c:tx>
+          <c:spPr>
+            <a:solidFill>
+              <a:srgbClr val="009EC0"/>
+            </a:solidFill>
+            <a:ln w="25400">
+              <a:noFill/>
+            </a:ln>
+          </c:spPr>
+          <c:invertIfNegative val="0"/>
+          <c:dPt>
+            <c:idx val="0"/>
+            <c:invertIfNegative val="0"/>
+            <c:bubble3D val="0"/>
+            <c:extLst>
+              <c:ext xmlns:c16="http://schemas.microsoft.com/office/drawing/2014/chart" uri="{C3380CC4-5D6E-409C-BE32-E72D297353CC}">
+                <c16:uniqueId val="{0000000A-1B33-5944-93E6-FAE2DF40E450}"/>
+              </c:ext>
+            </c:extLst>
+          </c:dPt>
+          <c:dPt>
+            <c:idx val="1"/>
+            <c:invertIfNegative val="0"/>
+            <c:bubble3D val="0"/>
+            <c:extLst>
+              <c:ext xmlns:c16="http://schemas.microsoft.com/office/drawing/2014/chart" uri="{C3380CC4-5D6E-409C-BE32-E72D297353CC}">
+                <c16:uniqueId val="{00000008-1B33-5944-93E6-FAE2DF40E450}"/>
+              </c:ext>
+            </c:extLst>
+          </c:dPt>
+          <c:dPt>
+            <c:idx val="2"/>
+            <c:invertIfNegative val="0"/>
+            <c:bubble3D val="0"/>
+            <c:extLst>
+              <c:ext xmlns:c16="http://schemas.microsoft.com/office/drawing/2014/chart" uri="{C3380CC4-5D6E-409C-BE32-E72D297353CC}">
+                <c16:uniqueId val="{00000006-1B33-5944-93E6-FAE2DF40E450}"/>
+              </c:ext>
+            </c:extLst>
+          </c:dPt>
+          <c:dLbls>
+            <c:dLbl>
+              <c:idx val="1"/>
+              <c:delete val="1"/>
+              <c:extLst>
+                <c:ext xmlns:c15="http://schemas.microsoft.com/office/drawing/2012/chart" uri="{CE6537A1-D6FC-4f65-9D91-7224C49458BB}"/>
+                <c:ext xmlns:c16="http://schemas.microsoft.com/office/drawing/2014/chart" uri="{C3380CC4-5D6E-409C-BE32-E72D297353CC}">
+                  <c16:uniqueId val="{00000008-1B33-5944-93E6-FAE2DF40E450}"/>
+                </c:ext>
+              </c:extLst>
+            </c:dLbl>
+            <c:dLbl>
+              <c:idx val="2"/>
+              <c:delete val="1"/>
+              <c:extLst>
+                <c:ext xmlns:c15="http://schemas.microsoft.com/office/drawing/2012/chart" uri="{CE6537A1-D6FC-4f65-9D91-7224C49458BB}"/>
+                <c:ext xmlns:c16="http://schemas.microsoft.com/office/drawing/2014/chart" uri="{C3380CC4-5D6E-409C-BE32-E72D297353CC}">
+                  <c16:uniqueId val="{00000006-1B33-5944-93E6-FAE2DF40E450}"/>
+                </c:ext>
+              </c:extLst>
+            </c:dLbl>
+            <c:dLbl>
+              <c:idx val="3"/>
+              <c:delete val="1"/>
+              <c:extLst>
+                <c:ext xmlns:c15="http://schemas.microsoft.com/office/drawing/2012/chart" uri="{CE6537A1-D6FC-4f65-9D91-7224C49458BB}"/>
+                <c:ext xmlns:c16="http://schemas.microsoft.com/office/drawing/2014/chart" uri="{C3380CC4-5D6E-409C-BE32-E72D297353CC}">
+                  <c16:uniqueId val="{00000006-5008-844A-8A90-088BCF3EEC40}"/>
+                </c:ext>
+              </c:extLst>
+            </c:dLbl>
+            <c:dLbl>
+              <c:idx val="5"/>
+              <c:delete val="1"/>
+              <c:extLst>
+                <c:ext xmlns:c15="http://schemas.microsoft.com/office/drawing/2012/chart" uri="{CE6537A1-D6FC-4f65-9D91-7224C49458BB}"/>
+                <c:ext xmlns:c16="http://schemas.microsoft.com/office/drawing/2014/chart" uri="{C3380CC4-5D6E-409C-BE32-E72D297353CC}">
+                  <c16:uniqueId val="{00000004-5008-844A-8A90-088BCF3EEC40}"/>
+                </c:ext>
+              </c:extLst>
+            </c:dLbl>
+            <c:dLbl>
+              <c:idx val="6"/>
+              <c:delete val="1"/>
+              <c:extLst>
+                <c:ext xmlns:c15="http://schemas.microsoft.com/office/drawing/2012/chart" uri="{CE6537A1-D6FC-4f65-9D91-7224C49458BB}"/>
+                <c:ext xmlns:c16="http://schemas.microsoft.com/office/drawing/2014/chart" uri="{C3380CC4-5D6E-409C-BE32-E72D297353CC}">
+                  <c16:uniqueId val="{00000007-5008-844A-8A90-088BCF3EEC40}"/>
+                </c:ext>
+              </c:extLst>
+            </c:dLbl>
+            <c:dLbl>
+              <c:idx val="7"/>
+              <c:delete val="1"/>
+              <c:extLst>
+                <c:ext xmlns:c15="http://schemas.microsoft.com/office/drawing/2012/chart" uri="{CE6537A1-D6FC-4f65-9D91-7224C49458BB}"/>
+                <c:ext xmlns:c16="http://schemas.microsoft.com/office/drawing/2014/chart" uri="{C3380CC4-5D6E-409C-BE32-E72D297353CC}">
+                  <c16:uniqueId val="{00000008-5008-844A-8A90-088BCF3EEC40}"/>
+                </c:ext>
+              </c:extLst>
+            </c:dLbl>
+            <c:dLbl>
+              <c:idx val="8"/>
+              <c:delete val="1"/>
+              <c:extLst>
+                <c:ext xmlns:c15="http://schemas.microsoft.com/office/drawing/2012/chart" uri="{CE6537A1-D6FC-4f65-9D91-7224C49458BB}"/>
+                <c:ext xmlns:c16="http://schemas.microsoft.com/office/drawing/2014/chart" uri="{C3380CC4-5D6E-409C-BE32-E72D297353CC}">
+                  <c16:uniqueId val="{00000009-5008-844A-8A90-088BCF3EEC40}"/>
+                </c:ext>
+              </c:extLst>
+            </c:dLbl>
+            <c:dLbl>
+              <c:idx val="9"/>
+              <c:delete val="1"/>
+              <c:extLst>
+                <c:ext xmlns:c15="http://schemas.microsoft.com/office/drawing/2012/chart" uri="{CE6537A1-D6FC-4f65-9D91-7224C49458BB}"/>
+                <c:ext xmlns:c16="http://schemas.microsoft.com/office/drawing/2014/chart" uri="{C3380CC4-5D6E-409C-BE32-E72D297353CC}">
+                  <c16:uniqueId val="{0000000A-5008-844A-8A90-088BCF3EEC40}"/>
+                </c:ext>
+              </c:extLst>
+            </c:dLbl>
+            <c:dLbl>
+              <c:idx val="10"/>
+              <c:delete val="1"/>
+              <c:extLst>
+                <c:ext xmlns:c15="http://schemas.microsoft.com/office/drawing/2012/chart" uri="{CE6537A1-D6FC-4f65-9D91-7224C49458BB}"/>
+                <c:ext xmlns:c16="http://schemas.microsoft.com/office/drawing/2014/chart" uri="{C3380CC4-5D6E-409C-BE32-E72D297353CC}">
+                  <c16:uniqueId val="{0000000B-5008-844A-8A90-088BCF3EEC40}"/>
+                </c:ext>
+              </c:extLst>
+            </c:dLbl>
+            <c:spPr>
+              <a:noFill/>
+              <a:ln>
+                <a:noFill/>
+              </a:ln>
+              <a:effectLst/>
+            </c:spPr>
+            <c:txPr>
+              <a:bodyPr wrap="square" lIns="38100" tIns="19050" rIns="38100" bIns="19050" anchor="ctr">
+                <a:spAutoFit/>
+              </a:bodyPr>
+              <a:lstStyle/>
+              <a:p>
+                <a:pPr>
+                  <a:defRPr b="1">
+                    <a:solidFill>
+                      <a:schemeClr val="bg1"/>
+                    </a:solidFill>
+                  </a:defRPr>
+                </a:pPr>
+                <a:endParaRPr lang="en-US"/>
+              </a:p>
+            </c:txPr>
+            <c:dLblPos val="inEnd"/>
+            <c:showLegendKey val="0"/>
+            <c:showVal val="1"/>
+            <c:showCatName val="0"/>
+            <c:showSerName val="0"/>
+            <c:showPercent val="0"/>
+            <c:showBubbleSize val="0"/>
+            <c:showLeaderLines val="0"/>
+            <c:extLst>
+              <c:ext xmlns:c15="http://schemas.microsoft.com/office/drawing/2012/chart" uri="{CE6537A1-D6FC-4f65-9D91-7224C49458BB}">
+                <c15:showLeaderLines val="1"/>
+              </c:ext>
+            </c:extLst>
+          </c:dLbls>
+          <c:cat>
+            <c:strRef>
+              <c:f>Sheet1!$A$2:$A$17</c:f>
+              <c:strCache>
+                <c:ptCount val="11"/>
+                <c:pt idx="0">
+                  <c:v>New Testament</c:v>
+                </c:pt>
+                <c:pt idx="1">
+                  <c:v>Caesar - Gallic Wars</c:v>
+                </c:pt>
+                <c:pt idx="2">
+                  <c:v>Demosthenes - Speeches</c:v>
+                </c:pt>
+                <c:pt idx="3">
+                  <c:v>Herodotus - History</c:v>
+                </c:pt>
+                <c:pt idx="4">
+                  <c:v>Homer - Illiad</c:v>
+                </c:pt>
+                <c:pt idx="5">
+                  <c:v>Livy - History of Rome</c:v>
+                </c:pt>
+                <c:pt idx="6">
+                  <c:v>Plato - Tetralogies</c:v>
+                </c:pt>
+                <c:pt idx="7">
+                  <c:v>Pliny the Elder - Natural History</c:v>
+                </c:pt>
+                <c:pt idx="8">
+                  <c:v>Sophocles - Oedipus Rex</c:v>
+                </c:pt>
+                <c:pt idx="9">
+                  <c:v>Tacitus - Annals</c:v>
+                </c:pt>
+                <c:pt idx="10">
+                  <c:v>Thucydides - History</c:v>
+                </c:pt>
+              </c:strCache>
+            </c:strRef>
+          </c:cat>
+          <c:val>
+            <c:numRef>
+              <c:f>Sheet1!$B$2:$B$17</c:f>
+              <c:numCache>
+                <c:formatCode>General</c:formatCode>
+                <c:ptCount val="11"/>
+                <c:pt idx="0">
+                  <c:v>5838</c:v>
+                </c:pt>
+                <c:pt idx="1">
+                  <c:v>251</c:v>
+                </c:pt>
+                <c:pt idx="2">
+                  <c:v>340</c:v>
+                </c:pt>
+                <c:pt idx="3">
+                  <c:v>109</c:v>
+                </c:pt>
+                <c:pt idx="4">
+                  <c:v>1757</c:v>
+                </c:pt>
+                <c:pt idx="5">
+                  <c:v>150</c:v>
+                </c:pt>
+                <c:pt idx="6">
+                  <c:v>210</c:v>
+                </c:pt>
+                <c:pt idx="7">
+                  <c:v>200</c:v>
+                </c:pt>
+                <c:pt idx="8">
+                  <c:v>193</c:v>
+                </c:pt>
+                <c:pt idx="9">
+                  <c:v>22</c:v>
+                </c:pt>
+                <c:pt idx="10">
+                  <c:v>96</c:v>
+                </c:pt>
+              </c:numCache>
+            </c:numRef>
+          </c:val>
+          <c:extLst>
+            <c:ext xmlns:c16="http://schemas.microsoft.com/office/drawing/2014/chart" uri="{C3380CC4-5D6E-409C-BE32-E72D297353CC}">
+              <c16:uniqueId val="{00000000-56D6-774A-AEC1-01E5BF60A988}"/>
+            </c:ext>
+          </c:extLst>
+        </c:ser>
+        <c:dLbls>
+          <c:showLegendKey val="0"/>
+          <c:showVal val="0"/>
+          <c:showCatName val="0"/>
+          <c:showSerName val="0"/>
+          <c:showPercent val="0"/>
+          <c:showBubbleSize val="0"/>
+        </c:dLbls>
+        <c:gapWidth val="44"/>
+        <c:overlap val="100"/>
+        <c:axId val="790563136"/>
+        <c:axId val="768197296"/>
+      </c:barChart>
+      <c:catAx>
+        <c:axId val="790563136"/>
+        <c:scaling>
+          <c:orientation val="minMax"/>
+        </c:scaling>
+        <c:delete val="0"/>
+        <c:axPos val="l"/>
+        <c:numFmt formatCode="General" sourceLinked="0"/>
+        <c:majorTickMark val="out"/>
+        <c:minorTickMark val="none"/>
+        <c:tickLblPos val="nextTo"/>
+        <c:spPr>
+          <a:ln>
+            <a:solidFill>
+              <a:prstClr val="black">
+                <a:lumMod val="65000"/>
+                <a:lumOff val="35000"/>
+                <a:alpha val="50000"/>
+              </a:prstClr>
+            </a:solidFill>
+          </a:ln>
+        </c:spPr>
+        <c:txPr>
+          <a:bodyPr/>
+          <a:lstStyle/>
+          <a:p>
+            <a:pPr>
+              <a:defRPr sz="1400" baseline="0">
+                <a:solidFill>
+                  <a:schemeClr val="bg1"/>
+                </a:solidFill>
+              </a:defRPr>
+            </a:pPr>
+            <a:endParaRPr lang="en-US"/>
+          </a:p>
+        </c:txPr>
+        <c:crossAx val="768197296"/>
+        <c:crosses val="autoZero"/>
+        <c:auto val="1"/>
+        <c:lblAlgn val="ctr"/>
+        <c:lblOffset val="100"/>
+        <c:noMultiLvlLbl val="0"/>
+      </c:catAx>
+      <c:valAx>
+        <c:axId val="768197296"/>
+        <c:scaling>
+          <c:orientation val="minMax"/>
+        </c:scaling>
+        <c:delete val="1"/>
+        <c:axPos val="b"/>
+        <c:majorGridlines>
+          <c:spPr>
+            <a:ln w="9525">
+              <a:solidFill>
+                <a:prstClr val="black">
+                  <a:lumMod val="65000"/>
+                  <a:lumOff val="35000"/>
+                  <a:alpha val="40000"/>
+                </a:prstClr>
+              </a:solidFill>
+            </a:ln>
+          </c:spPr>
+        </c:majorGridlines>
+        <c:numFmt formatCode="General" sourceLinked="1"/>
+        <c:majorTickMark val="out"/>
+        <c:minorTickMark val="none"/>
+        <c:tickLblPos val="none"/>
+        <c:crossAx val="790563136"/>
+        <c:crosses val="autoZero"/>
+        <c:crossBetween val="between"/>
+      </c:valAx>
+    </c:plotArea>
+    <c:plotVisOnly val="1"/>
+    <c:dispBlanksAs val="gap"/>
+    <c:showDLblsOverMax val="0"/>
+  </c:chart>
+  <c:txPr>
+    <a:bodyPr/>
+    <a:lstStyle/>
+    <a:p>
+      <a:pPr>
+        <a:defRPr sz="1800"/>
+      </a:pPr>
+      <a:endParaRPr lang="en-US"/>
+    </a:p>
+  </c:txPr>
+  <c:externalData r:id="rId2">
+    <c:autoUpdate val="0"/>
+  </c:externalData>
+</c:chartSpace>
+</file>
+
+<file path=ppt/charts/chart6.xml><?xml version="1.0" encoding="utf-8"?>
 <c:chartSpace xmlns:c="http://schemas.openxmlformats.org/drawingml/2006/chart" xmlns:a="http://schemas.openxmlformats.org/drawingml/2006/main" xmlns:r="http://schemas.openxmlformats.org/officeDocument/2006/relationships" xmlns:c16r2="http://schemas.microsoft.com/office/drawing/2015/06/chart">
   <c:date1904 val="0"/>
   <c:lang val="en-US"/>
@@ -2436,7 +2774,7 @@
 </c:chartSpace>
 </file>
 
-<file path=ppt/charts/chart6.xml><?xml version="1.0" encoding="utf-8"?>
+<file path=ppt/charts/chart7.xml><?xml version="1.0" encoding="utf-8"?>
 <c:chartSpace xmlns:c="http://schemas.openxmlformats.org/drawingml/2006/chart" xmlns:a="http://schemas.openxmlformats.org/drawingml/2006/main" xmlns:r="http://schemas.openxmlformats.org/officeDocument/2006/relationships" xmlns:c16r2="http://schemas.microsoft.com/office/drawing/2015/06/chart">
   <c:date1904 val="0"/>
   <c:lang val="en-US"/>
@@ -2755,7 +3093,7 @@
 </c:chartSpace>
 </file>
 
-<file path=ppt/charts/chart7.xml><?xml version="1.0" encoding="utf-8"?>
+<file path=ppt/charts/chart8.xml><?xml version="1.0" encoding="utf-8"?>
 <c:chartSpace xmlns:c="http://schemas.openxmlformats.org/drawingml/2006/chart" xmlns:a="http://schemas.openxmlformats.org/drawingml/2006/main" xmlns:r="http://schemas.openxmlformats.org/officeDocument/2006/relationships" xmlns:c16r2="http://schemas.microsoft.com/office/drawing/2015/06/chart">
   <c:date1904 val="0"/>
   <c:lang val="en-US"/>
@@ -3668,7 +4006,7 @@
             <a:spLocks noGrp="1"/>
           </p:cNvSpPr>
           <p:nvPr>
-            <p:ph type="sldNum" sz="quarter" idx="10"/>
+            <p:ph type="sldNum" sz="quarter" idx="5"/>
           </p:nvPr>
         </p:nvSpPr>
         <p:spPr/>
@@ -3676,9 +4014,9 @@
           <a:bodyPr/>
           <a:lstStyle/>
           <a:p>
-            <a:fld id="{0A2C3B37-55FA-284F-9E83-751B4EA6E9B4}" type="slidenum">
+            <a:fld id="{E31E1A05-B3B6-6F43-8051-B5A825C5C2A3}" type="slidenum">
               <a:rPr lang="en-US" smtClean="0"/>
-              <a:t>19</a:t>
+              <a:t>18</a:t>
             </a:fld>
             <a:endParaRPr lang="en-US"/>
           </a:p>
@@ -3687,7 +4025,7 @@
     </p:spTree>
     <p:extLst>
       <p:ext uri="{BB962C8B-B14F-4D97-AF65-F5344CB8AC3E}">
-        <p14:creationId xmlns:p14="http://schemas.microsoft.com/office/powerpoint/2010/main" val="3238388308"/>
+        <p14:creationId xmlns:p14="http://schemas.microsoft.com/office/powerpoint/2010/main" val="2004691788"/>
       </p:ext>
     </p:extLst>
   </p:cSld>
@@ -3771,7 +4109,7 @@
     </p:spTree>
     <p:extLst>
       <p:ext uri="{BB962C8B-B14F-4D97-AF65-F5344CB8AC3E}">
-        <p14:creationId xmlns:p14="http://schemas.microsoft.com/office/powerpoint/2010/main" val="166182347"/>
+        <p14:creationId xmlns:p14="http://schemas.microsoft.com/office/powerpoint/2010/main" val="3238388308"/>
       </p:ext>
     </p:extLst>
   </p:cSld>
@@ -3846,7 +4184,7 @@
           <a:p>
             <a:fld id="{0A2C3B37-55FA-284F-9E83-751B4EA6E9B4}" type="slidenum">
               <a:rPr lang="en-US" smtClean="0"/>
-              <a:t>37</a:t>
+              <a:t>21</a:t>
             </a:fld>
             <a:endParaRPr lang="en-US"/>
           </a:p>
@@ -3855,7 +4193,7 @@
     </p:spTree>
     <p:extLst>
       <p:ext uri="{BB962C8B-B14F-4D97-AF65-F5344CB8AC3E}">
-        <p14:creationId xmlns:p14="http://schemas.microsoft.com/office/powerpoint/2010/main" val="1212251316"/>
+        <p14:creationId xmlns:p14="http://schemas.microsoft.com/office/powerpoint/2010/main" val="166182347"/>
       </p:ext>
     </p:extLst>
   </p:cSld>
@@ -3939,7 +4277,7 @@
     </p:spTree>
     <p:extLst>
       <p:ext uri="{BB962C8B-B14F-4D97-AF65-F5344CB8AC3E}">
-        <p14:creationId xmlns:p14="http://schemas.microsoft.com/office/powerpoint/2010/main" val="4021696528"/>
+        <p14:creationId xmlns:p14="http://schemas.microsoft.com/office/powerpoint/2010/main" val="1212251316"/>
       </p:ext>
     </p:extLst>
   </p:cSld>
@@ -4015,6 +4353,90 @@
             <a:fld id="{0A2C3B37-55FA-284F-9E83-751B4EA6E9B4}" type="slidenum">
               <a:rPr lang="en-US" smtClean="0"/>
               <a:t>39</a:t>
+            </a:fld>
+            <a:endParaRPr lang="en-US"/>
+          </a:p>
+        </p:txBody>
+      </p:sp>
+    </p:spTree>
+    <p:extLst>
+      <p:ext uri="{BB962C8B-B14F-4D97-AF65-F5344CB8AC3E}">
+        <p14:creationId xmlns:p14="http://schemas.microsoft.com/office/powerpoint/2010/main" val="4021696528"/>
+      </p:ext>
+    </p:extLst>
+  </p:cSld>
+  <p:clrMapOvr>
+    <a:masterClrMapping/>
+  </p:clrMapOvr>
+</p:notes>
+</file>
+
+<file path=ppt/notesSlides/notesSlide16.xml><?xml version="1.0" encoding="utf-8"?>
+<p:notes xmlns:a="http://schemas.openxmlformats.org/drawingml/2006/main" xmlns:r="http://schemas.openxmlformats.org/officeDocument/2006/relationships" xmlns:p="http://schemas.openxmlformats.org/presentationml/2006/main">
+  <p:cSld>
+    <p:spTree>
+      <p:nvGrpSpPr>
+        <p:cNvPr id="1" name=""/>
+        <p:cNvGrpSpPr/>
+        <p:nvPr/>
+      </p:nvGrpSpPr>
+      <p:grpSpPr>
+        <a:xfrm>
+          <a:off x="0" y="0"/>
+          <a:ext cx="0" cy="0"/>
+          <a:chOff x="0" y="0"/>
+          <a:chExt cx="0" cy="0"/>
+        </a:xfrm>
+      </p:grpSpPr>
+      <p:sp>
+        <p:nvSpPr>
+          <p:cNvPr id="2" name="Slide Image Placeholder 1"/>
+          <p:cNvSpPr>
+            <a:spLocks noGrp="1" noRot="1" noChangeAspect="1"/>
+          </p:cNvSpPr>
+          <p:nvPr>
+            <p:ph type="sldImg"/>
+          </p:nvPr>
+        </p:nvSpPr>
+        <p:spPr/>
+      </p:sp>
+      <p:sp>
+        <p:nvSpPr>
+          <p:cNvPr id="3" name="Notes Placeholder 2"/>
+          <p:cNvSpPr>
+            <a:spLocks noGrp="1"/>
+          </p:cNvSpPr>
+          <p:nvPr>
+            <p:ph type="body" idx="1"/>
+          </p:nvPr>
+        </p:nvSpPr>
+        <p:spPr/>
+        <p:txBody>
+          <a:bodyPr/>
+          <a:lstStyle/>
+          <a:p>
+            <a:endParaRPr lang="en-US" dirty="0"/>
+          </a:p>
+        </p:txBody>
+      </p:sp>
+      <p:sp>
+        <p:nvSpPr>
+          <p:cNvPr id="4" name="Slide Number Placeholder 3"/>
+          <p:cNvSpPr>
+            <a:spLocks noGrp="1"/>
+          </p:cNvSpPr>
+          <p:nvPr>
+            <p:ph type="sldNum" sz="quarter" idx="10"/>
+          </p:nvPr>
+        </p:nvSpPr>
+        <p:spPr/>
+        <p:txBody>
+          <a:bodyPr/>
+          <a:lstStyle/>
+          <a:p>
+            <a:fld id="{0A2C3B37-55FA-284F-9E83-751B4EA6E9B4}" type="slidenum">
+              <a:rPr lang="en-US" smtClean="0"/>
+              <a:t>40</a:t>
             </a:fld>
             <a:endParaRPr lang="en-US"/>
           </a:p>
@@ -16322,6 +16744,11 @@
           </p:cNvGraphicFramePr>
           <p:nvPr>
             <p:ph idx="1"/>
+            <p:extLst>
+              <p:ext uri="{D42A27DB-BD31-4B8C-83A1-F6EECF244321}">
+                <p14:modId xmlns:p14="http://schemas.microsoft.com/office/powerpoint/2010/main" val="2713291972"/>
+              </p:ext>
+            </p:extLst>
           </p:nvPr>
         </p:nvGraphicFramePr>
         <p:xfrm>
@@ -16509,6 +16936,217 @@
 </file>
 
 <file path=ppt/slides/slide18.xml><?xml version="1.0" encoding="utf-8"?>
+<p:sld xmlns:a="http://schemas.openxmlformats.org/drawingml/2006/main" xmlns:r="http://schemas.openxmlformats.org/officeDocument/2006/relationships" xmlns:p="http://schemas.openxmlformats.org/presentationml/2006/main">
+  <p:cSld>
+    <p:spTree>
+      <p:nvGrpSpPr>
+        <p:cNvPr id="1" name=""/>
+        <p:cNvGrpSpPr/>
+        <p:nvPr/>
+      </p:nvGrpSpPr>
+      <p:grpSpPr>
+        <a:xfrm>
+          <a:off x="0" y="0"/>
+          <a:ext cx="0" cy="0"/>
+          <a:chOff x="0" y="0"/>
+          <a:chExt cx="0" cy="0"/>
+        </a:xfrm>
+      </p:grpSpPr>
+      <p:graphicFrame>
+        <p:nvGraphicFramePr>
+          <p:cNvPr id="4" name="Content Placeholder 3"/>
+          <p:cNvGraphicFramePr>
+            <a:graphicFrameLocks noGrp="1"/>
+          </p:cNvGraphicFramePr>
+          <p:nvPr>
+            <p:ph idx="1"/>
+          </p:nvPr>
+        </p:nvGraphicFramePr>
+        <p:xfrm>
+          <a:off x="228600" y="990600"/>
+          <a:ext cx="8686800" cy="5791200"/>
+        </p:xfrm>
+        <a:graphic>
+          <a:graphicData uri="http://schemas.openxmlformats.org/drawingml/2006/chart">
+            <c:chart xmlns:c="http://schemas.openxmlformats.org/drawingml/2006/chart" xmlns:r="http://schemas.openxmlformats.org/officeDocument/2006/relationships" r:id="rId3"/>
+          </a:graphicData>
+        </a:graphic>
+      </p:graphicFrame>
+      <p:sp>
+        <p:nvSpPr>
+          <p:cNvPr id="6" name="TextBox 5"/>
+          <p:cNvSpPr txBox="1"/>
+          <p:nvPr/>
+        </p:nvSpPr>
+        <p:spPr>
+          <a:xfrm>
+            <a:off x="228600" y="0"/>
+            <a:ext cx="8915400" cy="830997"/>
+          </a:xfrm>
+          <a:prstGeom prst="rect">
+            <a:avLst/>
+          </a:prstGeom>
+          <a:noFill/>
+        </p:spPr>
+        <p:txBody>
+          <a:bodyPr wrap="square" rtlCol="0">
+            <a:spAutoFit/>
+          </a:bodyPr>
+          <a:lstStyle/>
+          <a:p>
+            <a:r>
+              <a:rPr lang="en-US" sz="2800" b="1" dirty="0"/>
+              <a:t>Number of manuscripts</a:t>
+            </a:r>
+            <a:br>
+              <a:rPr lang="en-US" sz="2800" b="1" dirty="0"/>
+            </a:br>
+            <a:r>
+              <a:rPr lang="en-US" sz="2000" dirty="0"/>
+              <a:t>(larger is better)</a:t>
+            </a:r>
+            <a:endParaRPr lang="en-US" sz="2800" dirty="0"/>
+          </a:p>
+        </p:txBody>
+      </p:sp>
+    </p:spTree>
+    <p:extLst>
+      <p:ext uri="{BB962C8B-B14F-4D97-AF65-F5344CB8AC3E}">
+        <p14:creationId xmlns:p14="http://schemas.microsoft.com/office/powerpoint/2010/main" val="1881251388"/>
+      </p:ext>
+    </p:extLst>
+  </p:cSld>
+  <p:clrMapOvr>
+    <a:masterClrMapping/>
+  </p:clrMapOvr>
+  <p:timing>
+    <p:tnLst>
+      <p:par>
+        <p:cTn id="1" dur="indefinite" restart="never" nodeType="tmRoot">
+          <p:childTnLst>
+            <p:seq concurrent="1" nextAc="seek">
+              <p:cTn id="2" dur="indefinite" nodeType="mainSeq">
+                <p:childTnLst>
+                  <p:par>
+                    <p:cTn id="3" fill="hold">
+                      <p:stCondLst>
+                        <p:cond delay="indefinite"/>
+                      </p:stCondLst>
+                      <p:childTnLst>
+                        <p:par>
+                          <p:cTn id="4" fill="hold">
+                            <p:stCondLst>
+                              <p:cond delay="0"/>
+                            </p:stCondLst>
+                            <p:childTnLst>
+                              <p:par>
+                                <p:cTn id="5" presetID="10" presetClass="entr" presetSubtype="0" fill="hold" grpId="0" nodeType="clickEffect">
+                                  <p:stCondLst>
+                                    <p:cond delay="0"/>
+                                  </p:stCondLst>
+                                  <p:childTnLst>
+                                    <p:set>
+                                      <p:cBhvr>
+                                        <p:cTn id="6" dur="1" fill="hold">
+                                          <p:stCondLst>
+                                            <p:cond delay="0"/>
+                                          </p:stCondLst>
+                                        </p:cTn>
+                                        <p:tgtEl>
+                                          <p:spTgt spid="4"/>
+                                        </p:tgtEl>
+                                        <p:attrNameLst>
+                                          <p:attrName>style.visibility</p:attrName>
+                                        </p:attrNameLst>
+                                      </p:cBhvr>
+                                      <p:to>
+                                        <p:strVal val="visible"/>
+                                      </p:to>
+                                    </p:set>
+                                    <p:animEffect transition="in" filter="fade">
+                                      <p:cBhvr>
+                                        <p:cTn id="7" dur="250"/>
+                                        <p:tgtEl>
+                                          <p:spTgt spid="4"/>
+                                        </p:tgtEl>
+                                      </p:cBhvr>
+                                    </p:animEffect>
+                                  </p:childTnLst>
+                                </p:cTn>
+                              </p:par>
+                              <p:par>
+                                <p:cTn id="8" presetID="10" presetClass="entr" presetSubtype="0" fill="hold" grpId="0" nodeType="withEffect">
+                                  <p:stCondLst>
+                                    <p:cond delay="0"/>
+                                  </p:stCondLst>
+                                  <p:childTnLst>
+                                    <p:set>
+                                      <p:cBhvr>
+                                        <p:cTn id="9" dur="1" fill="hold">
+                                          <p:stCondLst>
+                                            <p:cond delay="0"/>
+                                          </p:stCondLst>
+                                        </p:cTn>
+                                        <p:tgtEl>
+                                          <p:spTgt spid="6"/>
+                                        </p:tgtEl>
+                                        <p:attrNameLst>
+                                          <p:attrName>style.visibility</p:attrName>
+                                        </p:attrNameLst>
+                                      </p:cBhvr>
+                                      <p:to>
+                                        <p:strVal val="visible"/>
+                                      </p:to>
+                                    </p:set>
+                                    <p:animEffect transition="in" filter="fade">
+                                      <p:cBhvr>
+                                        <p:cTn id="10" dur="250"/>
+                                        <p:tgtEl>
+                                          <p:spTgt spid="6"/>
+                                        </p:tgtEl>
+                                      </p:cBhvr>
+                                    </p:animEffect>
+                                  </p:childTnLst>
+                                </p:cTn>
+                              </p:par>
+                            </p:childTnLst>
+                          </p:cTn>
+                        </p:par>
+                      </p:childTnLst>
+                    </p:cTn>
+                  </p:par>
+                </p:childTnLst>
+              </p:cTn>
+              <p:prevCondLst>
+                <p:cond evt="onPrev" delay="0">
+                  <p:tgtEl>
+                    <p:sldTgt/>
+                  </p:tgtEl>
+                </p:cond>
+              </p:prevCondLst>
+              <p:nextCondLst>
+                <p:cond evt="onNext" delay="0">
+                  <p:tgtEl>
+                    <p:sldTgt/>
+                  </p:tgtEl>
+                </p:cond>
+              </p:nextCondLst>
+            </p:seq>
+          </p:childTnLst>
+        </p:cTn>
+      </p:par>
+    </p:tnLst>
+    <p:bldLst>
+      <p:bldGraphic spid="4" grpId="0">
+        <p:bldAsOne/>
+      </p:bldGraphic>
+      <p:bldP spid="6" grpId="0"/>
+    </p:bldLst>
+  </p:timing>
+</p:sld>
+</file>
+
+<file path=ppt/slides/slide19.xml><?xml version="1.0" encoding="utf-8"?>
 <p:sld xmlns:a="http://schemas.openxmlformats.org/drawingml/2006/main" xmlns:r="http://schemas.openxmlformats.org/officeDocument/2006/relationships" xmlns:p="http://schemas.openxmlformats.org/presentationml/2006/main" show="0">
   <p:cSld>
     <p:spTree>
@@ -16574,7 +17212,82 @@
 </p:sld>
 </file>
 
-<file path=ppt/slides/slide19.xml><?xml version="1.0" encoding="utf-8"?>
+<file path=ppt/slides/slide2.xml><?xml version="1.0" encoding="utf-8"?>
+<p:sld xmlns:a="http://schemas.openxmlformats.org/drawingml/2006/main" xmlns:r="http://schemas.openxmlformats.org/officeDocument/2006/relationships" xmlns:p="http://schemas.openxmlformats.org/presentationml/2006/main">
+  <p:cSld>
+    <p:spTree>
+      <p:nvGrpSpPr>
+        <p:cNvPr id="1" name=""/>
+        <p:cNvGrpSpPr/>
+        <p:nvPr/>
+      </p:nvGrpSpPr>
+      <p:grpSpPr>
+        <a:xfrm>
+          <a:off x="0" y="0"/>
+          <a:ext cx="0" cy="0"/>
+          <a:chOff x="0" y="0"/>
+          <a:chExt cx="0" cy="0"/>
+        </a:xfrm>
+      </p:grpSpPr>
+      <p:pic>
+        <p:nvPicPr>
+          <p:cNvPr id="1026" name="Picture 2" descr="Image for post">
+            <a:extLst>
+              <a:ext uri="{FF2B5EF4-FFF2-40B4-BE49-F238E27FC236}">
+                <a16:creationId xmlns:a16="http://schemas.microsoft.com/office/drawing/2014/main" id="{85EFEBA8-DD65-4BE4-9DA8-3A442FACFC15}"/>
+              </a:ext>
+            </a:extLst>
+          </p:cNvPr>
+          <p:cNvPicPr>
+            <a:picLocks noChangeAspect="1" noChangeArrowheads="1"/>
+          </p:cNvPicPr>
+          <p:nvPr/>
+        </p:nvPicPr>
+        <p:blipFill rotWithShape="1">
+          <a:blip r:embed="rId2">
+            <a:extLst>
+              <a:ext uri="{28A0092B-C50C-407E-A947-70E740481C1C}">
+                <a14:useLocalDpi xmlns:a14="http://schemas.microsoft.com/office/drawing/2010/main" val="0"/>
+              </a:ext>
+            </a:extLst>
+          </a:blip>
+          <a:srcRect l="895" t="1055" r="895" b="1055"/>
+          <a:stretch/>
+        </p:blipFill>
+        <p:spPr bwMode="auto">
+          <a:xfrm>
+            <a:off x="914400" y="1219200"/>
+            <a:ext cx="7315200" cy="4419600"/>
+          </a:xfrm>
+          <a:prstGeom prst="rect">
+            <a:avLst/>
+          </a:prstGeom>
+          <a:noFill/>
+          <a:extLst>
+            <a:ext uri="{909E8E84-426E-40DD-AFC4-6F175D3DCCD1}">
+              <a14:hiddenFill xmlns:a14="http://schemas.microsoft.com/office/drawing/2010/main">
+                <a:solidFill>
+                  <a:srgbClr val="FFFFFF"/>
+                </a:solidFill>
+              </a14:hiddenFill>
+            </a:ext>
+          </a:extLst>
+        </p:spPr>
+      </p:pic>
+    </p:spTree>
+    <p:extLst>
+      <p:ext uri="{BB962C8B-B14F-4D97-AF65-F5344CB8AC3E}">
+        <p14:creationId xmlns:p14="http://schemas.microsoft.com/office/powerpoint/2010/main" val="2983941837"/>
+      </p:ext>
+    </p:extLst>
+  </p:cSld>
+  <p:clrMapOvr>
+    <a:masterClrMapping/>
+  </p:clrMapOvr>
+</p:sld>
+</file>
+
+<file path=ppt/slides/slide20.xml><?xml version="1.0" encoding="utf-8"?>
 <p:sld xmlns:a="http://schemas.openxmlformats.org/drawingml/2006/main" xmlns:r="http://schemas.openxmlformats.org/officeDocument/2006/relationships" xmlns:p="http://schemas.openxmlformats.org/presentationml/2006/main">
   <p:cSld>
     <p:spTree>
@@ -16915,93 +17628,6 @@
           </a:graphicData>
         </a:graphic>
       </p:graphicFrame>
-      <p:graphicFrame>
-        <p:nvGraphicFramePr>
-          <p:cNvPr id="11" name="Table 10">
-            <a:extLst>
-              <a:ext uri="{FF2B5EF4-FFF2-40B4-BE49-F238E27FC236}">
-                <a16:creationId xmlns:a16="http://schemas.microsoft.com/office/drawing/2014/main" id="{57C47DF0-9165-4789-8C7E-ACB8D33395B1}"/>
-              </a:ext>
-            </a:extLst>
-          </p:cNvPr>
-          <p:cNvGraphicFramePr>
-            <a:graphicFrameLocks noGrp="1"/>
-          </p:cNvGraphicFramePr>
-          <p:nvPr/>
-        </p:nvGraphicFramePr>
-        <p:xfrm>
-          <a:off x="1600200" y="4395806"/>
-          <a:ext cx="7162800" cy="822960"/>
-        </p:xfrm>
-        <a:graphic>
-          <a:graphicData uri="http://schemas.openxmlformats.org/drawingml/2006/table">
-            <a:tbl>
-              <a:tblPr firstRow="1" bandRow="1">
-                <a:tableStyleId>{2D5ABB26-0587-4C30-8999-92F81FD0307C}</a:tableStyleId>
-              </a:tblPr>
-              <a:tblGrid>
-                <a:gridCol w="7162800">
-                  <a:extLst>
-                    <a:ext uri="{9D8B030D-6E8A-4147-A177-3AD203B41FA5}">
-                      <a16:colId xmlns:a16="http://schemas.microsoft.com/office/drawing/2014/main" val="1107341750"/>
-                    </a:ext>
-                  </a:extLst>
-                </a:gridCol>
-              </a:tblGrid>
-              <a:tr h="370840">
-                <a:tc>
-                  <a:txBody>
-                    <a:bodyPr/>
-                    <a:lstStyle/>
-                    <a:p>
-                      <a:r>
-                        <a:rPr lang="en-US" sz="2400" b="0" dirty="0"/>
-                        <a:t>46%+ of the New Testament is repeated in early quotations</a:t>
-                      </a:r>
-                    </a:p>
-                  </a:txBody>
-                  <a:tcPr marL="182880">
-                    <a:lnL w="57150" cap="flat" cmpd="sng" algn="ctr">
-                      <a:solidFill>
-                        <a:schemeClr val="bg1">
-                          <a:lumMod val="75000"/>
-                          <a:lumOff val="25000"/>
-                        </a:schemeClr>
-                      </a:solidFill>
-                      <a:prstDash val="solid"/>
-                      <a:round/>
-                      <a:headEnd type="none" w="med" len="med"/>
-                      <a:tailEnd type="none" w="med" len="med"/>
-                    </a:lnL>
-                    <a:lnR>
-                      <a:noFill/>
-                    </a:lnR>
-                    <a:lnT>
-                      <a:noFill/>
-                    </a:lnT>
-                    <a:lnB>
-                      <a:noFill/>
-                    </a:lnB>
-                    <a:lnTlToBr w="12700" cmpd="sng">
-                      <a:noFill/>
-                      <a:prstDash val="solid"/>
-                    </a:lnTlToBr>
-                    <a:lnBlToTr w="12700" cmpd="sng">
-                      <a:noFill/>
-                      <a:prstDash val="solid"/>
-                    </a:lnBlToTr>
-                  </a:tcPr>
-                </a:tc>
-                <a:extLst>
-                  <a:ext uri="{0D108BD9-81ED-4DB2-BD59-A6C34878D82A}">
-                    <a16:rowId xmlns:a16="http://schemas.microsoft.com/office/drawing/2014/main" val="1984863204"/>
-                  </a:ext>
-                </a:extLst>
-              </a:tr>
-            </a:tbl>
-          </a:graphicData>
-        </a:graphic>
-      </p:graphicFrame>
     </p:spTree>
     <p:extLst>
       <p:ext uri="{BB962C8B-B14F-4D97-AF65-F5344CB8AC3E}">
@@ -17181,59 +17807,6 @@
                       </p:childTnLst>
                     </p:cTn>
                   </p:par>
-                  <p:par>
-                    <p:cTn id="17" fill="hold">
-                      <p:stCondLst>
-                        <p:cond delay="indefinite"/>
-                      </p:stCondLst>
-                      <p:childTnLst>
-                        <p:par>
-                          <p:cTn id="18" fill="hold">
-                            <p:stCondLst>
-                              <p:cond delay="0"/>
-                            </p:stCondLst>
-                            <p:childTnLst>
-                              <p:par>
-                                <p:cTn id="19" presetID="10" presetClass="entr" presetSubtype="0" fill="hold" nodeType="clickEffect">
-                                  <p:stCondLst>
-                                    <p:cond delay="0"/>
-                                  </p:stCondLst>
-                                  <p:childTnLst>
-                                    <p:set>
-                                      <p:cBhvr>
-                                        <p:cTn id="20" dur="1" fill="hold">
-                                          <p:stCondLst>
-                                            <p:cond delay="0"/>
-                                          </p:stCondLst>
-                                        </p:cTn>
-                                        <p:tgtEl>
-                                          <p:spTgt spid="11"/>
-                                        </p:tgtEl>
-                                        <p:attrNameLst>
-                                          <p:attrName>style.visibility</p:attrName>
-                                        </p:attrNameLst>
-                                      </p:cBhvr>
-                                      <p:to>
-                                        <p:strVal val="visible"/>
-                                      </p:to>
-                                    </p:set>
-                                    <p:animEffect transition="in" filter="fade">
-                                      <p:cBhvr>
-                                        <p:cTn id="21" dur="250"/>
-                                        <p:tgtEl>
-                                          <p:spTgt spid="11"/>
-                                        </p:tgtEl>
-                                      </p:cBhvr>
-                                    </p:animEffect>
-                                  </p:childTnLst>
-                                </p:cTn>
-                              </p:par>
-                            </p:childTnLst>
-                          </p:cTn>
-                        </p:par>
-                      </p:childTnLst>
-                    </p:cTn>
-                  </p:par>
                 </p:childTnLst>
               </p:cTn>
               <p:prevCondLst>
@@ -17262,82 +17835,7 @@
 </p:sld>
 </file>
 
-<file path=ppt/slides/slide2.xml><?xml version="1.0" encoding="utf-8"?>
-<p:sld xmlns:a="http://schemas.openxmlformats.org/drawingml/2006/main" xmlns:r="http://schemas.openxmlformats.org/officeDocument/2006/relationships" xmlns:p="http://schemas.openxmlformats.org/presentationml/2006/main">
-  <p:cSld>
-    <p:spTree>
-      <p:nvGrpSpPr>
-        <p:cNvPr id="1" name=""/>
-        <p:cNvGrpSpPr/>
-        <p:nvPr/>
-      </p:nvGrpSpPr>
-      <p:grpSpPr>
-        <a:xfrm>
-          <a:off x="0" y="0"/>
-          <a:ext cx="0" cy="0"/>
-          <a:chOff x="0" y="0"/>
-          <a:chExt cx="0" cy="0"/>
-        </a:xfrm>
-      </p:grpSpPr>
-      <p:pic>
-        <p:nvPicPr>
-          <p:cNvPr id="1026" name="Picture 2" descr="Image for post">
-            <a:extLst>
-              <a:ext uri="{FF2B5EF4-FFF2-40B4-BE49-F238E27FC236}">
-                <a16:creationId xmlns:a16="http://schemas.microsoft.com/office/drawing/2014/main" id="{85EFEBA8-DD65-4BE4-9DA8-3A442FACFC15}"/>
-              </a:ext>
-            </a:extLst>
-          </p:cNvPr>
-          <p:cNvPicPr>
-            <a:picLocks noChangeAspect="1" noChangeArrowheads="1"/>
-          </p:cNvPicPr>
-          <p:nvPr/>
-        </p:nvPicPr>
-        <p:blipFill rotWithShape="1">
-          <a:blip r:embed="rId2">
-            <a:extLst>
-              <a:ext uri="{28A0092B-C50C-407E-A947-70E740481C1C}">
-                <a14:useLocalDpi xmlns:a14="http://schemas.microsoft.com/office/drawing/2010/main" val="0"/>
-              </a:ext>
-            </a:extLst>
-          </a:blip>
-          <a:srcRect l="895" t="1055" r="895" b="1055"/>
-          <a:stretch/>
-        </p:blipFill>
-        <p:spPr bwMode="auto">
-          <a:xfrm>
-            <a:off x="914400" y="1219200"/>
-            <a:ext cx="7315200" cy="4419600"/>
-          </a:xfrm>
-          <a:prstGeom prst="rect">
-            <a:avLst/>
-          </a:prstGeom>
-          <a:noFill/>
-          <a:extLst>
-            <a:ext uri="{909E8E84-426E-40DD-AFC4-6F175D3DCCD1}">
-              <a14:hiddenFill xmlns:a14="http://schemas.microsoft.com/office/drawing/2010/main">
-                <a:solidFill>
-                  <a:srgbClr val="FFFFFF"/>
-                </a:solidFill>
-              </a14:hiddenFill>
-            </a:ext>
-          </a:extLst>
-        </p:spPr>
-      </p:pic>
-    </p:spTree>
-    <p:extLst>
-      <p:ext uri="{BB962C8B-B14F-4D97-AF65-F5344CB8AC3E}">
-        <p14:creationId xmlns:p14="http://schemas.microsoft.com/office/powerpoint/2010/main" val="2983941837"/>
-      </p:ext>
-    </p:extLst>
-  </p:cSld>
-  <p:clrMapOvr>
-    <a:masterClrMapping/>
-  </p:clrMapOvr>
-</p:sld>
-</file>
-
-<file path=ppt/slides/slide20.xml><?xml version="1.0" encoding="utf-8"?>
+<file path=ppt/slides/slide21.xml><?xml version="1.0" encoding="utf-8"?>
 <p:sld xmlns:a="http://schemas.openxmlformats.org/drawingml/2006/main" xmlns:r="http://schemas.openxmlformats.org/officeDocument/2006/relationships" xmlns:p="http://schemas.openxmlformats.org/presentationml/2006/main">
   <p:cSld>
     <p:spTree>
@@ -17809,7 +18307,7 @@
 </p:sld>
 </file>
 
-<file path=ppt/slides/slide21.xml><?xml version="1.0" encoding="utf-8"?>
+<file path=ppt/slides/slide22.xml><?xml version="1.0" encoding="utf-8"?>
 <p:sld xmlns:a="http://schemas.openxmlformats.org/drawingml/2006/main" xmlns:r="http://schemas.openxmlformats.org/officeDocument/2006/relationships" xmlns:p="http://schemas.openxmlformats.org/presentationml/2006/main">
   <p:cSld>
     <p:spTree>
@@ -18095,151 +18593,6 @@
 </p:sld>
 </file>
 
-<file path=ppt/slides/slide22.xml><?xml version="1.0" encoding="utf-8"?>
-<p:sld xmlns:a="http://schemas.openxmlformats.org/drawingml/2006/main" xmlns:r="http://schemas.openxmlformats.org/officeDocument/2006/relationships" xmlns:p="http://schemas.openxmlformats.org/presentationml/2006/main">
-  <p:cSld>
-    <p:spTree>
-      <p:nvGrpSpPr>
-        <p:cNvPr id="1" name=""/>
-        <p:cNvGrpSpPr/>
-        <p:nvPr/>
-      </p:nvGrpSpPr>
-      <p:grpSpPr>
-        <a:xfrm>
-          <a:off x="0" y="0"/>
-          <a:ext cx="0" cy="0"/>
-          <a:chOff x="0" y="0"/>
-          <a:chExt cx="0" cy="0"/>
-        </a:xfrm>
-      </p:grpSpPr>
-      <p:sp>
-        <p:nvSpPr>
-          <p:cNvPr id="2" name="Title 1">
-            <a:extLst>
-              <a:ext uri="{FF2B5EF4-FFF2-40B4-BE49-F238E27FC236}">
-                <a16:creationId xmlns:a16="http://schemas.microsoft.com/office/drawing/2014/main" id="{C8F392D1-A4F5-744A-9239-99BC6612F901}"/>
-              </a:ext>
-            </a:extLst>
-          </p:cNvPr>
-          <p:cNvSpPr>
-            <a:spLocks noGrp="1"/>
-          </p:cNvSpPr>
-          <p:nvPr>
-            <p:ph type="title"/>
-          </p:nvPr>
-        </p:nvSpPr>
-        <p:spPr>
-          <a:xfrm>
-            <a:off x="457200" y="152400"/>
-            <a:ext cx="8686800" cy="3962400"/>
-          </a:xfrm>
-        </p:spPr>
-        <p:txBody>
-          <a:bodyPr anchor="b" anchorCtr="0">
-            <a:noAutofit/>
-          </a:bodyPr>
-          <a:lstStyle/>
-          <a:p>
-            <a:pPr>
-              <a:tabLst>
-                <a:tab pos="91440" algn="l"/>
-              </a:tabLst>
-            </a:pPr>
-            <a:r>
-              <a:rPr lang="en-US" sz="3600" dirty="0"/>
-              <a:t>“there would be </a:t>
-            </a:r>
-            <a:r>
-              <a:rPr lang="en-US" sz="3600" b="1" dirty="0">
-                <a:highlight>
-                  <a:srgbClr val="C00002"/>
-                </a:highlight>
-              </a:rPr>
-              <a:t>very few points of disagreement</a:t>
-            </a:r>
-            <a:r>
-              <a:rPr lang="en-US" sz="3600" dirty="0"/>
-              <a:t>—maybe one or two dozen places out of many thousands. ”</a:t>
-            </a:r>
-          </a:p>
-        </p:txBody>
-      </p:sp>
-      <p:sp>
-        <p:nvSpPr>
-          <p:cNvPr id="3" name="Text Placeholder 2">
-            <a:extLst>
-              <a:ext uri="{FF2B5EF4-FFF2-40B4-BE49-F238E27FC236}">
-                <a16:creationId xmlns:a16="http://schemas.microsoft.com/office/drawing/2014/main" id="{D79591E0-89A3-7048-B1C5-91B4FFFB65C9}"/>
-              </a:ext>
-            </a:extLst>
-          </p:cNvPr>
-          <p:cNvSpPr>
-            <a:spLocks noGrp="1"/>
-          </p:cNvSpPr>
-          <p:nvPr>
-            <p:ph type="body" sz="quarter" idx="13"/>
-          </p:nvPr>
-        </p:nvSpPr>
-        <p:spPr>
-          <a:xfrm>
-            <a:off x="114300" y="4495800"/>
-            <a:ext cx="8915400" cy="1371600"/>
-          </a:xfrm>
-        </p:spPr>
-        <p:txBody>
-          <a:bodyPr>
-            <a:normAutofit lnSpcReduction="10000"/>
-          </a:bodyPr>
-          <a:lstStyle/>
-          <a:p>
-            <a:pPr algn="l"/>
-            <a:r>
-              <a:rPr lang="en-US" sz="4400" cap="all" dirty="0">
-                <a:solidFill>
-                  <a:srgbClr val="009EC0"/>
-                </a:solidFill>
-              </a:rPr>
-              <a:t>Bart </a:t>
-            </a:r>
-            <a:r>
-              <a:rPr lang="en-US" sz="4400" cap="all" dirty="0" err="1">
-                <a:solidFill>
-                  <a:srgbClr val="009EC0"/>
-                </a:solidFill>
-              </a:rPr>
-              <a:t>Ehrman</a:t>
-            </a:r>
-            <a:br>
-              <a:rPr lang="en-US" sz="4400" dirty="0">
-                <a:solidFill>
-                  <a:srgbClr val="009EC0"/>
-                </a:solidFill>
-              </a:rPr>
-            </a:br>
-            <a:r>
-              <a:rPr lang="en-US" sz="4400" b="0" i="1" dirty="0">
-                <a:solidFill>
-                  <a:srgbClr val="009EC0"/>
-                </a:solidFill>
-              </a:rPr>
-              <a:t>Misquoting Jesus</a:t>
-            </a:r>
-          </a:p>
-        </p:txBody>
-      </p:sp>
-    </p:spTree>
-    <p:extLst>
-      <p:ext uri="{BB962C8B-B14F-4D97-AF65-F5344CB8AC3E}">
-        <p14:creationId xmlns:p14="http://schemas.microsoft.com/office/powerpoint/2010/main" val="868899881"/>
-      </p:ext>
-    </p:extLst>
-  </p:cSld>
-  <p:clrMapOvr>
-    <a:masterClrMapping/>
-  </p:clrMapOvr>
-</p:sld>
-</file>
-
 <file path=ppt/slides/slide23.xml><?xml version="1.0" encoding="utf-8"?>
 <p:sld xmlns:a="http://schemas.openxmlformats.org/drawingml/2006/main" xmlns:r="http://schemas.openxmlformats.org/officeDocument/2006/relationships" xmlns:p="http://schemas.openxmlformats.org/presentationml/2006/main">
   <p:cSld>
@@ -18292,11 +18645,7 @@
             </a:pPr>
             <a:r>
               <a:rPr lang="en-US" sz="3600" dirty="0"/>
-              <a:t>“The position I argue for in </a:t>
-            </a:r>
-            <a:r>
-              <a:rPr lang="en-US" sz="3600" i="1" dirty="0"/>
-              <a:t>Misquoting Jesus </a:t>
+              <a:t>“there would be </a:t>
             </a:r>
             <a:r>
               <a:rPr lang="en-US" sz="3600" b="1" dirty="0">
@@ -18304,27 +18653,11 @@
                   <a:srgbClr val="C00002"/>
                 </a:highlight>
               </a:rPr>
-              <a:t>does not actually stand at odds</a:t>
-            </a:r>
-            <a:r>
-              <a:rPr lang="en-US" sz="3600" b="1" dirty="0"/>
-              <a:t> </a:t>
+              <a:t>very few points of disagreement</a:t>
             </a:r>
             <a:r>
               <a:rPr lang="en-US" sz="3600" dirty="0"/>
-              <a:t>with Prof. Metzger’s position that the </a:t>
-            </a:r>
-            <a:r>
-              <a:rPr lang="en-US" sz="3600" b="1" dirty="0">
-                <a:highlight>
-                  <a:srgbClr val="C00002"/>
-                </a:highlight>
-              </a:rPr>
-              <a:t>essential Christian beliefs are not affected by textual variants</a:t>
-            </a:r>
-            <a:r>
-              <a:rPr lang="en-US" sz="3600" dirty="0"/>
-              <a:t> in the manuscript tradition of the New Testament. ”</a:t>
+              <a:t>—maybe one or two dozen places out of many thousands. ”</a:t>
             </a:r>
           </a:p>
         </p:txBody>
@@ -18395,6 +18728,171 @@
     </p:spTree>
     <p:extLst>
       <p:ext uri="{BB962C8B-B14F-4D97-AF65-F5344CB8AC3E}">
+        <p14:creationId xmlns:p14="http://schemas.microsoft.com/office/powerpoint/2010/main" val="868899881"/>
+      </p:ext>
+    </p:extLst>
+  </p:cSld>
+  <p:clrMapOvr>
+    <a:masterClrMapping/>
+  </p:clrMapOvr>
+</p:sld>
+</file>
+
+<file path=ppt/slides/slide24.xml><?xml version="1.0" encoding="utf-8"?>
+<p:sld xmlns:a="http://schemas.openxmlformats.org/drawingml/2006/main" xmlns:r="http://schemas.openxmlformats.org/officeDocument/2006/relationships" xmlns:p="http://schemas.openxmlformats.org/presentationml/2006/main">
+  <p:cSld>
+    <p:spTree>
+      <p:nvGrpSpPr>
+        <p:cNvPr id="1" name=""/>
+        <p:cNvGrpSpPr/>
+        <p:nvPr/>
+      </p:nvGrpSpPr>
+      <p:grpSpPr>
+        <a:xfrm>
+          <a:off x="0" y="0"/>
+          <a:ext cx="0" cy="0"/>
+          <a:chOff x="0" y="0"/>
+          <a:chExt cx="0" cy="0"/>
+        </a:xfrm>
+      </p:grpSpPr>
+      <p:sp>
+        <p:nvSpPr>
+          <p:cNvPr id="2" name="Title 1">
+            <a:extLst>
+              <a:ext uri="{FF2B5EF4-FFF2-40B4-BE49-F238E27FC236}">
+                <a16:creationId xmlns:a16="http://schemas.microsoft.com/office/drawing/2014/main" id="{C8F392D1-A4F5-744A-9239-99BC6612F901}"/>
+              </a:ext>
+            </a:extLst>
+          </p:cNvPr>
+          <p:cNvSpPr>
+            <a:spLocks noGrp="1"/>
+          </p:cNvSpPr>
+          <p:nvPr>
+            <p:ph type="title"/>
+          </p:nvPr>
+        </p:nvSpPr>
+        <p:spPr>
+          <a:xfrm>
+            <a:off x="457200" y="152400"/>
+            <a:ext cx="8686800" cy="3962400"/>
+          </a:xfrm>
+        </p:spPr>
+        <p:txBody>
+          <a:bodyPr anchor="b" anchorCtr="0">
+            <a:noAutofit/>
+          </a:bodyPr>
+          <a:lstStyle/>
+          <a:p>
+            <a:pPr>
+              <a:tabLst>
+                <a:tab pos="91440" algn="l"/>
+              </a:tabLst>
+            </a:pPr>
+            <a:r>
+              <a:rPr lang="en-US" sz="3600" dirty="0"/>
+              <a:t>“The position I argue for in </a:t>
+            </a:r>
+            <a:r>
+              <a:rPr lang="en-US" sz="3600" i="1" dirty="0"/>
+              <a:t>Misquoting Jesus </a:t>
+            </a:r>
+            <a:r>
+              <a:rPr lang="en-US" sz="3600" b="1" dirty="0">
+                <a:highlight>
+                  <a:srgbClr val="C00002"/>
+                </a:highlight>
+              </a:rPr>
+              <a:t>does not actually stand at odds</a:t>
+            </a:r>
+            <a:r>
+              <a:rPr lang="en-US" sz="3600" b="1" dirty="0"/>
+              <a:t> </a:t>
+            </a:r>
+            <a:r>
+              <a:rPr lang="en-US" sz="3600" dirty="0"/>
+              <a:t>with Prof. Metzger’s position that the </a:t>
+            </a:r>
+            <a:r>
+              <a:rPr lang="en-US" sz="3600" b="1" dirty="0">
+                <a:highlight>
+                  <a:srgbClr val="C00002"/>
+                </a:highlight>
+              </a:rPr>
+              <a:t>essential Christian beliefs are not affected by textual variants</a:t>
+            </a:r>
+            <a:r>
+              <a:rPr lang="en-US" sz="3600" dirty="0"/>
+              <a:t> in the manuscript tradition of the New Testament. ”</a:t>
+            </a:r>
+          </a:p>
+        </p:txBody>
+      </p:sp>
+      <p:sp>
+        <p:nvSpPr>
+          <p:cNvPr id="3" name="Text Placeholder 2">
+            <a:extLst>
+              <a:ext uri="{FF2B5EF4-FFF2-40B4-BE49-F238E27FC236}">
+                <a16:creationId xmlns:a16="http://schemas.microsoft.com/office/drawing/2014/main" id="{D79591E0-89A3-7048-B1C5-91B4FFFB65C9}"/>
+              </a:ext>
+            </a:extLst>
+          </p:cNvPr>
+          <p:cNvSpPr>
+            <a:spLocks noGrp="1"/>
+          </p:cNvSpPr>
+          <p:nvPr>
+            <p:ph type="body" sz="quarter" idx="13"/>
+          </p:nvPr>
+        </p:nvSpPr>
+        <p:spPr>
+          <a:xfrm>
+            <a:off x="114300" y="4495800"/>
+            <a:ext cx="8915400" cy="1371600"/>
+          </a:xfrm>
+        </p:spPr>
+        <p:txBody>
+          <a:bodyPr>
+            <a:normAutofit lnSpcReduction="10000"/>
+          </a:bodyPr>
+          <a:lstStyle/>
+          <a:p>
+            <a:pPr algn="l"/>
+            <a:r>
+              <a:rPr lang="en-US" sz="4400" cap="all" dirty="0">
+                <a:solidFill>
+                  <a:srgbClr val="009EC0"/>
+                </a:solidFill>
+              </a:rPr>
+              <a:t>Bart </a:t>
+            </a:r>
+            <a:r>
+              <a:rPr lang="en-US" sz="4400" cap="all" dirty="0" err="1">
+                <a:solidFill>
+                  <a:srgbClr val="009EC0"/>
+                </a:solidFill>
+              </a:rPr>
+              <a:t>Ehrman</a:t>
+            </a:r>
+            <a:br>
+              <a:rPr lang="en-US" sz="4400" dirty="0">
+                <a:solidFill>
+                  <a:srgbClr val="009EC0"/>
+                </a:solidFill>
+              </a:rPr>
+            </a:br>
+            <a:r>
+              <a:rPr lang="en-US" sz="4400" b="0" i="1" dirty="0">
+                <a:solidFill>
+                  <a:srgbClr val="009EC0"/>
+                </a:solidFill>
+              </a:rPr>
+              <a:t>Misquoting Jesus</a:t>
+            </a:r>
+          </a:p>
+        </p:txBody>
+      </p:sp>
+    </p:spTree>
+    <p:extLst>
+      <p:ext uri="{BB962C8B-B14F-4D97-AF65-F5344CB8AC3E}">
         <p14:creationId xmlns:p14="http://schemas.microsoft.com/office/powerpoint/2010/main" val="2743984413"/>
       </p:ext>
     </p:extLst>
@@ -18405,7 +18903,7 @@
 </p:sld>
 </file>
 
-<file path=ppt/slides/slide24.xml><?xml version="1.0" encoding="utf-8"?>
+<file path=ppt/slides/slide25.xml><?xml version="1.0" encoding="utf-8"?>
 <p:sld xmlns:a="http://schemas.openxmlformats.org/drawingml/2006/main" xmlns:r="http://schemas.openxmlformats.org/officeDocument/2006/relationships" xmlns:p="http://schemas.openxmlformats.org/presentationml/2006/main">
   <p:cSld>
     <p:spTree>
@@ -18544,7 +19042,7 @@
 </p:sld>
 </file>
 
-<file path=ppt/slides/slide25.xml><?xml version="1.0" encoding="utf-8"?>
+<file path=ppt/slides/slide26.xml><?xml version="1.0" encoding="utf-8"?>
 <p:sld xmlns:a="http://schemas.openxmlformats.org/drawingml/2006/main" xmlns:r="http://schemas.openxmlformats.org/officeDocument/2006/relationships" xmlns:p="http://schemas.openxmlformats.org/presentationml/2006/main">
   <p:cSld>
     <p:spTree>
@@ -18620,7 +19118,7 @@
 </p:sld>
 </file>
 
-<file path=ppt/slides/slide26.xml><?xml version="1.0" encoding="utf-8"?>
+<file path=ppt/slides/slide27.xml><?xml version="1.0" encoding="utf-8"?>
 <p:sld xmlns:a="http://schemas.openxmlformats.org/drawingml/2006/main" xmlns:r="http://schemas.openxmlformats.org/officeDocument/2006/relationships" xmlns:p="http://schemas.openxmlformats.org/presentationml/2006/main">
   <p:cSld>
     <p:spTree>
@@ -18814,7 +19312,7 @@
 </p:sld>
 </file>
 
-<file path=ppt/slides/slide27.xml><?xml version="1.0" encoding="utf-8"?>
+<file path=ppt/slides/slide28.xml><?xml version="1.0" encoding="utf-8"?>
 <p:sld xmlns:a="http://schemas.openxmlformats.org/drawingml/2006/main" xmlns:r="http://schemas.openxmlformats.org/officeDocument/2006/relationships" xmlns:p="http://schemas.openxmlformats.org/presentationml/2006/main">
   <p:cSld>
     <p:spTree>
@@ -18890,7 +19388,7 @@
 </p:sld>
 </file>
 
-<file path=ppt/slides/slide28.xml><?xml version="1.0" encoding="utf-8"?>
+<file path=ppt/slides/slide29.xml><?xml version="1.0" encoding="utf-8"?>
 <p:sld xmlns:a="http://schemas.openxmlformats.org/drawingml/2006/main" xmlns:r="http://schemas.openxmlformats.org/officeDocument/2006/relationships" xmlns:p="http://schemas.openxmlformats.org/presentationml/2006/main">
   <p:cSld>
     <p:spTree>
@@ -18966,7 +19464,267 @@
 </p:sld>
 </file>
 
-<file path=ppt/slides/slide29.xml><?xml version="1.0" encoding="utf-8"?>
+<file path=ppt/slides/slide3.xml><?xml version="1.0" encoding="utf-8"?>
+<p:sld xmlns:a="http://schemas.openxmlformats.org/drawingml/2006/main" xmlns:r="http://schemas.openxmlformats.org/officeDocument/2006/relationships" xmlns:p="http://schemas.openxmlformats.org/presentationml/2006/main">
+  <p:cSld>
+    <p:spTree>
+      <p:nvGrpSpPr>
+        <p:cNvPr id="1" name=""/>
+        <p:cNvGrpSpPr/>
+        <p:nvPr/>
+      </p:nvGrpSpPr>
+      <p:grpSpPr>
+        <a:xfrm>
+          <a:off x="0" y="0"/>
+          <a:ext cx="0" cy="0"/>
+          <a:chOff x="0" y="0"/>
+          <a:chExt cx="0" cy="0"/>
+        </a:xfrm>
+      </p:grpSpPr>
+      <p:pic>
+        <p:nvPicPr>
+          <p:cNvPr id="1030" name="Picture 6" descr="Bart D. Ehrman - Wikipedia">
+            <a:extLst>
+              <a:ext uri="{FF2B5EF4-FFF2-40B4-BE49-F238E27FC236}">
+                <a16:creationId xmlns:a16="http://schemas.microsoft.com/office/drawing/2014/main" id="{C4492C44-61D4-3B4F-96A3-AC804077F4EE}"/>
+              </a:ext>
+            </a:extLst>
+          </p:cNvPr>
+          <p:cNvPicPr>
+            <a:picLocks noChangeAspect="1" noChangeArrowheads="1"/>
+          </p:cNvPicPr>
+          <p:nvPr/>
+        </p:nvPicPr>
+        <p:blipFill>
+          <a:blip r:embed="rId2" cstate="print">
+            <a:extLst>
+              <a:ext uri="{28A0092B-C50C-407E-A947-70E740481C1C}">
+                <a14:useLocalDpi xmlns:a14="http://schemas.microsoft.com/office/drawing/2010/main" val="0"/>
+              </a:ext>
+            </a:extLst>
+          </a:blip>
+          <a:srcRect/>
+          <a:stretch>
+            <a:fillRect/>
+          </a:stretch>
+        </p:blipFill>
+        <p:spPr bwMode="auto">
+          <a:xfrm>
+            <a:off x="3962400" y="0"/>
+            <a:ext cx="5808663" cy="6858000"/>
+          </a:xfrm>
+          <a:prstGeom prst="rect">
+            <a:avLst/>
+          </a:prstGeom>
+          <a:noFill/>
+          <a:extLst>
+            <a:ext uri="{909E8E84-426E-40DD-AFC4-6F175D3DCCD1}">
+              <a14:hiddenFill xmlns:a14="http://schemas.microsoft.com/office/drawing/2010/main">
+                <a:solidFill>
+                  <a:srgbClr val="FFFFFF"/>
+                </a:solidFill>
+              </a14:hiddenFill>
+            </a:ext>
+          </a:extLst>
+        </p:spPr>
+      </p:pic>
+      <p:pic>
+        <p:nvPicPr>
+          <p:cNvPr id="1026" name="Picture 2" descr="Misquoting Jesus: The Story Behind Who Changed the Bible and Why ...">
+            <a:extLst>
+              <a:ext uri="{FF2B5EF4-FFF2-40B4-BE49-F238E27FC236}">
+                <a16:creationId xmlns:a16="http://schemas.microsoft.com/office/drawing/2014/main" id="{57800C52-FF78-2F44-A63F-DF1ED9C324CB}"/>
+              </a:ext>
+            </a:extLst>
+          </p:cNvPr>
+          <p:cNvPicPr>
+            <a:picLocks noChangeAspect="1" noChangeArrowheads="1"/>
+          </p:cNvPicPr>
+          <p:nvPr/>
+        </p:nvPicPr>
+        <p:blipFill>
+          <a:blip r:embed="rId3">
+            <a:extLst>
+              <a:ext uri="{28A0092B-C50C-407E-A947-70E740481C1C}">
+                <a14:useLocalDpi xmlns:a14="http://schemas.microsoft.com/office/drawing/2010/main" val="0"/>
+              </a:ext>
+            </a:extLst>
+          </a:blip>
+          <a:srcRect/>
+          <a:stretch>
+            <a:fillRect/>
+          </a:stretch>
+        </p:blipFill>
+        <p:spPr bwMode="auto">
+          <a:xfrm>
+            <a:off x="0" y="0"/>
+            <a:ext cx="4503737" cy="6858000"/>
+          </a:xfrm>
+          <a:prstGeom prst="rect">
+            <a:avLst/>
+          </a:prstGeom>
+          <a:noFill/>
+          <a:extLst>
+            <a:ext uri="{909E8E84-426E-40DD-AFC4-6F175D3DCCD1}">
+              <a14:hiddenFill xmlns:a14="http://schemas.microsoft.com/office/drawing/2010/main">
+                <a:solidFill>
+                  <a:srgbClr val="FFFFFF"/>
+                </a:solidFill>
+              </a14:hiddenFill>
+            </a:ext>
+          </a:extLst>
+        </p:spPr>
+      </p:pic>
+    </p:spTree>
+    <p:extLst>
+      <p:ext uri="{BB962C8B-B14F-4D97-AF65-F5344CB8AC3E}">
+        <p14:creationId xmlns:p14="http://schemas.microsoft.com/office/powerpoint/2010/main" val="1142245529"/>
+      </p:ext>
+    </p:extLst>
+  </p:cSld>
+  <p:clrMapOvr>
+    <a:masterClrMapping/>
+  </p:clrMapOvr>
+  <p:timing>
+    <p:tnLst>
+      <p:par>
+        <p:cTn id="1" dur="indefinite" restart="never" nodeType="tmRoot">
+          <p:childTnLst>
+            <p:seq concurrent="1" nextAc="seek">
+              <p:cTn id="2" dur="indefinite" nodeType="mainSeq">
+                <p:childTnLst>
+                  <p:par>
+                    <p:cTn id="3" fill="hold">
+                      <p:stCondLst>
+                        <p:cond delay="indefinite"/>
+                      </p:stCondLst>
+                      <p:childTnLst>
+                        <p:par>
+                          <p:cTn id="4" fill="hold">
+                            <p:stCondLst>
+                              <p:cond delay="0"/>
+                            </p:stCondLst>
+                            <p:childTnLst>
+                              <p:par>
+                                <p:cTn id="5" presetID="10" presetClass="entr" presetSubtype="0" fill="hold" nodeType="clickEffect">
+                                  <p:stCondLst>
+                                    <p:cond delay="0"/>
+                                  </p:stCondLst>
+                                  <p:childTnLst>
+                                    <p:set>
+                                      <p:cBhvr>
+                                        <p:cTn id="6" dur="1" fill="hold">
+                                          <p:stCondLst>
+                                            <p:cond delay="0"/>
+                                          </p:stCondLst>
+                                        </p:cTn>
+                                        <p:tgtEl>
+                                          <p:spTgt spid="1026"/>
+                                        </p:tgtEl>
+                                        <p:attrNameLst>
+                                          <p:attrName>style.visibility</p:attrName>
+                                        </p:attrNameLst>
+                                      </p:cBhvr>
+                                      <p:to>
+                                        <p:strVal val="visible"/>
+                                      </p:to>
+                                    </p:set>
+                                    <p:animEffect transition="in" filter="fade">
+                                      <p:cBhvr>
+                                        <p:cTn id="7" dur="250"/>
+                                        <p:tgtEl>
+                                          <p:spTgt spid="1026"/>
+                                        </p:tgtEl>
+                                      </p:cBhvr>
+                                    </p:animEffect>
+                                  </p:childTnLst>
+                                </p:cTn>
+                              </p:par>
+                            </p:childTnLst>
+                          </p:cTn>
+                        </p:par>
+                      </p:childTnLst>
+                    </p:cTn>
+                  </p:par>
+                  <p:par>
+                    <p:cTn id="8" fill="hold">
+                      <p:stCondLst>
+                        <p:cond delay="indefinite"/>
+                      </p:stCondLst>
+                      <p:childTnLst>
+                        <p:par>
+                          <p:cTn id="9" fill="hold">
+                            <p:stCondLst>
+                              <p:cond delay="0"/>
+                            </p:stCondLst>
+                            <p:childTnLst>
+                              <p:par>
+                                <p:cTn id="10" presetID="10" presetClass="entr" presetSubtype="0" fill="hold" nodeType="clickEffect">
+                                  <p:stCondLst>
+                                    <p:cond delay="0"/>
+                                  </p:stCondLst>
+                                  <p:childTnLst>
+                                    <p:set>
+                                      <p:cBhvr>
+                                        <p:cTn id="11" dur="1" fill="hold">
+                                          <p:stCondLst>
+                                            <p:cond delay="0"/>
+                                          </p:stCondLst>
+                                        </p:cTn>
+                                        <p:tgtEl>
+                                          <p:spTgt spid="1030"/>
+                                        </p:tgtEl>
+                                        <p:attrNameLst>
+                                          <p:attrName>style.visibility</p:attrName>
+                                        </p:attrNameLst>
+                                      </p:cBhvr>
+                                      <p:to>
+                                        <p:strVal val="visible"/>
+                                      </p:to>
+                                    </p:set>
+                                    <p:animEffect transition="in" filter="fade">
+                                      <p:cBhvr>
+                                        <p:cTn id="12" dur="250"/>
+                                        <p:tgtEl>
+                                          <p:spTgt spid="1030"/>
+                                        </p:tgtEl>
+                                      </p:cBhvr>
+                                    </p:animEffect>
+                                  </p:childTnLst>
+                                </p:cTn>
+                              </p:par>
+                            </p:childTnLst>
+                          </p:cTn>
+                        </p:par>
+                      </p:childTnLst>
+                    </p:cTn>
+                  </p:par>
+                </p:childTnLst>
+              </p:cTn>
+              <p:prevCondLst>
+                <p:cond evt="onPrev" delay="0">
+                  <p:tgtEl>
+                    <p:sldTgt/>
+                  </p:tgtEl>
+                </p:cond>
+              </p:prevCondLst>
+              <p:nextCondLst>
+                <p:cond evt="onNext" delay="0">
+                  <p:tgtEl>
+                    <p:sldTgt/>
+                  </p:tgtEl>
+                </p:cond>
+              </p:nextCondLst>
+            </p:seq>
+          </p:childTnLst>
+        </p:cTn>
+      </p:par>
+    </p:tnLst>
+  </p:timing>
+</p:sld>
+</file>
+
+<file path=ppt/slides/slide30.xml><?xml version="1.0" encoding="utf-8"?>
 <p:sld xmlns:a="http://schemas.openxmlformats.org/drawingml/2006/main" xmlns:r="http://schemas.openxmlformats.org/officeDocument/2006/relationships" xmlns:p="http://schemas.openxmlformats.org/presentationml/2006/main" show="0">
   <p:cSld>
     <p:spTree>
@@ -23533,267 +24291,7 @@
 </p:sld>
 </file>
 
-<file path=ppt/slides/slide3.xml><?xml version="1.0" encoding="utf-8"?>
-<p:sld xmlns:a="http://schemas.openxmlformats.org/drawingml/2006/main" xmlns:r="http://schemas.openxmlformats.org/officeDocument/2006/relationships" xmlns:p="http://schemas.openxmlformats.org/presentationml/2006/main">
-  <p:cSld>
-    <p:spTree>
-      <p:nvGrpSpPr>
-        <p:cNvPr id="1" name=""/>
-        <p:cNvGrpSpPr/>
-        <p:nvPr/>
-      </p:nvGrpSpPr>
-      <p:grpSpPr>
-        <a:xfrm>
-          <a:off x="0" y="0"/>
-          <a:ext cx="0" cy="0"/>
-          <a:chOff x="0" y="0"/>
-          <a:chExt cx="0" cy="0"/>
-        </a:xfrm>
-      </p:grpSpPr>
-      <p:pic>
-        <p:nvPicPr>
-          <p:cNvPr id="1030" name="Picture 6" descr="Bart D. Ehrman - Wikipedia">
-            <a:extLst>
-              <a:ext uri="{FF2B5EF4-FFF2-40B4-BE49-F238E27FC236}">
-                <a16:creationId xmlns:a16="http://schemas.microsoft.com/office/drawing/2014/main" id="{C4492C44-61D4-3B4F-96A3-AC804077F4EE}"/>
-              </a:ext>
-            </a:extLst>
-          </p:cNvPr>
-          <p:cNvPicPr>
-            <a:picLocks noChangeAspect="1" noChangeArrowheads="1"/>
-          </p:cNvPicPr>
-          <p:nvPr/>
-        </p:nvPicPr>
-        <p:blipFill>
-          <a:blip r:embed="rId2" cstate="print">
-            <a:extLst>
-              <a:ext uri="{28A0092B-C50C-407E-A947-70E740481C1C}">
-                <a14:useLocalDpi xmlns:a14="http://schemas.microsoft.com/office/drawing/2010/main" val="0"/>
-              </a:ext>
-            </a:extLst>
-          </a:blip>
-          <a:srcRect/>
-          <a:stretch>
-            <a:fillRect/>
-          </a:stretch>
-        </p:blipFill>
-        <p:spPr bwMode="auto">
-          <a:xfrm>
-            <a:off x="3962400" y="0"/>
-            <a:ext cx="5808663" cy="6858000"/>
-          </a:xfrm>
-          <a:prstGeom prst="rect">
-            <a:avLst/>
-          </a:prstGeom>
-          <a:noFill/>
-          <a:extLst>
-            <a:ext uri="{909E8E84-426E-40DD-AFC4-6F175D3DCCD1}">
-              <a14:hiddenFill xmlns:a14="http://schemas.microsoft.com/office/drawing/2010/main">
-                <a:solidFill>
-                  <a:srgbClr val="FFFFFF"/>
-                </a:solidFill>
-              </a14:hiddenFill>
-            </a:ext>
-          </a:extLst>
-        </p:spPr>
-      </p:pic>
-      <p:pic>
-        <p:nvPicPr>
-          <p:cNvPr id="1026" name="Picture 2" descr="Misquoting Jesus: The Story Behind Who Changed the Bible and Why ...">
-            <a:extLst>
-              <a:ext uri="{FF2B5EF4-FFF2-40B4-BE49-F238E27FC236}">
-                <a16:creationId xmlns:a16="http://schemas.microsoft.com/office/drawing/2014/main" id="{57800C52-FF78-2F44-A63F-DF1ED9C324CB}"/>
-              </a:ext>
-            </a:extLst>
-          </p:cNvPr>
-          <p:cNvPicPr>
-            <a:picLocks noChangeAspect="1" noChangeArrowheads="1"/>
-          </p:cNvPicPr>
-          <p:nvPr/>
-        </p:nvPicPr>
-        <p:blipFill>
-          <a:blip r:embed="rId3">
-            <a:extLst>
-              <a:ext uri="{28A0092B-C50C-407E-A947-70E740481C1C}">
-                <a14:useLocalDpi xmlns:a14="http://schemas.microsoft.com/office/drawing/2010/main" val="0"/>
-              </a:ext>
-            </a:extLst>
-          </a:blip>
-          <a:srcRect/>
-          <a:stretch>
-            <a:fillRect/>
-          </a:stretch>
-        </p:blipFill>
-        <p:spPr bwMode="auto">
-          <a:xfrm>
-            <a:off x="0" y="0"/>
-            <a:ext cx="4503737" cy="6858000"/>
-          </a:xfrm>
-          <a:prstGeom prst="rect">
-            <a:avLst/>
-          </a:prstGeom>
-          <a:noFill/>
-          <a:extLst>
-            <a:ext uri="{909E8E84-426E-40DD-AFC4-6F175D3DCCD1}">
-              <a14:hiddenFill xmlns:a14="http://schemas.microsoft.com/office/drawing/2010/main">
-                <a:solidFill>
-                  <a:srgbClr val="FFFFFF"/>
-                </a:solidFill>
-              </a14:hiddenFill>
-            </a:ext>
-          </a:extLst>
-        </p:spPr>
-      </p:pic>
-    </p:spTree>
-    <p:extLst>
-      <p:ext uri="{BB962C8B-B14F-4D97-AF65-F5344CB8AC3E}">
-        <p14:creationId xmlns:p14="http://schemas.microsoft.com/office/powerpoint/2010/main" val="1142245529"/>
-      </p:ext>
-    </p:extLst>
-  </p:cSld>
-  <p:clrMapOvr>
-    <a:masterClrMapping/>
-  </p:clrMapOvr>
-  <p:timing>
-    <p:tnLst>
-      <p:par>
-        <p:cTn id="1" dur="indefinite" restart="never" nodeType="tmRoot">
-          <p:childTnLst>
-            <p:seq concurrent="1" nextAc="seek">
-              <p:cTn id="2" dur="indefinite" nodeType="mainSeq">
-                <p:childTnLst>
-                  <p:par>
-                    <p:cTn id="3" fill="hold">
-                      <p:stCondLst>
-                        <p:cond delay="indefinite"/>
-                      </p:stCondLst>
-                      <p:childTnLst>
-                        <p:par>
-                          <p:cTn id="4" fill="hold">
-                            <p:stCondLst>
-                              <p:cond delay="0"/>
-                            </p:stCondLst>
-                            <p:childTnLst>
-                              <p:par>
-                                <p:cTn id="5" presetID="10" presetClass="entr" presetSubtype="0" fill="hold" nodeType="clickEffect">
-                                  <p:stCondLst>
-                                    <p:cond delay="0"/>
-                                  </p:stCondLst>
-                                  <p:childTnLst>
-                                    <p:set>
-                                      <p:cBhvr>
-                                        <p:cTn id="6" dur="1" fill="hold">
-                                          <p:stCondLst>
-                                            <p:cond delay="0"/>
-                                          </p:stCondLst>
-                                        </p:cTn>
-                                        <p:tgtEl>
-                                          <p:spTgt spid="1026"/>
-                                        </p:tgtEl>
-                                        <p:attrNameLst>
-                                          <p:attrName>style.visibility</p:attrName>
-                                        </p:attrNameLst>
-                                      </p:cBhvr>
-                                      <p:to>
-                                        <p:strVal val="visible"/>
-                                      </p:to>
-                                    </p:set>
-                                    <p:animEffect transition="in" filter="fade">
-                                      <p:cBhvr>
-                                        <p:cTn id="7" dur="250"/>
-                                        <p:tgtEl>
-                                          <p:spTgt spid="1026"/>
-                                        </p:tgtEl>
-                                      </p:cBhvr>
-                                    </p:animEffect>
-                                  </p:childTnLst>
-                                </p:cTn>
-                              </p:par>
-                            </p:childTnLst>
-                          </p:cTn>
-                        </p:par>
-                      </p:childTnLst>
-                    </p:cTn>
-                  </p:par>
-                  <p:par>
-                    <p:cTn id="8" fill="hold">
-                      <p:stCondLst>
-                        <p:cond delay="indefinite"/>
-                      </p:stCondLst>
-                      <p:childTnLst>
-                        <p:par>
-                          <p:cTn id="9" fill="hold">
-                            <p:stCondLst>
-                              <p:cond delay="0"/>
-                            </p:stCondLst>
-                            <p:childTnLst>
-                              <p:par>
-                                <p:cTn id="10" presetID="10" presetClass="entr" presetSubtype="0" fill="hold" nodeType="clickEffect">
-                                  <p:stCondLst>
-                                    <p:cond delay="0"/>
-                                  </p:stCondLst>
-                                  <p:childTnLst>
-                                    <p:set>
-                                      <p:cBhvr>
-                                        <p:cTn id="11" dur="1" fill="hold">
-                                          <p:stCondLst>
-                                            <p:cond delay="0"/>
-                                          </p:stCondLst>
-                                        </p:cTn>
-                                        <p:tgtEl>
-                                          <p:spTgt spid="1030"/>
-                                        </p:tgtEl>
-                                        <p:attrNameLst>
-                                          <p:attrName>style.visibility</p:attrName>
-                                        </p:attrNameLst>
-                                      </p:cBhvr>
-                                      <p:to>
-                                        <p:strVal val="visible"/>
-                                      </p:to>
-                                    </p:set>
-                                    <p:animEffect transition="in" filter="fade">
-                                      <p:cBhvr>
-                                        <p:cTn id="12" dur="250"/>
-                                        <p:tgtEl>
-                                          <p:spTgt spid="1030"/>
-                                        </p:tgtEl>
-                                      </p:cBhvr>
-                                    </p:animEffect>
-                                  </p:childTnLst>
-                                </p:cTn>
-                              </p:par>
-                            </p:childTnLst>
-                          </p:cTn>
-                        </p:par>
-                      </p:childTnLst>
-                    </p:cTn>
-                  </p:par>
-                </p:childTnLst>
-              </p:cTn>
-              <p:prevCondLst>
-                <p:cond evt="onPrev" delay="0">
-                  <p:tgtEl>
-                    <p:sldTgt/>
-                  </p:tgtEl>
-                </p:cond>
-              </p:prevCondLst>
-              <p:nextCondLst>
-                <p:cond evt="onNext" delay="0">
-                  <p:tgtEl>
-                    <p:sldTgt/>
-                  </p:tgtEl>
-                </p:cond>
-              </p:nextCondLst>
-            </p:seq>
-          </p:childTnLst>
-        </p:cTn>
-      </p:par>
-    </p:tnLst>
-  </p:timing>
-</p:sld>
-</file>
-
-<file path=ppt/slides/slide30.xml><?xml version="1.0" encoding="utf-8"?>
+<file path=ppt/slides/slide31.xml><?xml version="1.0" encoding="utf-8"?>
 <p:sld xmlns:a="http://schemas.openxmlformats.org/drawingml/2006/main" xmlns:r="http://schemas.openxmlformats.org/officeDocument/2006/relationships" xmlns:p="http://schemas.openxmlformats.org/presentationml/2006/main" show="0">
   <p:cSld>
     <p:spTree>
@@ -29502,7 +30000,7 @@
 </p:sld>
 </file>
 
-<file path=ppt/slides/slide31.xml><?xml version="1.0" encoding="utf-8"?>
+<file path=ppt/slides/slide32.xml><?xml version="1.0" encoding="utf-8"?>
 <p:sld xmlns:a="http://schemas.openxmlformats.org/drawingml/2006/main" xmlns:r="http://schemas.openxmlformats.org/officeDocument/2006/relationships" xmlns:p="http://schemas.openxmlformats.org/presentationml/2006/main" show="0">
   <p:cSld>
     <p:spTree>
@@ -29617,7 +30115,7 @@
 </p:sld>
 </file>
 
-<file path=ppt/slides/slide32.xml><?xml version="1.0" encoding="utf-8"?>
+<file path=ppt/slides/slide33.xml><?xml version="1.0" encoding="utf-8"?>
 <p:sld xmlns:a="http://schemas.openxmlformats.org/drawingml/2006/main" xmlns:r="http://schemas.openxmlformats.org/officeDocument/2006/relationships" xmlns:p="http://schemas.openxmlformats.org/presentationml/2006/main" show="0">
   <p:cSld>
     <p:spTree>
@@ -29752,7 +30250,7 @@
 </p:sld>
 </file>
 
-<file path=ppt/slides/slide33.xml><?xml version="1.0" encoding="utf-8"?>
+<file path=ppt/slides/slide34.xml><?xml version="1.0" encoding="utf-8"?>
 <p:sld xmlns:a="http://schemas.openxmlformats.org/drawingml/2006/main" xmlns:r="http://schemas.openxmlformats.org/officeDocument/2006/relationships" xmlns:p="http://schemas.openxmlformats.org/presentationml/2006/main" show="0">
   <p:cSld>
     <p:spTree>
@@ -29836,7 +30334,7 @@
 </p:sld>
 </file>
 
-<file path=ppt/slides/slide34.xml><?xml version="1.0" encoding="utf-8"?>
+<file path=ppt/slides/slide35.xml><?xml version="1.0" encoding="utf-8"?>
 <p:sld xmlns:a="http://schemas.openxmlformats.org/drawingml/2006/main" xmlns:r="http://schemas.openxmlformats.org/officeDocument/2006/relationships" xmlns:p="http://schemas.openxmlformats.org/presentationml/2006/main">
   <p:cSld>
     <p:spTree>
@@ -30286,7 +30784,7 @@
 </p:sld>
 </file>
 
-<file path=ppt/slides/slide35.xml><?xml version="1.0" encoding="utf-8"?>
+<file path=ppt/slides/slide36.xml><?xml version="1.0" encoding="utf-8"?>
 <p:sld xmlns:a="http://schemas.openxmlformats.org/drawingml/2006/main" xmlns:r="http://schemas.openxmlformats.org/officeDocument/2006/relationships" xmlns:p="http://schemas.openxmlformats.org/presentationml/2006/main">
   <p:cSld>
     <p:spTree>
@@ -30848,7 +31346,7 @@
 </p:sld>
 </file>
 
-<file path=ppt/slides/slide36.xml><?xml version="1.0" encoding="utf-8"?>
+<file path=ppt/slides/slide37.xml><?xml version="1.0" encoding="utf-8"?>
 <p:sld xmlns:a="http://schemas.openxmlformats.org/drawingml/2006/main" xmlns:r="http://schemas.openxmlformats.org/officeDocument/2006/relationships" xmlns:p="http://schemas.openxmlformats.org/presentationml/2006/main">
   <p:cSld>
     <p:spTree>
@@ -30924,7 +31422,7 @@
 </p:sld>
 </file>
 
-<file path=ppt/slides/slide37.xml><?xml version="1.0" encoding="utf-8"?>
+<file path=ppt/slides/slide38.xml><?xml version="1.0" encoding="utf-8"?>
 <p:sld xmlns:a="http://schemas.openxmlformats.org/drawingml/2006/main" xmlns:r="http://schemas.openxmlformats.org/officeDocument/2006/relationships" xmlns:p="http://schemas.openxmlformats.org/presentationml/2006/main">
   <p:cSld>
     <p:spTree>
@@ -32104,7 +32602,7 @@
 </p:sld>
 </file>
 
-<file path=ppt/slides/slide38.xml><?xml version="1.0" encoding="utf-8"?>
+<file path=ppt/slides/slide39.xml><?xml version="1.0" encoding="utf-8"?>
 <p:sld xmlns:a="http://schemas.openxmlformats.org/drawingml/2006/main" xmlns:r="http://schemas.openxmlformats.org/officeDocument/2006/relationships" xmlns:p="http://schemas.openxmlformats.org/presentationml/2006/main">
   <p:cSld>
     <p:spTree>
@@ -33204,7 +33702,724 @@
 </p:sld>
 </file>
 
-<file path=ppt/slides/slide39.xml><?xml version="1.0" encoding="utf-8"?>
+<file path=ppt/slides/slide4.xml><?xml version="1.0" encoding="utf-8"?>
+<p:sld xmlns:a="http://schemas.openxmlformats.org/drawingml/2006/main" xmlns:r="http://schemas.openxmlformats.org/officeDocument/2006/relationships" xmlns:p="http://schemas.openxmlformats.org/presentationml/2006/main">
+  <p:cSld>
+    <p:spTree>
+      <p:nvGrpSpPr>
+        <p:cNvPr id="1" name=""/>
+        <p:cNvGrpSpPr/>
+        <p:nvPr/>
+      </p:nvGrpSpPr>
+      <p:grpSpPr>
+        <a:xfrm>
+          <a:off x="0" y="0"/>
+          <a:ext cx="0" cy="0"/>
+          <a:chOff x="0" y="0"/>
+          <a:chExt cx="0" cy="0"/>
+        </a:xfrm>
+      </p:grpSpPr>
+      <p:grpSp>
+        <p:nvGrpSpPr>
+          <p:cNvPr id="4" name="Group 3">
+            <a:extLst>
+              <a:ext uri="{FF2B5EF4-FFF2-40B4-BE49-F238E27FC236}">
+                <a16:creationId xmlns:a16="http://schemas.microsoft.com/office/drawing/2014/main" id="{76D0AD62-610F-2343-9B0E-52F648458EA8}"/>
+              </a:ext>
+            </a:extLst>
+          </p:cNvPr>
+          <p:cNvGrpSpPr/>
+          <p:nvPr/>
+        </p:nvGrpSpPr>
+        <p:grpSpPr>
+          <a:xfrm>
+            <a:off x="209549" y="1669464"/>
+            <a:ext cx="8724901" cy="954107"/>
+            <a:chOff x="304800" y="4648200"/>
+            <a:chExt cx="8724901" cy="954107"/>
+          </a:xfrm>
+        </p:grpSpPr>
+        <p:sp>
+          <p:nvSpPr>
+            <p:cNvPr id="2" name="TextBox 1">
+              <a:extLst>
+                <a:ext uri="{FF2B5EF4-FFF2-40B4-BE49-F238E27FC236}">
+                  <a16:creationId xmlns:a16="http://schemas.microsoft.com/office/drawing/2014/main" id="{65E69FF4-5D6C-1F4A-BC1D-8328E1004154}"/>
+                </a:ext>
+              </a:extLst>
+            </p:cNvPr>
+            <p:cNvSpPr txBox="1"/>
+            <p:nvPr/>
+          </p:nvSpPr>
+          <p:spPr>
+            <a:xfrm>
+              <a:off x="304800" y="4648200"/>
+              <a:ext cx="1147943" cy="523220"/>
+            </a:xfrm>
+            <a:prstGeom prst="rect">
+              <a:avLst/>
+            </a:prstGeom>
+            <a:noFill/>
+          </p:spPr>
+          <p:txBody>
+            <a:bodyPr wrap="none" rtlCol="0">
+              <a:spAutoFit/>
+            </a:bodyPr>
+            <a:lstStyle/>
+            <a:p>
+              <a:r>
+                <a:rPr lang="en-US" sz="2800" dirty="0">
+                  <a:solidFill>
+                    <a:srgbClr val="009EC0"/>
+                  </a:solidFill>
+                </a:rPr>
+                <a:t>What?</a:t>
+              </a:r>
+            </a:p>
+          </p:txBody>
+        </p:sp>
+        <p:sp>
+          <p:nvSpPr>
+            <p:cNvPr id="3" name="TextBox 2">
+              <a:extLst>
+                <a:ext uri="{FF2B5EF4-FFF2-40B4-BE49-F238E27FC236}">
+                  <a16:creationId xmlns:a16="http://schemas.microsoft.com/office/drawing/2014/main" id="{E796A5EC-87C6-D048-8010-771FD1CA8E24}"/>
+                </a:ext>
+              </a:extLst>
+            </p:cNvPr>
+            <p:cNvSpPr txBox="1"/>
+            <p:nvPr/>
+          </p:nvSpPr>
+          <p:spPr>
+            <a:xfrm>
+              <a:off x="1600201" y="4648200"/>
+              <a:ext cx="7429500" cy="954107"/>
+            </a:xfrm>
+            <a:prstGeom prst="rect">
+              <a:avLst/>
+            </a:prstGeom>
+            <a:noFill/>
+          </p:spPr>
+          <p:txBody>
+            <a:bodyPr wrap="square" rtlCol="0">
+              <a:spAutoFit/>
+            </a:bodyPr>
+            <a:lstStyle/>
+            <a:p>
+              <a:r>
+                <a:rPr lang="en-US" sz="2800" dirty="0"/>
+                <a:t>Know how we can determine what the original accounts said despite not having the originals</a:t>
+              </a:r>
+            </a:p>
+          </p:txBody>
+        </p:sp>
+      </p:grpSp>
+      <p:grpSp>
+        <p:nvGrpSpPr>
+          <p:cNvPr id="6" name="Group 5">
+            <a:extLst>
+              <a:ext uri="{FF2B5EF4-FFF2-40B4-BE49-F238E27FC236}">
+                <a16:creationId xmlns:a16="http://schemas.microsoft.com/office/drawing/2014/main" id="{16DEED69-411E-5C47-8C2F-1FA7F3AC4BAB}"/>
+              </a:ext>
+            </a:extLst>
+          </p:cNvPr>
+          <p:cNvGrpSpPr/>
+          <p:nvPr/>
+        </p:nvGrpSpPr>
+        <p:grpSpPr>
+          <a:xfrm>
+            <a:off x="209549" y="2779693"/>
+            <a:ext cx="8724901" cy="954107"/>
+            <a:chOff x="304800" y="4648200"/>
+            <a:chExt cx="8724901" cy="954107"/>
+          </a:xfrm>
+        </p:grpSpPr>
+        <p:sp>
+          <p:nvSpPr>
+            <p:cNvPr id="7" name="TextBox 6">
+              <a:extLst>
+                <a:ext uri="{FF2B5EF4-FFF2-40B4-BE49-F238E27FC236}">
+                  <a16:creationId xmlns:a16="http://schemas.microsoft.com/office/drawing/2014/main" id="{0BE67C1E-EE53-F64B-A1C4-C71C7BD5283F}"/>
+                </a:ext>
+              </a:extLst>
+            </p:cNvPr>
+            <p:cNvSpPr txBox="1"/>
+            <p:nvPr/>
+          </p:nvSpPr>
+          <p:spPr>
+            <a:xfrm>
+              <a:off x="304800" y="4648200"/>
+              <a:ext cx="1014765" cy="523220"/>
+            </a:xfrm>
+            <a:prstGeom prst="rect">
+              <a:avLst/>
+            </a:prstGeom>
+            <a:noFill/>
+          </p:spPr>
+          <p:txBody>
+            <a:bodyPr wrap="none" rtlCol="0">
+              <a:spAutoFit/>
+            </a:bodyPr>
+            <a:lstStyle/>
+            <a:p>
+              <a:r>
+                <a:rPr lang="en-US" sz="2800" dirty="0">
+                  <a:solidFill>
+                    <a:srgbClr val="009EC0"/>
+                  </a:solidFill>
+                </a:rPr>
+                <a:t>Why?</a:t>
+              </a:r>
+            </a:p>
+          </p:txBody>
+        </p:sp>
+        <p:sp>
+          <p:nvSpPr>
+            <p:cNvPr id="8" name="TextBox 7">
+              <a:extLst>
+                <a:ext uri="{FF2B5EF4-FFF2-40B4-BE49-F238E27FC236}">
+                  <a16:creationId xmlns:a16="http://schemas.microsoft.com/office/drawing/2014/main" id="{44657A2D-A10C-1745-AFDB-1C0FC5EA2AAD}"/>
+                </a:ext>
+              </a:extLst>
+            </p:cNvPr>
+            <p:cNvSpPr txBox="1"/>
+            <p:nvPr/>
+          </p:nvSpPr>
+          <p:spPr>
+            <a:xfrm>
+              <a:off x="1600201" y="4648200"/>
+              <a:ext cx="7429500" cy="954107"/>
+            </a:xfrm>
+            <a:prstGeom prst="rect">
+              <a:avLst/>
+            </a:prstGeom>
+            <a:noFill/>
+          </p:spPr>
+          <p:txBody>
+            <a:bodyPr wrap="square" rtlCol="0">
+              <a:spAutoFit/>
+            </a:bodyPr>
+            <a:lstStyle/>
+            <a:p>
+              <a:r>
+                <a:rPr lang="en-US" sz="2800" dirty="0"/>
+                <a:t>To prevent people from being “blinded by science” regarding textual criticism</a:t>
+              </a:r>
+            </a:p>
+          </p:txBody>
+        </p:sp>
+      </p:grpSp>
+      <p:grpSp>
+        <p:nvGrpSpPr>
+          <p:cNvPr id="9" name="Group 8">
+            <a:extLst>
+              <a:ext uri="{FF2B5EF4-FFF2-40B4-BE49-F238E27FC236}">
+                <a16:creationId xmlns:a16="http://schemas.microsoft.com/office/drawing/2014/main" id="{493A2E7B-FE2C-7045-B882-6D1EC3306C1D}"/>
+              </a:ext>
+            </a:extLst>
+          </p:cNvPr>
+          <p:cNvGrpSpPr/>
+          <p:nvPr/>
+        </p:nvGrpSpPr>
+        <p:grpSpPr>
+          <a:xfrm>
+            <a:off x="209549" y="3914507"/>
+            <a:ext cx="8934443" cy="1369606"/>
+            <a:chOff x="304800" y="4648200"/>
+            <a:chExt cx="8934443" cy="1369606"/>
+          </a:xfrm>
+        </p:grpSpPr>
+        <p:sp>
+          <p:nvSpPr>
+            <p:cNvPr id="10" name="TextBox 9">
+              <a:extLst>
+                <a:ext uri="{FF2B5EF4-FFF2-40B4-BE49-F238E27FC236}">
+                  <a16:creationId xmlns:a16="http://schemas.microsoft.com/office/drawing/2014/main" id="{DCC9CB31-E9E8-7549-8460-8E8840BD1585}"/>
+                </a:ext>
+              </a:extLst>
+            </p:cNvPr>
+            <p:cNvSpPr txBox="1"/>
+            <p:nvPr/>
+          </p:nvSpPr>
+          <p:spPr>
+            <a:xfrm>
+              <a:off x="304800" y="4648200"/>
+              <a:ext cx="1020023" cy="523220"/>
+            </a:xfrm>
+            <a:prstGeom prst="rect">
+              <a:avLst/>
+            </a:prstGeom>
+            <a:noFill/>
+          </p:spPr>
+          <p:txBody>
+            <a:bodyPr wrap="none" rtlCol="0">
+              <a:spAutoFit/>
+            </a:bodyPr>
+            <a:lstStyle/>
+            <a:p>
+              <a:r>
+                <a:rPr lang="en-US" sz="2800" dirty="0">
+                  <a:solidFill>
+                    <a:srgbClr val="009EC0"/>
+                  </a:solidFill>
+                </a:rPr>
+                <a:t>How?</a:t>
+              </a:r>
+            </a:p>
+          </p:txBody>
+        </p:sp>
+        <p:sp>
+          <p:nvSpPr>
+            <p:cNvPr id="11" name="TextBox 10">
+              <a:extLst>
+                <a:ext uri="{FF2B5EF4-FFF2-40B4-BE49-F238E27FC236}">
+                  <a16:creationId xmlns:a16="http://schemas.microsoft.com/office/drawing/2014/main" id="{4729ADED-FFF5-454C-BE17-6323C474D829}"/>
+                </a:ext>
+              </a:extLst>
+            </p:cNvPr>
+            <p:cNvSpPr txBox="1"/>
+            <p:nvPr/>
+          </p:nvSpPr>
+          <p:spPr>
+            <a:xfrm>
+              <a:off x="1600200" y="4648200"/>
+              <a:ext cx="7639043" cy="1369606"/>
+            </a:xfrm>
+            <a:prstGeom prst="rect">
+              <a:avLst/>
+            </a:prstGeom>
+            <a:noFill/>
+          </p:spPr>
+          <p:txBody>
+            <a:bodyPr wrap="square" rtlCol="0">
+              <a:spAutoFit/>
+            </a:bodyPr>
+            <a:lstStyle/>
+            <a:p>
+              <a:r>
+                <a:rPr lang="en-US" sz="2800" dirty="0"/>
+                <a:t>By showing that:</a:t>
+              </a:r>
+            </a:p>
+            <a:p>
+              <a:pPr marL="514350" indent="-514350">
+                <a:buFont typeface="+mj-lt"/>
+                <a:buAutoNum type="arabicPeriod"/>
+              </a:pPr>
+              <a:r>
+                <a:rPr lang="en-US" sz="2800" dirty="0"/>
+                <a:t>Variations in the text aren’t critical</a:t>
+              </a:r>
+            </a:p>
+            <a:p>
+              <a:pPr marL="514350" indent="-514350">
+                <a:buFont typeface="+mj-lt"/>
+                <a:buAutoNum type="arabicPeriod"/>
+              </a:pPr>
+              <a:r>
+                <a:rPr lang="en-US" sz="2700" dirty="0" err="1"/>
+                <a:t>Ehrman</a:t>
+              </a:r>
+              <a:r>
+                <a:rPr lang="en-US" sz="2700" dirty="0"/>
+                <a:t> overstates his claim (by quoting </a:t>
+              </a:r>
+              <a:r>
+                <a:rPr lang="en-US" sz="2700" dirty="0" err="1"/>
+                <a:t>Ehrman</a:t>
+              </a:r>
+              <a:r>
+                <a:rPr lang="en-US" sz="2700" dirty="0"/>
+                <a:t>)</a:t>
+              </a:r>
+            </a:p>
+          </p:txBody>
+        </p:sp>
+      </p:grpSp>
+      <p:cxnSp>
+        <p:nvCxnSpPr>
+          <p:cNvPr id="13" name="Straight Connector 12">
+            <a:extLst>
+              <a:ext uri="{FF2B5EF4-FFF2-40B4-BE49-F238E27FC236}">
+                <a16:creationId xmlns:a16="http://schemas.microsoft.com/office/drawing/2014/main" id="{09B462F9-C753-8044-8DE2-965ABC154D9C}"/>
+              </a:ext>
+            </a:extLst>
+          </p:cNvPr>
+          <p:cNvCxnSpPr>
+            <a:cxnSpLocks/>
+          </p:cNvCxnSpPr>
+          <p:nvPr/>
+        </p:nvCxnSpPr>
+        <p:spPr>
+          <a:xfrm>
+            <a:off x="1373874" y="1669464"/>
+            <a:ext cx="0" cy="4197936"/>
+          </a:xfrm>
+          <a:prstGeom prst="line">
+            <a:avLst/>
+          </a:prstGeom>
+          <a:ln>
+            <a:solidFill>
+              <a:schemeClr val="bg1">
+                <a:lumMod val="75000"/>
+                <a:lumOff val="25000"/>
+              </a:schemeClr>
+            </a:solidFill>
+          </a:ln>
+        </p:spPr>
+        <p:style>
+          <a:lnRef idx="1">
+            <a:schemeClr val="accent1"/>
+          </a:lnRef>
+          <a:fillRef idx="0">
+            <a:schemeClr val="accent1"/>
+          </a:fillRef>
+          <a:effectRef idx="0">
+            <a:schemeClr val="accent1"/>
+          </a:effectRef>
+          <a:fontRef idx="minor">
+            <a:schemeClr val="tx1"/>
+          </a:fontRef>
+        </p:style>
+      </p:cxnSp>
+      <p:sp>
+        <p:nvSpPr>
+          <p:cNvPr id="15" name="TextBox 14">
+            <a:extLst>
+              <a:ext uri="{FF2B5EF4-FFF2-40B4-BE49-F238E27FC236}">
+                <a16:creationId xmlns:a16="http://schemas.microsoft.com/office/drawing/2014/main" id="{C43D1156-26DE-A44F-B5F8-AACFA794E957}"/>
+              </a:ext>
+            </a:extLst>
+          </p:cNvPr>
+          <p:cNvSpPr txBox="1"/>
+          <p:nvPr/>
+        </p:nvSpPr>
+        <p:spPr>
+          <a:xfrm>
+            <a:off x="209549" y="708674"/>
+            <a:ext cx="8934451" cy="769441"/>
+          </a:xfrm>
+          <a:prstGeom prst="rect">
+            <a:avLst/>
+          </a:prstGeom>
+          <a:noFill/>
+        </p:spPr>
+        <p:txBody>
+          <a:bodyPr wrap="square" rtlCol="0">
+            <a:spAutoFit/>
+          </a:bodyPr>
+          <a:lstStyle/>
+          <a:p>
+            <a:r>
+              <a:rPr lang="en-US" sz="4400" b="1" dirty="0"/>
+              <a:t>IDEA IN BRIEF</a:t>
+            </a:r>
+          </a:p>
+        </p:txBody>
+      </p:sp>
+    </p:spTree>
+    <p:extLst>
+      <p:ext uri="{BB962C8B-B14F-4D97-AF65-F5344CB8AC3E}">
+        <p14:creationId xmlns:p14="http://schemas.microsoft.com/office/powerpoint/2010/main" val="1427530079"/>
+      </p:ext>
+    </p:extLst>
+  </p:cSld>
+  <p:clrMapOvr>
+    <a:masterClrMapping/>
+  </p:clrMapOvr>
+  <p:timing>
+    <p:tnLst>
+      <p:par>
+        <p:cTn id="1" dur="indefinite" restart="never" nodeType="tmRoot">
+          <p:childTnLst>
+            <p:seq concurrent="1" nextAc="seek">
+              <p:cTn id="2" dur="indefinite" nodeType="mainSeq">
+                <p:childTnLst>
+                  <p:par>
+                    <p:cTn id="3" fill="hold">
+                      <p:stCondLst>
+                        <p:cond delay="indefinite"/>
+                      </p:stCondLst>
+                      <p:childTnLst>
+                        <p:par>
+                          <p:cTn id="4" fill="hold">
+                            <p:stCondLst>
+                              <p:cond delay="0"/>
+                            </p:stCondLst>
+                            <p:childTnLst>
+                              <p:par>
+                                <p:cTn id="5" presetID="10" presetClass="entr" presetSubtype="0" fill="hold" grpId="0" nodeType="clickEffect">
+                                  <p:stCondLst>
+                                    <p:cond delay="0"/>
+                                  </p:stCondLst>
+                                  <p:childTnLst>
+                                    <p:set>
+                                      <p:cBhvr>
+                                        <p:cTn id="6" dur="1" fill="hold">
+                                          <p:stCondLst>
+                                            <p:cond delay="0"/>
+                                          </p:stCondLst>
+                                        </p:cTn>
+                                        <p:tgtEl>
+                                          <p:spTgt spid="15"/>
+                                        </p:tgtEl>
+                                        <p:attrNameLst>
+                                          <p:attrName>style.visibility</p:attrName>
+                                        </p:attrNameLst>
+                                      </p:cBhvr>
+                                      <p:to>
+                                        <p:strVal val="visible"/>
+                                      </p:to>
+                                    </p:set>
+                                    <p:animEffect transition="in" filter="fade">
+                                      <p:cBhvr>
+                                        <p:cTn id="7" dur="250"/>
+                                        <p:tgtEl>
+                                          <p:spTgt spid="15"/>
+                                        </p:tgtEl>
+                                      </p:cBhvr>
+                                    </p:animEffect>
+                                  </p:childTnLst>
+                                </p:cTn>
+                              </p:par>
+                            </p:childTnLst>
+                          </p:cTn>
+                        </p:par>
+                      </p:childTnLst>
+                    </p:cTn>
+                  </p:par>
+                  <p:par>
+                    <p:cTn id="8" fill="hold">
+                      <p:stCondLst>
+                        <p:cond delay="indefinite"/>
+                      </p:stCondLst>
+                      <p:childTnLst>
+                        <p:par>
+                          <p:cTn id="9" fill="hold">
+                            <p:stCondLst>
+                              <p:cond delay="0"/>
+                            </p:stCondLst>
+                            <p:childTnLst>
+                              <p:par>
+                                <p:cTn id="10" presetID="10" presetClass="entr" presetSubtype="0" fill="hold" nodeType="clickEffect">
+                                  <p:stCondLst>
+                                    <p:cond delay="0"/>
+                                  </p:stCondLst>
+                                  <p:childTnLst>
+                                    <p:set>
+                                      <p:cBhvr>
+                                        <p:cTn id="11" dur="1" fill="hold">
+                                          <p:stCondLst>
+                                            <p:cond delay="0"/>
+                                          </p:stCondLst>
+                                        </p:cTn>
+                                        <p:tgtEl>
+                                          <p:spTgt spid="13"/>
+                                        </p:tgtEl>
+                                        <p:attrNameLst>
+                                          <p:attrName>style.visibility</p:attrName>
+                                        </p:attrNameLst>
+                                      </p:cBhvr>
+                                      <p:to>
+                                        <p:strVal val="visible"/>
+                                      </p:to>
+                                    </p:set>
+                                    <p:animEffect transition="in" filter="fade">
+                                      <p:cBhvr>
+                                        <p:cTn id="12" dur="250"/>
+                                        <p:tgtEl>
+                                          <p:spTgt spid="13"/>
+                                        </p:tgtEl>
+                                      </p:cBhvr>
+                                    </p:animEffect>
+                                  </p:childTnLst>
+                                </p:cTn>
+                              </p:par>
+                            </p:childTnLst>
+                          </p:cTn>
+                        </p:par>
+                        <p:par>
+                          <p:cTn id="13" fill="hold">
+                            <p:stCondLst>
+                              <p:cond delay="250"/>
+                            </p:stCondLst>
+                            <p:childTnLst>
+                              <p:par>
+                                <p:cTn id="14" presetID="10" presetClass="entr" presetSubtype="0" fill="hold" nodeType="afterEffect">
+                                  <p:stCondLst>
+                                    <p:cond delay="0"/>
+                                  </p:stCondLst>
+                                  <p:childTnLst>
+                                    <p:set>
+                                      <p:cBhvr>
+                                        <p:cTn id="15" dur="1" fill="hold">
+                                          <p:stCondLst>
+                                            <p:cond delay="0"/>
+                                          </p:stCondLst>
+                                        </p:cTn>
+                                        <p:tgtEl>
+                                          <p:spTgt spid="4"/>
+                                        </p:tgtEl>
+                                        <p:attrNameLst>
+                                          <p:attrName>style.visibility</p:attrName>
+                                        </p:attrNameLst>
+                                      </p:cBhvr>
+                                      <p:to>
+                                        <p:strVal val="visible"/>
+                                      </p:to>
+                                    </p:set>
+                                    <p:animEffect transition="in" filter="fade">
+                                      <p:cBhvr>
+                                        <p:cTn id="16" dur="250"/>
+                                        <p:tgtEl>
+                                          <p:spTgt spid="4"/>
+                                        </p:tgtEl>
+                                      </p:cBhvr>
+                                    </p:animEffect>
+                                  </p:childTnLst>
+                                </p:cTn>
+                              </p:par>
+                            </p:childTnLst>
+                          </p:cTn>
+                        </p:par>
+                      </p:childTnLst>
+                    </p:cTn>
+                  </p:par>
+                  <p:par>
+                    <p:cTn id="17" fill="hold">
+                      <p:stCondLst>
+                        <p:cond delay="indefinite"/>
+                      </p:stCondLst>
+                      <p:childTnLst>
+                        <p:par>
+                          <p:cTn id="18" fill="hold">
+                            <p:stCondLst>
+                              <p:cond delay="0"/>
+                            </p:stCondLst>
+                            <p:childTnLst>
+                              <p:par>
+                                <p:cTn id="19" presetID="10" presetClass="entr" presetSubtype="0" fill="hold" nodeType="clickEffect">
+                                  <p:stCondLst>
+                                    <p:cond delay="0"/>
+                                  </p:stCondLst>
+                                  <p:childTnLst>
+                                    <p:set>
+                                      <p:cBhvr>
+                                        <p:cTn id="20" dur="1" fill="hold">
+                                          <p:stCondLst>
+                                            <p:cond delay="0"/>
+                                          </p:stCondLst>
+                                        </p:cTn>
+                                        <p:tgtEl>
+                                          <p:spTgt spid="6"/>
+                                        </p:tgtEl>
+                                        <p:attrNameLst>
+                                          <p:attrName>style.visibility</p:attrName>
+                                        </p:attrNameLst>
+                                      </p:cBhvr>
+                                      <p:to>
+                                        <p:strVal val="visible"/>
+                                      </p:to>
+                                    </p:set>
+                                    <p:animEffect transition="in" filter="fade">
+                                      <p:cBhvr>
+                                        <p:cTn id="21" dur="250"/>
+                                        <p:tgtEl>
+                                          <p:spTgt spid="6"/>
+                                        </p:tgtEl>
+                                      </p:cBhvr>
+                                    </p:animEffect>
+                                  </p:childTnLst>
+                                </p:cTn>
+                              </p:par>
+                            </p:childTnLst>
+                          </p:cTn>
+                        </p:par>
+                      </p:childTnLst>
+                    </p:cTn>
+                  </p:par>
+                  <p:par>
+                    <p:cTn id="22" fill="hold">
+                      <p:stCondLst>
+                        <p:cond delay="indefinite"/>
+                      </p:stCondLst>
+                      <p:childTnLst>
+                        <p:par>
+                          <p:cTn id="23" fill="hold">
+                            <p:stCondLst>
+                              <p:cond delay="0"/>
+                            </p:stCondLst>
+                            <p:childTnLst>
+                              <p:par>
+                                <p:cTn id="24" presetID="10" presetClass="entr" presetSubtype="0" fill="hold" nodeType="clickEffect">
+                                  <p:stCondLst>
+                                    <p:cond delay="0"/>
+                                  </p:stCondLst>
+                                  <p:childTnLst>
+                                    <p:set>
+                                      <p:cBhvr>
+                                        <p:cTn id="25" dur="1" fill="hold">
+                                          <p:stCondLst>
+                                            <p:cond delay="0"/>
+                                          </p:stCondLst>
+                                        </p:cTn>
+                                        <p:tgtEl>
+                                          <p:spTgt spid="9"/>
+                                        </p:tgtEl>
+                                        <p:attrNameLst>
+                                          <p:attrName>style.visibility</p:attrName>
+                                        </p:attrNameLst>
+                                      </p:cBhvr>
+                                      <p:to>
+                                        <p:strVal val="visible"/>
+                                      </p:to>
+                                    </p:set>
+                                    <p:animEffect transition="in" filter="fade">
+                                      <p:cBhvr>
+                                        <p:cTn id="26" dur="250"/>
+                                        <p:tgtEl>
+                                          <p:spTgt spid="9"/>
+                                        </p:tgtEl>
+                                      </p:cBhvr>
+                                    </p:animEffect>
+                                  </p:childTnLst>
+                                </p:cTn>
+                              </p:par>
+                            </p:childTnLst>
+                          </p:cTn>
+                        </p:par>
+                      </p:childTnLst>
+                    </p:cTn>
+                  </p:par>
+                </p:childTnLst>
+              </p:cTn>
+              <p:prevCondLst>
+                <p:cond evt="onPrev" delay="0">
+                  <p:tgtEl>
+                    <p:sldTgt/>
+                  </p:tgtEl>
+                </p:cond>
+              </p:prevCondLst>
+              <p:nextCondLst>
+                <p:cond evt="onNext" delay="0">
+                  <p:tgtEl>
+                    <p:sldTgt/>
+                  </p:tgtEl>
+                </p:cond>
+              </p:nextCondLst>
+            </p:seq>
+          </p:childTnLst>
+        </p:cTn>
+      </p:par>
+    </p:tnLst>
+    <p:bldLst>
+      <p:bldP spid="15" grpId="0"/>
+    </p:bldLst>
+  </p:timing>
+</p:sld>
+</file>
+
+<file path=ppt/slides/slide40.xml><?xml version="1.0" encoding="utf-8"?>
 <p:sld xmlns:a="http://schemas.openxmlformats.org/drawingml/2006/main" xmlns:r="http://schemas.openxmlformats.org/officeDocument/2006/relationships" xmlns:p="http://schemas.openxmlformats.org/presentationml/2006/main">
   <p:cSld>
     <p:spTree>
@@ -34271,723 +35486,6 @@
     </p:tnLst>
     <p:bldLst>
       <p:bldP spid="6" grpId="0"/>
-    </p:bldLst>
-  </p:timing>
-</p:sld>
-</file>
-
-<file path=ppt/slides/slide4.xml><?xml version="1.0" encoding="utf-8"?>
-<p:sld xmlns:a="http://schemas.openxmlformats.org/drawingml/2006/main" xmlns:r="http://schemas.openxmlformats.org/officeDocument/2006/relationships" xmlns:p="http://schemas.openxmlformats.org/presentationml/2006/main">
-  <p:cSld>
-    <p:spTree>
-      <p:nvGrpSpPr>
-        <p:cNvPr id="1" name=""/>
-        <p:cNvGrpSpPr/>
-        <p:nvPr/>
-      </p:nvGrpSpPr>
-      <p:grpSpPr>
-        <a:xfrm>
-          <a:off x="0" y="0"/>
-          <a:ext cx="0" cy="0"/>
-          <a:chOff x="0" y="0"/>
-          <a:chExt cx="0" cy="0"/>
-        </a:xfrm>
-      </p:grpSpPr>
-      <p:grpSp>
-        <p:nvGrpSpPr>
-          <p:cNvPr id="4" name="Group 3">
-            <a:extLst>
-              <a:ext uri="{FF2B5EF4-FFF2-40B4-BE49-F238E27FC236}">
-                <a16:creationId xmlns:a16="http://schemas.microsoft.com/office/drawing/2014/main" id="{76D0AD62-610F-2343-9B0E-52F648458EA8}"/>
-              </a:ext>
-            </a:extLst>
-          </p:cNvPr>
-          <p:cNvGrpSpPr/>
-          <p:nvPr/>
-        </p:nvGrpSpPr>
-        <p:grpSpPr>
-          <a:xfrm>
-            <a:off x="209549" y="1669464"/>
-            <a:ext cx="8724901" cy="954107"/>
-            <a:chOff x="304800" y="4648200"/>
-            <a:chExt cx="8724901" cy="954107"/>
-          </a:xfrm>
-        </p:grpSpPr>
-        <p:sp>
-          <p:nvSpPr>
-            <p:cNvPr id="2" name="TextBox 1">
-              <a:extLst>
-                <a:ext uri="{FF2B5EF4-FFF2-40B4-BE49-F238E27FC236}">
-                  <a16:creationId xmlns:a16="http://schemas.microsoft.com/office/drawing/2014/main" id="{65E69FF4-5D6C-1F4A-BC1D-8328E1004154}"/>
-                </a:ext>
-              </a:extLst>
-            </p:cNvPr>
-            <p:cNvSpPr txBox="1"/>
-            <p:nvPr/>
-          </p:nvSpPr>
-          <p:spPr>
-            <a:xfrm>
-              <a:off x="304800" y="4648200"/>
-              <a:ext cx="1147943" cy="523220"/>
-            </a:xfrm>
-            <a:prstGeom prst="rect">
-              <a:avLst/>
-            </a:prstGeom>
-            <a:noFill/>
-          </p:spPr>
-          <p:txBody>
-            <a:bodyPr wrap="none" rtlCol="0">
-              <a:spAutoFit/>
-            </a:bodyPr>
-            <a:lstStyle/>
-            <a:p>
-              <a:r>
-                <a:rPr lang="en-US" sz="2800" dirty="0">
-                  <a:solidFill>
-                    <a:srgbClr val="009EC0"/>
-                  </a:solidFill>
-                </a:rPr>
-                <a:t>What?</a:t>
-              </a:r>
-            </a:p>
-          </p:txBody>
-        </p:sp>
-        <p:sp>
-          <p:nvSpPr>
-            <p:cNvPr id="3" name="TextBox 2">
-              <a:extLst>
-                <a:ext uri="{FF2B5EF4-FFF2-40B4-BE49-F238E27FC236}">
-                  <a16:creationId xmlns:a16="http://schemas.microsoft.com/office/drawing/2014/main" id="{E796A5EC-87C6-D048-8010-771FD1CA8E24}"/>
-                </a:ext>
-              </a:extLst>
-            </p:cNvPr>
-            <p:cNvSpPr txBox="1"/>
-            <p:nvPr/>
-          </p:nvSpPr>
-          <p:spPr>
-            <a:xfrm>
-              <a:off x="1600201" y="4648200"/>
-              <a:ext cx="7429500" cy="954107"/>
-            </a:xfrm>
-            <a:prstGeom prst="rect">
-              <a:avLst/>
-            </a:prstGeom>
-            <a:noFill/>
-          </p:spPr>
-          <p:txBody>
-            <a:bodyPr wrap="square" rtlCol="0">
-              <a:spAutoFit/>
-            </a:bodyPr>
-            <a:lstStyle/>
-            <a:p>
-              <a:r>
-                <a:rPr lang="en-US" sz="2800" dirty="0"/>
-                <a:t>Know how we can determine what the original accounts said despite not having the originals</a:t>
-              </a:r>
-            </a:p>
-          </p:txBody>
-        </p:sp>
-      </p:grpSp>
-      <p:grpSp>
-        <p:nvGrpSpPr>
-          <p:cNvPr id="6" name="Group 5">
-            <a:extLst>
-              <a:ext uri="{FF2B5EF4-FFF2-40B4-BE49-F238E27FC236}">
-                <a16:creationId xmlns:a16="http://schemas.microsoft.com/office/drawing/2014/main" id="{16DEED69-411E-5C47-8C2F-1FA7F3AC4BAB}"/>
-              </a:ext>
-            </a:extLst>
-          </p:cNvPr>
-          <p:cNvGrpSpPr/>
-          <p:nvPr/>
-        </p:nvGrpSpPr>
-        <p:grpSpPr>
-          <a:xfrm>
-            <a:off x="209549" y="2779693"/>
-            <a:ext cx="8724901" cy="954107"/>
-            <a:chOff x="304800" y="4648200"/>
-            <a:chExt cx="8724901" cy="954107"/>
-          </a:xfrm>
-        </p:grpSpPr>
-        <p:sp>
-          <p:nvSpPr>
-            <p:cNvPr id="7" name="TextBox 6">
-              <a:extLst>
-                <a:ext uri="{FF2B5EF4-FFF2-40B4-BE49-F238E27FC236}">
-                  <a16:creationId xmlns:a16="http://schemas.microsoft.com/office/drawing/2014/main" id="{0BE67C1E-EE53-F64B-A1C4-C71C7BD5283F}"/>
-                </a:ext>
-              </a:extLst>
-            </p:cNvPr>
-            <p:cNvSpPr txBox="1"/>
-            <p:nvPr/>
-          </p:nvSpPr>
-          <p:spPr>
-            <a:xfrm>
-              <a:off x="304800" y="4648200"/>
-              <a:ext cx="1014765" cy="523220"/>
-            </a:xfrm>
-            <a:prstGeom prst="rect">
-              <a:avLst/>
-            </a:prstGeom>
-            <a:noFill/>
-          </p:spPr>
-          <p:txBody>
-            <a:bodyPr wrap="none" rtlCol="0">
-              <a:spAutoFit/>
-            </a:bodyPr>
-            <a:lstStyle/>
-            <a:p>
-              <a:r>
-                <a:rPr lang="en-US" sz="2800" dirty="0">
-                  <a:solidFill>
-                    <a:srgbClr val="009EC0"/>
-                  </a:solidFill>
-                </a:rPr>
-                <a:t>Why?</a:t>
-              </a:r>
-            </a:p>
-          </p:txBody>
-        </p:sp>
-        <p:sp>
-          <p:nvSpPr>
-            <p:cNvPr id="8" name="TextBox 7">
-              <a:extLst>
-                <a:ext uri="{FF2B5EF4-FFF2-40B4-BE49-F238E27FC236}">
-                  <a16:creationId xmlns:a16="http://schemas.microsoft.com/office/drawing/2014/main" id="{44657A2D-A10C-1745-AFDB-1C0FC5EA2AAD}"/>
-                </a:ext>
-              </a:extLst>
-            </p:cNvPr>
-            <p:cNvSpPr txBox="1"/>
-            <p:nvPr/>
-          </p:nvSpPr>
-          <p:spPr>
-            <a:xfrm>
-              <a:off x="1600201" y="4648200"/>
-              <a:ext cx="7429500" cy="954107"/>
-            </a:xfrm>
-            <a:prstGeom prst="rect">
-              <a:avLst/>
-            </a:prstGeom>
-            <a:noFill/>
-          </p:spPr>
-          <p:txBody>
-            <a:bodyPr wrap="square" rtlCol="0">
-              <a:spAutoFit/>
-            </a:bodyPr>
-            <a:lstStyle/>
-            <a:p>
-              <a:r>
-                <a:rPr lang="en-US" sz="2800" dirty="0"/>
-                <a:t>To prevent people from being “blinded by science” regarding textual criticism</a:t>
-              </a:r>
-            </a:p>
-          </p:txBody>
-        </p:sp>
-      </p:grpSp>
-      <p:grpSp>
-        <p:nvGrpSpPr>
-          <p:cNvPr id="9" name="Group 8">
-            <a:extLst>
-              <a:ext uri="{FF2B5EF4-FFF2-40B4-BE49-F238E27FC236}">
-                <a16:creationId xmlns:a16="http://schemas.microsoft.com/office/drawing/2014/main" id="{493A2E7B-FE2C-7045-B882-6D1EC3306C1D}"/>
-              </a:ext>
-            </a:extLst>
-          </p:cNvPr>
-          <p:cNvGrpSpPr/>
-          <p:nvPr/>
-        </p:nvGrpSpPr>
-        <p:grpSpPr>
-          <a:xfrm>
-            <a:off x="209549" y="3914507"/>
-            <a:ext cx="8934443" cy="1369606"/>
-            <a:chOff x="304800" y="4648200"/>
-            <a:chExt cx="8934443" cy="1369606"/>
-          </a:xfrm>
-        </p:grpSpPr>
-        <p:sp>
-          <p:nvSpPr>
-            <p:cNvPr id="10" name="TextBox 9">
-              <a:extLst>
-                <a:ext uri="{FF2B5EF4-FFF2-40B4-BE49-F238E27FC236}">
-                  <a16:creationId xmlns:a16="http://schemas.microsoft.com/office/drawing/2014/main" id="{DCC9CB31-E9E8-7549-8460-8E8840BD1585}"/>
-                </a:ext>
-              </a:extLst>
-            </p:cNvPr>
-            <p:cNvSpPr txBox="1"/>
-            <p:nvPr/>
-          </p:nvSpPr>
-          <p:spPr>
-            <a:xfrm>
-              <a:off x="304800" y="4648200"/>
-              <a:ext cx="1020023" cy="523220"/>
-            </a:xfrm>
-            <a:prstGeom prst="rect">
-              <a:avLst/>
-            </a:prstGeom>
-            <a:noFill/>
-          </p:spPr>
-          <p:txBody>
-            <a:bodyPr wrap="none" rtlCol="0">
-              <a:spAutoFit/>
-            </a:bodyPr>
-            <a:lstStyle/>
-            <a:p>
-              <a:r>
-                <a:rPr lang="en-US" sz="2800" dirty="0">
-                  <a:solidFill>
-                    <a:srgbClr val="009EC0"/>
-                  </a:solidFill>
-                </a:rPr>
-                <a:t>How?</a:t>
-              </a:r>
-            </a:p>
-          </p:txBody>
-        </p:sp>
-        <p:sp>
-          <p:nvSpPr>
-            <p:cNvPr id="11" name="TextBox 10">
-              <a:extLst>
-                <a:ext uri="{FF2B5EF4-FFF2-40B4-BE49-F238E27FC236}">
-                  <a16:creationId xmlns:a16="http://schemas.microsoft.com/office/drawing/2014/main" id="{4729ADED-FFF5-454C-BE17-6323C474D829}"/>
-                </a:ext>
-              </a:extLst>
-            </p:cNvPr>
-            <p:cNvSpPr txBox="1"/>
-            <p:nvPr/>
-          </p:nvSpPr>
-          <p:spPr>
-            <a:xfrm>
-              <a:off x="1600200" y="4648200"/>
-              <a:ext cx="7639043" cy="1369606"/>
-            </a:xfrm>
-            <a:prstGeom prst="rect">
-              <a:avLst/>
-            </a:prstGeom>
-            <a:noFill/>
-          </p:spPr>
-          <p:txBody>
-            <a:bodyPr wrap="square" rtlCol="0">
-              <a:spAutoFit/>
-            </a:bodyPr>
-            <a:lstStyle/>
-            <a:p>
-              <a:r>
-                <a:rPr lang="en-US" sz="2800" dirty="0"/>
-                <a:t>By showing that:</a:t>
-              </a:r>
-            </a:p>
-            <a:p>
-              <a:pPr marL="514350" indent="-514350">
-                <a:buFont typeface="+mj-lt"/>
-                <a:buAutoNum type="arabicPeriod"/>
-              </a:pPr>
-              <a:r>
-                <a:rPr lang="en-US" sz="2800" dirty="0"/>
-                <a:t>Variations in the text aren’t critical</a:t>
-              </a:r>
-            </a:p>
-            <a:p>
-              <a:pPr marL="514350" indent="-514350">
-                <a:buFont typeface="+mj-lt"/>
-                <a:buAutoNum type="arabicPeriod"/>
-              </a:pPr>
-              <a:r>
-                <a:rPr lang="en-US" sz="2700" dirty="0" err="1"/>
-                <a:t>Ehrman</a:t>
-              </a:r>
-              <a:r>
-                <a:rPr lang="en-US" sz="2700" dirty="0"/>
-                <a:t> overstates his claim (by quoting </a:t>
-              </a:r>
-              <a:r>
-                <a:rPr lang="en-US" sz="2700" dirty="0" err="1"/>
-                <a:t>Ehrman</a:t>
-              </a:r>
-              <a:r>
-                <a:rPr lang="en-US" sz="2700" dirty="0"/>
-                <a:t>)</a:t>
-              </a:r>
-            </a:p>
-          </p:txBody>
-        </p:sp>
-      </p:grpSp>
-      <p:cxnSp>
-        <p:nvCxnSpPr>
-          <p:cNvPr id="13" name="Straight Connector 12">
-            <a:extLst>
-              <a:ext uri="{FF2B5EF4-FFF2-40B4-BE49-F238E27FC236}">
-                <a16:creationId xmlns:a16="http://schemas.microsoft.com/office/drawing/2014/main" id="{09B462F9-C753-8044-8DE2-965ABC154D9C}"/>
-              </a:ext>
-            </a:extLst>
-          </p:cNvPr>
-          <p:cNvCxnSpPr>
-            <a:cxnSpLocks/>
-          </p:cNvCxnSpPr>
-          <p:nvPr/>
-        </p:nvCxnSpPr>
-        <p:spPr>
-          <a:xfrm>
-            <a:off x="1373874" y="1669464"/>
-            <a:ext cx="0" cy="4197936"/>
-          </a:xfrm>
-          <a:prstGeom prst="line">
-            <a:avLst/>
-          </a:prstGeom>
-          <a:ln>
-            <a:solidFill>
-              <a:schemeClr val="bg1">
-                <a:lumMod val="75000"/>
-                <a:lumOff val="25000"/>
-              </a:schemeClr>
-            </a:solidFill>
-          </a:ln>
-        </p:spPr>
-        <p:style>
-          <a:lnRef idx="1">
-            <a:schemeClr val="accent1"/>
-          </a:lnRef>
-          <a:fillRef idx="0">
-            <a:schemeClr val="accent1"/>
-          </a:fillRef>
-          <a:effectRef idx="0">
-            <a:schemeClr val="accent1"/>
-          </a:effectRef>
-          <a:fontRef idx="minor">
-            <a:schemeClr val="tx1"/>
-          </a:fontRef>
-        </p:style>
-      </p:cxnSp>
-      <p:sp>
-        <p:nvSpPr>
-          <p:cNvPr id="15" name="TextBox 14">
-            <a:extLst>
-              <a:ext uri="{FF2B5EF4-FFF2-40B4-BE49-F238E27FC236}">
-                <a16:creationId xmlns:a16="http://schemas.microsoft.com/office/drawing/2014/main" id="{C43D1156-26DE-A44F-B5F8-AACFA794E957}"/>
-              </a:ext>
-            </a:extLst>
-          </p:cNvPr>
-          <p:cNvSpPr txBox="1"/>
-          <p:nvPr/>
-        </p:nvSpPr>
-        <p:spPr>
-          <a:xfrm>
-            <a:off x="209549" y="708674"/>
-            <a:ext cx="8934451" cy="769441"/>
-          </a:xfrm>
-          <a:prstGeom prst="rect">
-            <a:avLst/>
-          </a:prstGeom>
-          <a:noFill/>
-        </p:spPr>
-        <p:txBody>
-          <a:bodyPr wrap="square" rtlCol="0">
-            <a:spAutoFit/>
-          </a:bodyPr>
-          <a:lstStyle/>
-          <a:p>
-            <a:r>
-              <a:rPr lang="en-US" sz="4400" b="1" dirty="0"/>
-              <a:t>IDEA IN BRIEF</a:t>
-            </a:r>
-          </a:p>
-        </p:txBody>
-      </p:sp>
-    </p:spTree>
-    <p:extLst>
-      <p:ext uri="{BB962C8B-B14F-4D97-AF65-F5344CB8AC3E}">
-        <p14:creationId xmlns:p14="http://schemas.microsoft.com/office/powerpoint/2010/main" val="1427530079"/>
-      </p:ext>
-    </p:extLst>
-  </p:cSld>
-  <p:clrMapOvr>
-    <a:masterClrMapping/>
-  </p:clrMapOvr>
-  <p:timing>
-    <p:tnLst>
-      <p:par>
-        <p:cTn id="1" dur="indefinite" restart="never" nodeType="tmRoot">
-          <p:childTnLst>
-            <p:seq concurrent="1" nextAc="seek">
-              <p:cTn id="2" dur="indefinite" nodeType="mainSeq">
-                <p:childTnLst>
-                  <p:par>
-                    <p:cTn id="3" fill="hold">
-                      <p:stCondLst>
-                        <p:cond delay="indefinite"/>
-                      </p:stCondLst>
-                      <p:childTnLst>
-                        <p:par>
-                          <p:cTn id="4" fill="hold">
-                            <p:stCondLst>
-                              <p:cond delay="0"/>
-                            </p:stCondLst>
-                            <p:childTnLst>
-                              <p:par>
-                                <p:cTn id="5" presetID="10" presetClass="entr" presetSubtype="0" fill="hold" grpId="0" nodeType="clickEffect">
-                                  <p:stCondLst>
-                                    <p:cond delay="0"/>
-                                  </p:stCondLst>
-                                  <p:childTnLst>
-                                    <p:set>
-                                      <p:cBhvr>
-                                        <p:cTn id="6" dur="1" fill="hold">
-                                          <p:stCondLst>
-                                            <p:cond delay="0"/>
-                                          </p:stCondLst>
-                                        </p:cTn>
-                                        <p:tgtEl>
-                                          <p:spTgt spid="15"/>
-                                        </p:tgtEl>
-                                        <p:attrNameLst>
-                                          <p:attrName>style.visibility</p:attrName>
-                                        </p:attrNameLst>
-                                      </p:cBhvr>
-                                      <p:to>
-                                        <p:strVal val="visible"/>
-                                      </p:to>
-                                    </p:set>
-                                    <p:animEffect transition="in" filter="fade">
-                                      <p:cBhvr>
-                                        <p:cTn id="7" dur="250"/>
-                                        <p:tgtEl>
-                                          <p:spTgt spid="15"/>
-                                        </p:tgtEl>
-                                      </p:cBhvr>
-                                    </p:animEffect>
-                                  </p:childTnLst>
-                                </p:cTn>
-                              </p:par>
-                            </p:childTnLst>
-                          </p:cTn>
-                        </p:par>
-                      </p:childTnLst>
-                    </p:cTn>
-                  </p:par>
-                  <p:par>
-                    <p:cTn id="8" fill="hold">
-                      <p:stCondLst>
-                        <p:cond delay="indefinite"/>
-                      </p:stCondLst>
-                      <p:childTnLst>
-                        <p:par>
-                          <p:cTn id="9" fill="hold">
-                            <p:stCondLst>
-                              <p:cond delay="0"/>
-                            </p:stCondLst>
-                            <p:childTnLst>
-                              <p:par>
-                                <p:cTn id="10" presetID="10" presetClass="entr" presetSubtype="0" fill="hold" nodeType="clickEffect">
-                                  <p:stCondLst>
-                                    <p:cond delay="0"/>
-                                  </p:stCondLst>
-                                  <p:childTnLst>
-                                    <p:set>
-                                      <p:cBhvr>
-                                        <p:cTn id="11" dur="1" fill="hold">
-                                          <p:stCondLst>
-                                            <p:cond delay="0"/>
-                                          </p:stCondLst>
-                                        </p:cTn>
-                                        <p:tgtEl>
-                                          <p:spTgt spid="13"/>
-                                        </p:tgtEl>
-                                        <p:attrNameLst>
-                                          <p:attrName>style.visibility</p:attrName>
-                                        </p:attrNameLst>
-                                      </p:cBhvr>
-                                      <p:to>
-                                        <p:strVal val="visible"/>
-                                      </p:to>
-                                    </p:set>
-                                    <p:animEffect transition="in" filter="fade">
-                                      <p:cBhvr>
-                                        <p:cTn id="12" dur="250"/>
-                                        <p:tgtEl>
-                                          <p:spTgt spid="13"/>
-                                        </p:tgtEl>
-                                      </p:cBhvr>
-                                    </p:animEffect>
-                                  </p:childTnLst>
-                                </p:cTn>
-                              </p:par>
-                            </p:childTnLst>
-                          </p:cTn>
-                        </p:par>
-                        <p:par>
-                          <p:cTn id="13" fill="hold">
-                            <p:stCondLst>
-                              <p:cond delay="250"/>
-                            </p:stCondLst>
-                            <p:childTnLst>
-                              <p:par>
-                                <p:cTn id="14" presetID="10" presetClass="entr" presetSubtype="0" fill="hold" nodeType="afterEffect">
-                                  <p:stCondLst>
-                                    <p:cond delay="0"/>
-                                  </p:stCondLst>
-                                  <p:childTnLst>
-                                    <p:set>
-                                      <p:cBhvr>
-                                        <p:cTn id="15" dur="1" fill="hold">
-                                          <p:stCondLst>
-                                            <p:cond delay="0"/>
-                                          </p:stCondLst>
-                                        </p:cTn>
-                                        <p:tgtEl>
-                                          <p:spTgt spid="4"/>
-                                        </p:tgtEl>
-                                        <p:attrNameLst>
-                                          <p:attrName>style.visibility</p:attrName>
-                                        </p:attrNameLst>
-                                      </p:cBhvr>
-                                      <p:to>
-                                        <p:strVal val="visible"/>
-                                      </p:to>
-                                    </p:set>
-                                    <p:animEffect transition="in" filter="fade">
-                                      <p:cBhvr>
-                                        <p:cTn id="16" dur="250"/>
-                                        <p:tgtEl>
-                                          <p:spTgt spid="4"/>
-                                        </p:tgtEl>
-                                      </p:cBhvr>
-                                    </p:animEffect>
-                                  </p:childTnLst>
-                                </p:cTn>
-                              </p:par>
-                            </p:childTnLst>
-                          </p:cTn>
-                        </p:par>
-                      </p:childTnLst>
-                    </p:cTn>
-                  </p:par>
-                  <p:par>
-                    <p:cTn id="17" fill="hold">
-                      <p:stCondLst>
-                        <p:cond delay="indefinite"/>
-                      </p:stCondLst>
-                      <p:childTnLst>
-                        <p:par>
-                          <p:cTn id="18" fill="hold">
-                            <p:stCondLst>
-                              <p:cond delay="0"/>
-                            </p:stCondLst>
-                            <p:childTnLst>
-                              <p:par>
-                                <p:cTn id="19" presetID="10" presetClass="entr" presetSubtype="0" fill="hold" nodeType="clickEffect">
-                                  <p:stCondLst>
-                                    <p:cond delay="0"/>
-                                  </p:stCondLst>
-                                  <p:childTnLst>
-                                    <p:set>
-                                      <p:cBhvr>
-                                        <p:cTn id="20" dur="1" fill="hold">
-                                          <p:stCondLst>
-                                            <p:cond delay="0"/>
-                                          </p:stCondLst>
-                                        </p:cTn>
-                                        <p:tgtEl>
-                                          <p:spTgt spid="6"/>
-                                        </p:tgtEl>
-                                        <p:attrNameLst>
-                                          <p:attrName>style.visibility</p:attrName>
-                                        </p:attrNameLst>
-                                      </p:cBhvr>
-                                      <p:to>
-                                        <p:strVal val="visible"/>
-                                      </p:to>
-                                    </p:set>
-                                    <p:animEffect transition="in" filter="fade">
-                                      <p:cBhvr>
-                                        <p:cTn id="21" dur="250"/>
-                                        <p:tgtEl>
-                                          <p:spTgt spid="6"/>
-                                        </p:tgtEl>
-                                      </p:cBhvr>
-                                    </p:animEffect>
-                                  </p:childTnLst>
-                                </p:cTn>
-                              </p:par>
-                            </p:childTnLst>
-                          </p:cTn>
-                        </p:par>
-                      </p:childTnLst>
-                    </p:cTn>
-                  </p:par>
-                  <p:par>
-                    <p:cTn id="22" fill="hold">
-                      <p:stCondLst>
-                        <p:cond delay="indefinite"/>
-                      </p:stCondLst>
-                      <p:childTnLst>
-                        <p:par>
-                          <p:cTn id="23" fill="hold">
-                            <p:stCondLst>
-                              <p:cond delay="0"/>
-                            </p:stCondLst>
-                            <p:childTnLst>
-                              <p:par>
-                                <p:cTn id="24" presetID="10" presetClass="entr" presetSubtype="0" fill="hold" nodeType="clickEffect">
-                                  <p:stCondLst>
-                                    <p:cond delay="0"/>
-                                  </p:stCondLst>
-                                  <p:childTnLst>
-                                    <p:set>
-                                      <p:cBhvr>
-                                        <p:cTn id="25" dur="1" fill="hold">
-                                          <p:stCondLst>
-                                            <p:cond delay="0"/>
-                                          </p:stCondLst>
-                                        </p:cTn>
-                                        <p:tgtEl>
-                                          <p:spTgt spid="9"/>
-                                        </p:tgtEl>
-                                        <p:attrNameLst>
-                                          <p:attrName>style.visibility</p:attrName>
-                                        </p:attrNameLst>
-                                      </p:cBhvr>
-                                      <p:to>
-                                        <p:strVal val="visible"/>
-                                      </p:to>
-                                    </p:set>
-                                    <p:animEffect transition="in" filter="fade">
-                                      <p:cBhvr>
-                                        <p:cTn id="26" dur="250"/>
-                                        <p:tgtEl>
-                                          <p:spTgt spid="9"/>
-                                        </p:tgtEl>
-                                      </p:cBhvr>
-                                    </p:animEffect>
-                                  </p:childTnLst>
-                                </p:cTn>
-                              </p:par>
-                            </p:childTnLst>
-                          </p:cTn>
-                        </p:par>
-                      </p:childTnLst>
-                    </p:cTn>
-                  </p:par>
-                </p:childTnLst>
-              </p:cTn>
-              <p:prevCondLst>
-                <p:cond evt="onPrev" delay="0">
-                  <p:tgtEl>
-                    <p:sldTgt/>
-                  </p:tgtEl>
-                </p:cond>
-              </p:prevCondLst>
-              <p:nextCondLst>
-                <p:cond evt="onNext" delay="0">
-                  <p:tgtEl>
-                    <p:sldTgt/>
-                  </p:tgtEl>
-                </p:cond>
-              </p:nextCondLst>
-            </p:seq>
-          </p:childTnLst>
-        </p:cTn>
-      </p:par>
-    </p:tnLst>
-    <p:bldLst>
-      <p:bldP spid="15" grpId="0"/>
     </p:bldLst>
   </p:timing>
 </p:sld>
@@ -46035,4 +46533,283 @@
     </a:bgFillStyleLst>
   </a:fmtScheme>
 </a:themeOverride>
+</file>
+
+<file path=ppt/theme/themeOverride8.xml><?xml version="1.0" encoding="utf-8"?>
+<a:themeOverride xmlns:a="http://schemas.openxmlformats.org/drawingml/2006/main">
+  <a:clrScheme name="Office">
+    <a:dk1>
+      <a:sysClr val="windowText" lastClr="000000"/>
+    </a:dk1>
+    <a:lt1>
+      <a:sysClr val="window" lastClr="FFFFFF"/>
+    </a:lt1>
+    <a:dk2>
+      <a:srgbClr val="1F497D"/>
+    </a:dk2>
+    <a:lt2>
+      <a:srgbClr val="EEECE1"/>
+    </a:lt2>
+    <a:accent1>
+      <a:srgbClr val="4F81BD"/>
+    </a:accent1>
+    <a:accent2>
+      <a:srgbClr val="C0504D"/>
+    </a:accent2>
+    <a:accent3>
+      <a:srgbClr val="9BBB59"/>
+    </a:accent3>
+    <a:accent4>
+      <a:srgbClr val="8064A2"/>
+    </a:accent4>
+    <a:accent5>
+      <a:srgbClr val="4BACC6"/>
+    </a:accent5>
+    <a:accent6>
+      <a:srgbClr val="F79646"/>
+    </a:accent6>
+    <a:hlink>
+      <a:srgbClr val="0000FF"/>
+    </a:hlink>
+    <a:folHlink>
+      <a:srgbClr val="800080"/>
+    </a:folHlink>
+  </a:clrScheme>
+  <a:fontScheme name="Office">
+    <a:majorFont>
+      <a:latin typeface="Calibri"/>
+      <a:ea typeface=""/>
+      <a:cs typeface=""/>
+      <a:font script="Jpan" typeface="ＭＳ Ｐゴシック"/>
+      <a:font script="Hang" typeface="맑은 고딕"/>
+      <a:font script="Hans" typeface="宋体"/>
+      <a:font script="Hant" typeface="新細明體"/>
+      <a:font script="Arab" typeface="Times New Roman"/>
+      <a:font script="Hebr" typeface="Times New Roman"/>
+      <a:font script="Thai" typeface="Angsana New"/>
+      <a:font script="Ethi" typeface="Nyala"/>
+      <a:font script="Beng" typeface="Vrinda"/>
+      <a:font script="Gujr" typeface="Shruti"/>
+      <a:font script="Khmr" typeface="MoolBoran"/>
+      <a:font script="Knda" typeface="Tunga"/>
+      <a:font script="Guru" typeface="Raavi"/>
+      <a:font script="Cans" typeface="Euphemia"/>
+      <a:font script="Cher" typeface="Plantagenet Cherokee"/>
+      <a:font script="Yiii" typeface="Microsoft Yi Baiti"/>
+      <a:font script="Tibt" typeface="Microsoft Himalaya"/>
+      <a:font script="Thaa" typeface="MV Boli"/>
+      <a:font script="Deva" typeface="Mangal"/>
+      <a:font script="Telu" typeface="Gautami"/>
+      <a:font script="Taml" typeface="Latha"/>
+      <a:font script="Syrc" typeface="Estrangelo Edessa"/>
+      <a:font script="Orya" typeface="Kalinga"/>
+      <a:font script="Mlym" typeface="Kartika"/>
+      <a:font script="Laoo" typeface="DokChampa"/>
+      <a:font script="Sinh" typeface="Iskoola Pota"/>
+      <a:font script="Mong" typeface="Mongolian Baiti"/>
+      <a:font script="Viet" typeface="Times New Roman"/>
+      <a:font script="Uigh" typeface="Microsoft Uighur"/>
+    </a:majorFont>
+    <a:minorFont>
+      <a:latin typeface="Calibri"/>
+      <a:ea typeface=""/>
+      <a:cs typeface=""/>
+      <a:font script="Jpan" typeface="ＭＳ Ｐゴシック"/>
+      <a:font script="Hang" typeface="맑은 고딕"/>
+      <a:font script="Hans" typeface="宋体"/>
+      <a:font script="Hant" typeface="新細明體"/>
+      <a:font script="Arab" typeface="Arial"/>
+      <a:font script="Hebr" typeface="Arial"/>
+      <a:font script="Thai" typeface="Cordia New"/>
+      <a:font script="Ethi" typeface="Nyala"/>
+      <a:font script="Beng" typeface="Vrinda"/>
+      <a:font script="Gujr" typeface="Shruti"/>
+      <a:font script="Khmr" typeface="DaunPenh"/>
+      <a:font script="Knda" typeface="Tunga"/>
+      <a:font script="Guru" typeface="Raavi"/>
+      <a:font script="Cans" typeface="Euphemia"/>
+      <a:font script="Cher" typeface="Plantagenet Cherokee"/>
+      <a:font script="Yiii" typeface="Microsoft Yi Baiti"/>
+      <a:font script="Tibt" typeface="Microsoft Himalaya"/>
+      <a:font script="Thaa" typeface="MV Boli"/>
+      <a:font script="Deva" typeface="Mangal"/>
+      <a:font script="Telu" typeface="Gautami"/>
+      <a:font script="Taml" typeface="Latha"/>
+      <a:font script="Syrc" typeface="Estrangelo Edessa"/>
+      <a:font script="Orya" typeface="Kalinga"/>
+      <a:font script="Mlym" typeface="Kartika"/>
+      <a:font script="Laoo" typeface="DokChampa"/>
+      <a:font script="Sinh" typeface="Iskoola Pota"/>
+      <a:font script="Mong" typeface="Mongolian Baiti"/>
+      <a:font script="Viet" typeface="Arial"/>
+      <a:font script="Uigh" typeface="Microsoft Uighur"/>
+    </a:minorFont>
+  </a:fontScheme>
+  <a:fmtScheme name="Office">
+    <a:fillStyleLst>
+      <a:solidFill>
+        <a:schemeClr val="phClr"/>
+      </a:solidFill>
+      <a:gradFill rotWithShape="1">
+        <a:gsLst>
+          <a:gs pos="0">
+            <a:schemeClr val="phClr">
+              <a:tint val="50000"/>
+              <a:satMod val="300000"/>
+            </a:schemeClr>
+          </a:gs>
+          <a:gs pos="35000">
+            <a:schemeClr val="phClr">
+              <a:tint val="37000"/>
+              <a:satMod val="300000"/>
+            </a:schemeClr>
+          </a:gs>
+          <a:gs pos="100000">
+            <a:schemeClr val="phClr">
+              <a:tint val="15000"/>
+              <a:satMod val="350000"/>
+            </a:schemeClr>
+          </a:gs>
+        </a:gsLst>
+        <a:lin ang="16200000" scaled="1"/>
+      </a:gradFill>
+      <a:gradFill rotWithShape="1">
+        <a:gsLst>
+          <a:gs pos="0">
+            <a:schemeClr val="phClr">
+              <a:shade val="51000"/>
+              <a:satMod val="130000"/>
+            </a:schemeClr>
+          </a:gs>
+          <a:gs pos="80000">
+            <a:schemeClr val="phClr">
+              <a:shade val="93000"/>
+              <a:satMod val="130000"/>
+            </a:schemeClr>
+          </a:gs>
+          <a:gs pos="100000">
+            <a:schemeClr val="phClr">
+              <a:shade val="94000"/>
+              <a:satMod val="135000"/>
+            </a:schemeClr>
+          </a:gs>
+        </a:gsLst>
+        <a:lin ang="16200000" scaled="0"/>
+      </a:gradFill>
+    </a:fillStyleLst>
+    <a:lnStyleLst>
+      <a:ln w="9525" cap="flat" cmpd="sng" algn="ctr">
+        <a:solidFill>
+          <a:schemeClr val="phClr">
+            <a:shade val="95000"/>
+            <a:satMod val="105000"/>
+          </a:schemeClr>
+        </a:solidFill>
+        <a:prstDash val="solid"/>
+      </a:ln>
+      <a:ln w="25400" cap="flat" cmpd="sng" algn="ctr">
+        <a:solidFill>
+          <a:schemeClr val="phClr"/>
+        </a:solidFill>
+        <a:prstDash val="solid"/>
+      </a:ln>
+      <a:ln w="38100" cap="flat" cmpd="sng" algn="ctr">
+        <a:solidFill>
+          <a:schemeClr val="phClr"/>
+        </a:solidFill>
+        <a:prstDash val="solid"/>
+      </a:ln>
+    </a:lnStyleLst>
+    <a:effectStyleLst>
+      <a:effectStyle>
+        <a:effectLst>
+          <a:outerShdw blurRad="40000" dist="20000" dir="5400000" rotWithShape="0">
+            <a:srgbClr val="000000">
+              <a:alpha val="38000"/>
+            </a:srgbClr>
+          </a:outerShdw>
+        </a:effectLst>
+      </a:effectStyle>
+      <a:effectStyle>
+        <a:effectLst>
+          <a:outerShdw blurRad="40000" dist="23000" dir="5400000" rotWithShape="0">
+            <a:srgbClr val="000000">
+              <a:alpha val="35000"/>
+            </a:srgbClr>
+          </a:outerShdw>
+        </a:effectLst>
+      </a:effectStyle>
+      <a:effectStyle>
+        <a:effectLst>
+          <a:outerShdw blurRad="40000" dist="23000" dir="5400000" rotWithShape="0">
+            <a:srgbClr val="000000">
+              <a:alpha val="35000"/>
+            </a:srgbClr>
+          </a:outerShdw>
+        </a:effectLst>
+        <a:scene3d>
+          <a:camera prst="orthographicFront">
+            <a:rot lat="0" lon="0" rev="0"/>
+          </a:camera>
+          <a:lightRig rig="threePt" dir="t">
+            <a:rot lat="0" lon="0" rev="1200000"/>
+          </a:lightRig>
+        </a:scene3d>
+        <a:sp3d>
+          <a:bevelT w="63500" h="25400"/>
+        </a:sp3d>
+      </a:effectStyle>
+    </a:effectStyleLst>
+    <a:bgFillStyleLst>
+      <a:solidFill>
+        <a:schemeClr val="phClr"/>
+      </a:solidFill>
+      <a:gradFill rotWithShape="1">
+        <a:gsLst>
+          <a:gs pos="0">
+            <a:schemeClr val="phClr">
+              <a:tint val="40000"/>
+              <a:satMod val="350000"/>
+            </a:schemeClr>
+          </a:gs>
+          <a:gs pos="40000">
+            <a:schemeClr val="phClr">
+              <a:tint val="45000"/>
+              <a:shade val="99000"/>
+              <a:satMod val="350000"/>
+            </a:schemeClr>
+          </a:gs>
+          <a:gs pos="100000">
+            <a:schemeClr val="phClr">
+              <a:shade val="20000"/>
+              <a:satMod val="255000"/>
+            </a:schemeClr>
+          </a:gs>
+        </a:gsLst>
+        <a:path path="circle">
+          <a:fillToRect l="50000" t="-80000" r="50000" b="180000"/>
+        </a:path>
+      </a:gradFill>
+      <a:gradFill rotWithShape="1">
+        <a:gsLst>
+          <a:gs pos="0">
+            <a:schemeClr val="phClr">
+              <a:tint val="80000"/>
+              <a:satMod val="300000"/>
+            </a:schemeClr>
+          </a:gs>
+          <a:gs pos="100000">
+            <a:schemeClr val="phClr">
+              <a:shade val="30000"/>
+              <a:satMod val="200000"/>
+            </a:schemeClr>
+          </a:gs>
+        </a:gsLst>
+        <a:path path="circle">
+          <a:fillToRect l="50000" t="50000" r="50000" b="50000"/>
+        </a:path>
+      </a:gradFill>
+    </a:bgFillStyleLst>
+  </a:fmtScheme>
+</a:themeOverride>
 </file>
--- a/companion-website/public/files/22. Is the New Testament Corrupted.pptx
+++ b/companion-website/public/files/22. Is the New Testament Corrupted.pptx
@@ -5,7 +5,7 @@
     <p:sldMasterId id="2147483648" r:id="rId1"/>
   </p:sldMasterIdLst>
   <p:notesMasterIdLst>
-    <p:notesMasterId r:id="rId42"/>
+    <p:notesMasterId r:id="rId41"/>
   </p:notesMasterIdLst>
   <p:sldIdLst>
     <p:sldId id="275" r:id="rId2"/>
@@ -27,27 +27,26 @@
     <p:sldId id="479" r:id="rId18"/>
     <p:sldId id="494" r:id="rId19"/>
     <p:sldId id="484" r:id="rId20"/>
-    <p:sldId id="493" r:id="rId21"/>
-    <p:sldId id="489" r:id="rId22"/>
-    <p:sldId id="463" r:id="rId23"/>
-    <p:sldId id="465" r:id="rId24"/>
-    <p:sldId id="464" r:id="rId25"/>
-    <p:sldId id="439" r:id="rId26"/>
-    <p:sldId id="438" r:id="rId27"/>
-    <p:sldId id="474" r:id="rId28"/>
-    <p:sldId id="449" r:id="rId29"/>
-    <p:sldId id="450" r:id="rId30"/>
-    <p:sldId id="448" r:id="rId31"/>
-    <p:sldId id="471" r:id="rId32"/>
-    <p:sldId id="261" r:id="rId33"/>
-    <p:sldId id="466" r:id="rId34"/>
-    <p:sldId id="467" r:id="rId35"/>
-    <p:sldId id="446" r:id="rId36"/>
-    <p:sldId id="456" r:id="rId37"/>
-    <p:sldId id="451" r:id="rId38"/>
-    <p:sldId id="454" r:id="rId39"/>
-    <p:sldId id="455" r:id="rId40"/>
-    <p:sldId id="473" r:id="rId41"/>
+    <p:sldId id="489" r:id="rId21"/>
+    <p:sldId id="463" r:id="rId22"/>
+    <p:sldId id="465" r:id="rId23"/>
+    <p:sldId id="464" r:id="rId24"/>
+    <p:sldId id="439" r:id="rId25"/>
+    <p:sldId id="438" r:id="rId26"/>
+    <p:sldId id="474" r:id="rId27"/>
+    <p:sldId id="449" r:id="rId28"/>
+    <p:sldId id="450" r:id="rId29"/>
+    <p:sldId id="448" r:id="rId30"/>
+    <p:sldId id="471" r:id="rId31"/>
+    <p:sldId id="261" r:id="rId32"/>
+    <p:sldId id="466" r:id="rId33"/>
+    <p:sldId id="467" r:id="rId34"/>
+    <p:sldId id="446" r:id="rId35"/>
+    <p:sldId id="456" r:id="rId36"/>
+    <p:sldId id="451" r:id="rId37"/>
+    <p:sldId id="454" r:id="rId38"/>
+    <p:sldId id="455" r:id="rId39"/>
+    <p:sldId id="473" r:id="rId40"/>
   </p:sldIdLst>
   <p:sldSz cx="9144000" cy="6858000" type="screen4x3"/>
   <p:notesSz cx="6858000" cy="9144000"/>
@@ -3516,7 +3515,7 @@
           <a:p>
             <a:fld id="{8F7EB338-8BB0-B64B-9F79-C87EA24D723F}" type="datetimeFigureOut">
               <a:rPr lang="en-US" smtClean="0"/>
-              <a:t>12/26/20</a:t>
+              <a:t>12/27/2020</a:t>
             </a:fld>
             <a:endParaRPr lang="en-US"/>
           </a:p>
@@ -4109,7 +4108,7 @@
     </p:spTree>
     <p:extLst>
       <p:ext uri="{BB962C8B-B14F-4D97-AF65-F5344CB8AC3E}">
-        <p14:creationId xmlns:p14="http://schemas.microsoft.com/office/powerpoint/2010/main" val="3238388308"/>
+        <p14:creationId xmlns:p14="http://schemas.microsoft.com/office/powerpoint/2010/main" val="166182347"/>
       </p:ext>
     </p:extLst>
   </p:cSld>
@@ -4184,7 +4183,7 @@
           <a:p>
             <a:fld id="{0A2C3B37-55FA-284F-9E83-751B4EA6E9B4}" type="slidenum">
               <a:rPr lang="en-US" smtClean="0"/>
-              <a:t>21</a:t>
+              <a:t>37</a:t>
             </a:fld>
             <a:endParaRPr lang="en-US"/>
           </a:p>
@@ -4193,7 +4192,7 @@
     </p:spTree>
     <p:extLst>
       <p:ext uri="{BB962C8B-B14F-4D97-AF65-F5344CB8AC3E}">
-        <p14:creationId xmlns:p14="http://schemas.microsoft.com/office/powerpoint/2010/main" val="166182347"/>
+        <p14:creationId xmlns:p14="http://schemas.microsoft.com/office/powerpoint/2010/main" val="1212251316"/>
       </p:ext>
     </p:extLst>
   </p:cSld>
@@ -4277,7 +4276,7 @@
     </p:spTree>
     <p:extLst>
       <p:ext uri="{BB962C8B-B14F-4D97-AF65-F5344CB8AC3E}">
-        <p14:creationId xmlns:p14="http://schemas.microsoft.com/office/powerpoint/2010/main" val="1212251316"/>
+        <p14:creationId xmlns:p14="http://schemas.microsoft.com/office/powerpoint/2010/main" val="4021696528"/>
       </p:ext>
     </p:extLst>
   </p:cSld>
@@ -4353,90 +4352,6 @@
             <a:fld id="{0A2C3B37-55FA-284F-9E83-751B4EA6E9B4}" type="slidenum">
               <a:rPr lang="en-US" smtClean="0"/>
               <a:t>39</a:t>
-            </a:fld>
-            <a:endParaRPr lang="en-US"/>
-          </a:p>
-        </p:txBody>
-      </p:sp>
-    </p:spTree>
-    <p:extLst>
-      <p:ext uri="{BB962C8B-B14F-4D97-AF65-F5344CB8AC3E}">
-        <p14:creationId xmlns:p14="http://schemas.microsoft.com/office/powerpoint/2010/main" val="4021696528"/>
-      </p:ext>
-    </p:extLst>
-  </p:cSld>
-  <p:clrMapOvr>
-    <a:masterClrMapping/>
-  </p:clrMapOvr>
-</p:notes>
-</file>
-
-<file path=ppt/notesSlides/notesSlide16.xml><?xml version="1.0" encoding="utf-8"?>
-<p:notes xmlns:a="http://schemas.openxmlformats.org/drawingml/2006/main" xmlns:r="http://schemas.openxmlformats.org/officeDocument/2006/relationships" xmlns:p="http://schemas.openxmlformats.org/presentationml/2006/main">
-  <p:cSld>
-    <p:spTree>
-      <p:nvGrpSpPr>
-        <p:cNvPr id="1" name=""/>
-        <p:cNvGrpSpPr/>
-        <p:nvPr/>
-      </p:nvGrpSpPr>
-      <p:grpSpPr>
-        <a:xfrm>
-          <a:off x="0" y="0"/>
-          <a:ext cx="0" cy="0"/>
-          <a:chOff x="0" y="0"/>
-          <a:chExt cx="0" cy="0"/>
-        </a:xfrm>
-      </p:grpSpPr>
-      <p:sp>
-        <p:nvSpPr>
-          <p:cNvPr id="2" name="Slide Image Placeholder 1"/>
-          <p:cNvSpPr>
-            <a:spLocks noGrp="1" noRot="1" noChangeAspect="1"/>
-          </p:cNvSpPr>
-          <p:nvPr>
-            <p:ph type="sldImg"/>
-          </p:nvPr>
-        </p:nvSpPr>
-        <p:spPr/>
-      </p:sp>
-      <p:sp>
-        <p:nvSpPr>
-          <p:cNvPr id="3" name="Notes Placeholder 2"/>
-          <p:cNvSpPr>
-            <a:spLocks noGrp="1"/>
-          </p:cNvSpPr>
-          <p:nvPr>
-            <p:ph type="body" idx="1"/>
-          </p:nvPr>
-        </p:nvSpPr>
-        <p:spPr/>
-        <p:txBody>
-          <a:bodyPr/>
-          <a:lstStyle/>
-          <a:p>
-            <a:endParaRPr lang="en-US" dirty="0"/>
-          </a:p>
-        </p:txBody>
-      </p:sp>
-      <p:sp>
-        <p:nvSpPr>
-          <p:cNvPr id="4" name="Slide Number Placeholder 3"/>
-          <p:cNvSpPr>
-            <a:spLocks noGrp="1"/>
-          </p:cNvSpPr>
-          <p:nvPr>
-            <p:ph type="sldNum" sz="quarter" idx="10"/>
-          </p:nvPr>
-        </p:nvSpPr>
-        <p:spPr/>
-        <p:txBody>
-          <a:bodyPr/>
-          <a:lstStyle/>
-          <a:p>
-            <a:fld id="{0A2C3B37-55FA-284F-9E83-751B4EA6E9B4}" type="slidenum">
-              <a:rPr lang="en-US" smtClean="0"/>
-              <a:t>40</a:t>
             </a:fld>
             <a:endParaRPr lang="en-US"/>
           </a:p>
@@ -5311,7 +5226,7 @@
             <a:fld id="{DBE77699-C466-4996-ADED-71C8160E04A2}" type="datetimeFigureOut">
               <a:rPr lang="en-US" smtClean="0"/>
               <a:pPr/>
-              <a:t>12/26/20</a:t>
+              <a:t>12/27/2020</a:t>
             </a:fld>
             <a:endParaRPr lang="en-US"/>
           </a:p>
@@ -5476,7 +5391,7 @@
             <a:fld id="{DBE77699-C466-4996-ADED-71C8160E04A2}" type="datetimeFigureOut">
               <a:rPr lang="en-US" smtClean="0"/>
               <a:pPr/>
-              <a:t>12/26/20</a:t>
+              <a:t>12/27/2020</a:t>
             </a:fld>
             <a:endParaRPr lang="en-US"/>
           </a:p>
@@ -5651,7 +5566,7 @@
             <a:fld id="{DBE77699-C466-4996-ADED-71C8160E04A2}" type="datetimeFigureOut">
               <a:rPr lang="en-US" smtClean="0"/>
               <a:pPr/>
-              <a:t>12/26/20</a:t>
+              <a:t>12/27/2020</a:t>
             </a:fld>
             <a:endParaRPr lang="en-US"/>
           </a:p>
@@ -5830,7 +5745,7 @@
             <a:fld id="{DBE77699-C466-4996-ADED-71C8160E04A2}" type="datetimeFigureOut">
               <a:rPr lang="en-US" smtClean="0"/>
               <a:pPr/>
-              <a:t>12/26/20</a:t>
+              <a:t>12/27/2020</a:t>
             </a:fld>
             <a:endParaRPr lang="en-US"/>
           </a:p>
@@ -5993,7 +5908,7 @@
             <a:fld id="{DBE77699-C466-4996-ADED-71C8160E04A2}" type="datetimeFigureOut">
               <a:rPr lang="en-US" smtClean="0"/>
               <a:pPr/>
-              <a:t>12/26/20</a:t>
+              <a:t>12/27/2020</a:t>
             </a:fld>
             <a:endParaRPr lang="en-US"/>
           </a:p>
@@ -6401,7 +6316,7 @@
             <a:fld id="{DBE77699-C466-4996-ADED-71C8160E04A2}" type="datetimeFigureOut">
               <a:rPr lang="en-US" smtClean="0"/>
               <a:pPr/>
-              <a:t>12/26/20</a:t>
+              <a:t>12/27/2020</a:t>
             </a:fld>
             <a:endParaRPr lang="en-US"/>
           </a:p>
@@ -6643,7 +6558,7 @@
             <a:fld id="{DBE77699-C466-4996-ADED-71C8160E04A2}" type="datetimeFigureOut">
               <a:rPr lang="en-US" smtClean="0"/>
               <a:pPr/>
-              <a:t>12/26/20</a:t>
+              <a:t>12/27/2020</a:t>
             </a:fld>
             <a:endParaRPr lang="en-US"/>
           </a:p>
@@ -6925,7 +6840,7 @@
             <a:fld id="{DBE77699-C466-4996-ADED-71C8160E04A2}" type="datetimeFigureOut">
               <a:rPr lang="en-US" smtClean="0"/>
               <a:pPr/>
-              <a:t>12/26/20</a:t>
+              <a:t>12/27/2020</a:t>
             </a:fld>
             <a:endParaRPr lang="en-US"/>
           </a:p>
@@ -7341,7 +7256,7 @@
             <a:fld id="{DBE77699-C466-4996-ADED-71C8160E04A2}" type="datetimeFigureOut">
               <a:rPr lang="en-US" smtClean="0"/>
               <a:pPr/>
-              <a:t>12/26/20</a:t>
+              <a:t>12/27/2020</a:t>
             </a:fld>
             <a:endParaRPr lang="en-US"/>
           </a:p>
@@ -7455,7 +7370,7 @@
             <a:fld id="{DBE77699-C466-4996-ADED-71C8160E04A2}" type="datetimeFigureOut">
               <a:rPr lang="en-US" smtClean="0"/>
               <a:pPr/>
-              <a:t>12/26/20</a:t>
+              <a:t>12/27/2020</a:t>
             </a:fld>
             <a:endParaRPr lang="en-US"/>
           </a:p>
@@ -7547,7 +7462,7 @@
             <a:fld id="{DBE77699-C466-4996-ADED-71C8160E04A2}" type="datetimeFigureOut">
               <a:rPr lang="en-US" smtClean="0"/>
               <a:pPr/>
-              <a:t>12/26/20</a:t>
+              <a:t>12/27/2020</a:t>
             </a:fld>
             <a:endParaRPr lang="en-US"/>
           </a:p>
@@ -7819,7 +7734,7 @@
             <a:fld id="{DBE77699-C466-4996-ADED-71C8160E04A2}" type="datetimeFigureOut">
               <a:rPr lang="en-US" smtClean="0"/>
               <a:pPr/>
-              <a:t>12/26/20</a:t>
+              <a:t>12/27/2020</a:t>
             </a:fld>
             <a:endParaRPr lang="en-US"/>
           </a:p>
@@ -8068,7 +7983,7 @@
             <a:fld id="{DBE77699-C466-4996-ADED-71C8160E04A2}" type="datetimeFigureOut">
               <a:rPr lang="en-US" smtClean="0"/>
               <a:pPr/>
-              <a:t>12/26/20</a:t>
+              <a:t>12/27/2020</a:t>
             </a:fld>
             <a:endParaRPr lang="en-US"/>
           </a:p>
@@ -8279,7 +8194,7 @@
             <a:fld id="{DBE77699-C466-4996-ADED-71C8160E04A2}" type="datetimeFigureOut">
               <a:rPr lang="en-US" smtClean="0"/>
               <a:pPr/>
-              <a:t>12/26/20</a:t>
+              <a:t>12/27/2020</a:t>
             </a:fld>
             <a:endParaRPr lang="en-US"/>
           </a:p>
@@ -17407,554 +17322,6 @@
                     <a:schemeClr val="tx1"/>
                   </a:solidFill>
                 </a:rPr>
-                <a:t>3</a:t>
-              </a:r>
-            </a:p>
-          </p:txBody>
-        </p:sp>
-        <p:sp>
-          <p:nvSpPr>
-            <p:cNvPr id="10" name="Rectangle 9">
-              <a:extLst>
-                <a:ext uri="{FF2B5EF4-FFF2-40B4-BE49-F238E27FC236}">
-                  <a16:creationId xmlns:a16="http://schemas.microsoft.com/office/drawing/2014/main" id="{312C2DC5-5653-DC4B-98A2-76A0B8F08883}"/>
-                </a:ext>
-              </a:extLst>
-            </p:cNvPr>
-            <p:cNvSpPr/>
-            <p:nvPr/>
-          </p:nvSpPr>
-          <p:spPr>
-            <a:xfrm>
-              <a:off x="1447800" y="1833265"/>
-              <a:ext cx="7086600" cy="685800"/>
-            </a:xfrm>
-            <a:prstGeom prst="rect">
-              <a:avLst/>
-            </a:prstGeom>
-            <a:noFill/>
-            <a:ln>
-              <a:noFill/>
-            </a:ln>
-          </p:spPr>
-          <p:style>
-            <a:lnRef idx="2">
-              <a:schemeClr val="accent1">
-                <a:shade val="50000"/>
-              </a:schemeClr>
-            </a:lnRef>
-            <a:fillRef idx="1">
-              <a:schemeClr val="accent1"/>
-            </a:fillRef>
-            <a:effectRef idx="0">
-              <a:schemeClr val="accent1"/>
-            </a:effectRef>
-            <a:fontRef idx="minor">
-              <a:schemeClr val="lt1"/>
-            </a:fontRef>
-          </p:style>
-          <p:txBody>
-            <a:bodyPr rtlCol="0" anchor="ctr"/>
-            <a:lstStyle/>
-            <a:p>
-              <a:r>
-                <a:rPr lang="en-US" sz="2400" dirty="0">
-                  <a:solidFill>
-                    <a:schemeClr val="tx1"/>
-                  </a:solidFill>
-                </a:rPr>
-                <a:t>New Testament documents are </a:t>
-              </a:r>
-              <a:r>
-                <a:rPr lang="en-US" sz="2400" b="1" dirty="0">
-                  <a:solidFill>
-                    <a:schemeClr val="tx1"/>
-                  </a:solidFill>
-                  <a:highlight>
-                    <a:srgbClr val="C00002"/>
-                  </a:highlight>
-                </a:rPr>
-                <a:t>better attested that other ancient documents</a:t>
-              </a:r>
-            </a:p>
-          </p:txBody>
-        </p:sp>
-      </p:grpSp>
-      <p:cxnSp>
-        <p:nvCxnSpPr>
-          <p:cNvPr id="8" name="Straight Connector 7">
-            <a:extLst>
-              <a:ext uri="{FF2B5EF4-FFF2-40B4-BE49-F238E27FC236}">
-                <a16:creationId xmlns:a16="http://schemas.microsoft.com/office/drawing/2014/main" id="{B1CE1C68-C736-2F42-AD3D-29FCB9A69CAD}"/>
-              </a:ext>
-            </a:extLst>
-          </p:cNvPr>
-          <p:cNvCxnSpPr>
-            <a:cxnSpLocks/>
-          </p:cNvCxnSpPr>
-          <p:nvPr/>
-        </p:nvCxnSpPr>
-        <p:spPr>
-          <a:xfrm>
-            <a:off x="228600" y="1066800"/>
-            <a:ext cx="2209800" cy="0"/>
-          </a:xfrm>
-          <a:prstGeom prst="line">
-            <a:avLst/>
-          </a:prstGeom>
-          <a:ln w="76200">
-            <a:solidFill>
-              <a:srgbClr val="009EC0"/>
-            </a:solidFill>
-          </a:ln>
-        </p:spPr>
-        <p:style>
-          <a:lnRef idx="1">
-            <a:schemeClr val="dk1"/>
-          </a:lnRef>
-          <a:fillRef idx="0">
-            <a:schemeClr val="dk1"/>
-          </a:fillRef>
-          <a:effectRef idx="0">
-            <a:schemeClr val="dk1"/>
-          </a:effectRef>
-          <a:fontRef idx="minor">
-            <a:schemeClr val="tx1"/>
-          </a:fontRef>
-        </p:style>
-      </p:cxnSp>
-      <p:graphicFrame>
-        <p:nvGraphicFramePr>
-          <p:cNvPr id="23" name="Table 22">
-            <a:extLst>
-              <a:ext uri="{FF2B5EF4-FFF2-40B4-BE49-F238E27FC236}">
-                <a16:creationId xmlns:a16="http://schemas.microsoft.com/office/drawing/2014/main" id="{257C2C58-F372-4E6B-8761-EBADAB91DFC8}"/>
-              </a:ext>
-            </a:extLst>
-          </p:cNvPr>
-          <p:cNvGraphicFramePr>
-            <a:graphicFrameLocks noGrp="1"/>
-          </p:cNvGraphicFramePr>
-          <p:nvPr/>
-        </p:nvGraphicFramePr>
-        <p:xfrm>
-          <a:off x="1600200" y="2743200"/>
-          <a:ext cx="7162800" cy="1188720"/>
-        </p:xfrm>
-        <a:graphic>
-          <a:graphicData uri="http://schemas.openxmlformats.org/drawingml/2006/table">
-            <a:tbl>
-              <a:tblPr firstRow="1" bandRow="1">
-                <a:tableStyleId>{2D5ABB26-0587-4C30-8999-92F81FD0307C}</a:tableStyleId>
-              </a:tblPr>
-              <a:tblGrid>
-                <a:gridCol w="7162800">
-                  <a:extLst>
-                    <a:ext uri="{9D8B030D-6E8A-4147-A177-3AD203B41FA5}">
-                      <a16:colId xmlns:a16="http://schemas.microsoft.com/office/drawing/2014/main" val="1107341750"/>
-                    </a:ext>
-                  </a:extLst>
-                </a:gridCol>
-              </a:tblGrid>
-              <a:tr h="370840">
-                <a:tc>
-                  <a:txBody>
-                    <a:bodyPr/>
-                    <a:lstStyle/>
-                    <a:p>
-                      <a:r>
-                        <a:rPr lang="en-US" sz="2400" b="0" dirty="0"/>
-                        <a:t>New Testament manuscripts are:</a:t>
-                      </a:r>
-                    </a:p>
-                    <a:p>
-                      <a:pPr marL="457200" indent="-457200">
-                        <a:buAutoNum type="arabicPeriod"/>
-                      </a:pPr>
-                      <a:r>
-                        <a:rPr lang="en-US" sz="2400" b="0" dirty="0"/>
-                        <a:t>Earlier</a:t>
-                      </a:r>
-                    </a:p>
-                    <a:p>
-                      <a:pPr marL="457200" indent="-457200">
-                        <a:buAutoNum type="arabicPeriod"/>
-                      </a:pPr>
-                      <a:r>
-                        <a:rPr lang="en-US" sz="2400" b="0" dirty="0"/>
-                        <a:t>More numerous</a:t>
-                      </a:r>
-                    </a:p>
-                  </a:txBody>
-                  <a:tcPr marL="182880">
-                    <a:lnL w="57150" cap="flat" cmpd="sng" algn="ctr">
-                      <a:solidFill>
-                        <a:schemeClr val="bg1">
-                          <a:lumMod val="75000"/>
-                          <a:lumOff val="25000"/>
-                        </a:schemeClr>
-                      </a:solidFill>
-                      <a:prstDash val="solid"/>
-                      <a:round/>
-                      <a:headEnd type="none" w="med" len="med"/>
-                      <a:tailEnd type="none" w="med" len="med"/>
-                    </a:lnL>
-                    <a:lnR>
-                      <a:noFill/>
-                    </a:lnR>
-                    <a:lnT>
-                      <a:noFill/>
-                    </a:lnT>
-                    <a:lnB>
-                      <a:noFill/>
-                    </a:lnB>
-                    <a:lnTlToBr w="12700" cmpd="sng">
-                      <a:noFill/>
-                      <a:prstDash val="solid"/>
-                    </a:lnTlToBr>
-                    <a:lnBlToTr w="12700" cmpd="sng">
-                      <a:noFill/>
-                      <a:prstDash val="solid"/>
-                    </a:lnBlToTr>
-                  </a:tcPr>
-                </a:tc>
-                <a:extLst>
-                  <a:ext uri="{0D108BD9-81ED-4DB2-BD59-A6C34878D82A}">
-                    <a16:rowId xmlns:a16="http://schemas.microsoft.com/office/drawing/2014/main" val="1984863204"/>
-                  </a:ext>
-                </a:extLst>
-              </a:tr>
-            </a:tbl>
-          </a:graphicData>
-        </a:graphic>
-      </p:graphicFrame>
-    </p:spTree>
-    <p:extLst>
-      <p:ext uri="{BB962C8B-B14F-4D97-AF65-F5344CB8AC3E}">
-        <p14:creationId xmlns:p14="http://schemas.microsoft.com/office/powerpoint/2010/main" val="2830065106"/>
-      </p:ext>
-    </p:extLst>
-  </p:cSld>
-  <p:clrMapOvr>
-    <a:masterClrMapping/>
-  </p:clrMapOvr>
-  <p:timing>
-    <p:tnLst>
-      <p:par>
-        <p:cTn id="1" dur="indefinite" restart="never" nodeType="tmRoot">
-          <p:childTnLst>
-            <p:seq concurrent="1" nextAc="seek">
-              <p:cTn id="2" dur="indefinite" nodeType="mainSeq">
-                <p:childTnLst>
-                  <p:par>
-                    <p:cTn id="3" fill="hold">
-                      <p:stCondLst>
-                        <p:cond delay="indefinite"/>
-                        <p:cond evt="onBegin" delay="0">
-                          <p:tn val="2"/>
-                        </p:cond>
-                      </p:stCondLst>
-                      <p:childTnLst>
-                        <p:par>
-                          <p:cTn id="4" fill="hold">
-                            <p:stCondLst>
-                              <p:cond delay="0"/>
-                            </p:stCondLst>
-                            <p:childTnLst>
-                              <p:par>
-                                <p:cTn id="5" presetID="10" presetClass="entr" presetSubtype="0" fill="hold" grpId="0" nodeType="withEffect">
-                                  <p:stCondLst>
-                                    <p:cond delay="0"/>
-                                  </p:stCondLst>
-                                  <p:childTnLst>
-                                    <p:set>
-                                      <p:cBhvr>
-                                        <p:cTn id="6" dur="1" fill="hold">
-                                          <p:stCondLst>
-                                            <p:cond delay="0"/>
-                                          </p:stCondLst>
-                                        </p:cTn>
-                                        <p:tgtEl>
-                                          <p:spTgt spid="6"/>
-                                        </p:tgtEl>
-                                        <p:attrNameLst>
-                                          <p:attrName>style.visibility</p:attrName>
-                                        </p:attrNameLst>
-                                      </p:cBhvr>
-                                      <p:to>
-                                        <p:strVal val="visible"/>
-                                      </p:to>
-                                    </p:set>
-                                    <p:animEffect transition="in" filter="fade">
-                                      <p:cBhvr>
-                                        <p:cTn id="7" dur="250"/>
-                                        <p:tgtEl>
-                                          <p:spTgt spid="6"/>
-                                        </p:tgtEl>
-                                      </p:cBhvr>
-                                    </p:animEffect>
-                                  </p:childTnLst>
-                                </p:cTn>
-                              </p:par>
-                              <p:par>
-                                <p:cTn id="8" presetID="10" presetClass="entr" presetSubtype="0" fill="hold" nodeType="withEffect">
-                                  <p:stCondLst>
-                                    <p:cond delay="0"/>
-                                  </p:stCondLst>
-                                  <p:childTnLst>
-                                    <p:set>
-                                      <p:cBhvr>
-                                        <p:cTn id="9" dur="1" fill="hold">
-                                          <p:stCondLst>
-                                            <p:cond delay="0"/>
-                                          </p:stCondLst>
-                                        </p:cTn>
-                                        <p:tgtEl>
-                                          <p:spTgt spid="8"/>
-                                        </p:tgtEl>
-                                        <p:attrNameLst>
-                                          <p:attrName>style.visibility</p:attrName>
-                                        </p:attrNameLst>
-                                      </p:cBhvr>
-                                      <p:to>
-                                        <p:strVal val="visible"/>
-                                      </p:to>
-                                    </p:set>
-                                    <p:animEffect transition="in" filter="fade">
-                                      <p:cBhvr>
-                                        <p:cTn id="10" dur="250"/>
-                                        <p:tgtEl>
-                                          <p:spTgt spid="8"/>
-                                        </p:tgtEl>
-                                      </p:cBhvr>
-                                    </p:animEffect>
-                                  </p:childTnLst>
-                                </p:cTn>
-                              </p:par>
-                              <p:par>
-                                <p:cTn id="11" presetID="10" presetClass="entr" presetSubtype="0" fill="hold" nodeType="withEffect">
-                                  <p:stCondLst>
-                                    <p:cond delay="0"/>
-                                  </p:stCondLst>
-                                  <p:childTnLst>
-                                    <p:set>
-                                      <p:cBhvr>
-                                        <p:cTn id="12" dur="1" fill="hold">
-                                          <p:stCondLst>
-                                            <p:cond delay="0"/>
-                                          </p:stCondLst>
-                                        </p:cTn>
-                                        <p:tgtEl>
-                                          <p:spTgt spid="9"/>
-                                        </p:tgtEl>
-                                        <p:attrNameLst>
-                                          <p:attrName>style.visibility</p:attrName>
-                                        </p:attrNameLst>
-                                      </p:cBhvr>
-                                      <p:to>
-                                        <p:strVal val="visible"/>
-                                      </p:to>
-                                    </p:set>
-                                    <p:animEffect transition="in" filter="fade">
-                                      <p:cBhvr>
-                                        <p:cTn id="13" dur="250"/>
-                                        <p:tgtEl>
-                                          <p:spTgt spid="9"/>
-                                        </p:tgtEl>
-                                      </p:cBhvr>
-                                    </p:animEffect>
-                                  </p:childTnLst>
-                                </p:cTn>
-                              </p:par>
-                              <p:par>
-                                <p:cTn id="14" presetID="10" presetClass="entr" presetSubtype="0" fill="hold" nodeType="withEffect">
-                                  <p:stCondLst>
-                                    <p:cond delay="0"/>
-                                  </p:stCondLst>
-                                  <p:childTnLst>
-                                    <p:set>
-                                      <p:cBhvr>
-                                        <p:cTn id="15" dur="1" fill="hold">
-                                          <p:stCondLst>
-                                            <p:cond delay="0"/>
-                                          </p:stCondLst>
-                                        </p:cTn>
-                                        <p:tgtEl>
-                                          <p:spTgt spid="23"/>
-                                        </p:tgtEl>
-                                        <p:attrNameLst>
-                                          <p:attrName>style.visibility</p:attrName>
-                                        </p:attrNameLst>
-                                      </p:cBhvr>
-                                      <p:to>
-                                        <p:strVal val="visible"/>
-                                      </p:to>
-                                    </p:set>
-                                    <p:animEffect transition="in" filter="fade">
-                                      <p:cBhvr>
-                                        <p:cTn id="16" dur="250"/>
-                                        <p:tgtEl>
-                                          <p:spTgt spid="23"/>
-                                        </p:tgtEl>
-                                      </p:cBhvr>
-                                    </p:animEffect>
-                                  </p:childTnLst>
-                                </p:cTn>
-                              </p:par>
-                            </p:childTnLst>
-                          </p:cTn>
-                        </p:par>
-                      </p:childTnLst>
-                    </p:cTn>
-                  </p:par>
-                </p:childTnLst>
-              </p:cTn>
-              <p:prevCondLst>
-                <p:cond evt="onPrev" delay="0">
-                  <p:tgtEl>
-                    <p:sldTgt/>
-                  </p:tgtEl>
-                </p:cond>
-              </p:prevCondLst>
-              <p:nextCondLst>
-                <p:cond evt="onNext" delay="0">
-                  <p:tgtEl>
-                    <p:sldTgt/>
-                  </p:tgtEl>
-                </p:cond>
-              </p:nextCondLst>
-            </p:seq>
-          </p:childTnLst>
-        </p:cTn>
-      </p:par>
-    </p:tnLst>
-    <p:bldLst>
-      <p:bldP spid="6" grpId="0"/>
-    </p:bldLst>
-  </p:timing>
-</p:sld>
-</file>
-
-<file path=ppt/slides/slide21.xml><?xml version="1.0" encoding="utf-8"?>
-<p:sld xmlns:a="http://schemas.openxmlformats.org/drawingml/2006/main" xmlns:r="http://schemas.openxmlformats.org/officeDocument/2006/relationships" xmlns:p="http://schemas.openxmlformats.org/presentationml/2006/main">
-  <p:cSld>
-    <p:spTree>
-      <p:nvGrpSpPr>
-        <p:cNvPr id="1" name=""/>
-        <p:cNvGrpSpPr/>
-        <p:nvPr/>
-      </p:nvGrpSpPr>
-      <p:grpSpPr>
-        <a:xfrm>
-          <a:off x="0" y="0"/>
-          <a:ext cx="0" cy="0"/>
-          <a:chOff x="0" y="0"/>
-          <a:chExt cx="0" cy="0"/>
-        </a:xfrm>
-      </p:grpSpPr>
-      <p:sp>
-        <p:nvSpPr>
-          <p:cNvPr id="6" name="TextBox 5"/>
-          <p:cNvSpPr txBox="1"/>
-          <p:nvPr/>
-        </p:nvSpPr>
-        <p:spPr>
-          <a:xfrm>
-            <a:off x="228600" y="152400"/>
-            <a:ext cx="8610600" cy="677108"/>
-          </a:xfrm>
-          <a:prstGeom prst="rect">
-            <a:avLst/>
-          </a:prstGeom>
-          <a:noFill/>
-        </p:spPr>
-        <p:txBody>
-          <a:bodyPr wrap="square" rtlCol="0">
-            <a:spAutoFit/>
-          </a:bodyPr>
-          <a:lstStyle/>
-          <a:p>
-            <a:r>
-              <a:rPr lang="en-US" sz="3800" b="1" dirty="0"/>
-              <a:t>Can we trust the manuscripts?</a:t>
-            </a:r>
-          </a:p>
-        </p:txBody>
-      </p:sp>
-      <p:grpSp>
-        <p:nvGrpSpPr>
-          <p:cNvPr id="9" name="Group 8">
-            <a:extLst>
-              <a:ext uri="{FF2B5EF4-FFF2-40B4-BE49-F238E27FC236}">
-                <a16:creationId xmlns:a16="http://schemas.microsoft.com/office/drawing/2014/main" id="{55676BE1-B42E-AD44-9DD5-FF20BEB47F36}"/>
-              </a:ext>
-            </a:extLst>
-          </p:cNvPr>
-          <p:cNvGrpSpPr/>
-          <p:nvPr/>
-        </p:nvGrpSpPr>
-        <p:grpSpPr>
-          <a:xfrm>
-            <a:off x="533400" y="1694260"/>
-            <a:ext cx="8001000" cy="685800"/>
-            <a:chOff x="533400" y="1833265"/>
-            <a:chExt cx="8001000" cy="685800"/>
-          </a:xfrm>
-        </p:grpSpPr>
-        <p:sp>
-          <p:nvSpPr>
-            <p:cNvPr id="2" name="Oval 1">
-              <a:extLst>
-                <a:ext uri="{FF2B5EF4-FFF2-40B4-BE49-F238E27FC236}">
-                  <a16:creationId xmlns:a16="http://schemas.microsoft.com/office/drawing/2014/main" id="{876D5A54-0C8D-804B-88A0-6609A2C1405C}"/>
-                </a:ext>
-              </a:extLst>
-            </p:cNvPr>
-            <p:cNvSpPr/>
-            <p:nvPr/>
-          </p:nvSpPr>
-          <p:spPr>
-            <a:xfrm>
-              <a:off x="533400" y="1833265"/>
-              <a:ext cx="685800" cy="685800"/>
-            </a:xfrm>
-            <a:prstGeom prst="ellipse">
-              <a:avLst/>
-            </a:prstGeom>
-            <a:solidFill>
-              <a:srgbClr val="009EC0"/>
-            </a:solidFill>
-            <a:ln>
-              <a:noFill/>
-            </a:ln>
-          </p:spPr>
-          <p:style>
-            <a:lnRef idx="2">
-              <a:schemeClr val="accent1">
-                <a:shade val="50000"/>
-              </a:schemeClr>
-            </a:lnRef>
-            <a:fillRef idx="1">
-              <a:schemeClr val="accent1"/>
-            </a:fillRef>
-            <a:effectRef idx="0">
-              <a:schemeClr val="accent1"/>
-            </a:effectRef>
-            <a:fontRef idx="minor">
-              <a:schemeClr val="lt1"/>
-            </a:fontRef>
-          </p:style>
-          <p:txBody>
-            <a:bodyPr rtlCol="0" anchor="ctr"/>
-            <a:lstStyle/>
-            <a:p>
-              <a:pPr algn="ctr"/>
-              <a:r>
-                <a:rPr lang="en-US" sz="2800" dirty="0">
-                  <a:solidFill>
-                    <a:schemeClr val="tx1"/>
-                  </a:solidFill>
-                </a:rPr>
                 <a:t>4</a:t>
               </a:r>
             </a:p>
@@ -18307,7 +17674,7 @@
 </p:sld>
 </file>
 
-<file path=ppt/slides/slide22.xml><?xml version="1.0" encoding="utf-8"?>
+<file path=ppt/slides/slide21.xml><?xml version="1.0" encoding="utf-8"?>
 <p:sld xmlns:a="http://schemas.openxmlformats.org/drawingml/2006/main" xmlns:r="http://schemas.openxmlformats.org/officeDocument/2006/relationships" xmlns:p="http://schemas.openxmlformats.org/presentationml/2006/main">
   <p:cSld>
     <p:spTree>
@@ -18593,6 +17960,151 @@
 </p:sld>
 </file>
 
+<file path=ppt/slides/slide22.xml><?xml version="1.0" encoding="utf-8"?>
+<p:sld xmlns:a="http://schemas.openxmlformats.org/drawingml/2006/main" xmlns:r="http://schemas.openxmlformats.org/officeDocument/2006/relationships" xmlns:p="http://schemas.openxmlformats.org/presentationml/2006/main">
+  <p:cSld>
+    <p:spTree>
+      <p:nvGrpSpPr>
+        <p:cNvPr id="1" name=""/>
+        <p:cNvGrpSpPr/>
+        <p:nvPr/>
+      </p:nvGrpSpPr>
+      <p:grpSpPr>
+        <a:xfrm>
+          <a:off x="0" y="0"/>
+          <a:ext cx="0" cy="0"/>
+          <a:chOff x="0" y="0"/>
+          <a:chExt cx="0" cy="0"/>
+        </a:xfrm>
+      </p:grpSpPr>
+      <p:sp>
+        <p:nvSpPr>
+          <p:cNvPr id="2" name="Title 1">
+            <a:extLst>
+              <a:ext uri="{FF2B5EF4-FFF2-40B4-BE49-F238E27FC236}">
+                <a16:creationId xmlns:a16="http://schemas.microsoft.com/office/drawing/2014/main" id="{C8F392D1-A4F5-744A-9239-99BC6612F901}"/>
+              </a:ext>
+            </a:extLst>
+          </p:cNvPr>
+          <p:cNvSpPr>
+            <a:spLocks noGrp="1"/>
+          </p:cNvSpPr>
+          <p:nvPr>
+            <p:ph type="title"/>
+          </p:nvPr>
+        </p:nvSpPr>
+        <p:spPr>
+          <a:xfrm>
+            <a:off x="457200" y="152400"/>
+            <a:ext cx="8686800" cy="3962400"/>
+          </a:xfrm>
+        </p:spPr>
+        <p:txBody>
+          <a:bodyPr anchor="b" anchorCtr="0">
+            <a:noAutofit/>
+          </a:bodyPr>
+          <a:lstStyle/>
+          <a:p>
+            <a:pPr>
+              <a:tabLst>
+                <a:tab pos="91440" algn="l"/>
+              </a:tabLst>
+            </a:pPr>
+            <a:r>
+              <a:rPr lang="en-US" sz="3600" dirty="0"/>
+              <a:t>“there would be </a:t>
+            </a:r>
+            <a:r>
+              <a:rPr lang="en-US" sz="3600" b="1" dirty="0">
+                <a:highlight>
+                  <a:srgbClr val="C00002"/>
+                </a:highlight>
+              </a:rPr>
+              <a:t>very few points of disagreement</a:t>
+            </a:r>
+            <a:r>
+              <a:rPr lang="en-US" sz="3600" dirty="0"/>
+              <a:t>—maybe one or two dozen places out of many thousands. ”</a:t>
+            </a:r>
+          </a:p>
+        </p:txBody>
+      </p:sp>
+      <p:sp>
+        <p:nvSpPr>
+          <p:cNvPr id="3" name="Text Placeholder 2">
+            <a:extLst>
+              <a:ext uri="{FF2B5EF4-FFF2-40B4-BE49-F238E27FC236}">
+                <a16:creationId xmlns:a16="http://schemas.microsoft.com/office/drawing/2014/main" id="{D79591E0-89A3-7048-B1C5-91B4FFFB65C9}"/>
+              </a:ext>
+            </a:extLst>
+          </p:cNvPr>
+          <p:cNvSpPr>
+            <a:spLocks noGrp="1"/>
+          </p:cNvSpPr>
+          <p:nvPr>
+            <p:ph type="body" sz="quarter" idx="13"/>
+          </p:nvPr>
+        </p:nvSpPr>
+        <p:spPr>
+          <a:xfrm>
+            <a:off x="114300" y="4495800"/>
+            <a:ext cx="8915400" cy="1371600"/>
+          </a:xfrm>
+        </p:spPr>
+        <p:txBody>
+          <a:bodyPr>
+            <a:normAutofit lnSpcReduction="10000"/>
+          </a:bodyPr>
+          <a:lstStyle/>
+          <a:p>
+            <a:pPr algn="l"/>
+            <a:r>
+              <a:rPr lang="en-US" sz="4400" cap="all" dirty="0">
+                <a:solidFill>
+                  <a:srgbClr val="009EC0"/>
+                </a:solidFill>
+              </a:rPr>
+              <a:t>Bart </a:t>
+            </a:r>
+            <a:r>
+              <a:rPr lang="en-US" sz="4400" cap="all" dirty="0" err="1">
+                <a:solidFill>
+                  <a:srgbClr val="009EC0"/>
+                </a:solidFill>
+              </a:rPr>
+              <a:t>Ehrman</a:t>
+            </a:r>
+            <a:br>
+              <a:rPr lang="en-US" sz="4400" dirty="0">
+                <a:solidFill>
+                  <a:srgbClr val="009EC0"/>
+                </a:solidFill>
+              </a:rPr>
+            </a:br>
+            <a:r>
+              <a:rPr lang="en-US" sz="4400" b="0" i="1" dirty="0">
+                <a:solidFill>
+                  <a:srgbClr val="009EC0"/>
+                </a:solidFill>
+              </a:rPr>
+              <a:t>Misquoting Jesus</a:t>
+            </a:r>
+          </a:p>
+        </p:txBody>
+      </p:sp>
+    </p:spTree>
+    <p:extLst>
+      <p:ext uri="{BB962C8B-B14F-4D97-AF65-F5344CB8AC3E}">
+        <p14:creationId xmlns:p14="http://schemas.microsoft.com/office/powerpoint/2010/main" val="868899881"/>
+      </p:ext>
+    </p:extLst>
+  </p:cSld>
+  <p:clrMapOvr>
+    <a:masterClrMapping/>
+  </p:clrMapOvr>
+</p:sld>
+</file>
+
 <file path=ppt/slides/slide23.xml><?xml version="1.0" encoding="utf-8"?>
 <p:sld xmlns:a="http://schemas.openxmlformats.org/drawingml/2006/main" xmlns:r="http://schemas.openxmlformats.org/officeDocument/2006/relationships" xmlns:p="http://schemas.openxmlformats.org/presentationml/2006/main">
   <p:cSld>
@@ -18645,7 +18157,11 @@
             </a:pPr>
             <a:r>
               <a:rPr lang="en-US" sz="3600" dirty="0"/>
-              <a:t>“there would be </a:t>
+              <a:t>“The position I argue for in </a:t>
+            </a:r>
+            <a:r>
+              <a:rPr lang="en-US" sz="3600" i="1" dirty="0"/>
+              <a:t>Misquoting Jesus </a:t>
             </a:r>
             <a:r>
               <a:rPr lang="en-US" sz="3600" b="1" dirty="0">
@@ -18653,11 +18169,27 @@
                   <a:srgbClr val="C00002"/>
                 </a:highlight>
               </a:rPr>
-              <a:t>very few points of disagreement</a:t>
+              <a:t>does not actually stand at odds</a:t>
+            </a:r>
+            <a:r>
+              <a:rPr lang="en-US" sz="3600" b="1" dirty="0"/>
+              <a:t> </a:t>
             </a:r>
             <a:r>
               <a:rPr lang="en-US" sz="3600" dirty="0"/>
-              <a:t>—maybe one or two dozen places out of many thousands. ”</a:t>
+              <a:t>with Prof. Metzger’s position that the </a:t>
+            </a:r>
+            <a:r>
+              <a:rPr lang="en-US" sz="3600" b="1" dirty="0">
+                <a:highlight>
+                  <a:srgbClr val="C00002"/>
+                </a:highlight>
+              </a:rPr>
+              <a:t>essential Christian beliefs are not affected by textual variants</a:t>
+            </a:r>
+            <a:r>
+              <a:rPr lang="en-US" sz="3600" dirty="0"/>
+              <a:t> in the manuscript tradition of the New Testament. ”</a:t>
             </a:r>
           </a:p>
         </p:txBody>
@@ -18728,7 +18260,7 @@
     </p:spTree>
     <p:extLst>
       <p:ext uri="{BB962C8B-B14F-4D97-AF65-F5344CB8AC3E}">
-        <p14:creationId xmlns:p14="http://schemas.microsoft.com/office/powerpoint/2010/main" val="868899881"/>
+        <p14:creationId xmlns:p14="http://schemas.microsoft.com/office/powerpoint/2010/main" val="2743984413"/>
       </p:ext>
     </p:extLst>
   </p:cSld>
@@ -18739,171 +18271,6 @@
 </file>
 
 <file path=ppt/slides/slide24.xml><?xml version="1.0" encoding="utf-8"?>
-<p:sld xmlns:a="http://schemas.openxmlformats.org/drawingml/2006/main" xmlns:r="http://schemas.openxmlformats.org/officeDocument/2006/relationships" xmlns:p="http://schemas.openxmlformats.org/presentationml/2006/main">
-  <p:cSld>
-    <p:spTree>
-      <p:nvGrpSpPr>
-        <p:cNvPr id="1" name=""/>
-        <p:cNvGrpSpPr/>
-        <p:nvPr/>
-      </p:nvGrpSpPr>
-      <p:grpSpPr>
-        <a:xfrm>
-          <a:off x="0" y="0"/>
-          <a:ext cx="0" cy="0"/>
-          <a:chOff x="0" y="0"/>
-          <a:chExt cx="0" cy="0"/>
-        </a:xfrm>
-      </p:grpSpPr>
-      <p:sp>
-        <p:nvSpPr>
-          <p:cNvPr id="2" name="Title 1">
-            <a:extLst>
-              <a:ext uri="{FF2B5EF4-FFF2-40B4-BE49-F238E27FC236}">
-                <a16:creationId xmlns:a16="http://schemas.microsoft.com/office/drawing/2014/main" id="{C8F392D1-A4F5-744A-9239-99BC6612F901}"/>
-              </a:ext>
-            </a:extLst>
-          </p:cNvPr>
-          <p:cNvSpPr>
-            <a:spLocks noGrp="1"/>
-          </p:cNvSpPr>
-          <p:nvPr>
-            <p:ph type="title"/>
-          </p:nvPr>
-        </p:nvSpPr>
-        <p:spPr>
-          <a:xfrm>
-            <a:off x="457200" y="152400"/>
-            <a:ext cx="8686800" cy="3962400"/>
-          </a:xfrm>
-        </p:spPr>
-        <p:txBody>
-          <a:bodyPr anchor="b" anchorCtr="0">
-            <a:noAutofit/>
-          </a:bodyPr>
-          <a:lstStyle/>
-          <a:p>
-            <a:pPr>
-              <a:tabLst>
-                <a:tab pos="91440" algn="l"/>
-              </a:tabLst>
-            </a:pPr>
-            <a:r>
-              <a:rPr lang="en-US" sz="3600" dirty="0"/>
-              <a:t>“The position I argue for in </a:t>
-            </a:r>
-            <a:r>
-              <a:rPr lang="en-US" sz="3600" i="1" dirty="0"/>
-              <a:t>Misquoting Jesus </a:t>
-            </a:r>
-            <a:r>
-              <a:rPr lang="en-US" sz="3600" b="1" dirty="0">
-                <a:highlight>
-                  <a:srgbClr val="C00002"/>
-                </a:highlight>
-              </a:rPr>
-              <a:t>does not actually stand at odds</a:t>
-            </a:r>
-            <a:r>
-              <a:rPr lang="en-US" sz="3600" b="1" dirty="0"/>
-              <a:t> </a:t>
-            </a:r>
-            <a:r>
-              <a:rPr lang="en-US" sz="3600" dirty="0"/>
-              <a:t>with Prof. Metzger’s position that the </a:t>
-            </a:r>
-            <a:r>
-              <a:rPr lang="en-US" sz="3600" b="1" dirty="0">
-                <a:highlight>
-                  <a:srgbClr val="C00002"/>
-                </a:highlight>
-              </a:rPr>
-              <a:t>essential Christian beliefs are not affected by textual variants</a:t>
-            </a:r>
-            <a:r>
-              <a:rPr lang="en-US" sz="3600" dirty="0"/>
-              <a:t> in the manuscript tradition of the New Testament. ”</a:t>
-            </a:r>
-          </a:p>
-        </p:txBody>
-      </p:sp>
-      <p:sp>
-        <p:nvSpPr>
-          <p:cNvPr id="3" name="Text Placeholder 2">
-            <a:extLst>
-              <a:ext uri="{FF2B5EF4-FFF2-40B4-BE49-F238E27FC236}">
-                <a16:creationId xmlns:a16="http://schemas.microsoft.com/office/drawing/2014/main" id="{D79591E0-89A3-7048-B1C5-91B4FFFB65C9}"/>
-              </a:ext>
-            </a:extLst>
-          </p:cNvPr>
-          <p:cNvSpPr>
-            <a:spLocks noGrp="1"/>
-          </p:cNvSpPr>
-          <p:nvPr>
-            <p:ph type="body" sz="quarter" idx="13"/>
-          </p:nvPr>
-        </p:nvSpPr>
-        <p:spPr>
-          <a:xfrm>
-            <a:off x="114300" y="4495800"/>
-            <a:ext cx="8915400" cy="1371600"/>
-          </a:xfrm>
-        </p:spPr>
-        <p:txBody>
-          <a:bodyPr>
-            <a:normAutofit lnSpcReduction="10000"/>
-          </a:bodyPr>
-          <a:lstStyle/>
-          <a:p>
-            <a:pPr algn="l"/>
-            <a:r>
-              <a:rPr lang="en-US" sz="4400" cap="all" dirty="0">
-                <a:solidFill>
-                  <a:srgbClr val="009EC0"/>
-                </a:solidFill>
-              </a:rPr>
-              <a:t>Bart </a:t>
-            </a:r>
-            <a:r>
-              <a:rPr lang="en-US" sz="4400" cap="all" dirty="0" err="1">
-                <a:solidFill>
-                  <a:srgbClr val="009EC0"/>
-                </a:solidFill>
-              </a:rPr>
-              <a:t>Ehrman</a:t>
-            </a:r>
-            <a:br>
-              <a:rPr lang="en-US" sz="4400" dirty="0">
-                <a:solidFill>
-                  <a:srgbClr val="009EC0"/>
-                </a:solidFill>
-              </a:rPr>
-            </a:br>
-            <a:r>
-              <a:rPr lang="en-US" sz="4400" b="0" i="1" dirty="0">
-                <a:solidFill>
-                  <a:srgbClr val="009EC0"/>
-                </a:solidFill>
-              </a:rPr>
-              <a:t>Misquoting Jesus</a:t>
-            </a:r>
-          </a:p>
-        </p:txBody>
-      </p:sp>
-    </p:spTree>
-    <p:extLst>
-      <p:ext uri="{BB962C8B-B14F-4D97-AF65-F5344CB8AC3E}">
-        <p14:creationId xmlns:p14="http://schemas.microsoft.com/office/powerpoint/2010/main" val="2743984413"/>
-      </p:ext>
-    </p:extLst>
-  </p:cSld>
-  <p:clrMapOvr>
-    <a:masterClrMapping/>
-  </p:clrMapOvr>
-</p:sld>
-</file>
-
-<file path=ppt/slides/slide25.xml><?xml version="1.0" encoding="utf-8"?>
 <p:sld xmlns:a="http://schemas.openxmlformats.org/drawingml/2006/main" xmlns:r="http://schemas.openxmlformats.org/officeDocument/2006/relationships" xmlns:p="http://schemas.openxmlformats.org/presentationml/2006/main">
   <p:cSld>
     <p:spTree>
@@ -19042,7 +18409,7 @@
 </p:sld>
 </file>
 
-<file path=ppt/slides/slide26.xml><?xml version="1.0" encoding="utf-8"?>
+<file path=ppt/slides/slide25.xml><?xml version="1.0" encoding="utf-8"?>
 <p:sld xmlns:a="http://schemas.openxmlformats.org/drawingml/2006/main" xmlns:r="http://schemas.openxmlformats.org/officeDocument/2006/relationships" xmlns:p="http://schemas.openxmlformats.org/presentationml/2006/main">
   <p:cSld>
     <p:spTree>
@@ -19118,7 +18485,7 @@
 </p:sld>
 </file>
 
-<file path=ppt/slides/slide27.xml><?xml version="1.0" encoding="utf-8"?>
+<file path=ppt/slides/slide26.xml><?xml version="1.0" encoding="utf-8"?>
 <p:sld xmlns:a="http://schemas.openxmlformats.org/drawingml/2006/main" xmlns:r="http://schemas.openxmlformats.org/officeDocument/2006/relationships" xmlns:p="http://schemas.openxmlformats.org/presentationml/2006/main">
   <p:cSld>
     <p:spTree>
@@ -19312,7 +18679,7 @@
 </p:sld>
 </file>
 
-<file path=ppt/slides/slide28.xml><?xml version="1.0" encoding="utf-8"?>
+<file path=ppt/slides/slide27.xml><?xml version="1.0" encoding="utf-8"?>
 <p:sld xmlns:a="http://schemas.openxmlformats.org/drawingml/2006/main" xmlns:r="http://schemas.openxmlformats.org/officeDocument/2006/relationships" xmlns:p="http://schemas.openxmlformats.org/presentationml/2006/main">
   <p:cSld>
     <p:spTree>
@@ -19388,7 +18755,7 @@
 </p:sld>
 </file>
 
-<file path=ppt/slides/slide29.xml><?xml version="1.0" encoding="utf-8"?>
+<file path=ppt/slides/slide28.xml><?xml version="1.0" encoding="utf-8"?>
 <p:sld xmlns:a="http://schemas.openxmlformats.org/drawingml/2006/main" xmlns:r="http://schemas.openxmlformats.org/officeDocument/2006/relationships" xmlns:p="http://schemas.openxmlformats.org/presentationml/2006/main">
   <p:cSld>
     <p:spTree>
@@ -19464,267 +18831,7 @@
 </p:sld>
 </file>
 
-<file path=ppt/slides/slide3.xml><?xml version="1.0" encoding="utf-8"?>
-<p:sld xmlns:a="http://schemas.openxmlformats.org/drawingml/2006/main" xmlns:r="http://schemas.openxmlformats.org/officeDocument/2006/relationships" xmlns:p="http://schemas.openxmlformats.org/presentationml/2006/main">
-  <p:cSld>
-    <p:spTree>
-      <p:nvGrpSpPr>
-        <p:cNvPr id="1" name=""/>
-        <p:cNvGrpSpPr/>
-        <p:nvPr/>
-      </p:nvGrpSpPr>
-      <p:grpSpPr>
-        <a:xfrm>
-          <a:off x="0" y="0"/>
-          <a:ext cx="0" cy="0"/>
-          <a:chOff x="0" y="0"/>
-          <a:chExt cx="0" cy="0"/>
-        </a:xfrm>
-      </p:grpSpPr>
-      <p:pic>
-        <p:nvPicPr>
-          <p:cNvPr id="1030" name="Picture 6" descr="Bart D. Ehrman - Wikipedia">
-            <a:extLst>
-              <a:ext uri="{FF2B5EF4-FFF2-40B4-BE49-F238E27FC236}">
-                <a16:creationId xmlns:a16="http://schemas.microsoft.com/office/drawing/2014/main" id="{C4492C44-61D4-3B4F-96A3-AC804077F4EE}"/>
-              </a:ext>
-            </a:extLst>
-          </p:cNvPr>
-          <p:cNvPicPr>
-            <a:picLocks noChangeAspect="1" noChangeArrowheads="1"/>
-          </p:cNvPicPr>
-          <p:nvPr/>
-        </p:nvPicPr>
-        <p:blipFill>
-          <a:blip r:embed="rId2" cstate="print">
-            <a:extLst>
-              <a:ext uri="{28A0092B-C50C-407E-A947-70E740481C1C}">
-                <a14:useLocalDpi xmlns:a14="http://schemas.microsoft.com/office/drawing/2010/main" val="0"/>
-              </a:ext>
-            </a:extLst>
-          </a:blip>
-          <a:srcRect/>
-          <a:stretch>
-            <a:fillRect/>
-          </a:stretch>
-        </p:blipFill>
-        <p:spPr bwMode="auto">
-          <a:xfrm>
-            <a:off x="3962400" y="0"/>
-            <a:ext cx="5808663" cy="6858000"/>
-          </a:xfrm>
-          <a:prstGeom prst="rect">
-            <a:avLst/>
-          </a:prstGeom>
-          <a:noFill/>
-          <a:extLst>
-            <a:ext uri="{909E8E84-426E-40DD-AFC4-6F175D3DCCD1}">
-              <a14:hiddenFill xmlns:a14="http://schemas.microsoft.com/office/drawing/2010/main">
-                <a:solidFill>
-                  <a:srgbClr val="FFFFFF"/>
-                </a:solidFill>
-              </a14:hiddenFill>
-            </a:ext>
-          </a:extLst>
-        </p:spPr>
-      </p:pic>
-      <p:pic>
-        <p:nvPicPr>
-          <p:cNvPr id="1026" name="Picture 2" descr="Misquoting Jesus: The Story Behind Who Changed the Bible and Why ...">
-            <a:extLst>
-              <a:ext uri="{FF2B5EF4-FFF2-40B4-BE49-F238E27FC236}">
-                <a16:creationId xmlns:a16="http://schemas.microsoft.com/office/drawing/2014/main" id="{57800C52-FF78-2F44-A63F-DF1ED9C324CB}"/>
-              </a:ext>
-            </a:extLst>
-          </p:cNvPr>
-          <p:cNvPicPr>
-            <a:picLocks noChangeAspect="1" noChangeArrowheads="1"/>
-          </p:cNvPicPr>
-          <p:nvPr/>
-        </p:nvPicPr>
-        <p:blipFill>
-          <a:blip r:embed="rId3">
-            <a:extLst>
-              <a:ext uri="{28A0092B-C50C-407E-A947-70E740481C1C}">
-                <a14:useLocalDpi xmlns:a14="http://schemas.microsoft.com/office/drawing/2010/main" val="0"/>
-              </a:ext>
-            </a:extLst>
-          </a:blip>
-          <a:srcRect/>
-          <a:stretch>
-            <a:fillRect/>
-          </a:stretch>
-        </p:blipFill>
-        <p:spPr bwMode="auto">
-          <a:xfrm>
-            <a:off x="0" y="0"/>
-            <a:ext cx="4503737" cy="6858000"/>
-          </a:xfrm>
-          <a:prstGeom prst="rect">
-            <a:avLst/>
-          </a:prstGeom>
-          <a:noFill/>
-          <a:extLst>
-            <a:ext uri="{909E8E84-426E-40DD-AFC4-6F175D3DCCD1}">
-              <a14:hiddenFill xmlns:a14="http://schemas.microsoft.com/office/drawing/2010/main">
-                <a:solidFill>
-                  <a:srgbClr val="FFFFFF"/>
-                </a:solidFill>
-              </a14:hiddenFill>
-            </a:ext>
-          </a:extLst>
-        </p:spPr>
-      </p:pic>
-    </p:spTree>
-    <p:extLst>
-      <p:ext uri="{BB962C8B-B14F-4D97-AF65-F5344CB8AC3E}">
-        <p14:creationId xmlns:p14="http://schemas.microsoft.com/office/powerpoint/2010/main" val="1142245529"/>
-      </p:ext>
-    </p:extLst>
-  </p:cSld>
-  <p:clrMapOvr>
-    <a:masterClrMapping/>
-  </p:clrMapOvr>
-  <p:timing>
-    <p:tnLst>
-      <p:par>
-        <p:cTn id="1" dur="indefinite" restart="never" nodeType="tmRoot">
-          <p:childTnLst>
-            <p:seq concurrent="1" nextAc="seek">
-              <p:cTn id="2" dur="indefinite" nodeType="mainSeq">
-                <p:childTnLst>
-                  <p:par>
-                    <p:cTn id="3" fill="hold">
-                      <p:stCondLst>
-                        <p:cond delay="indefinite"/>
-                      </p:stCondLst>
-                      <p:childTnLst>
-                        <p:par>
-                          <p:cTn id="4" fill="hold">
-                            <p:stCondLst>
-                              <p:cond delay="0"/>
-                            </p:stCondLst>
-                            <p:childTnLst>
-                              <p:par>
-                                <p:cTn id="5" presetID="10" presetClass="entr" presetSubtype="0" fill="hold" nodeType="clickEffect">
-                                  <p:stCondLst>
-                                    <p:cond delay="0"/>
-                                  </p:stCondLst>
-                                  <p:childTnLst>
-                                    <p:set>
-                                      <p:cBhvr>
-                                        <p:cTn id="6" dur="1" fill="hold">
-                                          <p:stCondLst>
-                                            <p:cond delay="0"/>
-                                          </p:stCondLst>
-                                        </p:cTn>
-                                        <p:tgtEl>
-                                          <p:spTgt spid="1026"/>
-                                        </p:tgtEl>
-                                        <p:attrNameLst>
-                                          <p:attrName>style.visibility</p:attrName>
-                                        </p:attrNameLst>
-                                      </p:cBhvr>
-                                      <p:to>
-                                        <p:strVal val="visible"/>
-                                      </p:to>
-                                    </p:set>
-                                    <p:animEffect transition="in" filter="fade">
-                                      <p:cBhvr>
-                                        <p:cTn id="7" dur="250"/>
-                                        <p:tgtEl>
-                                          <p:spTgt spid="1026"/>
-                                        </p:tgtEl>
-                                      </p:cBhvr>
-                                    </p:animEffect>
-                                  </p:childTnLst>
-                                </p:cTn>
-                              </p:par>
-                            </p:childTnLst>
-                          </p:cTn>
-                        </p:par>
-                      </p:childTnLst>
-                    </p:cTn>
-                  </p:par>
-                  <p:par>
-                    <p:cTn id="8" fill="hold">
-                      <p:stCondLst>
-                        <p:cond delay="indefinite"/>
-                      </p:stCondLst>
-                      <p:childTnLst>
-                        <p:par>
-                          <p:cTn id="9" fill="hold">
-                            <p:stCondLst>
-                              <p:cond delay="0"/>
-                            </p:stCondLst>
-                            <p:childTnLst>
-                              <p:par>
-                                <p:cTn id="10" presetID="10" presetClass="entr" presetSubtype="0" fill="hold" nodeType="clickEffect">
-                                  <p:stCondLst>
-                                    <p:cond delay="0"/>
-                                  </p:stCondLst>
-                                  <p:childTnLst>
-                                    <p:set>
-                                      <p:cBhvr>
-                                        <p:cTn id="11" dur="1" fill="hold">
-                                          <p:stCondLst>
-                                            <p:cond delay="0"/>
-                                          </p:stCondLst>
-                                        </p:cTn>
-                                        <p:tgtEl>
-                                          <p:spTgt spid="1030"/>
-                                        </p:tgtEl>
-                                        <p:attrNameLst>
-                                          <p:attrName>style.visibility</p:attrName>
-                                        </p:attrNameLst>
-                                      </p:cBhvr>
-                                      <p:to>
-                                        <p:strVal val="visible"/>
-                                      </p:to>
-                                    </p:set>
-                                    <p:animEffect transition="in" filter="fade">
-                                      <p:cBhvr>
-                                        <p:cTn id="12" dur="250"/>
-                                        <p:tgtEl>
-                                          <p:spTgt spid="1030"/>
-                                        </p:tgtEl>
-                                      </p:cBhvr>
-                                    </p:animEffect>
-                                  </p:childTnLst>
-                                </p:cTn>
-                              </p:par>
-                            </p:childTnLst>
-                          </p:cTn>
-                        </p:par>
-                      </p:childTnLst>
-                    </p:cTn>
-                  </p:par>
-                </p:childTnLst>
-              </p:cTn>
-              <p:prevCondLst>
-                <p:cond evt="onPrev" delay="0">
-                  <p:tgtEl>
-                    <p:sldTgt/>
-                  </p:tgtEl>
-                </p:cond>
-              </p:prevCondLst>
-              <p:nextCondLst>
-                <p:cond evt="onNext" delay="0">
-                  <p:tgtEl>
-                    <p:sldTgt/>
-                  </p:tgtEl>
-                </p:cond>
-              </p:nextCondLst>
-            </p:seq>
-          </p:childTnLst>
-        </p:cTn>
-      </p:par>
-    </p:tnLst>
-  </p:timing>
-</p:sld>
-</file>
-
-<file path=ppt/slides/slide30.xml><?xml version="1.0" encoding="utf-8"?>
+<file path=ppt/slides/slide29.xml><?xml version="1.0" encoding="utf-8"?>
 <p:sld xmlns:a="http://schemas.openxmlformats.org/drawingml/2006/main" xmlns:r="http://schemas.openxmlformats.org/officeDocument/2006/relationships" xmlns:p="http://schemas.openxmlformats.org/presentationml/2006/main" show="0">
   <p:cSld>
     <p:spTree>
@@ -24291,7 +23398,267 @@
 </p:sld>
 </file>
 
-<file path=ppt/slides/slide31.xml><?xml version="1.0" encoding="utf-8"?>
+<file path=ppt/slides/slide3.xml><?xml version="1.0" encoding="utf-8"?>
+<p:sld xmlns:a="http://schemas.openxmlformats.org/drawingml/2006/main" xmlns:r="http://schemas.openxmlformats.org/officeDocument/2006/relationships" xmlns:p="http://schemas.openxmlformats.org/presentationml/2006/main">
+  <p:cSld>
+    <p:spTree>
+      <p:nvGrpSpPr>
+        <p:cNvPr id="1" name=""/>
+        <p:cNvGrpSpPr/>
+        <p:nvPr/>
+      </p:nvGrpSpPr>
+      <p:grpSpPr>
+        <a:xfrm>
+          <a:off x="0" y="0"/>
+          <a:ext cx="0" cy="0"/>
+          <a:chOff x="0" y="0"/>
+          <a:chExt cx="0" cy="0"/>
+        </a:xfrm>
+      </p:grpSpPr>
+      <p:pic>
+        <p:nvPicPr>
+          <p:cNvPr id="1030" name="Picture 6" descr="Bart D. Ehrman - Wikipedia">
+            <a:extLst>
+              <a:ext uri="{FF2B5EF4-FFF2-40B4-BE49-F238E27FC236}">
+                <a16:creationId xmlns:a16="http://schemas.microsoft.com/office/drawing/2014/main" id="{C4492C44-61D4-3B4F-96A3-AC804077F4EE}"/>
+              </a:ext>
+            </a:extLst>
+          </p:cNvPr>
+          <p:cNvPicPr>
+            <a:picLocks noChangeAspect="1" noChangeArrowheads="1"/>
+          </p:cNvPicPr>
+          <p:nvPr/>
+        </p:nvPicPr>
+        <p:blipFill>
+          <a:blip r:embed="rId2" cstate="print">
+            <a:extLst>
+              <a:ext uri="{28A0092B-C50C-407E-A947-70E740481C1C}">
+                <a14:useLocalDpi xmlns:a14="http://schemas.microsoft.com/office/drawing/2010/main" val="0"/>
+              </a:ext>
+            </a:extLst>
+          </a:blip>
+          <a:srcRect/>
+          <a:stretch>
+            <a:fillRect/>
+          </a:stretch>
+        </p:blipFill>
+        <p:spPr bwMode="auto">
+          <a:xfrm>
+            <a:off x="3962400" y="0"/>
+            <a:ext cx="5808663" cy="6858000"/>
+          </a:xfrm>
+          <a:prstGeom prst="rect">
+            <a:avLst/>
+          </a:prstGeom>
+          <a:noFill/>
+          <a:extLst>
+            <a:ext uri="{909E8E84-426E-40DD-AFC4-6F175D3DCCD1}">
+              <a14:hiddenFill xmlns:a14="http://schemas.microsoft.com/office/drawing/2010/main">
+                <a:solidFill>
+                  <a:srgbClr val="FFFFFF"/>
+                </a:solidFill>
+              </a14:hiddenFill>
+            </a:ext>
+          </a:extLst>
+        </p:spPr>
+      </p:pic>
+      <p:pic>
+        <p:nvPicPr>
+          <p:cNvPr id="1026" name="Picture 2" descr="Misquoting Jesus: The Story Behind Who Changed the Bible and Why ...">
+            <a:extLst>
+              <a:ext uri="{FF2B5EF4-FFF2-40B4-BE49-F238E27FC236}">
+                <a16:creationId xmlns:a16="http://schemas.microsoft.com/office/drawing/2014/main" id="{57800C52-FF78-2F44-A63F-DF1ED9C324CB}"/>
+              </a:ext>
+            </a:extLst>
+          </p:cNvPr>
+          <p:cNvPicPr>
+            <a:picLocks noChangeAspect="1" noChangeArrowheads="1"/>
+          </p:cNvPicPr>
+          <p:nvPr/>
+        </p:nvPicPr>
+        <p:blipFill>
+          <a:blip r:embed="rId3">
+            <a:extLst>
+              <a:ext uri="{28A0092B-C50C-407E-A947-70E740481C1C}">
+                <a14:useLocalDpi xmlns:a14="http://schemas.microsoft.com/office/drawing/2010/main" val="0"/>
+              </a:ext>
+            </a:extLst>
+          </a:blip>
+          <a:srcRect/>
+          <a:stretch>
+            <a:fillRect/>
+          </a:stretch>
+        </p:blipFill>
+        <p:spPr bwMode="auto">
+          <a:xfrm>
+            <a:off x="0" y="0"/>
+            <a:ext cx="4503737" cy="6858000"/>
+          </a:xfrm>
+          <a:prstGeom prst="rect">
+            <a:avLst/>
+          </a:prstGeom>
+          <a:noFill/>
+          <a:extLst>
+            <a:ext uri="{909E8E84-426E-40DD-AFC4-6F175D3DCCD1}">
+              <a14:hiddenFill xmlns:a14="http://schemas.microsoft.com/office/drawing/2010/main">
+                <a:solidFill>
+                  <a:srgbClr val="FFFFFF"/>
+                </a:solidFill>
+              </a14:hiddenFill>
+            </a:ext>
+          </a:extLst>
+        </p:spPr>
+      </p:pic>
+    </p:spTree>
+    <p:extLst>
+      <p:ext uri="{BB962C8B-B14F-4D97-AF65-F5344CB8AC3E}">
+        <p14:creationId xmlns:p14="http://schemas.microsoft.com/office/powerpoint/2010/main" val="1142245529"/>
+      </p:ext>
+    </p:extLst>
+  </p:cSld>
+  <p:clrMapOvr>
+    <a:masterClrMapping/>
+  </p:clrMapOvr>
+  <p:timing>
+    <p:tnLst>
+      <p:par>
+        <p:cTn id="1" dur="indefinite" restart="never" nodeType="tmRoot">
+          <p:childTnLst>
+            <p:seq concurrent="1" nextAc="seek">
+              <p:cTn id="2" dur="indefinite" nodeType="mainSeq">
+                <p:childTnLst>
+                  <p:par>
+                    <p:cTn id="3" fill="hold">
+                      <p:stCondLst>
+                        <p:cond delay="indefinite"/>
+                      </p:stCondLst>
+                      <p:childTnLst>
+                        <p:par>
+                          <p:cTn id="4" fill="hold">
+                            <p:stCondLst>
+                              <p:cond delay="0"/>
+                            </p:stCondLst>
+                            <p:childTnLst>
+                              <p:par>
+                                <p:cTn id="5" presetID="10" presetClass="entr" presetSubtype="0" fill="hold" nodeType="clickEffect">
+                                  <p:stCondLst>
+                                    <p:cond delay="0"/>
+                                  </p:stCondLst>
+                                  <p:childTnLst>
+                                    <p:set>
+                                      <p:cBhvr>
+                                        <p:cTn id="6" dur="1" fill="hold">
+                                          <p:stCondLst>
+                                            <p:cond delay="0"/>
+                                          </p:stCondLst>
+                                        </p:cTn>
+                                        <p:tgtEl>
+                                          <p:spTgt spid="1026"/>
+                                        </p:tgtEl>
+                                        <p:attrNameLst>
+                                          <p:attrName>style.visibility</p:attrName>
+                                        </p:attrNameLst>
+                                      </p:cBhvr>
+                                      <p:to>
+                                        <p:strVal val="visible"/>
+                                      </p:to>
+                                    </p:set>
+                                    <p:animEffect transition="in" filter="fade">
+                                      <p:cBhvr>
+                                        <p:cTn id="7" dur="250"/>
+                                        <p:tgtEl>
+                                          <p:spTgt spid="1026"/>
+                                        </p:tgtEl>
+                                      </p:cBhvr>
+                                    </p:animEffect>
+                                  </p:childTnLst>
+                                </p:cTn>
+                              </p:par>
+                            </p:childTnLst>
+                          </p:cTn>
+                        </p:par>
+                      </p:childTnLst>
+                    </p:cTn>
+                  </p:par>
+                  <p:par>
+                    <p:cTn id="8" fill="hold">
+                      <p:stCondLst>
+                        <p:cond delay="indefinite"/>
+                      </p:stCondLst>
+                      <p:childTnLst>
+                        <p:par>
+                          <p:cTn id="9" fill="hold">
+                            <p:stCondLst>
+                              <p:cond delay="0"/>
+                            </p:stCondLst>
+                            <p:childTnLst>
+                              <p:par>
+                                <p:cTn id="10" presetID="10" presetClass="entr" presetSubtype="0" fill="hold" nodeType="clickEffect">
+                                  <p:stCondLst>
+                                    <p:cond delay="0"/>
+                                  </p:stCondLst>
+                                  <p:childTnLst>
+                                    <p:set>
+                                      <p:cBhvr>
+                                        <p:cTn id="11" dur="1" fill="hold">
+                                          <p:stCondLst>
+                                            <p:cond delay="0"/>
+                                          </p:stCondLst>
+                                        </p:cTn>
+                                        <p:tgtEl>
+                                          <p:spTgt spid="1030"/>
+                                        </p:tgtEl>
+                                        <p:attrNameLst>
+                                          <p:attrName>style.visibility</p:attrName>
+                                        </p:attrNameLst>
+                                      </p:cBhvr>
+                                      <p:to>
+                                        <p:strVal val="visible"/>
+                                      </p:to>
+                                    </p:set>
+                                    <p:animEffect transition="in" filter="fade">
+                                      <p:cBhvr>
+                                        <p:cTn id="12" dur="250"/>
+                                        <p:tgtEl>
+                                          <p:spTgt spid="1030"/>
+                                        </p:tgtEl>
+                                      </p:cBhvr>
+                                    </p:animEffect>
+                                  </p:childTnLst>
+                                </p:cTn>
+                              </p:par>
+                            </p:childTnLst>
+                          </p:cTn>
+                        </p:par>
+                      </p:childTnLst>
+                    </p:cTn>
+                  </p:par>
+                </p:childTnLst>
+              </p:cTn>
+              <p:prevCondLst>
+                <p:cond evt="onPrev" delay="0">
+                  <p:tgtEl>
+                    <p:sldTgt/>
+                  </p:tgtEl>
+                </p:cond>
+              </p:prevCondLst>
+              <p:nextCondLst>
+                <p:cond evt="onNext" delay="0">
+                  <p:tgtEl>
+                    <p:sldTgt/>
+                  </p:tgtEl>
+                </p:cond>
+              </p:nextCondLst>
+            </p:seq>
+          </p:childTnLst>
+        </p:cTn>
+      </p:par>
+    </p:tnLst>
+  </p:timing>
+</p:sld>
+</file>
+
+<file path=ppt/slides/slide30.xml><?xml version="1.0" encoding="utf-8"?>
 <p:sld xmlns:a="http://schemas.openxmlformats.org/drawingml/2006/main" xmlns:r="http://schemas.openxmlformats.org/officeDocument/2006/relationships" xmlns:p="http://schemas.openxmlformats.org/presentationml/2006/main" show="0">
   <p:cSld>
     <p:spTree>
@@ -30000,7 +29367,7 @@
 </p:sld>
 </file>
 
-<file path=ppt/slides/slide32.xml><?xml version="1.0" encoding="utf-8"?>
+<file path=ppt/slides/slide31.xml><?xml version="1.0" encoding="utf-8"?>
 <p:sld xmlns:a="http://schemas.openxmlformats.org/drawingml/2006/main" xmlns:r="http://schemas.openxmlformats.org/officeDocument/2006/relationships" xmlns:p="http://schemas.openxmlformats.org/presentationml/2006/main" show="0">
   <p:cSld>
     <p:spTree>
@@ -30115,7 +29482,7 @@
 </p:sld>
 </file>
 
-<file path=ppt/slides/slide33.xml><?xml version="1.0" encoding="utf-8"?>
+<file path=ppt/slides/slide32.xml><?xml version="1.0" encoding="utf-8"?>
 <p:sld xmlns:a="http://schemas.openxmlformats.org/drawingml/2006/main" xmlns:r="http://schemas.openxmlformats.org/officeDocument/2006/relationships" xmlns:p="http://schemas.openxmlformats.org/presentationml/2006/main" show="0">
   <p:cSld>
     <p:spTree>
@@ -30250,7 +29617,7 @@
 </p:sld>
 </file>
 
-<file path=ppt/slides/slide34.xml><?xml version="1.0" encoding="utf-8"?>
+<file path=ppt/slides/slide33.xml><?xml version="1.0" encoding="utf-8"?>
 <p:sld xmlns:a="http://schemas.openxmlformats.org/drawingml/2006/main" xmlns:r="http://schemas.openxmlformats.org/officeDocument/2006/relationships" xmlns:p="http://schemas.openxmlformats.org/presentationml/2006/main" show="0">
   <p:cSld>
     <p:spTree>
@@ -30334,7 +29701,7 @@
 </p:sld>
 </file>
 
-<file path=ppt/slides/slide35.xml><?xml version="1.0" encoding="utf-8"?>
+<file path=ppt/slides/slide34.xml><?xml version="1.0" encoding="utf-8"?>
 <p:sld xmlns:a="http://schemas.openxmlformats.org/drawingml/2006/main" xmlns:r="http://schemas.openxmlformats.org/officeDocument/2006/relationships" xmlns:p="http://schemas.openxmlformats.org/presentationml/2006/main">
   <p:cSld>
     <p:spTree>
@@ -30784,7 +30151,7 @@
 </p:sld>
 </file>
 
-<file path=ppt/slides/slide36.xml><?xml version="1.0" encoding="utf-8"?>
+<file path=ppt/slides/slide35.xml><?xml version="1.0" encoding="utf-8"?>
 <p:sld xmlns:a="http://schemas.openxmlformats.org/drawingml/2006/main" xmlns:r="http://schemas.openxmlformats.org/officeDocument/2006/relationships" xmlns:p="http://schemas.openxmlformats.org/presentationml/2006/main">
   <p:cSld>
     <p:spTree>
@@ -31346,7 +30713,7 @@
 </p:sld>
 </file>
 
-<file path=ppt/slides/slide37.xml><?xml version="1.0" encoding="utf-8"?>
+<file path=ppt/slides/slide36.xml><?xml version="1.0" encoding="utf-8"?>
 <p:sld xmlns:a="http://schemas.openxmlformats.org/drawingml/2006/main" xmlns:r="http://schemas.openxmlformats.org/officeDocument/2006/relationships" xmlns:p="http://schemas.openxmlformats.org/presentationml/2006/main">
   <p:cSld>
     <p:spTree>
@@ -31422,7 +30789,7 @@
 </p:sld>
 </file>
 
-<file path=ppt/slides/slide38.xml><?xml version="1.0" encoding="utf-8"?>
+<file path=ppt/slides/slide37.xml><?xml version="1.0" encoding="utf-8"?>
 <p:sld xmlns:a="http://schemas.openxmlformats.org/drawingml/2006/main" xmlns:r="http://schemas.openxmlformats.org/officeDocument/2006/relationships" xmlns:p="http://schemas.openxmlformats.org/presentationml/2006/main">
   <p:cSld>
     <p:spTree>
@@ -32602,7 +31969,7 @@
 </p:sld>
 </file>
 
-<file path=ppt/slides/slide39.xml><?xml version="1.0" encoding="utf-8"?>
+<file path=ppt/slides/slide38.xml><?xml version="1.0" encoding="utf-8"?>
 <p:sld xmlns:a="http://schemas.openxmlformats.org/drawingml/2006/main" xmlns:r="http://schemas.openxmlformats.org/officeDocument/2006/relationships" xmlns:p="http://schemas.openxmlformats.org/presentationml/2006/main">
   <p:cSld>
     <p:spTree>
@@ -33702,724 +33069,7 @@
 </p:sld>
 </file>
 
-<file path=ppt/slides/slide4.xml><?xml version="1.0" encoding="utf-8"?>
-<p:sld xmlns:a="http://schemas.openxmlformats.org/drawingml/2006/main" xmlns:r="http://schemas.openxmlformats.org/officeDocument/2006/relationships" xmlns:p="http://schemas.openxmlformats.org/presentationml/2006/main">
-  <p:cSld>
-    <p:spTree>
-      <p:nvGrpSpPr>
-        <p:cNvPr id="1" name=""/>
-        <p:cNvGrpSpPr/>
-        <p:nvPr/>
-      </p:nvGrpSpPr>
-      <p:grpSpPr>
-        <a:xfrm>
-          <a:off x="0" y="0"/>
-          <a:ext cx="0" cy="0"/>
-          <a:chOff x="0" y="0"/>
-          <a:chExt cx="0" cy="0"/>
-        </a:xfrm>
-      </p:grpSpPr>
-      <p:grpSp>
-        <p:nvGrpSpPr>
-          <p:cNvPr id="4" name="Group 3">
-            <a:extLst>
-              <a:ext uri="{FF2B5EF4-FFF2-40B4-BE49-F238E27FC236}">
-                <a16:creationId xmlns:a16="http://schemas.microsoft.com/office/drawing/2014/main" id="{76D0AD62-610F-2343-9B0E-52F648458EA8}"/>
-              </a:ext>
-            </a:extLst>
-          </p:cNvPr>
-          <p:cNvGrpSpPr/>
-          <p:nvPr/>
-        </p:nvGrpSpPr>
-        <p:grpSpPr>
-          <a:xfrm>
-            <a:off x="209549" y="1669464"/>
-            <a:ext cx="8724901" cy="954107"/>
-            <a:chOff x="304800" y="4648200"/>
-            <a:chExt cx="8724901" cy="954107"/>
-          </a:xfrm>
-        </p:grpSpPr>
-        <p:sp>
-          <p:nvSpPr>
-            <p:cNvPr id="2" name="TextBox 1">
-              <a:extLst>
-                <a:ext uri="{FF2B5EF4-FFF2-40B4-BE49-F238E27FC236}">
-                  <a16:creationId xmlns:a16="http://schemas.microsoft.com/office/drawing/2014/main" id="{65E69FF4-5D6C-1F4A-BC1D-8328E1004154}"/>
-                </a:ext>
-              </a:extLst>
-            </p:cNvPr>
-            <p:cNvSpPr txBox="1"/>
-            <p:nvPr/>
-          </p:nvSpPr>
-          <p:spPr>
-            <a:xfrm>
-              <a:off x="304800" y="4648200"/>
-              <a:ext cx="1147943" cy="523220"/>
-            </a:xfrm>
-            <a:prstGeom prst="rect">
-              <a:avLst/>
-            </a:prstGeom>
-            <a:noFill/>
-          </p:spPr>
-          <p:txBody>
-            <a:bodyPr wrap="none" rtlCol="0">
-              <a:spAutoFit/>
-            </a:bodyPr>
-            <a:lstStyle/>
-            <a:p>
-              <a:r>
-                <a:rPr lang="en-US" sz="2800" dirty="0">
-                  <a:solidFill>
-                    <a:srgbClr val="009EC0"/>
-                  </a:solidFill>
-                </a:rPr>
-                <a:t>What?</a:t>
-              </a:r>
-            </a:p>
-          </p:txBody>
-        </p:sp>
-        <p:sp>
-          <p:nvSpPr>
-            <p:cNvPr id="3" name="TextBox 2">
-              <a:extLst>
-                <a:ext uri="{FF2B5EF4-FFF2-40B4-BE49-F238E27FC236}">
-                  <a16:creationId xmlns:a16="http://schemas.microsoft.com/office/drawing/2014/main" id="{E796A5EC-87C6-D048-8010-771FD1CA8E24}"/>
-                </a:ext>
-              </a:extLst>
-            </p:cNvPr>
-            <p:cNvSpPr txBox="1"/>
-            <p:nvPr/>
-          </p:nvSpPr>
-          <p:spPr>
-            <a:xfrm>
-              <a:off x="1600201" y="4648200"/>
-              <a:ext cx="7429500" cy="954107"/>
-            </a:xfrm>
-            <a:prstGeom prst="rect">
-              <a:avLst/>
-            </a:prstGeom>
-            <a:noFill/>
-          </p:spPr>
-          <p:txBody>
-            <a:bodyPr wrap="square" rtlCol="0">
-              <a:spAutoFit/>
-            </a:bodyPr>
-            <a:lstStyle/>
-            <a:p>
-              <a:r>
-                <a:rPr lang="en-US" sz="2800" dirty="0"/>
-                <a:t>Know how we can determine what the original accounts said despite not having the originals</a:t>
-              </a:r>
-            </a:p>
-          </p:txBody>
-        </p:sp>
-      </p:grpSp>
-      <p:grpSp>
-        <p:nvGrpSpPr>
-          <p:cNvPr id="6" name="Group 5">
-            <a:extLst>
-              <a:ext uri="{FF2B5EF4-FFF2-40B4-BE49-F238E27FC236}">
-                <a16:creationId xmlns:a16="http://schemas.microsoft.com/office/drawing/2014/main" id="{16DEED69-411E-5C47-8C2F-1FA7F3AC4BAB}"/>
-              </a:ext>
-            </a:extLst>
-          </p:cNvPr>
-          <p:cNvGrpSpPr/>
-          <p:nvPr/>
-        </p:nvGrpSpPr>
-        <p:grpSpPr>
-          <a:xfrm>
-            <a:off x="209549" y="2779693"/>
-            <a:ext cx="8724901" cy="954107"/>
-            <a:chOff x="304800" y="4648200"/>
-            <a:chExt cx="8724901" cy="954107"/>
-          </a:xfrm>
-        </p:grpSpPr>
-        <p:sp>
-          <p:nvSpPr>
-            <p:cNvPr id="7" name="TextBox 6">
-              <a:extLst>
-                <a:ext uri="{FF2B5EF4-FFF2-40B4-BE49-F238E27FC236}">
-                  <a16:creationId xmlns:a16="http://schemas.microsoft.com/office/drawing/2014/main" id="{0BE67C1E-EE53-F64B-A1C4-C71C7BD5283F}"/>
-                </a:ext>
-              </a:extLst>
-            </p:cNvPr>
-            <p:cNvSpPr txBox="1"/>
-            <p:nvPr/>
-          </p:nvSpPr>
-          <p:spPr>
-            <a:xfrm>
-              <a:off x="304800" y="4648200"/>
-              <a:ext cx="1014765" cy="523220"/>
-            </a:xfrm>
-            <a:prstGeom prst="rect">
-              <a:avLst/>
-            </a:prstGeom>
-            <a:noFill/>
-          </p:spPr>
-          <p:txBody>
-            <a:bodyPr wrap="none" rtlCol="0">
-              <a:spAutoFit/>
-            </a:bodyPr>
-            <a:lstStyle/>
-            <a:p>
-              <a:r>
-                <a:rPr lang="en-US" sz="2800" dirty="0">
-                  <a:solidFill>
-                    <a:srgbClr val="009EC0"/>
-                  </a:solidFill>
-                </a:rPr>
-                <a:t>Why?</a:t>
-              </a:r>
-            </a:p>
-          </p:txBody>
-        </p:sp>
-        <p:sp>
-          <p:nvSpPr>
-            <p:cNvPr id="8" name="TextBox 7">
-              <a:extLst>
-                <a:ext uri="{FF2B5EF4-FFF2-40B4-BE49-F238E27FC236}">
-                  <a16:creationId xmlns:a16="http://schemas.microsoft.com/office/drawing/2014/main" id="{44657A2D-A10C-1745-AFDB-1C0FC5EA2AAD}"/>
-                </a:ext>
-              </a:extLst>
-            </p:cNvPr>
-            <p:cNvSpPr txBox="1"/>
-            <p:nvPr/>
-          </p:nvSpPr>
-          <p:spPr>
-            <a:xfrm>
-              <a:off x="1600201" y="4648200"/>
-              <a:ext cx="7429500" cy="954107"/>
-            </a:xfrm>
-            <a:prstGeom prst="rect">
-              <a:avLst/>
-            </a:prstGeom>
-            <a:noFill/>
-          </p:spPr>
-          <p:txBody>
-            <a:bodyPr wrap="square" rtlCol="0">
-              <a:spAutoFit/>
-            </a:bodyPr>
-            <a:lstStyle/>
-            <a:p>
-              <a:r>
-                <a:rPr lang="en-US" sz="2800" dirty="0"/>
-                <a:t>To prevent people from being “blinded by science” regarding textual criticism</a:t>
-              </a:r>
-            </a:p>
-          </p:txBody>
-        </p:sp>
-      </p:grpSp>
-      <p:grpSp>
-        <p:nvGrpSpPr>
-          <p:cNvPr id="9" name="Group 8">
-            <a:extLst>
-              <a:ext uri="{FF2B5EF4-FFF2-40B4-BE49-F238E27FC236}">
-                <a16:creationId xmlns:a16="http://schemas.microsoft.com/office/drawing/2014/main" id="{493A2E7B-FE2C-7045-B882-6D1EC3306C1D}"/>
-              </a:ext>
-            </a:extLst>
-          </p:cNvPr>
-          <p:cNvGrpSpPr/>
-          <p:nvPr/>
-        </p:nvGrpSpPr>
-        <p:grpSpPr>
-          <a:xfrm>
-            <a:off x="209549" y="3914507"/>
-            <a:ext cx="8934443" cy="1369606"/>
-            <a:chOff x="304800" y="4648200"/>
-            <a:chExt cx="8934443" cy="1369606"/>
-          </a:xfrm>
-        </p:grpSpPr>
-        <p:sp>
-          <p:nvSpPr>
-            <p:cNvPr id="10" name="TextBox 9">
-              <a:extLst>
-                <a:ext uri="{FF2B5EF4-FFF2-40B4-BE49-F238E27FC236}">
-                  <a16:creationId xmlns:a16="http://schemas.microsoft.com/office/drawing/2014/main" id="{DCC9CB31-E9E8-7549-8460-8E8840BD1585}"/>
-                </a:ext>
-              </a:extLst>
-            </p:cNvPr>
-            <p:cNvSpPr txBox="1"/>
-            <p:nvPr/>
-          </p:nvSpPr>
-          <p:spPr>
-            <a:xfrm>
-              <a:off x="304800" y="4648200"/>
-              <a:ext cx="1020023" cy="523220"/>
-            </a:xfrm>
-            <a:prstGeom prst="rect">
-              <a:avLst/>
-            </a:prstGeom>
-            <a:noFill/>
-          </p:spPr>
-          <p:txBody>
-            <a:bodyPr wrap="none" rtlCol="0">
-              <a:spAutoFit/>
-            </a:bodyPr>
-            <a:lstStyle/>
-            <a:p>
-              <a:r>
-                <a:rPr lang="en-US" sz="2800" dirty="0">
-                  <a:solidFill>
-                    <a:srgbClr val="009EC0"/>
-                  </a:solidFill>
-                </a:rPr>
-                <a:t>How?</a:t>
-              </a:r>
-            </a:p>
-          </p:txBody>
-        </p:sp>
-        <p:sp>
-          <p:nvSpPr>
-            <p:cNvPr id="11" name="TextBox 10">
-              <a:extLst>
-                <a:ext uri="{FF2B5EF4-FFF2-40B4-BE49-F238E27FC236}">
-                  <a16:creationId xmlns:a16="http://schemas.microsoft.com/office/drawing/2014/main" id="{4729ADED-FFF5-454C-BE17-6323C474D829}"/>
-                </a:ext>
-              </a:extLst>
-            </p:cNvPr>
-            <p:cNvSpPr txBox="1"/>
-            <p:nvPr/>
-          </p:nvSpPr>
-          <p:spPr>
-            <a:xfrm>
-              <a:off x="1600200" y="4648200"/>
-              <a:ext cx="7639043" cy="1369606"/>
-            </a:xfrm>
-            <a:prstGeom prst="rect">
-              <a:avLst/>
-            </a:prstGeom>
-            <a:noFill/>
-          </p:spPr>
-          <p:txBody>
-            <a:bodyPr wrap="square" rtlCol="0">
-              <a:spAutoFit/>
-            </a:bodyPr>
-            <a:lstStyle/>
-            <a:p>
-              <a:r>
-                <a:rPr lang="en-US" sz="2800" dirty="0"/>
-                <a:t>By showing that:</a:t>
-              </a:r>
-            </a:p>
-            <a:p>
-              <a:pPr marL="514350" indent="-514350">
-                <a:buFont typeface="+mj-lt"/>
-                <a:buAutoNum type="arabicPeriod"/>
-              </a:pPr>
-              <a:r>
-                <a:rPr lang="en-US" sz="2800" dirty="0"/>
-                <a:t>Variations in the text aren’t critical</a:t>
-              </a:r>
-            </a:p>
-            <a:p>
-              <a:pPr marL="514350" indent="-514350">
-                <a:buFont typeface="+mj-lt"/>
-                <a:buAutoNum type="arabicPeriod"/>
-              </a:pPr>
-              <a:r>
-                <a:rPr lang="en-US" sz="2700" dirty="0" err="1"/>
-                <a:t>Ehrman</a:t>
-              </a:r>
-              <a:r>
-                <a:rPr lang="en-US" sz="2700" dirty="0"/>
-                <a:t> overstates his claim (by quoting </a:t>
-              </a:r>
-              <a:r>
-                <a:rPr lang="en-US" sz="2700" dirty="0" err="1"/>
-                <a:t>Ehrman</a:t>
-              </a:r>
-              <a:r>
-                <a:rPr lang="en-US" sz="2700" dirty="0"/>
-                <a:t>)</a:t>
-              </a:r>
-            </a:p>
-          </p:txBody>
-        </p:sp>
-      </p:grpSp>
-      <p:cxnSp>
-        <p:nvCxnSpPr>
-          <p:cNvPr id="13" name="Straight Connector 12">
-            <a:extLst>
-              <a:ext uri="{FF2B5EF4-FFF2-40B4-BE49-F238E27FC236}">
-                <a16:creationId xmlns:a16="http://schemas.microsoft.com/office/drawing/2014/main" id="{09B462F9-C753-8044-8DE2-965ABC154D9C}"/>
-              </a:ext>
-            </a:extLst>
-          </p:cNvPr>
-          <p:cNvCxnSpPr>
-            <a:cxnSpLocks/>
-          </p:cNvCxnSpPr>
-          <p:nvPr/>
-        </p:nvCxnSpPr>
-        <p:spPr>
-          <a:xfrm>
-            <a:off x="1373874" y="1669464"/>
-            <a:ext cx="0" cy="4197936"/>
-          </a:xfrm>
-          <a:prstGeom prst="line">
-            <a:avLst/>
-          </a:prstGeom>
-          <a:ln>
-            <a:solidFill>
-              <a:schemeClr val="bg1">
-                <a:lumMod val="75000"/>
-                <a:lumOff val="25000"/>
-              </a:schemeClr>
-            </a:solidFill>
-          </a:ln>
-        </p:spPr>
-        <p:style>
-          <a:lnRef idx="1">
-            <a:schemeClr val="accent1"/>
-          </a:lnRef>
-          <a:fillRef idx="0">
-            <a:schemeClr val="accent1"/>
-          </a:fillRef>
-          <a:effectRef idx="0">
-            <a:schemeClr val="accent1"/>
-          </a:effectRef>
-          <a:fontRef idx="minor">
-            <a:schemeClr val="tx1"/>
-          </a:fontRef>
-        </p:style>
-      </p:cxnSp>
-      <p:sp>
-        <p:nvSpPr>
-          <p:cNvPr id="15" name="TextBox 14">
-            <a:extLst>
-              <a:ext uri="{FF2B5EF4-FFF2-40B4-BE49-F238E27FC236}">
-                <a16:creationId xmlns:a16="http://schemas.microsoft.com/office/drawing/2014/main" id="{C43D1156-26DE-A44F-B5F8-AACFA794E957}"/>
-              </a:ext>
-            </a:extLst>
-          </p:cNvPr>
-          <p:cNvSpPr txBox="1"/>
-          <p:nvPr/>
-        </p:nvSpPr>
-        <p:spPr>
-          <a:xfrm>
-            <a:off x="209549" y="708674"/>
-            <a:ext cx="8934451" cy="769441"/>
-          </a:xfrm>
-          <a:prstGeom prst="rect">
-            <a:avLst/>
-          </a:prstGeom>
-          <a:noFill/>
-        </p:spPr>
-        <p:txBody>
-          <a:bodyPr wrap="square" rtlCol="0">
-            <a:spAutoFit/>
-          </a:bodyPr>
-          <a:lstStyle/>
-          <a:p>
-            <a:r>
-              <a:rPr lang="en-US" sz="4400" b="1" dirty="0"/>
-              <a:t>IDEA IN BRIEF</a:t>
-            </a:r>
-          </a:p>
-        </p:txBody>
-      </p:sp>
-    </p:spTree>
-    <p:extLst>
-      <p:ext uri="{BB962C8B-B14F-4D97-AF65-F5344CB8AC3E}">
-        <p14:creationId xmlns:p14="http://schemas.microsoft.com/office/powerpoint/2010/main" val="1427530079"/>
-      </p:ext>
-    </p:extLst>
-  </p:cSld>
-  <p:clrMapOvr>
-    <a:masterClrMapping/>
-  </p:clrMapOvr>
-  <p:timing>
-    <p:tnLst>
-      <p:par>
-        <p:cTn id="1" dur="indefinite" restart="never" nodeType="tmRoot">
-          <p:childTnLst>
-            <p:seq concurrent="1" nextAc="seek">
-              <p:cTn id="2" dur="indefinite" nodeType="mainSeq">
-                <p:childTnLst>
-                  <p:par>
-                    <p:cTn id="3" fill="hold">
-                      <p:stCondLst>
-                        <p:cond delay="indefinite"/>
-                      </p:stCondLst>
-                      <p:childTnLst>
-                        <p:par>
-                          <p:cTn id="4" fill="hold">
-                            <p:stCondLst>
-                              <p:cond delay="0"/>
-                            </p:stCondLst>
-                            <p:childTnLst>
-                              <p:par>
-                                <p:cTn id="5" presetID="10" presetClass="entr" presetSubtype="0" fill="hold" grpId="0" nodeType="clickEffect">
-                                  <p:stCondLst>
-                                    <p:cond delay="0"/>
-                                  </p:stCondLst>
-                                  <p:childTnLst>
-                                    <p:set>
-                                      <p:cBhvr>
-                                        <p:cTn id="6" dur="1" fill="hold">
-                                          <p:stCondLst>
-                                            <p:cond delay="0"/>
-                                          </p:stCondLst>
-                                        </p:cTn>
-                                        <p:tgtEl>
-                                          <p:spTgt spid="15"/>
-                                        </p:tgtEl>
-                                        <p:attrNameLst>
-                                          <p:attrName>style.visibility</p:attrName>
-                                        </p:attrNameLst>
-                                      </p:cBhvr>
-                                      <p:to>
-                                        <p:strVal val="visible"/>
-                                      </p:to>
-                                    </p:set>
-                                    <p:animEffect transition="in" filter="fade">
-                                      <p:cBhvr>
-                                        <p:cTn id="7" dur="250"/>
-                                        <p:tgtEl>
-                                          <p:spTgt spid="15"/>
-                                        </p:tgtEl>
-                                      </p:cBhvr>
-                                    </p:animEffect>
-                                  </p:childTnLst>
-                                </p:cTn>
-                              </p:par>
-                            </p:childTnLst>
-                          </p:cTn>
-                        </p:par>
-                      </p:childTnLst>
-                    </p:cTn>
-                  </p:par>
-                  <p:par>
-                    <p:cTn id="8" fill="hold">
-                      <p:stCondLst>
-                        <p:cond delay="indefinite"/>
-                      </p:stCondLst>
-                      <p:childTnLst>
-                        <p:par>
-                          <p:cTn id="9" fill="hold">
-                            <p:stCondLst>
-                              <p:cond delay="0"/>
-                            </p:stCondLst>
-                            <p:childTnLst>
-                              <p:par>
-                                <p:cTn id="10" presetID="10" presetClass="entr" presetSubtype="0" fill="hold" nodeType="clickEffect">
-                                  <p:stCondLst>
-                                    <p:cond delay="0"/>
-                                  </p:stCondLst>
-                                  <p:childTnLst>
-                                    <p:set>
-                                      <p:cBhvr>
-                                        <p:cTn id="11" dur="1" fill="hold">
-                                          <p:stCondLst>
-                                            <p:cond delay="0"/>
-                                          </p:stCondLst>
-                                        </p:cTn>
-                                        <p:tgtEl>
-                                          <p:spTgt spid="13"/>
-                                        </p:tgtEl>
-                                        <p:attrNameLst>
-                                          <p:attrName>style.visibility</p:attrName>
-                                        </p:attrNameLst>
-                                      </p:cBhvr>
-                                      <p:to>
-                                        <p:strVal val="visible"/>
-                                      </p:to>
-                                    </p:set>
-                                    <p:animEffect transition="in" filter="fade">
-                                      <p:cBhvr>
-                                        <p:cTn id="12" dur="250"/>
-                                        <p:tgtEl>
-                                          <p:spTgt spid="13"/>
-                                        </p:tgtEl>
-                                      </p:cBhvr>
-                                    </p:animEffect>
-                                  </p:childTnLst>
-                                </p:cTn>
-                              </p:par>
-                            </p:childTnLst>
-                          </p:cTn>
-                        </p:par>
-                        <p:par>
-                          <p:cTn id="13" fill="hold">
-                            <p:stCondLst>
-                              <p:cond delay="250"/>
-                            </p:stCondLst>
-                            <p:childTnLst>
-                              <p:par>
-                                <p:cTn id="14" presetID="10" presetClass="entr" presetSubtype="0" fill="hold" nodeType="afterEffect">
-                                  <p:stCondLst>
-                                    <p:cond delay="0"/>
-                                  </p:stCondLst>
-                                  <p:childTnLst>
-                                    <p:set>
-                                      <p:cBhvr>
-                                        <p:cTn id="15" dur="1" fill="hold">
-                                          <p:stCondLst>
-                                            <p:cond delay="0"/>
-                                          </p:stCondLst>
-                                        </p:cTn>
-                                        <p:tgtEl>
-                                          <p:spTgt spid="4"/>
-                                        </p:tgtEl>
-                                        <p:attrNameLst>
-                                          <p:attrName>style.visibility</p:attrName>
-                                        </p:attrNameLst>
-                                      </p:cBhvr>
-                                      <p:to>
-                                        <p:strVal val="visible"/>
-                                      </p:to>
-                                    </p:set>
-                                    <p:animEffect transition="in" filter="fade">
-                                      <p:cBhvr>
-                                        <p:cTn id="16" dur="250"/>
-                                        <p:tgtEl>
-                                          <p:spTgt spid="4"/>
-                                        </p:tgtEl>
-                                      </p:cBhvr>
-                                    </p:animEffect>
-                                  </p:childTnLst>
-                                </p:cTn>
-                              </p:par>
-                            </p:childTnLst>
-                          </p:cTn>
-                        </p:par>
-                      </p:childTnLst>
-                    </p:cTn>
-                  </p:par>
-                  <p:par>
-                    <p:cTn id="17" fill="hold">
-                      <p:stCondLst>
-                        <p:cond delay="indefinite"/>
-                      </p:stCondLst>
-                      <p:childTnLst>
-                        <p:par>
-                          <p:cTn id="18" fill="hold">
-                            <p:stCondLst>
-                              <p:cond delay="0"/>
-                            </p:stCondLst>
-                            <p:childTnLst>
-                              <p:par>
-                                <p:cTn id="19" presetID="10" presetClass="entr" presetSubtype="0" fill="hold" nodeType="clickEffect">
-                                  <p:stCondLst>
-                                    <p:cond delay="0"/>
-                                  </p:stCondLst>
-                                  <p:childTnLst>
-                                    <p:set>
-                                      <p:cBhvr>
-                                        <p:cTn id="20" dur="1" fill="hold">
-                                          <p:stCondLst>
-                                            <p:cond delay="0"/>
-                                          </p:stCondLst>
-                                        </p:cTn>
-                                        <p:tgtEl>
-                                          <p:spTgt spid="6"/>
-                                        </p:tgtEl>
-                                        <p:attrNameLst>
-                                          <p:attrName>style.visibility</p:attrName>
-                                        </p:attrNameLst>
-                                      </p:cBhvr>
-                                      <p:to>
-                                        <p:strVal val="visible"/>
-                                      </p:to>
-                                    </p:set>
-                                    <p:animEffect transition="in" filter="fade">
-                                      <p:cBhvr>
-                                        <p:cTn id="21" dur="250"/>
-                                        <p:tgtEl>
-                                          <p:spTgt spid="6"/>
-                                        </p:tgtEl>
-                                      </p:cBhvr>
-                                    </p:animEffect>
-                                  </p:childTnLst>
-                                </p:cTn>
-                              </p:par>
-                            </p:childTnLst>
-                          </p:cTn>
-                        </p:par>
-                      </p:childTnLst>
-                    </p:cTn>
-                  </p:par>
-                  <p:par>
-                    <p:cTn id="22" fill="hold">
-                      <p:stCondLst>
-                        <p:cond delay="indefinite"/>
-                      </p:stCondLst>
-                      <p:childTnLst>
-                        <p:par>
-                          <p:cTn id="23" fill="hold">
-                            <p:stCondLst>
-                              <p:cond delay="0"/>
-                            </p:stCondLst>
-                            <p:childTnLst>
-                              <p:par>
-                                <p:cTn id="24" presetID="10" presetClass="entr" presetSubtype="0" fill="hold" nodeType="clickEffect">
-                                  <p:stCondLst>
-                                    <p:cond delay="0"/>
-                                  </p:stCondLst>
-                                  <p:childTnLst>
-                                    <p:set>
-                                      <p:cBhvr>
-                                        <p:cTn id="25" dur="1" fill="hold">
-                                          <p:stCondLst>
-                                            <p:cond delay="0"/>
-                                          </p:stCondLst>
-                                        </p:cTn>
-                                        <p:tgtEl>
-                                          <p:spTgt spid="9"/>
-                                        </p:tgtEl>
-                                        <p:attrNameLst>
-                                          <p:attrName>style.visibility</p:attrName>
-                                        </p:attrNameLst>
-                                      </p:cBhvr>
-                                      <p:to>
-                                        <p:strVal val="visible"/>
-                                      </p:to>
-                                    </p:set>
-                                    <p:animEffect transition="in" filter="fade">
-                                      <p:cBhvr>
-                                        <p:cTn id="26" dur="250"/>
-                                        <p:tgtEl>
-                                          <p:spTgt spid="9"/>
-                                        </p:tgtEl>
-                                      </p:cBhvr>
-                                    </p:animEffect>
-                                  </p:childTnLst>
-                                </p:cTn>
-                              </p:par>
-                            </p:childTnLst>
-                          </p:cTn>
-                        </p:par>
-                      </p:childTnLst>
-                    </p:cTn>
-                  </p:par>
-                </p:childTnLst>
-              </p:cTn>
-              <p:prevCondLst>
-                <p:cond evt="onPrev" delay="0">
-                  <p:tgtEl>
-                    <p:sldTgt/>
-                  </p:tgtEl>
-                </p:cond>
-              </p:prevCondLst>
-              <p:nextCondLst>
-                <p:cond evt="onNext" delay="0">
-                  <p:tgtEl>
-                    <p:sldTgt/>
-                  </p:tgtEl>
-                </p:cond>
-              </p:nextCondLst>
-            </p:seq>
-          </p:childTnLst>
-        </p:cTn>
-      </p:par>
-    </p:tnLst>
-    <p:bldLst>
-      <p:bldP spid="15" grpId="0"/>
-    </p:bldLst>
-  </p:timing>
-</p:sld>
-</file>
-
-<file path=ppt/slides/slide40.xml><?xml version="1.0" encoding="utf-8"?>
+<file path=ppt/slides/slide39.xml><?xml version="1.0" encoding="utf-8"?>
 <p:sld xmlns:a="http://schemas.openxmlformats.org/drawingml/2006/main" xmlns:r="http://schemas.openxmlformats.org/officeDocument/2006/relationships" xmlns:p="http://schemas.openxmlformats.org/presentationml/2006/main">
   <p:cSld>
     <p:spTree>
@@ -35491,6 +34141,728 @@
 </p:sld>
 </file>
 
+<file path=ppt/slides/slide4.xml><?xml version="1.0" encoding="utf-8"?>
+<p:sld xmlns:a="http://schemas.openxmlformats.org/drawingml/2006/main" xmlns:r="http://schemas.openxmlformats.org/officeDocument/2006/relationships" xmlns:p="http://schemas.openxmlformats.org/presentationml/2006/main">
+  <p:cSld>
+    <p:spTree>
+      <p:nvGrpSpPr>
+        <p:cNvPr id="1" name=""/>
+        <p:cNvGrpSpPr/>
+        <p:nvPr/>
+      </p:nvGrpSpPr>
+      <p:grpSpPr>
+        <a:xfrm>
+          <a:off x="0" y="0"/>
+          <a:ext cx="0" cy="0"/>
+          <a:chOff x="0" y="0"/>
+          <a:chExt cx="0" cy="0"/>
+        </a:xfrm>
+      </p:grpSpPr>
+      <p:grpSp>
+        <p:nvGrpSpPr>
+          <p:cNvPr id="4" name="Group 3">
+            <a:extLst>
+              <a:ext uri="{FF2B5EF4-FFF2-40B4-BE49-F238E27FC236}">
+                <a16:creationId xmlns:a16="http://schemas.microsoft.com/office/drawing/2014/main" id="{76D0AD62-610F-2343-9B0E-52F648458EA8}"/>
+              </a:ext>
+            </a:extLst>
+          </p:cNvPr>
+          <p:cNvGrpSpPr/>
+          <p:nvPr/>
+        </p:nvGrpSpPr>
+        <p:grpSpPr>
+          <a:xfrm>
+            <a:off x="209549" y="1669464"/>
+            <a:ext cx="8724901" cy="954107"/>
+            <a:chOff x="304800" y="4648200"/>
+            <a:chExt cx="8724901" cy="954107"/>
+          </a:xfrm>
+        </p:grpSpPr>
+        <p:sp>
+          <p:nvSpPr>
+            <p:cNvPr id="2" name="TextBox 1">
+              <a:extLst>
+                <a:ext uri="{FF2B5EF4-FFF2-40B4-BE49-F238E27FC236}">
+                  <a16:creationId xmlns:a16="http://schemas.microsoft.com/office/drawing/2014/main" id="{65E69FF4-5D6C-1F4A-BC1D-8328E1004154}"/>
+                </a:ext>
+              </a:extLst>
+            </p:cNvPr>
+            <p:cNvSpPr txBox="1"/>
+            <p:nvPr/>
+          </p:nvSpPr>
+          <p:spPr>
+            <a:xfrm>
+              <a:off x="304800" y="4648200"/>
+              <a:ext cx="1147943" cy="523220"/>
+            </a:xfrm>
+            <a:prstGeom prst="rect">
+              <a:avLst/>
+            </a:prstGeom>
+            <a:noFill/>
+          </p:spPr>
+          <p:txBody>
+            <a:bodyPr wrap="none" rtlCol="0">
+              <a:spAutoFit/>
+            </a:bodyPr>
+            <a:lstStyle/>
+            <a:p>
+              <a:r>
+                <a:rPr lang="en-US" sz="2800" dirty="0">
+                  <a:solidFill>
+                    <a:srgbClr val="009EC0"/>
+                  </a:solidFill>
+                </a:rPr>
+                <a:t>What?</a:t>
+              </a:r>
+            </a:p>
+          </p:txBody>
+        </p:sp>
+        <p:sp>
+          <p:nvSpPr>
+            <p:cNvPr id="3" name="TextBox 2">
+              <a:extLst>
+                <a:ext uri="{FF2B5EF4-FFF2-40B4-BE49-F238E27FC236}">
+                  <a16:creationId xmlns:a16="http://schemas.microsoft.com/office/drawing/2014/main" id="{E796A5EC-87C6-D048-8010-771FD1CA8E24}"/>
+                </a:ext>
+              </a:extLst>
+            </p:cNvPr>
+            <p:cNvSpPr txBox="1"/>
+            <p:nvPr/>
+          </p:nvSpPr>
+          <p:spPr>
+            <a:xfrm>
+              <a:off x="1600201" y="4648200"/>
+              <a:ext cx="7429500" cy="954107"/>
+            </a:xfrm>
+            <a:prstGeom prst="rect">
+              <a:avLst/>
+            </a:prstGeom>
+            <a:noFill/>
+          </p:spPr>
+          <p:txBody>
+            <a:bodyPr wrap="square" rtlCol="0">
+              <a:spAutoFit/>
+            </a:bodyPr>
+            <a:lstStyle/>
+            <a:p>
+              <a:r>
+                <a:rPr lang="en-US" sz="2800" dirty="0"/>
+                <a:t>Know how we can determine what the original accounts said despite not having the originals</a:t>
+              </a:r>
+            </a:p>
+          </p:txBody>
+        </p:sp>
+      </p:grpSp>
+      <p:grpSp>
+        <p:nvGrpSpPr>
+          <p:cNvPr id="6" name="Group 5">
+            <a:extLst>
+              <a:ext uri="{FF2B5EF4-FFF2-40B4-BE49-F238E27FC236}">
+                <a16:creationId xmlns:a16="http://schemas.microsoft.com/office/drawing/2014/main" id="{16DEED69-411E-5C47-8C2F-1FA7F3AC4BAB}"/>
+              </a:ext>
+            </a:extLst>
+          </p:cNvPr>
+          <p:cNvGrpSpPr/>
+          <p:nvPr/>
+        </p:nvGrpSpPr>
+        <p:grpSpPr>
+          <a:xfrm>
+            <a:off x="209549" y="2779693"/>
+            <a:ext cx="8724901" cy="954107"/>
+            <a:chOff x="304800" y="4648200"/>
+            <a:chExt cx="8724901" cy="954107"/>
+          </a:xfrm>
+        </p:grpSpPr>
+        <p:sp>
+          <p:nvSpPr>
+            <p:cNvPr id="7" name="TextBox 6">
+              <a:extLst>
+                <a:ext uri="{FF2B5EF4-FFF2-40B4-BE49-F238E27FC236}">
+                  <a16:creationId xmlns:a16="http://schemas.microsoft.com/office/drawing/2014/main" id="{0BE67C1E-EE53-F64B-A1C4-C71C7BD5283F}"/>
+                </a:ext>
+              </a:extLst>
+            </p:cNvPr>
+            <p:cNvSpPr txBox="1"/>
+            <p:nvPr/>
+          </p:nvSpPr>
+          <p:spPr>
+            <a:xfrm>
+              <a:off x="304800" y="4648200"/>
+              <a:ext cx="1014765" cy="523220"/>
+            </a:xfrm>
+            <a:prstGeom prst="rect">
+              <a:avLst/>
+            </a:prstGeom>
+            <a:noFill/>
+          </p:spPr>
+          <p:txBody>
+            <a:bodyPr wrap="none" rtlCol="0">
+              <a:spAutoFit/>
+            </a:bodyPr>
+            <a:lstStyle/>
+            <a:p>
+              <a:r>
+                <a:rPr lang="en-US" sz="2800" dirty="0">
+                  <a:solidFill>
+                    <a:srgbClr val="009EC0"/>
+                  </a:solidFill>
+                </a:rPr>
+                <a:t>Why?</a:t>
+              </a:r>
+            </a:p>
+          </p:txBody>
+        </p:sp>
+        <p:sp>
+          <p:nvSpPr>
+            <p:cNvPr id="8" name="TextBox 7">
+              <a:extLst>
+                <a:ext uri="{FF2B5EF4-FFF2-40B4-BE49-F238E27FC236}">
+                  <a16:creationId xmlns:a16="http://schemas.microsoft.com/office/drawing/2014/main" id="{44657A2D-A10C-1745-AFDB-1C0FC5EA2AAD}"/>
+                </a:ext>
+              </a:extLst>
+            </p:cNvPr>
+            <p:cNvSpPr txBox="1"/>
+            <p:nvPr/>
+          </p:nvSpPr>
+          <p:spPr>
+            <a:xfrm>
+              <a:off x="1600201" y="4648200"/>
+              <a:ext cx="7429500" cy="954107"/>
+            </a:xfrm>
+            <a:prstGeom prst="rect">
+              <a:avLst/>
+            </a:prstGeom>
+            <a:noFill/>
+          </p:spPr>
+          <p:txBody>
+            <a:bodyPr wrap="square" rtlCol="0">
+              <a:spAutoFit/>
+            </a:bodyPr>
+            <a:lstStyle/>
+            <a:p>
+              <a:r>
+                <a:rPr lang="en-US" sz="2800" dirty="0"/>
+                <a:t>To prevent people from being “blinded by science” </a:t>
+              </a:r>
+              <a:r>
+                <a:rPr lang="en-US" sz="2800"/>
+                <a:t>regarding scribal errors</a:t>
+              </a:r>
+              <a:endParaRPr lang="en-US" sz="2800" dirty="0"/>
+            </a:p>
+          </p:txBody>
+        </p:sp>
+      </p:grpSp>
+      <p:grpSp>
+        <p:nvGrpSpPr>
+          <p:cNvPr id="9" name="Group 8">
+            <a:extLst>
+              <a:ext uri="{FF2B5EF4-FFF2-40B4-BE49-F238E27FC236}">
+                <a16:creationId xmlns:a16="http://schemas.microsoft.com/office/drawing/2014/main" id="{493A2E7B-FE2C-7045-B882-6D1EC3306C1D}"/>
+              </a:ext>
+            </a:extLst>
+          </p:cNvPr>
+          <p:cNvGrpSpPr/>
+          <p:nvPr/>
+        </p:nvGrpSpPr>
+        <p:grpSpPr>
+          <a:xfrm>
+            <a:off x="209549" y="3914507"/>
+            <a:ext cx="8934443" cy="1369606"/>
+            <a:chOff x="304800" y="4648200"/>
+            <a:chExt cx="8934443" cy="1369606"/>
+          </a:xfrm>
+        </p:grpSpPr>
+        <p:sp>
+          <p:nvSpPr>
+            <p:cNvPr id="10" name="TextBox 9">
+              <a:extLst>
+                <a:ext uri="{FF2B5EF4-FFF2-40B4-BE49-F238E27FC236}">
+                  <a16:creationId xmlns:a16="http://schemas.microsoft.com/office/drawing/2014/main" id="{DCC9CB31-E9E8-7549-8460-8E8840BD1585}"/>
+                </a:ext>
+              </a:extLst>
+            </p:cNvPr>
+            <p:cNvSpPr txBox="1"/>
+            <p:nvPr/>
+          </p:nvSpPr>
+          <p:spPr>
+            <a:xfrm>
+              <a:off x="304800" y="4648200"/>
+              <a:ext cx="1020023" cy="523220"/>
+            </a:xfrm>
+            <a:prstGeom prst="rect">
+              <a:avLst/>
+            </a:prstGeom>
+            <a:noFill/>
+          </p:spPr>
+          <p:txBody>
+            <a:bodyPr wrap="none" rtlCol="0">
+              <a:spAutoFit/>
+            </a:bodyPr>
+            <a:lstStyle/>
+            <a:p>
+              <a:r>
+                <a:rPr lang="en-US" sz="2800" dirty="0">
+                  <a:solidFill>
+                    <a:srgbClr val="009EC0"/>
+                  </a:solidFill>
+                </a:rPr>
+                <a:t>How?</a:t>
+              </a:r>
+            </a:p>
+          </p:txBody>
+        </p:sp>
+        <p:sp>
+          <p:nvSpPr>
+            <p:cNvPr id="11" name="TextBox 10">
+              <a:extLst>
+                <a:ext uri="{FF2B5EF4-FFF2-40B4-BE49-F238E27FC236}">
+                  <a16:creationId xmlns:a16="http://schemas.microsoft.com/office/drawing/2014/main" id="{4729ADED-FFF5-454C-BE17-6323C474D829}"/>
+                </a:ext>
+              </a:extLst>
+            </p:cNvPr>
+            <p:cNvSpPr txBox="1"/>
+            <p:nvPr/>
+          </p:nvSpPr>
+          <p:spPr>
+            <a:xfrm>
+              <a:off x="1600200" y="4648200"/>
+              <a:ext cx="7639043" cy="1369606"/>
+            </a:xfrm>
+            <a:prstGeom prst="rect">
+              <a:avLst/>
+            </a:prstGeom>
+            <a:noFill/>
+          </p:spPr>
+          <p:txBody>
+            <a:bodyPr wrap="square" rtlCol="0">
+              <a:spAutoFit/>
+            </a:bodyPr>
+            <a:lstStyle/>
+            <a:p>
+              <a:r>
+                <a:rPr lang="en-US" sz="2800" dirty="0"/>
+                <a:t>By showing that:</a:t>
+              </a:r>
+            </a:p>
+            <a:p>
+              <a:pPr marL="514350" indent="-514350">
+                <a:buFont typeface="+mj-lt"/>
+                <a:buAutoNum type="arabicPeriod"/>
+              </a:pPr>
+              <a:r>
+                <a:rPr lang="en-US" sz="2800" dirty="0"/>
+                <a:t>Variations in the text aren’t critical</a:t>
+              </a:r>
+            </a:p>
+            <a:p>
+              <a:pPr marL="514350" indent="-514350">
+                <a:buFont typeface="+mj-lt"/>
+                <a:buAutoNum type="arabicPeriod"/>
+              </a:pPr>
+              <a:r>
+                <a:rPr lang="en-US" sz="2700" dirty="0" err="1"/>
+                <a:t>Ehrman</a:t>
+              </a:r>
+              <a:r>
+                <a:rPr lang="en-US" sz="2700" dirty="0"/>
+                <a:t> overstates his claim (by quoting </a:t>
+              </a:r>
+              <a:r>
+                <a:rPr lang="en-US" sz="2700" dirty="0" err="1"/>
+                <a:t>Ehrman</a:t>
+              </a:r>
+              <a:r>
+                <a:rPr lang="en-US" sz="2700" dirty="0"/>
+                <a:t>)</a:t>
+              </a:r>
+            </a:p>
+          </p:txBody>
+        </p:sp>
+      </p:grpSp>
+      <p:cxnSp>
+        <p:nvCxnSpPr>
+          <p:cNvPr id="13" name="Straight Connector 12">
+            <a:extLst>
+              <a:ext uri="{FF2B5EF4-FFF2-40B4-BE49-F238E27FC236}">
+                <a16:creationId xmlns:a16="http://schemas.microsoft.com/office/drawing/2014/main" id="{09B462F9-C753-8044-8DE2-965ABC154D9C}"/>
+              </a:ext>
+            </a:extLst>
+          </p:cNvPr>
+          <p:cNvCxnSpPr>
+            <a:cxnSpLocks/>
+          </p:cNvCxnSpPr>
+          <p:nvPr/>
+        </p:nvCxnSpPr>
+        <p:spPr>
+          <a:xfrm>
+            <a:off x="1373874" y="1669464"/>
+            <a:ext cx="0" cy="4197936"/>
+          </a:xfrm>
+          <a:prstGeom prst="line">
+            <a:avLst/>
+          </a:prstGeom>
+          <a:ln>
+            <a:solidFill>
+              <a:schemeClr val="bg1">
+                <a:lumMod val="75000"/>
+                <a:lumOff val="25000"/>
+              </a:schemeClr>
+            </a:solidFill>
+          </a:ln>
+        </p:spPr>
+        <p:style>
+          <a:lnRef idx="1">
+            <a:schemeClr val="accent1"/>
+          </a:lnRef>
+          <a:fillRef idx="0">
+            <a:schemeClr val="accent1"/>
+          </a:fillRef>
+          <a:effectRef idx="0">
+            <a:schemeClr val="accent1"/>
+          </a:effectRef>
+          <a:fontRef idx="minor">
+            <a:schemeClr val="tx1"/>
+          </a:fontRef>
+        </p:style>
+      </p:cxnSp>
+      <p:sp>
+        <p:nvSpPr>
+          <p:cNvPr id="15" name="TextBox 14">
+            <a:extLst>
+              <a:ext uri="{FF2B5EF4-FFF2-40B4-BE49-F238E27FC236}">
+                <a16:creationId xmlns:a16="http://schemas.microsoft.com/office/drawing/2014/main" id="{C43D1156-26DE-A44F-B5F8-AACFA794E957}"/>
+              </a:ext>
+            </a:extLst>
+          </p:cNvPr>
+          <p:cNvSpPr txBox="1"/>
+          <p:nvPr/>
+        </p:nvSpPr>
+        <p:spPr>
+          <a:xfrm>
+            <a:off x="209549" y="708674"/>
+            <a:ext cx="8934451" cy="769441"/>
+          </a:xfrm>
+          <a:prstGeom prst="rect">
+            <a:avLst/>
+          </a:prstGeom>
+          <a:noFill/>
+        </p:spPr>
+        <p:txBody>
+          <a:bodyPr wrap="square" rtlCol="0">
+            <a:spAutoFit/>
+          </a:bodyPr>
+          <a:lstStyle/>
+          <a:p>
+            <a:r>
+              <a:rPr lang="en-US" sz="4400" b="1" dirty="0"/>
+              <a:t>IDEA IN BRIEF</a:t>
+            </a:r>
+          </a:p>
+        </p:txBody>
+      </p:sp>
+    </p:spTree>
+    <p:extLst>
+      <p:ext uri="{BB962C8B-B14F-4D97-AF65-F5344CB8AC3E}">
+        <p14:creationId xmlns:p14="http://schemas.microsoft.com/office/powerpoint/2010/main" val="1427530079"/>
+      </p:ext>
+    </p:extLst>
+  </p:cSld>
+  <p:clrMapOvr>
+    <a:masterClrMapping/>
+  </p:clrMapOvr>
+  <p:timing>
+    <p:tnLst>
+      <p:par>
+        <p:cTn id="1" dur="indefinite" restart="never" nodeType="tmRoot">
+          <p:childTnLst>
+            <p:seq concurrent="1" nextAc="seek">
+              <p:cTn id="2" dur="indefinite" nodeType="mainSeq">
+                <p:childTnLst>
+                  <p:par>
+                    <p:cTn id="3" fill="hold">
+                      <p:stCondLst>
+                        <p:cond delay="indefinite"/>
+                      </p:stCondLst>
+                      <p:childTnLst>
+                        <p:par>
+                          <p:cTn id="4" fill="hold">
+                            <p:stCondLst>
+                              <p:cond delay="0"/>
+                            </p:stCondLst>
+                            <p:childTnLst>
+                              <p:par>
+                                <p:cTn id="5" presetID="10" presetClass="entr" presetSubtype="0" fill="hold" grpId="0" nodeType="clickEffect">
+                                  <p:stCondLst>
+                                    <p:cond delay="0"/>
+                                  </p:stCondLst>
+                                  <p:childTnLst>
+                                    <p:set>
+                                      <p:cBhvr>
+                                        <p:cTn id="6" dur="1" fill="hold">
+                                          <p:stCondLst>
+                                            <p:cond delay="0"/>
+                                          </p:stCondLst>
+                                        </p:cTn>
+                                        <p:tgtEl>
+                                          <p:spTgt spid="15"/>
+                                        </p:tgtEl>
+                                        <p:attrNameLst>
+                                          <p:attrName>style.visibility</p:attrName>
+                                        </p:attrNameLst>
+                                      </p:cBhvr>
+                                      <p:to>
+                                        <p:strVal val="visible"/>
+                                      </p:to>
+                                    </p:set>
+                                    <p:animEffect transition="in" filter="fade">
+                                      <p:cBhvr>
+                                        <p:cTn id="7" dur="250"/>
+                                        <p:tgtEl>
+                                          <p:spTgt spid="15"/>
+                                        </p:tgtEl>
+                                      </p:cBhvr>
+                                    </p:animEffect>
+                                  </p:childTnLst>
+                                </p:cTn>
+                              </p:par>
+                            </p:childTnLst>
+                          </p:cTn>
+                        </p:par>
+                      </p:childTnLst>
+                    </p:cTn>
+                  </p:par>
+                  <p:par>
+                    <p:cTn id="8" fill="hold">
+                      <p:stCondLst>
+                        <p:cond delay="indefinite"/>
+                      </p:stCondLst>
+                      <p:childTnLst>
+                        <p:par>
+                          <p:cTn id="9" fill="hold">
+                            <p:stCondLst>
+                              <p:cond delay="0"/>
+                            </p:stCondLst>
+                            <p:childTnLst>
+                              <p:par>
+                                <p:cTn id="10" presetID="10" presetClass="entr" presetSubtype="0" fill="hold" nodeType="clickEffect">
+                                  <p:stCondLst>
+                                    <p:cond delay="0"/>
+                                  </p:stCondLst>
+                                  <p:childTnLst>
+                                    <p:set>
+                                      <p:cBhvr>
+                                        <p:cTn id="11" dur="1" fill="hold">
+                                          <p:stCondLst>
+                                            <p:cond delay="0"/>
+                                          </p:stCondLst>
+                                        </p:cTn>
+                                        <p:tgtEl>
+                                          <p:spTgt spid="13"/>
+                                        </p:tgtEl>
+                                        <p:attrNameLst>
+                                          <p:attrName>style.visibility</p:attrName>
+                                        </p:attrNameLst>
+                                      </p:cBhvr>
+                                      <p:to>
+                                        <p:strVal val="visible"/>
+                                      </p:to>
+                                    </p:set>
+                                    <p:animEffect transition="in" filter="fade">
+                                      <p:cBhvr>
+                                        <p:cTn id="12" dur="250"/>
+                                        <p:tgtEl>
+                                          <p:spTgt spid="13"/>
+                                        </p:tgtEl>
+                                      </p:cBhvr>
+                                    </p:animEffect>
+                                  </p:childTnLst>
+                                </p:cTn>
+                              </p:par>
+                            </p:childTnLst>
+                          </p:cTn>
+                        </p:par>
+                        <p:par>
+                          <p:cTn id="13" fill="hold">
+                            <p:stCondLst>
+                              <p:cond delay="250"/>
+                            </p:stCondLst>
+                            <p:childTnLst>
+                              <p:par>
+                                <p:cTn id="14" presetID="10" presetClass="entr" presetSubtype="0" fill="hold" nodeType="afterEffect">
+                                  <p:stCondLst>
+                                    <p:cond delay="0"/>
+                                  </p:stCondLst>
+                                  <p:childTnLst>
+                                    <p:set>
+                                      <p:cBhvr>
+                                        <p:cTn id="15" dur="1" fill="hold">
+                                          <p:stCondLst>
+                                            <p:cond delay="0"/>
+                                          </p:stCondLst>
+                                        </p:cTn>
+                                        <p:tgtEl>
+                                          <p:spTgt spid="4"/>
+                                        </p:tgtEl>
+                                        <p:attrNameLst>
+                                          <p:attrName>style.visibility</p:attrName>
+                                        </p:attrNameLst>
+                                      </p:cBhvr>
+                                      <p:to>
+                                        <p:strVal val="visible"/>
+                                      </p:to>
+                                    </p:set>
+                                    <p:animEffect transition="in" filter="fade">
+                                      <p:cBhvr>
+                                        <p:cTn id="16" dur="250"/>
+                                        <p:tgtEl>
+                                          <p:spTgt spid="4"/>
+                                        </p:tgtEl>
+                                      </p:cBhvr>
+                                    </p:animEffect>
+                                  </p:childTnLst>
+                                </p:cTn>
+                              </p:par>
+                            </p:childTnLst>
+                          </p:cTn>
+                        </p:par>
+                      </p:childTnLst>
+                    </p:cTn>
+                  </p:par>
+                  <p:par>
+                    <p:cTn id="17" fill="hold">
+                      <p:stCondLst>
+                        <p:cond delay="indefinite"/>
+                      </p:stCondLst>
+                      <p:childTnLst>
+                        <p:par>
+                          <p:cTn id="18" fill="hold">
+                            <p:stCondLst>
+                              <p:cond delay="0"/>
+                            </p:stCondLst>
+                            <p:childTnLst>
+                              <p:par>
+                                <p:cTn id="19" presetID="10" presetClass="entr" presetSubtype="0" fill="hold" nodeType="clickEffect">
+                                  <p:stCondLst>
+                                    <p:cond delay="0"/>
+                                  </p:stCondLst>
+                                  <p:childTnLst>
+                                    <p:set>
+                                      <p:cBhvr>
+                                        <p:cTn id="20" dur="1" fill="hold">
+                                          <p:stCondLst>
+                                            <p:cond delay="0"/>
+                                          </p:stCondLst>
+                                        </p:cTn>
+                                        <p:tgtEl>
+                                          <p:spTgt spid="6"/>
+                                        </p:tgtEl>
+                                        <p:attrNameLst>
+                                          <p:attrName>style.visibility</p:attrName>
+                                        </p:attrNameLst>
+                                      </p:cBhvr>
+                                      <p:to>
+                                        <p:strVal val="visible"/>
+                                      </p:to>
+                                    </p:set>
+                                    <p:animEffect transition="in" filter="fade">
+                                      <p:cBhvr>
+                                        <p:cTn id="21" dur="250"/>
+                                        <p:tgtEl>
+                                          <p:spTgt spid="6"/>
+                                        </p:tgtEl>
+                                      </p:cBhvr>
+                                    </p:animEffect>
+                                  </p:childTnLst>
+                                </p:cTn>
+                              </p:par>
+                            </p:childTnLst>
+                          </p:cTn>
+                        </p:par>
+                      </p:childTnLst>
+                    </p:cTn>
+                  </p:par>
+                  <p:par>
+                    <p:cTn id="22" fill="hold">
+                      <p:stCondLst>
+                        <p:cond delay="indefinite"/>
+                      </p:stCondLst>
+                      <p:childTnLst>
+                        <p:par>
+                          <p:cTn id="23" fill="hold">
+                            <p:stCondLst>
+                              <p:cond delay="0"/>
+                            </p:stCondLst>
+                            <p:childTnLst>
+                              <p:par>
+                                <p:cTn id="24" presetID="10" presetClass="entr" presetSubtype="0" fill="hold" nodeType="clickEffect">
+                                  <p:stCondLst>
+                                    <p:cond delay="0"/>
+                                  </p:stCondLst>
+                                  <p:childTnLst>
+                                    <p:set>
+                                      <p:cBhvr>
+                                        <p:cTn id="25" dur="1" fill="hold">
+                                          <p:stCondLst>
+                                            <p:cond delay="0"/>
+                                          </p:stCondLst>
+                                        </p:cTn>
+                                        <p:tgtEl>
+                                          <p:spTgt spid="9"/>
+                                        </p:tgtEl>
+                                        <p:attrNameLst>
+                                          <p:attrName>style.visibility</p:attrName>
+                                        </p:attrNameLst>
+                                      </p:cBhvr>
+                                      <p:to>
+                                        <p:strVal val="visible"/>
+                                      </p:to>
+                                    </p:set>
+                                    <p:animEffect transition="in" filter="fade">
+                                      <p:cBhvr>
+                                        <p:cTn id="26" dur="250"/>
+                                        <p:tgtEl>
+                                          <p:spTgt spid="9"/>
+                                        </p:tgtEl>
+                                      </p:cBhvr>
+                                    </p:animEffect>
+                                  </p:childTnLst>
+                                </p:cTn>
+                              </p:par>
+                            </p:childTnLst>
+                          </p:cTn>
+                        </p:par>
+                      </p:childTnLst>
+                    </p:cTn>
+                  </p:par>
+                </p:childTnLst>
+              </p:cTn>
+              <p:prevCondLst>
+                <p:cond evt="onPrev" delay="0">
+                  <p:tgtEl>
+                    <p:sldTgt/>
+                  </p:tgtEl>
+                </p:cond>
+              </p:prevCondLst>
+              <p:nextCondLst>
+                <p:cond evt="onNext" delay="0">
+                  <p:tgtEl>
+                    <p:sldTgt/>
+                  </p:tgtEl>
+                </p:cond>
+              </p:nextCondLst>
+            </p:seq>
+          </p:childTnLst>
+        </p:cTn>
+      </p:par>
+    </p:tnLst>
+    <p:bldLst>
+      <p:bldP spid="15" grpId="0"/>
+    </p:bldLst>
+  </p:timing>
+</p:sld>
+</file>
+
 <file path=ppt/slides/slide5.xml><?xml version="1.0" encoding="utf-8"?>
 <p:sld xmlns:a="http://schemas.openxmlformats.org/drawingml/2006/main" xmlns:r="http://schemas.openxmlformats.org/officeDocument/2006/relationships" xmlns:p="http://schemas.openxmlformats.org/presentationml/2006/main">
   <p:cSld>
@@ -35522,7 +34894,7 @@
         </p:nvSpPr>
         <p:spPr>
           <a:xfrm>
-            <a:off x="231852" y="295670"/>
+            <a:off x="231852" y="228600"/>
             <a:ext cx="7167108" cy="830997"/>
           </a:xfrm>
           <a:prstGeom prst="rect">
@@ -35747,7 +35119,7 @@
         <p:spPr>
           <a:xfrm>
             <a:off x="231852" y="5731333"/>
-            <a:ext cx="7025692" cy="830997"/>
+            <a:ext cx="7845348" cy="830997"/>
           </a:xfrm>
           <a:prstGeom prst="rect">
             <a:avLst/>
@@ -35797,8 +35169,8 @@
         </p:nvSpPr>
         <p:spPr>
           <a:xfrm>
-            <a:off x="8458200" y="295669"/>
-            <a:ext cx="469380" cy="830997"/>
+            <a:off x="7620001" y="228600"/>
+            <a:ext cx="1307580" cy="830997"/>
           </a:xfrm>
           <a:prstGeom prst="rect">
             <a:avLst/>
@@ -35811,6 +35183,7 @@
           </a:bodyPr>
           <a:lstStyle/>
           <a:p>
+            <a:pPr algn="r"/>
             <a:r>
               <a:rPr lang="en-US" sz="4800" b="1" dirty="0"/>
               <a:t>0</a:t>
@@ -35849,7 +35222,7 @@
             <a:pPr algn="r"/>
             <a:r>
               <a:rPr lang="en-US" sz="4800" b="1" dirty="0"/>
-              <a:t>+1 = 1</a:t>
+              <a:t>1</a:t>
             </a:r>
           </a:p>
         </p:txBody>
@@ -35885,7 +35258,7 @@
             <a:pPr algn="r"/>
             <a:r>
               <a:rPr lang="en-US" sz="4800" b="1" dirty="0"/>
-              <a:t>+2 = 3</a:t>
+              <a:t>2</a:t>
             </a:r>
           </a:p>
         </p:txBody>
@@ -35921,7 +35294,7 @@
             <a:pPr algn="r"/>
             <a:r>
               <a:rPr lang="en-US" sz="4800" b="1" dirty="0"/>
-              <a:t>+1 = 4</a:t>
+              <a:t>3</a:t>
             </a:r>
           </a:p>
         </p:txBody>
@@ -35957,7 +35330,7 @@
             <a:pPr algn="r"/>
             <a:r>
               <a:rPr lang="en-US" sz="4800" b="1" dirty="0"/>
-              <a:t>+1 = 5</a:t>
+              <a:t>4</a:t>
             </a:r>
           </a:p>
         </p:txBody>
@@ -35993,7 +35366,7 @@
             <a:pPr algn="r"/>
             <a:r>
               <a:rPr lang="en-US" sz="4800" b="1" dirty="0"/>
-              <a:t>+1 = 6</a:t>
+              <a:t>5</a:t>
             </a:r>
           </a:p>
         </p:txBody>
